--- a/docs/system_architecture.pptx
+++ b/docs/system_architecture.pptx
@@ -2373,14 +2373,14 @@
       </dgm:t>
     </dgm:pt>
     <dgm:pt modelId="{6F5E7D44-1557-4D24-B418-71C970AD6BEF}">
-      <dgm:prSet/>
+      <dgm:prSet custT="1"/>
       <dgm:spPr/>
       <dgm:t>
         <a:bodyPr/>
         <a:lstStyle/>
         <a:p>
           <a:r>
-            <a:rPr lang="en-SG" dirty="0"/>
+            <a:rPr lang="en-SG" sz="1600" dirty="0"/>
             <a:t>Data Sources (Unstructured — Singapore Budgets)</a:t>
           </a:r>
         </a:p>
@@ -2409,14 +2409,14 @@
       </dgm:t>
     </dgm:pt>
     <dgm:pt modelId="{079FAE3C-BF08-425F-BECA-798B744C0D11}">
-      <dgm:prSet/>
+      <dgm:prSet custT="1"/>
       <dgm:spPr/>
       <dgm:t>
         <a:bodyPr/>
         <a:lstStyle/>
         <a:p>
           <a:r>
-            <a:rPr lang="en-SG" dirty="0"/>
+            <a:rPr lang="en-SG" sz="1600" dirty="0"/>
             <a:t>Ingestion &amp; Preprocessing</a:t>
           </a:r>
         </a:p>
@@ -2445,7 +2445,7 @@
       </dgm:t>
     </dgm:pt>
     <dgm:pt modelId="{27C25BF8-704C-4EDD-AD83-35C8EFC3F1E2}">
-      <dgm:prSet/>
+      <dgm:prSet custT="1"/>
       <dgm:spPr/>
       <dgm:t>
         <a:bodyPr/>
@@ -2455,7 +2455,7 @@
             <a:buNone/>
           </a:pPr>
           <a:r>
-            <a:rPr lang="en-SG" dirty="0"/>
+            <a:rPr lang="en-SG" sz="1600" dirty="0"/>
             <a:t>Knowledge Stores</a:t>
           </a:r>
         </a:p>
@@ -2494,8 +2494,8 @@
             <a:buNone/>
           </a:pPr>
           <a:r>
-            <a:rPr lang="en-SG" sz="1700" dirty="0"/>
-            <a:t>RAG &amp; Agentic AI</a:t>
+            <a:rPr lang="en-SG" sz="1600" dirty="0"/>
+            <a:t>RAG &amp; Agentic AI Orchestration</a:t>
           </a:r>
         </a:p>
       </dgm:t>
@@ -2523,14 +2523,14 @@
       </dgm:t>
     </dgm:pt>
     <dgm:pt modelId="{CA85AEC3-64F6-4ABB-BAE0-5B3CFE072DA2}">
-      <dgm:prSet/>
+      <dgm:prSet custT="1"/>
       <dgm:spPr/>
       <dgm:t>
         <a:bodyPr/>
         <a:lstStyle/>
         <a:p>
           <a:r>
-            <a:rPr lang="en-SG" dirty="0"/>
+            <a:rPr lang="en-SG" sz="1600" dirty="0"/>
             <a:t>Response</a:t>
           </a:r>
         </a:p>
@@ -2559,7 +2559,7 @@
       </dgm:t>
     </dgm:pt>
     <dgm:pt modelId="{FC0F9AFE-2DC1-4CC8-B649-12982D951021}">
-      <dgm:prSet/>
+      <dgm:prSet custT="1"/>
       <dgm:spPr/>
       <dgm:t>
         <a:bodyPr/>
@@ -2570,7 +2570,7 @@
             <a:buChar char="•"/>
           </a:pPr>
           <a:r>
-            <a:rPr lang="en-SG" dirty="0"/>
+            <a:rPr lang="en-SG" sz="1200" dirty="0"/>
             <a:t>Vector DB</a:t>
           </a:r>
         </a:p>
@@ -2599,15 +2599,15 @@
       </dgm:t>
     </dgm:pt>
     <dgm:pt modelId="{160C48D4-816C-4610-8145-C4A8BA1165ED}">
-      <dgm:prSet/>
+      <dgm:prSet custT="1"/>
       <dgm:spPr/>
       <dgm:t>
         <a:bodyPr/>
         <a:lstStyle/>
         <a:p>
           <a:r>
-            <a:rPr lang="en-SG" dirty="0"/>
-            <a:t>Selected multi-modal sources normalized to text </a:t>
+            <a:rPr lang="en-SG" sz="1200" dirty="0"/>
+            <a:t>Tag sources by Financial Year,  Type (Budget Statement / Round-Up Speech)</a:t>
           </a:r>
         </a:p>
       </dgm:t>
@@ -2635,15 +2635,15 @@
       </dgm:t>
     </dgm:pt>
     <dgm:pt modelId="{CF4E7E4F-DF45-4333-BC11-CA48C662E33A}">
-      <dgm:prSet/>
+      <dgm:prSet custT="1"/>
       <dgm:spPr/>
       <dgm:t>
         <a:bodyPr/>
         <a:lstStyle/>
         <a:p>
           <a:r>
-            <a:rPr lang="en-SG" dirty="0"/>
-            <a:t>Budget – 2025 (multi-modal sources; e.g. pdf/html, video-to-transcript)</a:t>
+            <a:rPr lang="en-SG" sz="1200" dirty="0"/>
+            <a:t>10 years Budget Statements, Round-Up Speeches – FY2016 - FY2025</a:t>
           </a:r>
         </a:p>
       </dgm:t>
@@ -2671,14 +2671,14 @@
       </dgm:t>
     </dgm:pt>
     <dgm:pt modelId="{4F971BCF-6BF9-4240-BD4F-DF7FC6ED3A3C}">
-      <dgm:prSet/>
+      <dgm:prSet custT="1"/>
       <dgm:spPr/>
       <dgm:t>
         <a:bodyPr/>
         <a:lstStyle/>
         <a:p>
           <a:r>
-            <a:rPr lang="en-SG" dirty="0"/>
+            <a:rPr lang="en-SG" sz="1200" dirty="0"/>
             <a:t>Dense semantic embedding + Sparse lexical retrieval (BM25)</a:t>
           </a:r>
         </a:p>
@@ -2707,14 +2707,14 @@
       </dgm:t>
     </dgm:pt>
     <dgm:pt modelId="{AD318CD4-0D24-4292-960A-331D4871A296}">
-      <dgm:prSet/>
+      <dgm:prSet custT="1"/>
       <dgm:spPr/>
       <dgm:t>
         <a:bodyPr/>
         <a:lstStyle/>
         <a:p>
           <a:r>
-            <a:rPr lang="en-SG" dirty="0"/>
+            <a:rPr lang="en-SG" sz="1200" dirty="0"/>
             <a:t>Overlapping chunking</a:t>
           </a:r>
         </a:p>
@@ -2742,42 +2742,6 @@
         </a:p>
       </dgm:t>
     </dgm:pt>
-    <dgm:pt modelId="{51F321CE-A9D2-43B2-BBC6-5D911A2C430D}">
-      <dgm:prSet custT="1"/>
-      <dgm:spPr/>
-      <dgm:t>
-        <a:bodyPr/>
-        <a:lstStyle/>
-        <a:p>
-          <a:r>
-            <a:rPr lang="en-SG" sz="1300" b="1" dirty="0"/>
-            <a:t>RAG &amp; Agentic AI Orchestration</a:t>
-          </a:r>
-        </a:p>
-      </dgm:t>
-    </dgm:pt>
-    <dgm:pt modelId="{F3C3F2C6-2B33-41DE-A224-5AB97F56CE35}" type="parTrans" cxnId="{4A1E04E2-21F6-4A6E-A12E-2F8C235FECA6}">
-      <dgm:prSet/>
-      <dgm:spPr/>
-      <dgm:t>
-        <a:bodyPr/>
-        <a:lstStyle/>
-        <a:p>
-          <a:endParaRPr lang="en-SG"/>
-        </a:p>
-      </dgm:t>
-    </dgm:pt>
-    <dgm:pt modelId="{B9B6FE16-BED0-4D31-81DE-5CC4ADD13DA7}" type="sibTrans" cxnId="{4A1E04E2-21F6-4A6E-A12E-2F8C235FECA6}">
-      <dgm:prSet/>
-      <dgm:spPr/>
-      <dgm:t>
-        <a:bodyPr/>
-        <a:lstStyle/>
-        <a:p>
-          <a:endParaRPr lang="en-SG"/>
-        </a:p>
-      </dgm:t>
-    </dgm:pt>
     <dgm:pt modelId="{3BD596F6-11EB-48AD-9E08-8787E5F683F7}">
       <dgm:prSet custT="1"/>
       <dgm:spPr/>
@@ -2790,10 +2754,10 @@
             <a:buChar char="•"/>
           </a:pPr>
           <a:r>
-            <a:rPr lang="en-SG" sz="1300" dirty="0"/>
+            <a:rPr lang="en-SG" sz="1200" dirty="0"/>
             <a:t>With re-ranking retrieval (cross-encoder transformers, non-LLM)</a:t>
           </a:r>
-          <a:endParaRPr lang="en-SG" sz="1300" b="1" dirty="0"/>
+          <a:endParaRPr lang="en-SG" sz="1200" b="1" dirty="0"/>
         </a:p>
       </dgm:t>
     </dgm:pt>
@@ -2877,7 +2841,7 @@
       <dgm:spPr/>
     </dgm:pt>
     <dgm:pt modelId="{35C9A030-F680-4047-A5AD-E01589EA65AB}" type="pres">
-      <dgm:prSet presAssocID="{8D939E49-1DCF-4EA5-8FAD-4C10D1706BBA}" presName="node" presStyleLbl="node1" presStyleIdx="3" presStyleCnt="5" custScaleY="99988" custLinFactNeighborX="5231" custLinFactNeighborY="-226">
+      <dgm:prSet presAssocID="{8D939E49-1DCF-4EA5-8FAD-4C10D1706BBA}" presName="node" presStyleLbl="node1" presStyleIdx="3" presStyleCnt="5" custScaleX="104663" custScaleY="99988" custLinFactNeighborX="5231" custLinFactNeighborY="-226">
         <dgm:presLayoutVars>
           <dgm:bulletEnabled val="1"/>
         </dgm:presLayoutVars>
@@ -2905,7 +2869,6 @@
     <dgm:cxn modelId="{48F04302-DD6A-484E-AFCD-D92C8A99D2A8}" type="presOf" srcId="{4E8D1881-922E-437F-B010-AA1E6A222DFE}" destId="{5ACAF45A-2293-4DEB-A521-8230FD18B43C}" srcOrd="0" destOrd="0" presId="urn:microsoft.com/office/officeart/2005/8/layout/process1"/>
     <dgm:cxn modelId="{5CC78B03-FFE8-4425-B89B-296BEC8F4D01}" srcId="{079FAE3C-BF08-425F-BECA-798B744C0D11}" destId="{4F971BCF-6BF9-4240-BD4F-DF7FC6ED3A3C}" srcOrd="2" destOrd="0" parTransId="{7FD38D87-98A3-4038-AAB3-ED60042E90AB}" sibTransId="{EAEAFAAC-29C2-4173-BB09-A9ACE02CAA4A}"/>
     <dgm:cxn modelId="{09675112-9356-460B-804C-288F82767D17}" type="presOf" srcId="{AD318CD4-0D24-4292-960A-331D4871A296}" destId="{92C6CB1E-8AB8-417B-99FC-BDB0633FF67D}" srcOrd="0" destOrd="2" presId="urn:microsoft.com/office/officeart/2005/8/layout/process1"/>
-    <dgm:cxn modelId="{B5E88F15-8D48-4F69-AFCD-BB90541646B4}" type="presOf" srcId="{51F321CE-A9D2-43B2-BBC6-5D911A2C430D}" destId="{35C9A030-F680-4047-A5AD-E01589EA65AB}" srcOrd="0" destOrd="1" presId="urn:microsoft.com/office/officeart/2005/8/layout/process1"/>
     <dgm:cxn modelId="{D59C6718-48B0-41EE-9EFB-8567CAE979BE}" srcId="{6F5E7D44-1557-4D24-B418-71C970AD6BEF}" destId="{CF4E7E4F-DF45-4333-BC11-CA48C662E33A}" srcOrd="0" destOrd="0" parTransId="{97FD80C0-EE24-4989-AC3B-3D2B9D1C6DD7}" sibTransId="{71FD74C0-1BD3-4910-A6E2-97861893B144}"/>
     <dgm:cxn modelId="{B41D552A-A7CD-48A2-B689-A82BDFD5B0FF}" srcId="{27C25BF8-704C-4EDD-AD83-35C8EFC3F1E2}" destId="{FC0F9AFE-2DC1-4CC8-B649-12982D951021}" srcOrd="0" destOrd="0" parTransId="{2FAC6633-295A-4515-96D7-FE1B808C1B63}" sibTransId="{9EDD29D1-B9DF-44B0-8902-9E49AD4AC93B}"/>
     <dgm:cxn modelId="{A558902C-FACF-49D9-9753-2D0A7C7E17C0}" type="presOf" srcId="{27C25BF8-704C-4EDD-AD83-35C8EFC3F1E2}" destId="{35E22166-92D8-4563-AFE1-94814331420D}" srcOrd="0" destOrd="0" presId="urn:microsoft.com/office/officeart/2005/8/layout/process1"/>
@@ -2920,21 +2883,20 @@
     <dgm:cxn modelId="{01EF8482-E188-4101-9624-DEB60ECB022A}" type="presOf" srcId="{079FAE3C-BF08-425F-BECA-798B744C0D11}" destId="{92C6CB1E-8AB8-417B-99FC-BDB0633FF67D}" srcOrd="0" destOrd="0" presId="urn:microsoft.com/office/officeart/2005/8/layout/process1"/>
     <dgm:cxn modelId="{B951F189-DCBE-4370-91A7-4D2985A5388C}" type="presOf" srcId="{8D939E49-1DCF-4EA5-8FAD-4C10D1706BBA}" destId="{35C9A030-F680-4047-A5AD-E01589EA65AB}" srcOrd="0" destOrd="0" presId="urn:microsoft.com/office/officeart/2005/8/layout/process1"/>
     <dgm:cxn modelId="{FF98CE97-4217-4FC3-9B86-5BBDA540C0A6}" type="presOf" srcId="{8B4A4F78-DE25-471A-8C80-F5931F735A9D}" destId="{7894FAD1-982C-4135-BFAC-AAC3B729DCE7}" srcOrd="0" destOrd="0" presId="urn:microsoft.com/office/officeart/2005/8/layout/process1"/>
-    <dgm:cxn modelId="{6E8C0B99-21F6-469C-A307-83DD79A42450}" type="presOf" srcId="{3BD596F6-11EB-48AD-9E08-8787E5F683F7}" destId="{35C9A030-F680-4047-A5AD-E01589EA65AB}" srcOrd="0" destOrd="2" presId="urn:microsoft.com/office/officeart/2005/8/layout/process1"/>
+    <dgm:cxn modelId="{6E8C0B99-21F6-469C-A307-83DD79A42450}" type="presOf" srcId="{3BD596F6-11EB-48AD-9E08-8787E5F683F7}" destId="{35C9A030-F680-4047-A5AD-E01589EA65AB}" srcOrd="0" destOrd="1" presId="urn:microsoft.com/office/officeart/2005/8/layout/process1"/>
     <dgm:cxn modelId="{B6895D99-57E2-4E90-96D1-6D8068EF1F00}" srcId="{33C774CC-5ABC-4DBC-AA95-95A8E9530D0F}" destId="{27C25BF8-704C-4EDD-AD83-35C8EFC3F1E2}" srcOrd="2" destOrd="0" parTransId="{B1030CD2-66E4-4418-B5D8-421063A87A63}" sibTransId="{24A5978D-6909-40FE-907E-7396AD1AE1D2}"/>
     <dgm:cxn modelId="{BF37E6A6-BF8A-4A85-8947-CA083D59FDA9}" srcId="{33C774CC-5ABC-4DBC-AA95-95A8E9530D0F}" destId="{8D939E49-1DCF-4EA5-8FAD-4C10D1706BBA}" srcOrd="3" destOrd="0" parTransId="{FBE8369D-0324-41FE-B007-2B20E3C80C06}" sibTransId="{8B4A4F78-DE25-471A-8C80-F5931F735A9D}"/>
     <dgm:cxn modelId="{C269F3A7-87C3-4D9A-876B-A752FFEC4C5E}" type="presOf" srcId="{E0E4E17F-FE6C-4091-ACB5-7F2D6C4BE1D7}" destId="{C8C2DF9B-2592-4876-8559-E8894F0B09C5}" srcOrd="0" destOrd="0" presId="urn:microsoft.com/office/officeart/2005/8/layout/process1"/>
     <dgm:cxn modelId="{CFE1F6AD-C461-422A-BF11-02DF52A75FFE}" type="presOf" srcId="{CA85AEC3-64F6-4ABB-BAE0-5B3CFE072DA2}" destId="{C16203E6-504B-4580-8F87-8CBB85053497}" srcOrd="0" destOrd="0" presId="urn:microsoft.com/office/officeart/2005/8/layout/process1"/>
     <dgm:cxn modelId="{4A5825BA-5664-4E5A-8EB9-F6C7A6474C13}" srcId="{079FAE3C-BF08-425F-BECA-798B744C0D11}" destId="{AD318CD4-0D24-4292-960A-331D4871A296}" srcOrd="1" destOrd="0" parTransId="{5DD6E0D8-1627-48EF-946B-F1C280CE00B7}" sibTransId="{DC3EF715-4F6E-4BEB-9B25-6555509B9B9C}"/>
     <dgm:cxn modelId="{D50FCABB-2625-4041-9D9B-C96FCFBFBACF}" type="presOf" srcId="{CF4E7E4F-DF45-4333-BC11-CA48C662E33A}" destId="{8B60FB5F-05B2-459A-9300-9D95BF839B98}" srcOrd="0" destOrd="1" presId="urn:microsoft.com/office/officeart/2005/8/layout/process1"/>
-    <dgm:cxn modelId="{DA735BC0-76E0-474D-853A-9CAFEAD6275A}" srcId="{8D939E49-1DCF-4EA5-8FAD-4C10D1706BBA}" destId="{3BD596F6-11EB-48AD-9E08-8787E5F683F7}" srcOrd="1" destOrd="0" parTransId="{F721625A-BF04-47B9-8FE8-F6319B63F2E9}" sibTransId="{4D514DBE-7EA7-4E0C-82DB-BD5CE9853BC7}"/>
+    <dgm:cxn modelId="{DA735BC0-76E0-474D-853A-9CAFEAD6275A}" srcId="{8D939E49-1DCF-4EA5-8FAD-4C10D1706BBA}" destId="{3BD596F6-11EB-48AD-9E08-8787E5F683F7}" srcOrd="0" destOrd="0" parTransId="{F721625A-BF04-47B9-8FE8-F6319B63F2E9}" sibTransId="{4D514DBE-7EA7-4E0C-82DB-BD5CE9853BC7}"/>
     <dgm:cxn modelId="{89E7EEC8-6D59-48DE-A3C0-9EED5C714490}" type="presOf" srcId="{24A5978D-6909-40FE-907E-7396AD1AE1D2}" destId="{97535247-3BF9-4E17-BDB4-1A03A64BCCF8}" srcOrd="0" destOrd="0" presId="urn:microsoft.com/office/officeart/2005/8/layout/process1"/>
     <dgm:cxn modelId="{FDDE30D2-1DF6-4205-AD62-55C99DCBD6A7}" type="presOf" srcId="{6F5E7D44-1557-4D24-B418-71C970AD6BEF}" destId="{8B60FB5F-05B2-459A-9300-9D95BF839B98}" srcOrd="0" destOrd="0" presId="urn:microsoft.com/office/officeart/2005/8/layout/process1"/>
     <dgm:cxn modelId="{B42B22D3-A5F4-462F-8295-0AFA45E9B3DF}" srcId="{33C774CC-5ABC-4DBC-AA95-95A8E9530D0F}" destId="{079FAE3C-BF08-425F-BECA-798B744C0D11}" srcOrd="1" destOrd="0" parTransId="{A29D9133-0987-4FED-9312-D210C92FC2FD}" sibTransId="{4E8D1881-922E-437F-B010-AA1E6A222DFE}"/>
     <dgm:cxn modelId="{2DA59ED4-2DF4-407D-8000-A9FAE5F4F08C}" type="presOf" srcId="{8B4A4F78-DE25-471A-8C80-F5931F735A9D}" destId="{3CBF0380-0755-479F-9DFB-25A252235DAE}" srcOrd="1" destOrd="0" presId="urn:microsoft.com/office/officeart/2005/8/layout/process1"/>
     <dgm:cxn modelId="{CFBA6FDE-69FA-45AD-8199-996CE0013D1F}" type="presOf" srcId="{4F971BCF-6BF9-4240-BD4F-DF7FC6ED3A3C}" destId="{92C6CB1E-8AB8-417B-99FC-BDB0633FF67D}" srcOrd="0" destOrd="3" presId="urn:microsoft.com/office/officeart/2005/8/layout/process1"/>
     <dgm:cxn modelId="{D5D47EDE-44E1-49D9-A863-989628FB031C}" type="presOf" srcId="{4E8D1881-922E-437F-B010-AA1E6A222DFE}" destId="{8F0A802E-4130-4BA7-B156-F1D61C2ED953}" srcOrd="1" destOrd="0" presId="urn:microsoft.com/office/officeart/2005/8/layout/process1"/>
-    <dgm:cxn modelId="{4A1E04E2-21F6-4A6E-A12E-2F8C235FECA6}" srcId="{8D939E49-1DCF-4EA5-8FAD-4C10D1706BBA}" destId="{51F321CE-A9D2-43B2-BBC6-5D911A2C430D}" srcOrd="0" destOrd="0" parTransId="{F3C3F2C6-2B33-41DE-A224-5AB97F56CE35}" sibTransId="{B9B6FE16-BED0-4D31-81DE-5CC4ADD13DA7}"/>
     <dgm:cxn modelId="{C583BF58-51AF-40AA-B853-47C55EF7A119}" type="presParOf" srcId="{98DF7536-9BEC-484E-820A-4149F93A37D7}" destId="{8B60FB5F-05B2-459A-9300-9D95BF839B98}" srcOrd="0" destOrd="0" presId="urn:microsoft.com/office/officeart/2005/8/layout/process1"/>
     <dgm:cxn modelId="{0516B65B-0382-4155-9E38-EFAA6FB25B31}" type="presParOf" srcId="{98DF7536-9BEC-484E-820A-4149F93A37D7}" destId="{C8C2DF9B-2592-4876-8559-E8894F0B09C5}" srcOrd="1" destOrd="0" presId="urn:microsoft.com/office/officeart/2005/8/layout/process1"/>
     <dgm:cxn modelId="{EE5D305E-2F30-499A-9E9F-6BA269C18416}" type="presParOf" srcId="{C8C2DF9B-2592-4876-8559-E8894F0B09C5}" destId="{F8BF7B47-155E-4BC1-9AD2-5A3BBE6D98E3}" srcOrd="0" destOrd="0" presId="urn:microsoft.com/office/officeart/2005/8/layout/process1"/>
@@ -3144,8 +3106,8 @@
       </dsp:nvSpPr>
       <dsp:spPr>
         <a:xfrm>
-          <a:off x="5583" y="624692"/>
-          <a:ext cx="1730981" cy="2543223"/>
+          <a:off x="2339" y="787830"/>
+          <a:ext cx="1719813" cy="2216947"/>
         </a:xfrm>
         <a:prstGeom prst="roundRect">
           <a:avLst>
@@ -3188,12 +3150,12 @@
         </a:fontRef>
       </dsp:style>
       <dsp:txBody>
-        <a:bodyPr spcFirstLastPara="0" vert="horz" wrap="square" lIns="68580" tIns="68580" rIns="68580" bIns="68580" numCol="1" spcCol="1270" anchor="t" anchorCtr="0">
+        <a:bodyPr spcFirstLastPara="0" vert="horz" wrap="square" lIns="60960" tIns="60960" rIns="60960" bIns="60960" numCol="1" spcCol="1270" anchor="t" anchorCtr="0">
           <a:noAutofit/>
         </a:bodyPr>
         <a:lstStyle/>
         <a:p>
-          <a:pPr marL="0" lvl="0" indent="0" algn="l" defTabSz="800100">
+          <a:pPr marL="0" lvl="0" indent="0" algn="l" defTabSz="711200">
             <a:lnSpc>
               <a:spcPct val="90000"/>
             </a:lnSpc>
@@ -3206,12 +3168,12 @@
             <a:buNone/>
           </a:pPr>
           <a:r>
-            <a:rPr lang="en-SG" sz="1800" kern="1200" dirty="0"/>
+            <a:rPr lang="en-SG" sz="1600" kern="1200" dirty="0"/>
             <a:t>Data Sources (Unstructured — Singapore Budgets)</a:t>
           </a:r>
         </a:p>
         <a:p>
-          <a:pPr marL="114300" lvl="1" indent="-114300" algn="l" defTabSz="622300">
+          <a:pPr marL="114300" lvl="1" indent="-114300" algn="l" defTabSz="533400">
             <a:lnSpc>
               <a:spcPct val="90000"/>
             </a:lnSpc>
@@ -3224,14 +3186,14 @@
             <a:buChar char="•"/>
           </a:pPr>
           <a:r>
-            <a:rPr lang="en-SG" sz="1400" kern="1200" dirty="0"/>
-            <a:t>Budget – 2025 (multi-modal sources; e.g. pdf/html, video-to-transcript)</a:t>
+            <a:rPr lang="en-SG" sz="1200" kern="1200" dirty="0"/>
+            <a:t>10 years Budget Statements, Round-Up Speeches – FY2016 - FY2025</a:t>
           </a:r>
         </a:p>
       </dsp:txBody>
       <dsp:txXfrm>
-        <a:off x="56282" y="675391"/>
-        <a:ext cx="1629583" cy="2441825"/>
+        <a:off x="52711" y="838202"/>
+        <a:ext cx="1619069" cy="2116203"/>
       </dsp:txXfrm>
     </dsp:sp>
     <dsp:sp modelId="{C8C2DF9B-2592-4876-8559-E8894F0B09C5}">
@@ -3241,8 +3203,8 @@
       </dsp:nvSpPr>
       <dsp:spPr>
         <a:xfrm>
-          <a:off x="1909663" y="1681662"/>
-          <a:ext cx="366967" cy="429283"/>
+          <a:off x="1894134" y="1683047"/>
+          <a:ext cx="364600" cy="426513"/>
         </a:xfrm>
         <a:prstGeom prst="rightArrow">
           <a:avLst>
@@ -3284,7 +3246,7 @@
         </a:bodyPr>
         <a:lstStyle/>
         <a:p>
-          <a:pPr marL="0" lvl="0" indent="0" algn="ctr" defTabSz="622300">
+          <a:pPr marL="0" lvl="0" indent="0" algn="ctr" defTabSz="844550">
             <a:lnSpc>
               <a:spcPct val="90000"/>
             </a:lnSpc>
@@ -3296,12 +3258,12 @@
             </a:spcAft>
             <a:buNone/>
           </a:pPr>
-          <a:endParaRPr lang="en-SG" sz="1400" kern="1200" dirty="0"/>
+          <a:endParaRPr lang="en-SG" sz="1900" kern="1200" dirty="0"/>
         </a:p>
       </dsp:txBody>
       <dsp:txXfrm>
-        <a:off x="1909663" y="1767519"/>
-        <a:ext cx="256877" cy="257569"/>
+        <a:off x="1894134" y="1768350"/>
+        <a:ext cx="255220" cy="255907"/>
       </dsp:txXfrm>
     </dsp:sp>
     <dsp:sp modelId="{92C6CB1E-8AB8-417B-99FC-BDB0633FF67D}">
@@ -3311,8 +3273,8 @@
       </dsp:nvSpPr>
       <dsp:spPr>
         <a:xfrm>
-          <a:off x="2428957" y="624692"/>
-          <a:ext cx="1730981" cy="2543223"/>
+          <a:off x="2410078" y="787830"/>
+          <a:ext cx="1719813" cy="2216947"/>
         </a:xfrm>
         <a:prstGeom prst="roundRect">
           <a:avLst>
@@ -3355,12 +3317,12 @@
         </a:fontRef>
       </dsp:style>
       <dsp:txBody>
-        <a:bodyPr spcFirstLastPara="0" vert="horz" wrap="square" lIns="68580" tIns="68580" rIns="68580" bIns="68580" numCol="1" spcCol="1270" anchor="t" anchorCtr="0">
+        <a:bodyPr spcFirstLastPara="0" vert="horz" wrap="square" lIns="60960" tIns="60960" rIns="60960" bIns="60960" numCol="1" spcCol="1270" anchor="t" anchorCtr="0">
           <a:noAutofit/>
         </a:bodyPr>
         <a:lstStyle/>
         <a:p>
-          <a:pPr marL="0" lvl="0" indent="0" algn="l" defTabSz="800100">
+          <a:pPr marL="0" lvl="0" indent="0" algn="l" defTabSz="711200">
             <a:lnSpc>
               <a:spcPct val="90000"/>
             </a:lnSpc>
@@ -3373,12 +3335,12 @@
             <a:buNone/>
           </a:pPr>
           <a:r>
-            <a:rPr lang="en-SG" sz="1800" kern="1200" dirty="0"/>
+            <a:rPr lang="en-SG" sz="1600" kern="1200" dirty="0"/>
             <a:t>Ingestion &amp; Preprocessing</a:t>
           </a:r>
         </a:p>
         <a:p>
-          <a:pPr marL="114300" lvl="1" indent="-114300" algn="l" defTabSz="622300">
+          <a:pPr marL="114300" lvl="1" indent="-114300" algn="l" defTabSz="533400">
             <a:lnSpc>
               <a:spcPct val="90000"/>
             </a:lnSpc>
@@ -3391,12 +3353,12 @@
             <a:buChar char="•"/>
           </a:pPr>
           <a:r>
-            <a:rPr lang="en-SG" sz="1400" kern="1200" dirty="0"/>
-            <a:t>Selected multi-modal sources normalized to text </a:t>
+            <a:rPr lang="en-SG" sz="1200" kern="1200" dirty="0"/>
+            <a:t>Tag sources by Financial Year,  Type (Budget Statement / Round-Up Speech)</a:t>
           </a:r>
         </a:p>
         <a:p>
-          <a:pPr marL="114300" lvl="1" indent="-114300" algn="l" defTabSz="622300">
+          <a:pPr marL="114300" lvl="1" indent="-114300" algn="l" defTabSz="533400">
             <a:lnSpc>
               <a:spcPct val="90000"/>
             </a:lnSpc>
@@ -3409,12 +3371,12 @@
             <a:buChar char="•"/>
           </a:pPr>
           <a:r>
-            <a:rPr lang="en-SG" sz="1400" kern="1200" dirty="0"/>
+            <a:rPr lang="en-SG" sz="1200" kern="1200" dirty="0"/>
             <a:t>Overlapping chunking</a:t>
           </a:r>
         </a:p>
         <a:p>
-          <a:pPr marL="114300" lvl="1" indent="-114300" algn="l" defTabSz="622300">
+          <a:pPr marL="114300" lvl="1" indent="-114300" algn="l" defTabSz="533400">
             <a:lnSpc>
               <a:spcPct val="90000"/>
             </a:lnSpc>
@@ -3427,14 +3389,14 @@
             <a:buChar char="•"/>
           </a:pPr>
           <a:r>
-            <a:rPr lang="en-SG" sz="1400" kern="1200" dirty="0"/>
+            <a:rPr lang="en-SG" sz="1200" kern="1200" dirty="0"/>
             <a:t>Dense semantic embedding + Sparse lexical retrieval (BM25)</a:t>
           </a:r>
         </a:p>
       </dsp:txBody>
       <dsp:txXfrm>
-        <a:off x="2479656" y="675391"/>
-        <a:ext cx="1629583" cy="2441825"/>
+        <a:off x="2460450" y="838202"/>
+        <a:ext cx="1619069" cy="2116203"/>
       </dsp:txXfrm>
     </dsp:sp>
     <dsp:sp modelId="{5ACAF45A-2293-4DEB-A521-8230FD18B43C}">
@@ -3444,8 +3406,8 @@
       </dsp:nvSpPr>
       <dsp:spPr>
         <a:xfrm>
-          <a:off x="4333036" y="1681662"/>
-          <a:ext cx="366967" cy="429283"/>
+          <a:off x="4301873" y="1683047"/>
+          <a:ext cx="364600" cy="426513"/>
         </a:xfrm>
         <a:prstGeom prst="rightArrow">
           <a:avLst>
@@ -3487,7 +3449,7 @@
         </a:bodyPr>
         <a:lstStyle/>
         <a:p>
-          <a:pPr marL="0" lvl="0" indent="0" algn="ctr" defTabSz="622300">
+          <a:pPr marL="0" lvl="0" indent="0" algn="ctr" defTabSz="844550">
             <a:lnSpc>
               <a:spcPct val="90000"/>
             </a:lnSpc>
@@ -3499,12 +3461,12 @@
             </a:spcAft>
             <a:buNone/>
           </a:pPr>
-          <a:endParaRPr lang="en-SG" sz="1400" kern="1200" dirty="0"/>
+          <a:endParaRPr lang="en-SG" sz="1900" kern="1200" dirty="0"/>
         </a:p>
       </dsp:txBody>
       <dsp:txXfrm>
-        <a:off x="4333036" y="1767519"/>
-        <a:ext cx="256877" cy="257569"/>
+        <a:off x="4301873" y="1768350"/>
+        <a:ext cx="255220" cy="255907"/>
       </dsp:txXfrm>
     </dsp:sp>
     <dsp:sp modelId="{35E22166-92D8-4563-AFE1-94814331420D}">
@@ -3514,8 +3476,8 @@
       </dsp:nvSpPr>
       <dsp:spPr>
         <a:xfrm>
-          <a:off x="4852330" y="624692"/>
-          <a:ext cx="1730981" cy="2543223"/>
+          <a:off x="4817817" y="787830"/>
+          <a:ext cx="1719813" cy="2216947"/>
         </a:xfrm>
         <a:prstGeom prst="roundRect">
           <a:avLst>
@@ -3558,12 +3520,12 @@
         </a:fontRef>
       </dsp:style>
       <dsp:txBody>
-        <a:bodyPr spcFirstLastPara="0" vert="horz" wrap="square" lIns="68580" tIns="68580" rIns="68580" bIns="68580" numCol="1" spcCol="1270" anchor="t" anchorCtr="0">
+        <a:bodyPr spcFirstLastPara="0" vert="horz" wrap="square" lIns="60960" tIns="60960" rIns="60960" bIns="60960" numCol="1" spcCol="1270" anchor="t" anchorCtr="0">
           <a:noAutofit/>
         </a:bodyPr>
         <a:lstStyle/>
         <a:p>
-          <a:pPr marL="0" lvl="0" indent="0" algn="l" defTabSz="800100">
+          <a:pPr marL="0" lvl="0" indent="0" algn="l" defTabSz="711200">
             <a:lnSpc>
               <a:spcPct val="90000"/>
             </a:lnSpc>
@@ -3576,12 +3538,12 @@
             <a:buNone/>
           </a:pPr>
           <a:r>
-            <a:rPr lang="en-SG" sz="1800" kern="1200" dirty="0"/>
+            <a:rPr lang="en-SG" sz="1600" kern="1200" dirty="0"/>
             <a:t>Knowledge Stores</a:t>
           </a:r>
         </a:p>
         <a:p>
-          <a:pPr marL="114300" lvl="1" indent="-114300" algn="l" defTabSz="622300">
+          <a:pPr marL="114300" lvl="1" indent="-114300" algn="l" defTabSz="533400">
             <a:lnSpc>
               <a:spcPct val="90000"/>
             </a:lnSpc>
@@ -3595,14 +3557,14 @@
             <a:buChar char="•"/>
           </a:pPr>
           <a:r>
-            <a:rPr lang="en-SG" sz="1400" kern="1200" dirty="0"/>
+            <a:rPr lang="en-SG" sz="1200" kern="1200" dirty="0"/>
             <a:t>Vector DB</a:t>
           </a:r>
         </a:p>
       </dsp:txBody>
       <dsp:txXfrm>
-        <a:off x="4903029" y="675391"/>
-        <a:ext cx="1629583" cy="2441825"/>
+        <a:off x="4868189" y="838202"/>
+        <a:ext cx="1619069" cy="2116203"/>
       </dsp:txXfrm>
     </dsp:sp>
     <dsp:sp modelId="{97535247-3BF9-4E17-BDB4-1A03A64BCCF8}">
@@ -3611,9 +3573,9 @@
         <dsp:cNvSpPr/>
       </dsp:nvSpPr>
       <dsp:spPr>
-        <a:xfrm rot="21591967">
-          <a:off x="6765464" y="1678763"/>
-          <a:ext cx="386165" cy="429283"/>
+        <a:xfrm rot="21593065">
+          <a:off x="6718608" y="1680561"/>
+          <a:ext cx="383673" cy="426513"/>
         </a:xfrm>
         <a:prstGeom prst="rightArrow">
           <a:avLst>
@@ -3655,7 +3617,7 @@
         </a:bodyPr>
         <a:lstStyle/>
         <a:p>
-          <a:pPr marL="0" lvl="0" indent="0" algn="ctr" defTabSz="622300">
+          <a:pPr marL="0" lvl="0" indent="0" algn="ctr" defTabSz="844550">
             <a:lnSpc>
               <a:spcPct val="90000"/>
             </a:lnSpc>
@@ -3667,12 +3629,12 @@
             </a:spcAft>
             <a:buNone/>
           </a:pPr>
-          <a:endParaRPr lang="en-SG" sz="1400" kern="1200" dirty="0"/>
+          <a:endParaRPr lang="en-SG" sz="1900" kern="1200" dirty="0"/>
         </a:p>
       </dsp:txBody>
       <dsp:txXfrm>
-        <a:off x="6765464" y="1764755"/>
-        <a:ext cx="270316" cy="257569"/>
+        <a:off x="6718608" y="1765980"/>
+        <a:ext cx="268571" cy="255907"/>
       </dsp:txXfrm>
     </dsp:sp>
     <dsp:sp modelId="{35C9A030-F680-4047-A5AD-E01589EA65AB}">
@@ -3682,8 +3644,8 @@
       </dsp:nvSpPr>
       <dsp:spPr>
         <a:xfrm>
-          <a:off x="7311923" y="619097"/>
-          <a:ext cx="1730981" cy="2542918"/>
+          <a:off x="7261541" y="782953"/>
+          <a:ext cx="1800008" cy="2216681"/>
         </a:xfrm>
         <a:prstGeom prst="roundRect">
           <a:avLst>
@@ -3726,12 +3688,12 @@
         </a:fontRef>
       </dsp:style>
       <dsp:txBody>
-        <a:bodyPr spcFirstLastPara="0" vert="horz" wrap="square" lIns="64770" tIns="64770" rIns="64770" bIns="64770" numCol="1" spcCol="1270" anchor="t" anchorCtr="0">
+        <a:bodyPr spcFirstLastPara="0" vert="horz" wrap="square" lIns="60960" tIns="60960" rIns="60960" bIns="60960" numCol="1" spcCol="1270" anchor="t" anchorCtr="0">
           <a:noAutofit/>
         </a:bodyPr>
         <a:lstStyle/>
         <a:p>
-          <a:pPr marL="0" lvl="0" indent="0" algn="l" defTabSz="755650">
+          <a:pPr marL="0" lvl="0" indent="0" algn="l" defTabSz="711200">
             <a:lnSpc>
               <a:spcPct val="90000"/>
             </a:lnSpc>
@@ -3744,30 +3706,12 @@
             <a:buNone/>
           </a:pPr>
           <a:r>
-            <a:rPr lang="en-SG" sz="1700" kern="1200" dirty="0"/>
-            <a:t>RAG &amp; Agentic AI</a:t>
-          </a:r>
-        </a:p>
-        <a:p>
-          <a:pPr marL="114300" lvl="1" indent="-114300" algn="l" defTabSz="577850">
-            <a:lnSpc>
-              <a:spcPct val="90000"/>
-            </a:lnSpc>
-            <a:spcBef>
-              <a:spcPct val="0"/>
-            </a:spcBef>
-            <a:spcAft>
-              <a:spcPct val="15000"/>
-            </a:spcAft>
-            <a:buChar char="•"/>
-          </a:pPr>
-          <a:r>
-            <a:rPr lang="en-SG" sz="1300" b="1" kern="1200" dirty="0"/>
+            <a:rPr lang="en-SG" sz="1600" kern="1200" dirty="0"/>
             <a:t>RAG &amp; Agentic AI Orchestration</a:t>
           </a:r>
         </a:p>
         <a:p>
-          <a:pPr marL="114300" lvl="1" indent="-114300" algn="l" defTabSz="577850">
+          <a:pPr marL="114300" lvl="1" indent="-114300" algn="l" defTabSz="533400">
             <a:lnSpc>
               <a:spcPct val="90000"/>
             </a:lnSpc>
@@ -3781,15 +3725,15 @@
             <a:buChar char="•"/>
           </a:pPr>
           <a:r>
-            <a:rPr lang="en-SG" sz="1300" kern="1200" dirty="0"/>
+            <a:rPr lang="en-SG" sz="1200" kern="1200" dirty="0"/>
             <a:t>With re-ranking retrieval (cross-encoder transformers, non-LLM)</a:t>
           </a:r>
-          <a:endParaRPr lang="en-SG" sz="1300" b="1" kern="1200" dirty="0"/>
+          <a:endParaRPr lang="en-SG" sz="1200" b="1" kern="1200" dirty="0"/>
         </a:p>
       </dsp:txBody>
       <dsp:txXfrm>
-        <a:off x="7362622" y="669796"/>
-        <a:ext cx="1629583" cy="2441520"/>
+        <a:off x="7314261" y="835673"/>
+        <a:ext cx="1694568" cy="2111241"/>
       </dsp:txXfrm>
     </dsp:sp>
     <dsp:sp modelId="{7894FAD1-982C-4135-BFAC-AAC3B729DCE7}">
@@ -3798,9 +3742,9 @@
         <dsp:cNvSpPr/>
       </dsp:nvSpPr>
       <dsp:spPr>
-        <a:xfrm rot="8277">
-          <a:off x="9206947" y="1678812"/>
-          <a:ext cx="347772" cy="429283"/>
+        <a:xfrm rot="7141">
+          <a:off x="9224534" y="1680604"/>
+          <a:ext cx="345528" cy="426513"/>
         </a:xfrm>
         <a:prstGeom prst="rightArrow">
           <a:avLst>
@@ -3842,7 +3786,7 @@
         </a:bodyPr>
         <a:lstStyle/>
         <a:p>
-          <a:pPr marL="0" lvl="0" indent="0" algn="ctr" defTabSz="622300">
+          <a:pPr marL="0" lvl="0" indent="0" algn="ctr" defTabSz="844550">
             <a:lnSpc>
               <a:spcPct val="90000"/>
             </a:lnSpc>
@@ -3854,12 +3798,12 @@
             </a:spcAft>
             <a:buNone/>
           </a:pPr>
-          <a:endParaRPr lang="en-SG" sz="1400" kern="1200" dirty="0"/>
+          <a:endParaRPr lang="en-SG" sz="1900" kern="1200" dirty="0"/>
         </a:p>
       </dsp:txBody>
       <dsp:txXfrm>
-        <a:off x="9206947" y="1764543"/>
-        <a:ext cx="243440" cy="257569"/>
+        <a:off x="9224534" y="1765799"/>
+        <a:ext cx="241870" cy="255907"/>
       </dsp:txXfrm>
     </dsp:sp>
     <dsp:sp modelId="{C16203E6-504B-4580-8F87-8CBB85053497}">
@@ -3869,8 +3813,8 @@
       </dsp:nvSpPr>
       <dsp:spPr>
         <a:xfrm>
-          <a:off x="9699078" y="624692"/>
-          <a:ext cx="1730981" cy="2543223"/>
+          <a:off x="9713489" y="787830"/>
+          <a:ext cx="1719813" cy="2216947"/>
         </a:xfrm>
         <a:prstGeom prst="roundRect">
           <a:avLst>
@@ -3913,12 +3857,12 @@
         </a:fontRef>
       </dsp:style>
       <dsp:txBody>
-        <a:bodyPr spcFirstLastPara="0" vert="horz" wrap="square" lIns="68580" tIns="68580" rIns="68580" bIns="68580" numCol="1" spcCol="1270" anchor="ctr" anchorCtr="0">
+        <a:bodyPr spcFirstLastPara="0" vert="horz" wrap="square" lIns="60960" tIns="60960" rIns="60960" bIns="60960" numCol="1" spcCol="1270" anchor="ctr" anchorCtr="0">
           <a:noAutofit/>
         </a:bodyPr>
         <a:lstStyle/>
         <a:p>
-          <a:pPr marL="0" lvl="0" indent="0" algn="ctr" defTabSz="800100">
+          <a:pPr marL="0" lvl="0" indent="0" algn="ctr" defTabSz="711200">
             <a:lnSpc>
               <a:spcPct val="90000"/>
             </a:lnSpc>
@@ -3931,14 +3875,14 @@
             <a:buNone/>
           </a:pPr>
           <a:r>
-            <a:rPr lang="en-SG" sz="1800" kern="1200" dirty="0"/>
+            <a:rPr lang="en-SG" sz="1600" kern="1200" dirty="0"/>
             <a:t>Response</a:t>
           </a:r>
         </a:p>
       </dsp:txBody>
       <dsp:txXfrm>
-        <a:off x="9749777" y="675391"/>
-        <a:ext cx="1629583" cy="2441825"/>
+        <a:off x="9763861" y="838202"/>
+        <a:ext cx="1619069" cy="2116203"/>
       </dsp:txXfrm>
     </dsp:sp>
   </dsp:spTree>
@@ -12080,7 +12024,7 @@
           <p:nvPr>
             <p:extLst>
               <p:ext uri="{D42A27DB-BD31-4B8C-83A1-F6EECF244321}">
-                <p14:modId xmlns:p14="http://schemas.microsoft.com/office/powerpoint/2010/main" val="2269382657"/>
+                <p14:modId xmlns:p14="http://schemas.microsoft.com/office/powerpoint/2010/main" val="2073954410"/>
               </p:ext>
             </p:extLst>
           </p:nvPr>
@@ -12125,7 +12069,7 @@
           <a:p>
             <a:r>
               <a:rPr lang="en-SG" i="1" dirty="0"/>
-              <a:t>Key Goal: Chatbot with responses grounded with relevant chunks from curated set of publicly available Singapore Budget Documents (selective multi-modal conversion to text)</a:t>
+              <a:t>Key Goal: Chatbot with responses grounded with relevant chunks from curated set of publicly available Singapore Budget Statements</a:t>
             </a:r>
           </a:p>
         </p:txBody>
@@ -12693,7 +12637,7 @@
                 <a:buNone/>
               </a:pPr>
               <a:r>
-                <a:rPr lang="en-SG" dirty="0"/>
+                <a:rPr lang="en-SG" sz="1600" dirty="0"/>
                 <a:t>User</a:t>
               </a:r>
             </a:p>
@@ -12712,10 +12656,10 @@
                 <a:buChar char="•"/>
               </a:pPr>
               <a:r>
-                <a:rPr lang="en-SG" sz="1000" dirty="0"/>
+                <a:rPr lang="en-SG" sz="1200" dirty="0"/>
                 <a:t>API + UI</a:t>
               </a:r>
-              <a:endParaRPr lang="en-SG" sz="1000" kern="1200" dirty="0"/>
+              <a:endParaRPr lang="en-SG" sz="1200" kern="1200" dirty="0"/>
             </a:p>
           </p:txBody>
         </p:sp>
@@ -12909,6 +12853,44 @@
           <a:p>
             <a:pPr algn="ctr"/>
             <a:endParaRPr lang="en-SG" dirty="0"/>
+          </a:p>
+        </p:txBody>
+      </p:sp>
+      <p:sp>
+        <p:nvSpPr>
+          <p:cNvPr id="14" name="TextBox 13">
+            <a:extLst>
+              <a:ext uri="{FF2B5EF4-FFF2-40B4-BE49-F238E27FC236}">
+                <a16:creationId xmlns:a16="http://schemas.microsoft.com/office/drawing/2014/main" id="{CDF685A2-DDE9-2521-C6C6-1537FC0EF46F}"/>
+              </a:ext>
+            </a:extLst>
+          </p:cNvPr>
+          <p:cNvSpPr txBox="1"/>
+          <p:nvPr/>
+        </p:nvSpPr>
+        <p:spPr>
+          <a:xfrm>
+            <a:off x="357412" y="5256011"/>
+            <a:ext cx="2115569" cy="523220"/>
+          </a:xfrm>
+          <a:prstGeom prst="rect">
+            <a:avLst/>
+          </a:prstGeom>
+          <a:noFill/>
+        </p:spPr>
+        <p:txBody>
+          <a:bodyPr wrap="square">
+            <a:spAutoFit/>
+          </a:bodyPr>
+          <a:lstStyle/>
+          <a:p>
+            <a:r>
+              <a:rPr lang="en-SG" sz="1400" i="1" dirty="0">
+                <a:hlinkClick r:id="rId18"/>
+              </a:rPr>
+              <a:t>Budget Archives | Ministry of Finance (MOF)</a:t>
+            </a:r>
+            <a:endParaRPr lang="en-SG" sz="1400" i="1" dirty="0"/>
           </a:p>
         </p:txBody>
       </p:sp>

--- a/docs/system_architecture.pptx
+++ b/docs/system_architecture.pptx
@@ -118,1500 +118,6 @@
 </file>
 
 <file path=ppt/diagrams/colors1.xml><?xml version="1.0" encoding="utf-8"?>
-<dgm:colorsDef xmlns:dgm="http://schemas.openxmlformats.org/drawingml/2006/diagram" xmlns:a="http://schemas.openxmlformats.org/drawingml/2006/main" uniqueId="urn:microsoft.com/office/officeart/2005/8/colors/accent1_2">
-  <dgm:title val=""/>
-  <dgm:desc val=""/>
-  <dgm:catLst>
-    <dgm:cat type="accent1" pri="11200"/>
-  </dgm:catLst>
-  <dgm:styleLbl name="node0">
-    <dgm:fillClrLst meth="repeat">
-      <a:schemeClr val="accent1"/>
-    </dgm:fillClrLst>
-    <dgm:linClrLst meth="repeat">
-      <a:schemeClr val="lt1"/>
-    </dgm:linClrLst>
-    <dgm:effectClrLst/>
-    <dgm:txLinClrLst/>
-    <dgm:txFillClrLst/>
-    <dgm:txEffectClrLst/>
-  </dgm:styleLbl>
-  <dgm:styleLbl name="alignNode1">
-    <dgm:fillClrLst meth="repeat">
-      <a:schemeClr val="accent1"/>
-    </dgm:fillClrLst>
-    <dgm:linClrLst meth="repeat">
-      <a:schemeClr val="accent1"/>
-    </dgm:linClrLst>
-    <dgm:effectClrLst/>
-    <dgm:txLinClrLst/>
-    <dgm:txFillClrLst/>
-    <dgm:txEffectClrLst/>
-  </dgm:styleLbl>
-  <dgm:styleLbl name="node1">
-    <dgm:fillClrLst meth="repeat">
-      <a:schemeClr val="accent1"/>
-    </dgm:fillClrLst>
-    <dgm:linClrLst meth="repeat">
-      <a:schemeClr val="lt1"/>
-    </dgm:linClrLst>
-    <dgm:effectClrLst/>
-    <dgm:txLinClrLst/>
-    <dgm:txFillClrLst/>
-    <dgm:txEffectClrLst/>
-  </dgm:styleLbl>
-  <dgm:styleLbl name="lnNode1">
-    <dgm:fillClrLst meth="repeat">
-      <a:schemeClr val="accent1"/>
-    </dgm:fillClrLst>
-    <dgm:linClrLst meth="repeat">
-      <a:schemeClr val="lt1"/>
-    </dgm:linClrLst>
-    <dgm:effectClrLst/>
-    <dgm:txLinClrLst/>
-    <dgm:txFillClrLst/>
-    <dgm:txEffectClrLst/>
-  </dgm:styleLbl>
-  <dgm:styleLbl name="vennNode1">
-    <dgm:fillClrLst meth="repeat">
-      <a:schemeClr val="accent1">
-        <a:alpha val="50000"/>
-      </a:schemeClr>
-    </dgm:fillClrLst>
-    <dgm:linClrLst meth="repeat">
-      <a:schemeClr val="lt1"/>
-    </dgm:linClrLst>
-    <dgm:effectClrLst/>
-    <dgm:txLinClrLst/>
-    <dgm:txFillClrLst/>
-    <dgm:txEffectClrLst/>
-  </dgm:styleLbl>
-  <dgm:styleLbl name="node2">
-    <dgm:fillClrLst meth="repeat">
-      <a:schemeClr val="accent1"/>
-    </dgm:fillClrLst>
-    <dgm:linClrLst meth="repeat">
-      <a:schemeClr val="lt1"/>
-    </dgm:linClrLst>
-    <dgm:effectClrLst/>
-    <dgm:txLinClrLst/>
-    <dgm:txFillClrLst/>
-    <dgm:txEffectClrLst/>
-  </dgm:styleLbl>
-  <dgm:styleLbl name="node3">
-    <dgm:fillClrLst meth="repeat">
-      <a:schemeClr val="accent1"/>
-    </dgm:fillClrLst>
-    <dgm:linClrLst meth="repeat">
-      <a:schemeClr val="lt1"/>
-    </dgm:linClrLst>
-    <dgm:effectClrLst/>
-    <dgm:txLinClrLst/>
-    <dgm:txFillClrLst/>
-    <dgm:txEffectClrLst/>
-  </dgm:styleLbl>
-  <dgm:styleLbl name="node4">
-    <dgm:fillClrLst meth="repeat">
-      <a:schemeClr val="accent1"/>
-    </dgm:fillClrLst>
-    <dgm:linClrLst meth="repeat">
-      <a:schemeClr val="lt1"/>
-    </dgm:linClrLst>
-    <dgm:effectClrLst/>
-    <dgm:txLinClrLst/>
-    <dgm:txFillClrLst/>
-    <dgm:txEffectClrLst/>
-  </dgm:styleLbl>
-  <dgm:styleLbl name="fgImgPlace1">
-    <dgm:fillClrLst meth="repeat">
-      <a:schemeClr val="accent1">
-        <a:tint val="50000"/>
-      </a:schemeClr>
-    </dgm:fillClrLst>
-    <dgm:linClrLst meth="repeat">
-      <a:schemeClr val="lt1"/>
-    </dgm:linClrLst>
-    <dgm:effectClrLst/>
-    <dgm:txLinClrLst/>
-    <dgm:txFillClrLst meth="repeat">
-      <a:schemeClr val="lt1"/>
-    </dgm:txFillClrLst>
-    <dgm:txEffectClrLst/>
-  </dgm:styleLbl>
-  <dgm:styleLbl name="alignImgPlace1">
-    <dgm:fillClrLst meth="repeat">
-      <a:schemeClr val="accent1">
-        <a:tint val="50000"/>
-      </a:schemeClr>
-    </dgm:fillClrLst>
-    <dgm:linClrLst meth="repeat">
-      <a:schemeClr val="lt1"/>
-    </dgm:linClrLst>
-    <dgm:effectClrLst/>
-    <dgm:txLinClrLst/>
-    <dgm:txFillClrLst meth="repeat">
-      <a:schemeClr val="lt1"/>
-    </dgm:txFillClrLst>
-    <dgm:txEffectClrLst/>
-  </dgm:styleLbl>
-  <dgm:styleLbl name="bgImgPlace1">
-    <dgm:fillClrLst meth="repeat">
-      <a:schemeClr val="accent1">
-        <a:tint val="50000"/>
-      </a:schemeClr>
-    </dgm:fillClrLst>
-    <dgm:linClrLst meth="repeat">
-      <a:schemeClr val="lt1"/>
-    </dgm:linClrLst>
-    <dgm:effectClrLst/>
-    <dgm:txLinClrLst/>
-    <dgm:txFillClrLst meth="repeat">
-      <a:schemeClr val="lt1"/>
-    </dgm:txFillClrLst>
-    <dgm:txEffectClrLst/>
-  </dgm:styleLbl>
-  <dgm:styleLbl name="sibTrans2D1">
-    <dgm:fillClrLst meth="repeat">
-      <a:schemeClr val="accent1">
-        <a:tint val="60000"/>
-      </a:schemeClr>
-    </dgm:fillClrLst>
-    <dgm:linClrLst meth="repeat">
-      <a:schemeClr val="accent1">
-        <a:tint val="60000"/>
-      </a:schemeClr>
-    </dgm:linClrLst>
-    <dgm:effectClrLst/>
-    <dgm:txLinClrLst/>
-    <dgm:txFillClrLst/>
-    <dgm:txEffectClrLst/>
-  </dgm:styleLbl>
-  <dgm:styleLbl name="fgSibTrans2D1">
-    <dgm:fillClrLst meth="repeat">
-      <a:schemeClr val="accent1">
-        <a:tint val="60000"/>
-      </a:schemeClr>
-    </dgm:fillClrLst>
-    <dgm:linClrLst meth="repeat">
-      <a:schemeClr val="accent1">
-        <a:tint val="60000"/>
-      </a:schemeClr>
-    </dgm:linClrLst>
-    <dgm:effectClrLst/>
-    <dgm:txLinClrLst/>
-    <dgm:txFillClrLst/>
-    <dgm:txEffectClrLst/>
-  </dgm:styleLbl>
-  <dgm:styleLbl name="bgSibTrans2D1">
-    <dgm:fillClrLst meth="repeat">
-      <a:schemeClr val="accent1">
-        <a:tint val="60000"/>
-      </a:schemeClr>
-    </dgm:fillClrLst>
-    <dgm:linClrLst meth="repeat">
-      <a:schemeClr val="accent1">
-        <a:tint val="60000"/>
-      </a:schemeClr>
-    </dgm:linClrLst>
-    <dgm:effectClrLst/>
-    <dgm:txLinClrLst/>
-    <dgm:txFillClrLst/>
-    <dgm:txEffectClrLst/>
-  </dgm:styleLbl>
-  <dgm:styleLbl name="sibTrans1D1">
-    <dgm:fillClrLst meth="repeat">
-      <a:schemeClr val="accent1"/>
-    </dgm:fillClrLst>
-    <dgm:linClrLst meth="repeat">
-      <a:schemeClr val="accent1"/>
-    </dgm:linClrLst>
-    <dgm:effectClrLst/>
-    <dgm:txLinClrLst/>
-    <dgm:txFillClrLst meth="repeat">
-      <a:schemeClr val="tx1"/>
-    </dgm:txFillClrLst>
-    <dgm:txEffectClrLst/>
-  </dgm:styleLbl>
-  <dgm:styleLbl name="callout">
-    <dgm:fillClrLst meth="repeat">
-      <a:schemeClr val="accent1"/>
-    </dgm:fillClrLst>
-    <dgm:linClrLst meth="repeat">
-      <a:schemeClr val="accent1">
-        <a:tint val="50000"/>
-      </a:schemeClr>
-    </dgm:linClrLst>
-    <dgm:effectClrLst/>
-    <dgm:txLinClrLst/>
-    <dgm:txFillClrLst meth="repeat">
-      <a:schemeClr val="tx1"/>
-    </dgm:txFillClrLst>
-    <dgm:txEffectClrLst/>
-  </dgm:styleLbl>
-  <dgm:styleLbl name="asst0">
-    <dgm:fillClrLst meth="repeat">
-      <a:schemeClr val="accent1"/>
-    </dgm:fillClrLst>
-    <dgm:linClrLst meth="repeat">
-      <a:schemeClr val="lt1"/>
-    </dgm:linClrLst>
-    <dgm:effectClrLst/>
-    <dgm:txLinClrLst/>
-    <dgm:txFillClrLst/>
-    <dgm:txEffectClrLst/>
-  </dgm:styleLbl>
-  <dgm:styleLbl name="asst1">
-    <dgm:fillClrLst meth="repeat">
-      <a:schemeClr val="accent1"/>
-    </dgm:fillClrLst>
-    <dgm:linClrLst meth="repeat">
-      <a:schemeClr val="lt1"/>
-    </dgm:linClrLst>
-    <dgm:effectClrLst/>
-    <dgm:txLinClrLst/>
-    <dgm:txFillClrLst/>
-    <dgm:txEffectClrLst/>
-  </dgm:styleLbl>
-  <dgm:styleLbl name="asst2">
-    <dgm:fillClrLst meth="repeat">
-      <a:schemeClr val="accent1"/>
-    </dgm:fillClrLst>
-    <dgm:linClrLst meth="repeat">
-      <a:schemeClr val="lt1"/>
-    </dgm:linClrLst>
-    <dgm:effectClrLst/>
-    <dgm:txLinClrLst/>
-    <dgm:txFillClrLst/>
-    <dgm:txEffectClrLst/>
-  </dgm:styleLbl>
-  <dgm:styleLbl name="asst3">
-    <dgm:fillClrLst meth="repeat">
-      <a:schemeClr val="accent1"/>
-    </dgm:fillClrLst>
-    <dgm:linClrLst meth="repeat">
-      <a:schemeClr val="lt1"/>
-    </dgm:linClrLst>
-    <dgm:effectClrLst/>
-    <dgm:txLinClrLst/>
-    <dgm:txFillClrLst/>
-    <dgm:txEffectClrLst/>
-  </dgm:styleLbl>
-  <dgm:styleLbl name="asst4">
-    <dgm:fillClrLst meth="repeat">
-      <a:schemeClr val="accent1"/>
-    </dgm:fillClrLst>
-    <dgm:linClrLst meth="repeat">
-      <a:schemeClr val="lt1"/>
-    </dgm:linClrLst>
-    <dgm:effectClrLst/>
-    <dgm:txLinClrLst/>
-    <dgm:txFillClrLst/>
-    <dgm:txEffectClrLst/>
-  </dgm:styleLbl>
-  <dgm:styleLbl name="parChTrans2D1">
-    <dgm:fillClrLst meth="repeat">
-      <a:schemeClr val="accent1">
-        <a:tint val="60000"/>
-      </a:schemeClr>
-    </dgm:fillClrLst>
-    <dgm:linClrLst meth="repeat">
-      <a:schemeClr val="accent1">
-        <a:tint val="60000"/>
-      </a:schemeClr>
-    </dgm:linClrLst>
-    <dgm:effectClrLst/>
-    <dgm:txLinClrLst/>
-    <dgm:txFillClrLst meth="repeat">
-      <a:schemeClr val="lt1"/>
-    </dgm:txFillClrLst>
-    <dgm:txEffectClrLst/>
-  </dgm:styleLbl>
-  <dgm:styleLbl name="parChTrans2D2">
-    <dgm:fillClrLst meth="repeat">
-      <a:schemeClr val="accent1"/>
-    </dgm:fillClrLst>
-    <dgm:linClrLst meth="repeat">
-      <a:schemeClr val="accent1"/>
-    </dgm:linClrLst>
-    <dgm:effectClrLst/>
-    <dgm:txLinClrLst/>
-    <dgm:txFillClrLst meth="repeat">
-      <a:schemeClr val="lt1"/>
-    </dgm:txFillClrLst>
-    <dgm:txEffectClrLst/>
-  </dgm:styleLbl>
-  <dgm:styleLbl name="parChTrans2D3">
-    <dgm:fillClrLst meth="repeat">
-      <a:schemeClr val="accent1"/>
-    </dgm:fillClrLst>
-    <dgm:linClrLst meth="repeat">
-      <a:schemeClr val="accent1"/>
-    </dgm:linClrLst>
-    <dgm:effectClrLst/>
-    <dgm:txLinClrLst/>
-    <dgm:txFillClrLst meth="repeat">
-      <a:schemeClr val="lt1"/>
-    </dgm:txFillClrLst>
-    <dgm:txEffectClrLst/>
-  </dgm:styleLbl>
-  <dgm:styleLbl name="parChTrans2D4">
-    <dgm:fillClrLst meth="repeat">
-      <a:schemeClr val="accent1"/>
-    </dgm:fillClrLst>
-    <dgm:linClrLst meth="repeat">
-      <a:schemeClr val="accent1"/>
-    </dgm:linClrLst>
-    <dgm:effectClrLst/>
-    <dgm:txLinClrLst/>
-    <dgm:txFillClrLst meth="repeat">
-      <a:schemeClr val="lt1"/>
-    </dgm:txFillClrLst>
-    <dgm:txEffectClrLst/>
-  </dgm:styleLbl>
-  <dgm:styleLbl name="parChTrans1D1">
-    <dgm:fillClrLst meth="repeat">
-      <a:schemeClr val="accent1"/>
-    </dgm:fillClrLst>
-    <dgm:linClrLst meth="repeat">
-      <a:schemeClr val="accent1">
-        <a:shade val="60000"/>
-      </a:schemeClr>
-    </dgm:linClrLst>
-    <dgm:effectClrLst/>
-    <dgm:txLinClrLst/>
-    <dgm:txFillClrLst meth="repeat">
-      <a:schemeClr val="tx1"/>
-    </dgm:txFillClrLst>
-    <dgm:txEffectClrLst/>
-  </dgm:styleLbl>
-  <dgm:styleLbl name="parChTrans1D2">
-    <dgm:fillClrLst meth="repeat">
-      <a:schemeClr val="accent1"/>
-    </dgm:fillClrLst>
-    <dgm:linClrLst meth="repeat">
-      <a:schemeClr val="accent1">
-        <a:shade val="60000"/>
-      </a:schemeClr>
-    </dgm:linClrLst>
-    <dgm:effectClrLst/>
-    <dgm:txLinClrLst/>
-    <dgm:txFillClrLst meth="repeat">
-      <a:schemeClr val="tx1"/>
-    </dgm:txFillClrLst>
-    <dgm:txEffectClrLst/>
-  </dgm:styleLbl>
-  <dgm:styleLbl name="parChTrans1D3">
-    <dgm:fillClrLst meth="repeat">
-      <a:schemeClr val="accent1"/>
-    </dgm:fillClrLst>
-    <dgm:linClrLst meth="repeat">
-      <a:schemeClr val="accent1">
-        <a:shade val="80000"/>
-      </a:schemeClr>
-    </dgm:linClrLst>
-    <dgm:effectClrLst/>
-    <dgm:txLinClrLst/>
-    <dgm:txFillClrLst meth="repeat">
-      <a:schemeClr val="tx1"/>
-    </dgm:txFillClrLst>
-    <dgm:txEffectClrLst/>
-  </dgm:styleLbl>
-  <dgm:styleLbl name="parChTrans1D4">
-    <dgm:fillClrLst meth="repeat">
-      <a:schemeClr val="accent1"/>
-    </dgm:fillClrLst>
-    <dgm:linClrLst meth="repeat">
-      <a:schemeClr val="accent1">
-        <a:shade val="80000"/>
-      </a:schemeClr>
-    </dgm:linClrLst>
-    <dgm:effectClrLst/>
-    <dgm:txLinClrLst/>
-    <dgm:txFillClrLst meth="repeat">
-      <a:schemeClr val="tx1"/>
-    </dgm:txFillClrLst>
-    <dgm:txEffectClrLst/>
-  </dgm:styleLbl>
-  <dgm:styleLbl name="fgAcc1">
-    <dgm:fillClrLst meth="repeat">
-      <a:schemeClr val="lt1">
-        <a:alpha val="90000"/>
-      </a:schemeClr>
-    </dgm:fillClrLst>
-    <dgm:linClrLst meth="repeat">
-      <a:schemeClr val="accent1"/>
-    </dgm:linClrLst>
-    <dgm:effectClrLst/>
-    <dgm:txLinClrLst/>
-    <dgm:txFillClrLst meth="repeat">
-      <a:schemeClr val="dk1"/>
-    </dgm:txFillClrLst>
-    <dgm:txEffectClrLst/>
-  </dgm:styleLbl>
-  <dgm:styleLbl name="conFgAcc1">
-    <dgm:fillClrLst meth="repeat">
-      <a:schemeClr val="lt1">
-        <a:alpha val="90000"/>
-      </a:schemeClr>
-    </dgm:fillClrLst>
-    <dgm:linClrLst meth="repeat">
-      <a:schemeClr val="accent1"/>
-    </dgm:linClrLst>
-    <dgm:effectClrLst/>
-    <dgm:txLinClrLst/>
-    <dgm:txFillClrLst meth="repeat">
-      <a:schemeClr val="dk1"/>
-    </dgm:txFillClrLst>
-    <dgm:txEffectClrLst/>
-  </dgm:styleLbl>
-  <dgm:styleLbl name="alignAcc1">
-    <dgm:fillClrLst meth="repeat">
-      <a:schemeClr val="lt1">
-        <a:alpha val="90000"/>
-      </a:schemeClr>
-    </dgm:fillClrLst>
-    <dgm:linClrLst meth="repeat">
-      <a:schemeClr val="accent1"/>
-    </dgm:linClrLst>
-    <dgm:effectClrLst/>
-    <dgm:txLinClrLst/>
-    <dgm:txFillClrLst meth="repeat">
-      <a:schemeClr val="dk1"/>
-    </dgm:txFillClrLst>
-    <dgm:txEffectClrLst/>
-  </dgm:styleLbl>
-  <dgm:styleLbl name="trAlignAcc1">
-    <dgm:fillClrLst meth="repeat">
-      <a:schemeClr val="lt1">
-        <a:alpha val="40000"/>
-      </a:schemeClr>
-    </dgm:fillClrLst>
-    <dgm:linClrLst meth="repeat">
-      <a:schemeClr val="accent1"/>
-    </dgm:linClrLst>
-    <dgm:effectClrLst/>
-    <dgm:txLinClrLst/>
-    <dgm:txFillClrLst meth="repeat">
-      <a:schemeClr val="dk1"/>
-    </dgm:txFillClrLst>
-    <dgm:txEffectClrLst/>
-  </dgm:styleLbl>
-  <dgm:styleLbl name="bgAcc1">
-    <dgm:fillClrLst meth="repeat">
-      <a:schemeClr val="lt1">
-        <a:alpha val="90000"/>
-      </a:schemeClr>
-    </dgm:fillClrLst>
-    <dgm:linClrLst meth="repeat">
-      <a:schemeClr val="accent1"/>
-    </dgm:linClrLst>
-    <dgm:effectClrLst/>
-    <dgm:txLinClrLst/>
-    <dgm:txFillClrLst meth="repeat">
-      <a:schemeClr val="dk1"/>
-    </dgm:txFillClrLst>
-    <dgm:txEffectClrLst/>
-  </dgm:styleLbl>
-  <dgm:styleLbl name="solidFgAcc1">
-    <dgm:fillClrLst meth="repeat">
-      <a:schemeClr val="lt1"/>
-    </dgm:fillClrLst>
-    <dgm:linClrLst meth="repeat">
-      <a:schemeClr val="accent1"/>
-    </dgm:linClrLst>
-    <dgm:effectClrLst/>
-    <dgm:txLinClrLst/>
-    <dgm:txFillClrLst meth="repeat">
-      <a:schemeClr val="dk1"/>
-    </dgm:txFillClrLst>
-    <dgm:txEffectClrLst/>
-  </dgm:styleLbl>
-  <dgm:styleLbl name="solidAlignAcc1">
-    <dgm:fillClrLst meth="repeat">
-      <a:schemeClr val="lt1"/>
-    </dgm:fillClrLst>
-    <dgm:linClrLst meth="repeat">
-      <a:schemeClr val="accent1"/>
-    </dgm:linClrLst>
-    <dgm:effectClrLst/>
-    <dgm:txLinClrLst/>
-    <dgm:txFillClrLst meth="repeat">
-      <a:schemeClr val="dk1"/>
-    </dgm:txFillClrLst>
-    <dgm:txEffectClrLst/>
-  </dgm:styleLbl>
-  <dgm:styleLbl name="solidBgAcc1">
-    <dgm:fillClrLst meth="repeat">
-      <a:schemeClr val="lt1"/>
-    </dgm:fillClrLst>
-    <dgm:linClrLst meth="repeat">
-      <a:schemeClr val="accent1"/>
-    </dgm:linClrLst>
-    <dgm:effectClrLst/>
-    <dgm:txLinClrLst/>
-    <dgm:txFillClrLst meth="repeat">
-      <a:schemeClr val="dk1"/>
-    </dgm:txFillClrLst>
-    <dgm:txEffectClrLst/>
-  </dgm:styleLbl>
-  <dgm:styleLbl name="fgAccFollowNode1">
-    <dgm:fillClrLst meth="repeat">
-      <a:schemeClr val="accent1">
-        <a:alpha val="90000"/>
-        <a:tint val="40000"/>
-      </a:schemeClr>
-    </dgm:fillClrLst>
-    <dgm:linClrLst meth="repeat">
-      <a:schemeClr val="accent1">
-        <a:alpha val="90000"/>
-        <a:tint val="40000"/>
-      </a:schemeClr>
-    </dgm:linClrLst>
-    <dgm:effectClrLst/>
-    <dgm:txLinClrLst/>
-    <dgm:txFillClrLst meth="repeat">
-      <a:schemeClr val="dk1"/>
-    </dgm:txFillClrLst>
-    <dgm:txEffectClrLst/>
-  </dgm:styleLbl>
-  <dgm:styleLbl name="alignAccFollowNode1">
-    <dgm:fillClrLst meth="repeat">
-      <a:schemeClr val="accent1">
-        <a:alpha val="90000"/>
-        <a:tint val="40000"/>
-      </a:schemeClr>
-    </dgm:fillClrLst>
-    <dgm:linClrLst meth="repeat">
-      <a:schemeClr val="accent1">
-        <a:alpha val="90000"/>
-        <a:tint val="40000"/>
-      </a:schemeClr>
-    </dgm:linClrLst>
-    <dgm:effectClrLst/>
-    <dgm:txLinClrLst/>
-    <dgm:txFillClrLst meth="repeat">
-      <a:schemeClr val="dk1"/>
-    </dgm:txFillClrLst>
-    <dgm:txEffectClrLst/>
-  </dgm:styleLbl>
-  <dgm:styleLbl name="bgAccFollowNode1">
-    <dgm:fillClrLst meth="repeat">
-      <a:schemeClr val="accent1">
-        <a:alpha val="90000"/>
-        <a:tint val="40000"/>
-      </a:schemeClr>
-    </dgm:fillClrLst>
-    <dgm:linClrLst meth="repeat">
-      <a:schemeClr val="accent1">
-        <a:alpha val="90000"/>
-        <a:tint val="40000"/>
-      </a:schemeClr>
-    </dgm:linClrLst>
-    <dgm:effectClrLst/>
-    <dgm:txLinClrLst/>
-    <dgm:txFillClrLst meth="repeat">
-      <a:schemeClr val="dk1"/>
-    </dgm:txFillClrLst>
-    <dgm:txEffectClrLst/>
-  </dgm:styleLbl>
-  <dgm:styleLbl name="fgAcc0">
-    <dgm:fillClrLst meth="repeat">
-      <a:schemeClr val="lt1">
-        <a:alpha val="90000"/>
-      </a:schemeClr>
-    </dgm:fillClrLst>
-    <dgm:linClrLst meth="repeat">
-      <a:schemeClr val="accent1"/>
-    </dgm:linClrLst>
-    <dgm:effectClrLst/>
-    <dgm:txLinClrLst/>
-    <dgm:txFillClrLst meth="repeat">
-      <a:schemeClr val="dk1"/>
-    </dgm:txFillClrLst>
-    <dgm:txEffectClrLst/>
-  </dgm:styleLbl>
-  <dgm:styleLbl name="fgAcc2">
-    <dgm:fillClrLst meth="repeat">
-      <a:schemeClr val="lt1">
-        <a:alpha val="90000"/>
-      </a:schemeClr>
-    </dgm:fillClrLst>
-    <dgm:linClrLst meth="repeat">
-      <a:schemeClr val="accent1"/>
-    </dgm:linClrLst>
-    <dgm:effectClrLst/>
-    <dgm:txLinClrLst/>
-    <dgm:txFillClrLst meth="repeat">
-      <a:schemeClr val="dk1"/>
-    </dgm:txFillClrLst>
-    <dgm:txEffectClrLst/>
-  </dgm:styleLbl>
-  <dgm:styleLbl name="fgAcc3">
-    <dgm:fillClrLst meth="repeat">
-      <a:schemeClr val="lt1">
-        <a:alpha val="90000"/>
-      </a:schemeClr>
-    </dgm:fillClrLst>
-    <dgm:linClrLst meth="repeat">
-      <a:schemeClr val="accent1"/>
-    </dgm:linClrLst>
-    <dgm:effectClrLst/>
-    <dgm:txLinClrLst/>
-    <dgm:txFillClrLst meth="repeat">
-      <a:schemeClr val="dk1"/>
-    </dgm:txFillClrLst>
-    <dgm:txEffectClrLst/>
-  </dgm:styleLbl>
-  <dgm:styleLbl name="fgAcc4">
-    <dgm:fillClrLst meth="repeat">
-      <a:schemeClr val="lt1">
-        <a:alpha val="90000"/>
-      </a:schemeClr>
-    </dgm:fillClrLst>
-    <dgm:linClrLst meth="repeat">
-      <a:schemeClr val="accent1"/>
-    </dgm:linClrLst>
-    <dgm:effectClrLst/>
-    <dgm:txLinClrLst/>
-    <dgm:txFillClrLst meth="repeat">
-      <a:schemeClr val="dk1"/>
-    </dgm:txFillClrLst>
-    <dgm:txEffectClrLst/>
-  </dgm:styleLbl>
-  <dgm:styleLbl name="bgShp">
-    <dgm:fillClrLst meth="repeat">
-      <a:schemeClr val="accent1">
-        <a:tint val="40000"/>
-      </a:schemeClr>
-    </dgm:fillClrLst>
-    <dgm:linClrLst meth="repeat">
-      <a:schemeClr val="accent1"/>
-    </dgm:linClrLst>
-    <dgm:effectClrLst/>
-    <dgm:txLinClrLst/>
-    <dgm:txFillClrLst meth="repeat">
-      <a:schemeClr val="dk1"/>
-    </dgm:txFillClrLst>
-    <dgm:txEffectClrLst/>
-  </dgm:styleLbl>
-  <dgm:styleLbl name="dkBgShp">
-    <dgm:fillClrLst meth="repeat">
-      <a:schemeClr val="accent1">
-        <a:shade val="80000"/>
-      </a:schemeClr>
-    </dgm:fillClrLst>
-    <dgm:linClrLst meth="repeat">
-      <a:schemeClr val="accent1"/>
-    </dgm:linClrLst>
-    <dgm:effectClrLst/>
-    <dgm:txLinClrLst/>
-    <dgm:txFillClrLst meth="repeat">
-      <a:schemeClr val="lt1"/>
-    </dgm:txFillClrLst>
-    <dgm:txEffectClrLst/>
-  </dgm:styleLbl>
-  <dgm:styleLbl name="trBgShp">
-    <dgm:fillClrLst meth="repeat">
-      <a:schemeClr val="accent1">
-        <a:tint val="50000"/>
-        <a:alpha val="40000"/>
-      </a:schemeClr>
-    </dgm:fillClrLst>
-    <dgm:linClrLst meth="repeat">
-      <a:schemeClr val="accent1"/>
-    </dgm:linClrLst>
-    <dgm:effectClrLst/>
-    <dgm:txLinClrLst/>
-    <dgm:txFillClrLst meth="repeat">
-      <a:schemeClr val="lt1"/>
-    </dgm:txFillClrLst>
-    <dgm:txEffectClrLst/>
-  </dgm:styleLbl>
-  <dgm:styleLbl name="fgShp">
-    <dgm:fillClrLst meth="repeat">
-      <a:schemeClr val="accent1">
-        <a:tint val="60000"/>
-      </a:schemeClr>
-    </dgm:fillClrLst>
-    <dgm:linClrLst meth="repeat">
-      <a:schemeClr val="lt1"/>
-    </dgm:linClrLst>
-    <dgm:effectClrLst/>
-    <dgm:txLinClrLst/>
-    <dgm:txFillClrLst meth="repeat">
-      <a:schemeClr val="dk1"/>
-    </dgm:txFillClrLst>
-    <dgm:txEffectClrLst/>
-  </dgm:styleLbl>
-  <dgm:styleLbl name="revTx">
-    <dgm:fillClrLst meth="repeat">
-      <a:schemeClr val="lt1">
-        <a:alpha val="0"/>
-      </a:schemeClr>
-    </dgm:fillClrLst>
-    <dgm:linClrLst meth="repeat">
-      <a:schemeClr val="dk1">
-        <a:alpha val="0"/>
-      </a:schemeClr>
-    </dgm:linClrLst>
-    <dgm:effectClrLst/>
-    <dgm:txLinClrLst/>
-    <dgm:txFillClrLst meth="repeat">
-      <a:schemeClr val="tx1"/>
-    </dgm:txFillClrLst>
-    <dgm:txEffectClrLst/>
-  </dgm:styleLbl>
-</dgm:colorsDef>
-</file>
-
-<file path=ppt/diagrams/colors2.xml><?xml version="1.0" encoding="utf-8"?>
-<dgm:colorsDef xmlns:dgm="http://schemas.openxmlformats.org/drawingml/2006/diagram" xmlns:a="http://schemas.openxmlformats.org/drawingml/2006/main" uniqueId="urn:microsoft.com/office/officeart/2005/8/colors/accent1_2">
-  <dgm:title val=""/>
-  <dgm:desc val=""/>
-  <dgm:catLst>
-    <dgm:cat type="accent1" pri="11200"/>
-  </dgm:catLst>
-  <dgm:styleLbl name="node0">
-    <dgm:fillClrLst meth="repeat">
-      <a:schemeClr val="accent1"/>
-    </dgm:fillClrLst>
-    <dgm:linClrLst meth="repeat">
-      <a:schemeClr val="lt1"/>
-    </dgm:linClrLst>
-    <dgm:effectClrLst/>
-    <dgm:txLinClrLst/>
-    <dgm:txFillClrLst/>
-    <dgm:txEffectClrLst/>
-  </dgm:styleLbl>
-  <dgm:styleLbl name="alignNode1">
-    <dgm:fillClrLst meth="repeat">
-      <a:schemeClr val="accent1"/>
-    </dgm:fillClrLst>
-    <dgm:linClrLst meth="repeat">
-      <a:schemeClr val="accent1"/>
-    </dgm:linClrLst>
-    <dgm:effectClrLst/>
-    <dgm:txLinClrLst/>
-    <dgm:txFillClrLst/>
-    <dgm:txEffectClrLst/>
-  </dgm:styleLbl>
-  <dgm:styleLbl name="node1">
-    <dgm:fillClrLst meth="repeat">
-      <a:schemeClr val="accent1"/>
-    </dgm:fillClrLst>
-    <dgm:linClrLst meth="repeat">
-      <a:schemeClr val="lt1"/>
-    </dgm:linClrLst>
-    <dgm:effectClrLst/>
-    <dgm:txLinClrLst/>
-    <dgm:txFillClrLst/>
-    <dgm:txEffectClrLst/>
-  </dgm:styleLbl>
-  <dgm:styleLbl name="lnNode1">
-    <dgm:fillClrLst meth="repeat">
-      <a:schemeClr val="accent1"/>
-    </dgm:fillClrLst>
-    <dgm:linClrLst meth="repeat">
-      <a:schemeClr val="lt1"/>
-    </dgm:linClrLst>
-    <dgm:effectClrLst/>
-    <dgm:txLinClrLst/>
-    <dgm:txFillClrLst/>
-    <dgm:txEffectClrLst/>
-  </dgm:styleLbl>
-  <dgm:styleLbl name="vennNode1">
-    <dgm:fillClrLst meth="repeat">
-      <a:schemeClr val="accent1">
-        <a:alpha val="50000"/>
-      </a:schemeClr>
-    </dgm:fillClrLst>
-    <dgm:linClrLst meth="repeat">
-      <a:schemeClr val="lt1"/>
-    </dgm:linClrLst>
-    <dgm:effectClrLst/>
-    <dgm:txLinClrLst/>
-    <dgm:txFillClrLst/>
-    <dgm:txEffectClrLst/>
-  </dgm:styleLbl>
-  <dgm:styleLbl name="node2">
-    <dgm:fillClrLst meth="repeat">
-      <a:schemeClr val="accent1"/>
-    </dgm:fillClrLst>
-    <dgm:linClrLst meth="repeat">
-      <a:schemeClr val="lt1"/>
-    </dgm:linClrLst>
-    <dgm:effectClrLst/>
-    <dgm:txLinClrLst/>
-    <dgm:txFillClrLst/>
-    <dgm:txEffectClrLst/>
-  </dgm:styleLbl>
-  <dgm:styleLbl name="node3">
-    <dgm:fillClrLst meth="repeat">
-      <a:schemeClr val="accent1"/>
-    </dgm:fillClrLst>
-    <dgm:linClrLst meth="repeat">
-      <a:schemeClr val="lt1"/>
-    </dgm:linClrLst>
-    <dgm:effectClrLst/>
-    <dgm:txLinClrLst/>
-    <dgm:txFillClrLst/>
-    <dgm:txEffectClrLst/>
-  </dgm:styleLbl>
-  <dgm:styleLbl name="node4">
-    <dgm:fillClrLst meth="repeat">
-      <a:schemeClr val="accent1"/>
-    </dgm:fillClrLst>
-    <dgm:linClrLst meth="repeat">
-      <a:schemeClr val="lt1"/>
-    </dgm:linClrLst>
-    <dgm:effectClrLst/>
-    <dgm:txLinClrLst/>
-    <dgm:txFillClrLst/>
-    <dgm:txEffectClrLst/>
-  </dgm:styleLbl>
-  <dgm:styleLbl name="fgImgPlace1">
-    <dgm:fillClrLst meth="repeat">
-      <a:schemeClr val="accent1">
-        <a:tint val="50000"/>
-      </a:schemeClr>
-    </dgm:fillClrLst>
-    <dgm:linClrLst meth="repeat">
-      <a:schemeClr val="lt1"/>
-    </dgm:linClrLst>
-    <dgm:effectClrLst/>
-    <dgm:txLinClrLst/>
-    <dgm:txFillClrLst meth="repeat">
-      <a:schemeClr val="lt1"/>
-    </dgm:txFillClrLst>
-    <dgm:txEffectClrLst/>
-  </dgm:styleLbl>
-  <dgm:styleLbl name="alignImgPlace1">
-    <dgm:fillClrLst meth="repeat">
-      <a:schemeClr val="accent1">
-        <a:tint val="50000"/>
-      </a:schemeClr>
-    </dgm:fillClrLst>
-    <dgm:linClrLst meth="repeat">
-      <a:schemeClr val="lt1"/>
-    </dgm:linClrLst>
-    <dgm:effectClrLst/>
-    <dgm:txLinClrLst/>
-    <dgm:txFillClrLst meth="repeat">
-      <a:schemeClr val="lt1"/>
-    </dgm:txFillClrLst>
-    <dgm:txEffectClrLst/>
-  </dgm:styleLbl>
-  <dgm:styleLbl name="bgImgPlace1">
-    <dgm:fillClrLst meth="repeat">
-      <a:schemeClr val="accent1">
-        <a:tint val="50000"/>
-      </a:schemeClr>
-    </dgm:fillClrLst>
-    <dgm:linClrLst meth="repeat">
-      <a:schemeClr val="lt1"/>
-    </dgm:linClrLst>
-    <dgm:effectClrLst/>
-    <dgm:txLinClrLst/>
-    <dgm:txFillClrLst meth="repeat">
-      <a:schemeClr val="lt1"/>
-    </dgm:txFillClrLst>
-    <dgm:txEffectClrLst/>
-  </dgm:styleLbl>
-  <dgm:styleLbl name="sibTrans2D1">
-    <dgm:fillClrLst meth="repeat">
-      <a:schemeClr val="accent1">
-        <a:tint val="60000"/>
-      </a:schemeClr>
-    </dgm:fillClrLst>
-    <dgm:linClrLst meth="repeat">
-      <a:schemeClr val="accent1">
-        <a:tint val="60000"/>
-      </a:schemeClr>
-    </dgm:linClrLst>
-    <dgm:effectClrLst/>
-    <dgm:txLinClrLst/>
-    <dgm:txFillClrLst/>
-    <dgm:txEffectClrLst/>
-  </dgm:styleLbl>
-  <dgm:styleLbl name="fgSibTrans2D1">
-    <dgm:fillClrLst meth="repeat">
-      <a:schemeClr val="accent1">
-        <a:tint val="60000"/>
-      </a:schemeClr>
-    </dgm:fillClrLst>
-    <dgm:linClrLst meth="repeat">
-      <a:schemeClr val="accent1">
-        <a:tint val="60000"/>
-      </a:schemeClr>
-    </dgm:linClrLst>
-    <dgm:effectClrLst/>
-    <dgm:txLinClrLst/>
-    <dgm:txFillClrLst/>
-    <dgm:txEffectClrLst/>
-  </dgm:styleLbl>
-  <dgm:styleLbl name="bgSibTrans2D1">
-    <dgm:fillClrLst meth="repeat">
-      <a:schemeClr val="accent1">
-        <a:tint val="60000"/>
-      </a:schemeClr>
-    </dgm:fillClrLst>
-    <dgm:linClrLst meth="repeat">
-      <a:schemeClr val="accent1">
-        <a:tint val="60000"/>
-      </a:schemeClr>
-    </dgm:linClrLst>
-    <dgm:effectClrLst/>
-    <dgm:txLinClrLst/>
-    <dgm:txFillClrLst/>
-    <dgm:txEffectClrLst/>
-  </dgm:styleLbl>
-  <dgm:styleLbl name="sibTrans1D1">
-    <dgm:fillClrLst meth="repeat">
-      <a:schemeClr val="accent1"/>
-    </dgm:fillClrLst>
-    <dgm:linClrLst meth="repeat">
-      <a:schemeClr val="accent1"/>
-    </dgm:linClrLst>
-    <dgm:effectClrLst/>
-    <dgm:txLinClrLst/>
-    <dgm:txFillClrLst meth="repeat">
-      <a:schemeClr val="tx1"/>
-    </dgm:txFillClrLst>
-    <dgm:txEffectClrLst/>
-  </dgm:styleLbl>
-  <dgm:styleLbl name="callout">
-    <dgm:fillClrLst meth="repeat">
-      <a:schemeClr val="accent1"/>
-    </dgm:fillClrLst>
-    <dgm:linClrLst meth="repeat">
-      <a:schemeClr val="accent1">
-        <a:tint val="50000"/>
-      </a:schemeClr>
-    </dgm:linClrLst>
-    <dgm:effectClrLst/>
-    <dgm:txLinClrLst/>
-    <dgm:txFillClrLst meth="repeat">
-      <a:schemeClr val="tx1"/>
-    </dgm:txFillClrLst>
-    <dgm:txEffectClrLst/>
-  </dgm:styleLbl>
-  <dgm:styleLbl name="asst0">
-    <dgm:fillClrLst meth="repeat">
-      <a:schemeClr val="accent1"/>
-    </dgm:fillClrLst>
-    <dgm:linClrLst meth="repeat">
-      <a:schemeClr val="lt1"/>
-    </dgm:linClrLst>
-    <dgm:effectClrLst/>
-    <dgm:txLinClrLst/>
-    <dgm:txFillClrLst/>
-    <dgm:txEffectClrLst/>
-  </dgm:styleLbl>
-  <dgm:styleLbl name="asst1">
-    <dgm:fillClrLst meth="repeat">
-      <a:schemeClr val="accent1"/>
-    </dgm:fillClrLst>
-    <dgm:linClrLst meth="repeat">
-      <a:schemeClr val="lt1"/>
-    </dgm:linClrLst>
-    <dgm:effectClrLst/>
-    <dgm:txLinClrLst/>
-    <dgm:txFillClrLst/>
-    <dgm:txEffectClrLst/>
-  </dgm:styleLbl>
-  <dgm:styleLbl name="asst2">
-    <dgm:fillClrLst meth="repeat">
-      <a:schemeClr val="accent1"/>
-    </dgm:fillClrLst>
-    <dgm:linClrLst meth="repeat">
-      <a:schemeClr val="lt1"/>
-    </dgm:linClrLst>
-    <dgm:effectClrLst/>
-    <dgm:txLinClrLst/>
-    <dgm:txFillClrLst/>
-    <dgm:txEffectClrLst/>
-  </dgm:styleLbl>
-  <dgm:styleLbl name="asst3">
-    <dgm:fillClrLst meth="repeat">
-      <a:schemeClr val="accent1"/>
-    </dgm:fillClrLst>
-    <dgm:linClrLst meth="repeat">
-      <a:schemeClr val="lt1"/>
-    </dgm:linClrLst>
-    <dgm:effectClrLst/>
-    <dgm:txLinClrLst/>
-    <dgm:txFillClrLst/>
-    <dgm:txEffectClrLst/>
-  </dgm:styleLbl>
-  <dgm:styleLbl name="asst4">
-    <dgm:fillClrLst meth="repeat">
-      <a:schemeClr val="accent1"/>
-    </dgm:fillClrLst>
-    <dgm:linClrLst meth="repeat">
-      <a:schemeClr val="lt1"/>
-    </dgm:linClrLst>
-    <dgm:effectClrLst/>
-    <dgm:txLinClrLst/>
-    <dgm:txFillClrLst/>
-    <dgm:txEffectClrLst/>
-  </dgm:styleLbl>
-  <dgm:styleLbl name="parChTrans2D1">
-    <dgm:fillClrLst meth="repeat">
-      <a:schemeClr val="accent1">
-        <a:tint val="60000"/>
-      </a:schemeClr>
-    </dgm:fillClrLst>
-    <dgm:linClrLst meth="repeat">
-      <a:schemeClr val="accent1">
-        <a:tint val="60000"/>
-      </a:schemeClr>
-    </dgm:linClrLst>
-    <dgm:effectClrLst/>
-    <dgm:txLinClrLst/>
-    <dgm:txFillClrLst meth="repeat">
-      <a:schemeClr val="lt1"/>
-    </dgm:txFillClrLst>
-    <dgm:txEffectClrLst/>
-  </dgm:styleLbl>
-  <dgm:styleLbl name="parChTrans2D2">
-    <dgm:fillClrLst meth="repeat">
-      <a:schemeClr val="accent1"/>
-    </dgm:fillClrLst>
-    <dgm:linClrLst meth="repeat">
-      <a:schemeClr val="accent1"/>
-    </dgm:linClrLst>
-    <dgm:effectClrLst/>
-    <dgm:txLinClrLst/>
-    <dgm:txFillClrLst meth="repeat">
-      <a:schemeClr val="lt1"/>
-    </dgm:txFillClrLst>
-    <dgm:txEffectClrLst/>
-  </dgm:styleLbl>
-  <dgm:styleLbl name="parChTrans2D3">
-    <dgm:fillClrLst meth="repeat">
-      <a:schemeClr val="accent1"/>
-    </dgm:fillClrLst>
-    <dgm:linClrLst meth="repeat">
-      <a:schemeClr val="accent1"/>
-    </dgm:linClrLst>
-    <dgm:effectClrLst/>
-    <dgm:txLinClrLst/>
-    <dgm:txFillClrLst meth="repeat">
-      <a:schemeClr val="lt1"/>
-    </dgm:txFillClrLst>
-    <dgm:txEffectClrLst/>
-  </dgm:styleLbl>
-  <dgm:styleLbl name="parChTrans2D4">
-    <dgm:fillClrLst meth="repeat">
-      <a:schemeClr val="accent1"/>
-    </dgm:fillClrLst>
-    <dgm:linClrLst meth="repeat">
-      <a:schemeClr val="accent1"/>
-    </dgm:linClrLst>
-    <dgm:effectClrLst/>
-    <dgm:txLinClrLst/>
-    <dgm:txFillClrLst meth="repeat">
-      <a:schemeClr val="lt1"/>
-    </dgm:txFillClrLst>
-    <dgm:txEffectClrLst/>
-  </dgm:styleLbl>
-  <dgm:styleLbl name="parChTrans1D1">
-    <dgm:fillClrLst meth="repeat">
-      <a:schemeClr val="accent1"/>
-    </dgm:fillClrLst>
-    <dgm:linClrLst meth="repeat">
-      <a:schemeClr val="accent1">
-        <a:shade val="60000"/>
-      </a:schemeClr>
-    </dgm:linClrLst>
-    <dgm:effectClrLst/>
-    <dgm:txLinClrLst/>
-    <dgm:txFillClrLst meth="repeat">
-      <a:schemeClr val="tx1"/>
-    </dgm:txFillClrLst>
-    <dgm:txEffectClrLst/>
-  </dgm:styleLbl>
-  <dgm:styleLbl name="parChTrans1D2">
-    <dgm:fillClrLst meth="repeat">
-      <a:schemeClr val="accent1"/>
-    </dgm:fillClrLst>
-    <dgm:linClrLst meth="repeat">
-      <a:schemeClr val="accent1">
-        <a:shade val="60000"/>
-      </a:schemeClr>
-    </dgm:linClrLst>
-    <dgm:effectClrLst/>
-    <dgm:txLinClrLst/>
-    <dgm:txFillClrLst meth="repeat">
-      <a:schemeClr val="tx1"/>
-    </dgm:txFillClrLst>
-    <dgm:txEffectClrLst/>
-  </dgm:styleLbl>
-  <dgm:styleLbl name="parChTrans1D3">
-    <dgm:fillClrLst meth="repeat">
-      <a:schemeClr val="accent1"/>
-    </dgm:fillClrLst>
-    <dgm:linClrLst meth="repeat">
-      <a:schemeClr val="accent1">
-        <a:shade val="80000"/>
-      </a:schemeClr>
-    </dgm:linClrLst>
-    <dgm:effectClrLst/>
-    <dgm:txLinClrLst/>
-    <dgm:txFillClrLst meth="repeat">
-      <a:schemeClr val="tx1"/>
-    </dgm:txFillClrLst>
-    <dgm:txEffectClrLst/>
-  </dgm:styleLbl>
-  <dgm:styleLbl name="parChTrans1D4">
-    <dgm:fillClrLst meth="repeat">
-      <a:schemeClr val="accent1"/>
-    </dgm:fillClrLst>
-    <dgm:linClrLst meth="repeat">
-      <a:schemeClr val="accent1">
-        <a:shade val="80000"/>
-      </a:schemeClr>
-    </dgm:linClrLst>
-    <dgm:effectClrLst/>
-    <dgm:txLinClrLst/>
-    <dgm:txFillClrLst meth="repeat">
-      <a:schemeClr val="tx1"/>
-    </dgm:txFillClrLst>
-    <dgm:txEffectClrLst/>
-  </dgm:styleLbl>
-  <dgm:styleLbl name="fgAcc1">
-    <dgm:fillClrLst meth="repeat">
-      <a:schemeClr val="lt1">
-        <a:alpha val="90000"/>
-      </a:schemeClr>
-    </dgm:fillClrLst>
-    <dgm:linClrLst meth="repeat">
-      <a:schemeClr val="accent1"/>
-    </dgm:linClrLst>
-    <dgm:effectClrLst/>
-    <dgm:txLinClrLst/>
-    <dgm:txFillClrLst meth="repeat">
-      <a:schemeClr val="dk1"/>
-    </dgm:txFillClrLst>
-    <dgm:txEffectClrLst/>
-  </dgm:styleLbl>
-  <dgm:styleLbl name="conFgAcc1">
-    <dgm:fillClrLst meth="repeat">
-      <a:schemeClr val="lt1">
-        <a:alpha val="90000"/>
-      </a:schemeClr>
-    </dgm:fillClrLst>
-    <dgm:linClrLst meth="repeat">
-      <a:schemeClr val="accent1"/>
-    </dgm:linClrLst>
-    <dgm:effectClrLst/>
-    <dgm:txLinClrLst/>
-    <dgm:txFillClrLst meth="repeat">
-      <a:schemeClr val="dk1"/>
-    </dgm:txFillClrLst>
-    <dgm:txEffectClrLst/>
-  </dgm:styleLbl>
-  <dgm:styleLbl name="alignAcc1">
-    <dgm:fillClrLst meth="repeat">
-      <a:schemeClr val="lt1">
-        <a:alpha val="90000"/>
-      </a:schemeClr>
-    </dgm:fillClrLst>
-    <dgm:linClrLst meth="repeat">
-      <a:schemeClr val="accent1"/>
-    </dgm:linClrLst>
-    <dgm:effectClrLst/>
-    <dgm:txLinClrLst/>
-    <dgm:txFillClrLst meth="repeat">
-      <a:schemeClr val="dk1"/>
-    </dgm:txFillClrLst>
-    <dgm:txEffectClrLst/>
-  </dgm:styleLbl>
-  <dgm:styleLbl name="trAlignAcc1">
-    <dgm:fillClrLst meth="repeat">
-      <a:schemeClr val="lt1">
-        <a:alpha val="40000"/>
-      </a:schemeClr>
-    </dgm:fillClrLst>
-    <dgm:linClrLst meth="repeat">
-      <a:schemeClr val="accent1"/>
-    </dgm:linClrLst>
-    <dgm:effectClrLst/>
-    <dgm:txLinClrLst/>
-    <dgm:txFillClrLst meth="repeat">
-      <a:schemeClr val="dk1"/>
-    </dgm:txFillClrLst>
-    <dgm:txEffectClrLst/>
-  </dgm:styleLbl>
-  <dgm:styleLbl name="bgAcc1">
-    <dgm:fillClrLst meth="repeat">
-      <a:schemeClr val="lt1">
-        <a:alpha val="90000"/>
-      </a:schemeClr>
-    </dgm:fillClrLst>
-    <dgm:linClrLst meth="repeat">
-      <a:schemeClr val="accent1"/>
-    </dgm:linClrLst>
-    <dgm:effectClrLst/>
-    <dgm:txLinClrLst/>
-    <dgm:txFillClrLst meth="repeat">
-      <a:schemeClr val="dk1"/>
-    </dgm:txFillClrLst>
-    <dgm:txEffectClrLst/>
-  </dgm:styleLbl>
-  <dgm:styleLbl name="solidFgAcc1">
-    <dgm:fillClrLst meth="repeat">
-      <a:schemeClr val="lt1"/>
-    </dgm:fillClrLst>
-    <dgm:linClrLst meth="repeat">
-      <a:schemeClr val="accent1"/>
-    </dgm:linClrLst>
-    <dgm:effectClrLst/>
-    <dgm:txLinClrLst/>
-    <dgm:txFillClrLst meth="repeat">
-      <a:schemeClr val="dk1"/>
-    </dgm:txFillClrLst>
-    <dgm:txEffectClrLst/>
-  </dgm:styleLbl>
-  <dgm:styleLbl name="solidAlignAcc1">
-    <dgm:fillClrLst meth="repeat">
-      <a:schemeClr val="lt1"/>
-    </dgm:fillClrLst>
-    <dgm:linClrLst meth="repeat">
-      <a:schemeClr val="accent1"/>
-    </dgm:linClrLst>
-    <dgm:effectClrLst/>
-    <dgm:txLinClrLst/>
-    <dgm:txFillClrLst meth="repeat">
-      <a:schemeClr val="dk1"/>
-    </dgm:txFillClrLst>
-    <dgm:txEffectClrLst/>
-  </dgm:styleLbl>
-  <dgm:styleLbl name="solidBgAcc1">
-    <dgm:fillClrLst meth="repeat">
-      <a:schemeClr val="lt1"/>
-    </dgm:fillClrLst>
-    <dgm:linClrLst meth="repeat">
-      <a:schemeClr val="accent1"/>
-    </dgm:linClrLst>
-    <dgm:effectClrLst/>
-    <dgm:txLinClrLst/>
-    <dgm:txFillClrLst meth="repeat">
-      <a:schemeClr val="dk1"/>
-    </dgm:txFillClrLst>
-    <dgm:txEffectClrLst/>
-  </dgm:styleLbl>
-  <dgm:styleLbl name="fgAccFollowNode1">
-    <dgm:fillClrLst meth="repeat">
-      <a:schemeClr val="accent1">
-        <a:alpha val="90000"/>
-        <a:tint val="40000"/>
-      </a:schemeClr>
-    </dgm:fillClrLst>
-    <dgm:linClrLst meth="repeat">
-      <a:schemeClr val="accent1">
-        <a:alpha val="90000"/>
-        <a:tint val="40000"/>
-      </a:schemeClr>
-    </dgm:linClrLst>
-    <dgm:effectClrLst/>
-    <dgm:txLinClrLst/>
-    <dgm:txFillClrLst meth="repeat">
-      <a:schemeClr val="dk1"/>
-    </dgm:txFillClrLst>
-    <dgm:txEffectClrLst/>
-  </dgm:styleLbl>
-  <dgm:styleLbl name="alignAccFollowNode1">
-    <dgm:fillClrLst meth="repeat">
-      <a:schemeClr val="accent1">
-        <a:alpha val="90000"/>
-        <a:tint val="40000"/>
-      </a:schemeClr>
-    </dgm:fillClrLst>
-    <dgm:linClrLst meth="repeat">
-      <a:schemeClr val="accent1">
-        <a:alpha val="90000"/>
-        <a:tint val="40000"/>
-      </a:schemeClr>
-    </dgm:linClrLst>
-    <dgm:effectClrLst/>
-    <dgm:txLinClrLst/>
-    <dgm:txFillClrLst meth="repeat">
-      <a:schemeClr val="dk1"/>
-    </dgm:txFillClrLst>
-    <dgm:txEffectClrLst/>
-  </dgm:styleLbl>
-  <dgm:styleLbl name="bgAccFollowNode1">
-    <dgm:fillClrLst meth="repeat">
-      <a:schemeClr val="accent1">
-        <a:alpha val="90000"/>
-        <a:tint val="40000"/>
-      </a:schemeClr>
-    </dgm:fillClrLst>
-    <dgm:linClrLst meth="repeat">
-      <a:schemeClr val="accent1">
-        <a:alpha val="90000"/>
-        <a:tint val="40000"/>
-      </a:schemeClr>
-    </dgm:linClrLst>
-    <dgm:effectClrLst/>
-    <dgm:txLinClrLst/>
-    <dgm:txFillClrLst meth="repeat">
-      <a:schemeClr val="dk1"/>
-    </dgm:txFillClrLst>
-    <dgm:txEffectClrLst/>
-  </dgm:styleLbl>
-  <dgm:styleLbl name="fgAcc0">
-    <dgm:fillClrLst meth="repeat">
-      <a:schemeClr val="lt1">
-        <a:alpha val="90000"/>
-      </a:schemeClr>
-    </dgm:fillClrLst>
-    <dgm:linClrLst meth="repeat">
-      <a:schemeClr val="accent1"/>
-    </dgm:linClrLst>
-    <dgm:effectClrLst/>
-    <dgm:txLinClrLst/>
-    <dgm:txFillClrLst meth="repeat">
-      <a:schemeClr val="dk1"/>
-    </dgm:txFillClrLst>
-    <dgm:txEffectClrLst/>
-  </dgm:styleLbl>
-  <dgm:styleLbl name="fgAcc2">
-    <dgm:fillClrLst meth="repeat">
-      <a:schemeClr val="lt1">
-        <a:alpha val="90000"/>
-      </a:schemeClr>
-    </dgm:fillClrLst>
-    <dgm:linClrLst meth="repeat">
-      <a:schemeClr val="accent1"/>
-    </dgm:linClrLst>
-    <dgm:effectClrLst/>
-    <dgm:txLinClrLst/>
-    <dgm:txFillClrLst meth="repeat">
-      <a:schemeClr val="dk1"/>
-    </dgm:txFillClrLst>
-    <dgm:txEffectClrLst/>
-  </dgm:styleLbl>
-  <dgm:styleLbl name="fgAcc3">
-    <dgm:fillClrLst meth="repeat">
-      <a:schemeClr val="lt1">
-        <a:alpha val="90000"/>
-      </a:schemeClr>
-    </dgm:fillClrLst>
-    <dgm:linClrLst meth="repeat">
-      <a:schemeClr val="accent1"/>
-    </dgm:linClrLst>
-    <dgm:effectClrLst/>
-    <dgm:txLinClrLst/>
-    <dgm:txFillClrLst meth="repeat">
-      <a:schemeClr val="dk1"/>
-    </dgm:txFillClrLst>
-    <dgm:txEffectClrLst/>
-  </dgm:styleLbl>
-  <dgm:styleLbl name="fgAcc4">
-    <dgm:fillClrLst meth="repeat">
-      <a:schemeClr val="lt1">
-        <a:alpha val="90000"/>
-      </a:schemeClr>
-    </dgm:fillClrLst>
-    <dgm:linClrLst meth="repeat">
-      <a:schemeClr val="accent1"/>
-    </dgm:linClrLst>
-    <dgm:effectClrLst/>
-    <dgm:txLinClrLst/>
-    <dgm:txFillClrLst meth="repeat">
-      <a:schemeClr val="dk1"/>
-    </dgm:txFillClrLst>
-    <dgm:txEffectClrLst/>
-  </dgm:styleLbl>
-  <dgm:styleLbl name="bgShp">
-    <dgm:fillClrLst meth="repeat">
-      <a:schemeClr val="accent1">
-        <a:tint val="40000"/>
-      </a:schemeClr>
-    </dgm:fillClrLst>
-    <dgm:linClrLst meth="repeat">
-      <a:schemeClr val="accent1"/>
-    </dgm:linClrLst>
-    <dgm:effectClrLst/>
-    <dgm:txLinClrLst/>
-    <dgm:txFillClrLst meth="repeat">
-      <a:schemeClr val="dk1"/>
-    </dgm:txFillClrLst>
-    <dgm:txEffectClrLst/>
-  </dgm:styleLbl>
-  <dgm:styleLbl name="dkBgShp">
-    <dgm:fillClrLst meth="repeat">
-      <a:schemeClr val="accent1">
-        <a:shade val="80000"/>
-      </a:schemeClr>
-    </dgm:fillClrLst>
-    <dgm:linClrLst meth="repeat">
-      <a:schemeClr val="accent1"/>
-    </dgm:linClrLst>
-    <dgm:effectClrLst/>
-    <dgm:txLinClrLst/>
-    <dgm:txFillClrLst meth="repeat">
-      <a:schemeClr val="lt1"/>
-    </dgm:txFillClrLst>
-    <dgm:txEffectClrLst/>
-  </dgm:styleLbl>
-  <dgm:styleLbl name="trBgShp">
-    <dgm:fillClrLst meth="repeat">
-      <a:schemeClr val="accent1">
-        <a:tint val="50000"/>
-        <a:alpha val="40000"/>
-      </a:schemeClr>
-    </dgm:fillClrLst>
-    <dgm:linClrLst meth="repeat">
-      <a:schemeClr val="accent1"/>
-    </dgm:linClrLst>
-    <dgm:effectClrLst/>
-    <dgm:txLinClrLst/>
-    <dgm:txFillClrLst meth="repeat">
-      <a:schemeClr val="lt1"/>
-    </dgm:txFillClrLst>
-    <dgm:txEffectClrLst/>
-  </dgm:styleLbl>
-  <dgm:styleLbl name="fgShp">
-    <dgm:fillClrLst meth="repeat">
-      <a:schemeClr val="accent1">
-        <a:tint val="60000"/>
-      </a:schemeClr>
-    </dgm:fillClrLst>
-    <dgm:linClrLst meth="repeat">
-      <a:schemeClr val="lt1"/>
-    </dgm:linClrLst>
-    <dgm:effectClrLst/>
-    <dgm:txLinClrLst/>
-    <dgm:txFillClrLst meth="repeat">
-      <a:schemeClr val="dk1"/>
-    </dgm:txFillClrLst>
-    <dgm:txEffectClrLst/>
-  </dgm:styleLbl>
-  <dgm:styleLbl name="revTx">
-    <dgm:fillClrLst meth="repeat">
-      <a:schemeClr val="lt1">
-        <a:alpha val="0"/>
-      </a:schemeClr>
-    </dgm:fillClrLst>
-    <dgm:linClrLst meth="repeat">
-      <a:schemeClr val="dk1">
-        <a:alpha val="0"/>
-      </a:schemeClr>
-    </dgm:linClrLst>
-    <dgm:effectClrLst/>
-    <dgm:txLinClrLst/>
-    <dgm:txFillClrLst meth="repeat">
-      <a:schemeClr val="tx1"/>
-    </dgm:txFillClrLst>
-    <dgm:txEffectClrLst/>
-  </dgm:styleLbl>
-</dgm:colorsDef>
-</file>
-
-<file path=ppt/diagrams/colors3.xml><?xml version="1.0" encoding="utf-8"?>
 <dgm:colorsDef xmlns:dgm="http://schemas.openxmlformats.org/drawingml/2006/diagram" xmlns:a="http://schemas.openxmlformats.org/drawingml/2006/main" uniqueId="urn:microsoft.com/office/officeart/2005/8/colors/accent1_2">
   <dgm:title val=""/>
   <dgm:desc val=""/>
@@ -2783,6 +1289,150 @@
         </a:p>
       </dgm:t>
     </dgm:pt>
+    <dgm:pt modelId="{838D8691-B0A1-48CC-A58B-527833995C1E}">
+      <dgm:prSet custT="1"/>
+      <dgm:spPr/>
+      <dgm:t>
+        <a:bodyPr/>
+        <a:lstStyle/>
+        <a:p>
+          <a:r>
+            <a:rPr lang="en-SG" sz="1200" b="0" i="0" dirty="0"/>
+            <a:t>Evaluation (QA)</a:t>
+          </a:r>
+          <a:endParaRPr lang="en-SG" sz="1200" b="1" dirty="0"/>
+        </a:p>
+      </dgm:t>
+    </dgm:pt>
+    <dgm:pt modelId="{E668D923-6533-40AE-B563-8EEA0442ABDC}" type="parTrans" cxnId="{0CDCD4C6-BAB0-4DD0-8EE5-66CB0023FC20}">
+      <dgm:prSet/>
+      <dgm:spPr/>
+      <dgm:t>
+        <a:bodyPr/>
+        <a:lstStyle/>
+        <a:p>
+          <a:endParaRPr lang="en-SG"/>
+        </a:p>
+      </dgm:t>
+    </dgm:pt>
+    <dgm:pt modelId="{51F688DA-2903-4106-A015-85C94F7750C5}" type="sibTrans" cxnId="{0CDCD4C6-BAB0-4DD0-8EE5-66CB0023FC20}">
+      <dgm:prSet/>
+      <dgm:spPr/>
+      <dgm:t>
+        <a:bodyPr/>
+        <a:lstStyle/>
+        <a:p>
+          <a:endParaRPr lang="en-SG"/>
+        </a:p>
+      </dgm:t>
+    </dgm:pt>
+    <dgm:pt modelId="{33DF35EA-74CE-420E-A3C4-4A84E45EB0E6}">
+      <dgm:prSet custT="1"/>
+      <dgm:spPr/>
+      <dgm:t>
+        <a:bodyPr/>
+        <a:lstStyle/>
+        <a:p>
+          <a:endParaRPr lang="en-SG" sz="1200" b="1" dirty="0"/>
+        </a:p>
+      </dgm:t>
+    </dgm:pt>
+    <dgm:pt modelId="{F42840B0-A56B-493D-81AD-25EC0BD148C5}" type="parTrans" cxnId="{904DE8D0-79AD-43AF-A308-6508A2974A9C}">
+      <dgm:prSet/>
+      <dgm:spPr/>
+      <dgm:t>
+        <a:bodyPr/>
+        <a:lstStyle/>
+        <a:p>
+          <a:endParaRPr lang="en-SG"/>
+        </a:p>
+      </dgm:t>
+    </dgm:pt>
+    <dgm:pt modelId="{A0523AAA-F6B8-4F7A-8F2E-687343386272}" type="sibTrans" cxnId="{904DE8D0-79AD-43AF-A308-6508A2974A9C}">
+      <dgm:prSet/>
+      <dgm:spPr/>
+      <dgm:t>
+        <a:bodyPr/>
+        <a:lstStyle/>
+        <a:p>
+          <a:endParaRPr lang="en-SG"/>
+        </a:p>
+      </dgm:t>
+    </dgm:pt>
+    <dgm:pt modelId="{2216AD90-5177-4A66-AA84-50C8EE6450CC}">
+      <dgm:prSet custT="1"/>
+      <dgm:spPr/>
+      <dgm:t>
+        <a:bodyPr/>
+        <a:lstStyle/>
+        <a:p>
+          <a:r>
+            <a:rPr lang="en-SG" sz="1200" b="0" i="0" dirty="0"/>
+            <a:t>AI Safety Guardrails</a:t>
+          </a:r>
+          <a:endParaRPr lang="en-SG" sz="1200" b="1" dirty="0"/>
+        </a:p>
+      </dgm:t>
+    </dgm:pt>
+    <dgm:pt modelId="{C0D068F3-873E-438D-BE39-857CB6D7CFA2}" type="parTrans" cxnId="{B4C7141B-03C3-4682-AAAA-19AF3DFF4B26}">
+      <dgm:prSet/>
+      <dgm:spPr/>
+      <dgm:t>
+        <a:bodyPr/>
+        <a:lstStyle/>
+        <a:p>
+          <a:endParaRPr lang="en-SG"/>
+        </a:p>
+      </dgm:t>
+    </dgm:pt>
+    <dgm:pt modelId="{3E3317EE-CB4F-4691-A6CF-4AF8A1FE22EE}" type="sibTrans" cxnId="{B4C7141B-03C3-4682-AAAA-19AF3DFF4B26}">
+      <dgm:prSet/>
+      <dgm:spPr/>
+      <dgm:t>
+        <a:bodyPr/>
+        <a:lstStyle/>
+        <a:p>
+          <a:endParaRPr lang="en-SG"/>
+        </a:p>
+      </dgm:t>
+    </dgm:pt>
+    <dgm:pt modelId="{DF33BD62-E60E-4B90-9780-200DB440587E}">
+      <dgm:prSet custT="1"/>
+      <dgm:spPr/>
+      <dgm:t>
+        <a:bodyPr/>
+        <a:lstStyle/>
+        <a:p>
+          <a:r>
+            <a:rPr lang="en-SG" sz="1200" b="0" i="0" dirty="0"/>
+            <a:t>MCP Tooling</a:t>
+          </a:r>
+          <a:endParaRPr lang="en-SG" sz="1200" b="1" dirty="0"/>
+        </a:p>
+      </dgm:t>
+    </dgm:pt>
+    <dgm:pt modelId="{A04590DE-3551-4A80-8838-70BB6C8E8D47}" type="parTrans" cxnId="{4F439F2B-75CB-4202-8A22-1B0240C3C487}">
+      <dgm:prSet/>
+      <dgm:spPr/>
+      <dgm:t>
+        <a:bodyPr/>
+        <a:lstStyle/>
+        <a:p>
+          <a:endParaRPr lang="en-SG"/>
+        </a:p>
+      </dgm:t>
+    </dgm:pt>
+    <dgm:pt modelId="{BC754C14-2EAC-4662-9989-E7C5258071F1}" type="sibTrans" cxnId="{4F439F2B-75CB-4202-8A22-1B0240C3C487}">
+      <dgm:prSet/>
+      <dgm:spPr/>
+      <dgm:t>
+        <a:bodyPr/>
+        <a:lstStyle/>
+        <a:p>
+          <a:endParaRPr lang="en-SG"/>
+        </a:p>
+      </dgm:t>
+    </dgm:pt>
     <dgm:pt modelId="{98DF7536-9BEC-484E-820A-4149F93A37D7}" type="pres">
       <dgm:prSet presAssocID="{33C774CC-5ABC-4DBC-AA95-95A8E9530D0F}" presName="Name0" presStyleCnt="0">
         <dgm:presLayoutVars>
@@ -2870,17 +1520,22 @@
     <dgm:cxn modelId="{5CC78B03-FFE8-4425-B89B-296BEC8F4D01}" srcId="{079FAE3C-BF08-425F-BECA-798B744C0D11}" destId="{4F971BCF-6BF9-4240-BD4F-DF7FC6ED3A3C}" srcOrd="2" destOrd="0" parTransId="{7FD38D87-98A3-4038-AAB3-ED60042E90AB}" sibTransId="{EAEAFAAC-29C2-4173-BB09-A9ACE02CAA4A}"/>
     <dgm:cxn modelId="{09675112-9356-460B-804C-288F82767D17}" type="presOf" srcId="{AD318CD4-0D24-4292-960A-331D4871A296}" destId="{92C6CB1E-8AB8-417B-99FC-BDB0633FF67D}" srcOrd="0" destOrd="2" presId="urn:microsoft.com/office/officeart/2005/8/layout/process1"/>
     <dgm:cxn modelId="{D59C6718-48B0-41EE-9EFB-8567CAE979BE}" srcId="{6F5E7D44-1557-4D24-B418-71C970AD6BEF}" destId="{CF4E7E4F-DF45-4333-BC11-CA48C662E33A}" srcOrd="0" destOrd="0" parTransId="{97FD80C0-EE24-4989-AC3B-3D2B9D1C6DD7}" sibTransId="{71FD74C0-1BD3-4910-A6E2-97861893B144}"/>
+    <dgm:cxn modelId="{B4C7141B-03C3-4682-AAAA-19AF3DFF4B26}" srcId="{8D939E49-1DCF-4EA5-8FAD-4C10D1706BBA}" destId="{2216AD90-5177-4A66-AA84-50C8EE6450CC}" srcOrd="2" destOrd="0" parTransId="{C0D068F3-873E-438D-BE39-857CB6D7CFA2}" sibTransId="{3E3317EE-CB4F-4691-A6CF-4AF8A1FE22EE}"/>
+    <dgm:cxn modelId="{11E3A61B-AE8E-4C19-AAC9-01FE8A90EDFA}" type="presOf" srcId="{2216AD90-5177-4A66-AA84-50C8EE6450CC}" destId="{35C9A030-F680-4047-A5AD-E01589EA65AB}" srcOrd="0" destOrd="3" presId="urn:microsoft.com/office/officeart/2005/8/layout/process1"/>
     <dgm:cxn modelId="{B41D552A-A7CD-48A2-B689-A82BDFD5B0FF}" srcId="{27C25BF8-704C-4EDD-AD83-35C8EFC3F1E2}" destId="{FC0F9AFE-2DC1-4CC8-B649-12982D951021}" srcOrd="0" destOrd="0" parTransId="{2FAC6633-295A-4515-96D7-FE1B808C1B63}" sibTransId="{9EDD29D1-B9DF-44B0-8902-9E49AD4AC93B}"/>
+    <dgm:cxn modelId="{4F439F2B-75CB-4202-8A22-1B0240C3C487}" srcId="{8D939E49-1DCF-4EA5-8FAD-4C10D1706BBA}" destId="{DF33BD62-E60E-4B90-9780-200DB440587E}" srcOrd="3" destOrd="0" parTransId="{A04590DE-3551-4A80-8838-70BB6C8E8D47}" sibTransId="{BC754C14-2EAC-4662-9989-E7C5258071F1}"/>
     <dgm:cxn modelId="{A558902C-FACF-49D9-9753-2D0A7C7E17C0}" type="presOf" srcId="{27C25BF8-704C-4EDD-AD83-35C8EFC3F1E2}" destId="{35E22166-92D8-4563-AFE1-94814331420D}" srcOrd="0" destOrd="0" presId="urn:microsoft.com/office/officeart/2005/8/layout/process1"/>
     <dgm:cxn modelId="{F2982640-DDF6-43CD-A2E2-A039D5D679A3}" srcId="{33C774CC-5ABC-4DBC-AA95-95A8E9530D0F}" destId="{6F5E7D44-1557-4D24-B418-71C970AD6BEF}" srcOrd="0" destOrd="0" parTransId="{650FB0FD-2931-4FC3-85ED-4A827A98927E}" sibTransId="{E0E4E17F-FE6C-4091-ACB5-7F2D6C4BE1D7}"/>
     <dgm:cxn modelId="{A5B9CE40-2E0F-4395-BD03-19333B2C3538}" type="presOf" srcId="{FC0F9AFE-2DC1-4CC8-B649-12982D951021}" destId="{35E22166-92D8-4563-AFE1-94814331420D}" srcOrd="0" destOrd="1" presId="urn:microsoft.com/office/officeart/2005/8/layout/process1"/>
     <dgm:cxn modelId="{0223BD60-F4B7-4EA3-B04E-326134A32B4F}" type="presOf" srcId="{160C48D4-816C-4610-8145-C4A8BA1165ED}" destId="{92C6CB1E-8AB8-417B-99FC-BDB0633FF67D}" srcOrd="0" destOrd="1" presId="urn:microsoft.com/office/officeart/2005/8/layout/process1"/>
     <dgm:cxn modelId="{4FF1C943-C55F-43F4-9D3F-1F39432EC1EC}" srcId="{079FAE3C-BF08-425F-BECA-798B744C0D11}" destId="{160C48D4-816C-4610-8145-C4A8BA1165ED}" srcOrd="0" destOrd="0" parTransId="{A0A0FE57-917B-4AE5-9575-E039280D23BF}" sibTransId="{B6513777-C514-4AF8-B67C-3023EB0A6C28}"/>
+    <dgm:cxn modelId="{BC0DF755-7F77-4A81-9B82-ADD54CB9E2E7}" type="presOf" srcId="{838D8691-B0A1-48CC-A58B-527833995C1E}" destId="{35C9A030-F680-4047-A5AD-E01589EA65AB}" srcOrd="0" destOrd="2" presId="urn:microsoft.com/office/officeart/2005/8/layout/process1"/>
     <dgm:cxn modelId="{94745B79-3BBD-4FB6-8AB2-DF52DE8C8B0E}" type="presOf" srcId="{E0E4E17F-FE6C-4091-ACB5-7F2D6C4BE1D7}" destId="{F8BF7B47-155E-4BC1-9AD2-5A3BBE6D98E3}" srcOrd="1" destOrd="0" presId="urn:microsoft.com/office/officeart/2005/8/layout/process1"/>
     <dgm:cxn modelId="{AA92E759-917C-42D7-8B00-3F890057F8DC}" type="presOf" srcId="{33C774CC-5ABC-4DBC-AA95-95A8E9530D0F}" destId="{98DF7536-9BEC-484E-820A-4149F93A37D7}" srcOrd="0" destOrd="0" presId="urn:microsoft.com/office/officeart/2005/8/layout/process1"/>
     <dgm:cxn modelId="{762BCF7E-9BA8-4864-997A-B572791B4B73}" srcId="{33C774CC-5ABC-4DBC-AA95-95A8E9530D0F}" destId="{CA85AEC3-64F6-4ABB-BAE0-5B3CFE072DA2}" srcOrd="4" destOrd="0" parTransId="{901EECF6-A23F-41F9-B435-5CAF35502B6B}" sibTransId="{0DBFFCDE-B8FF-4550-A083-C0374CF8F108}"/>
     <dgm:cxn modelId="{FC87F980-2044-453C-9D30-B1E693A75729}" type="presOf" srcId="{24A5978D-6909-40FE-907E-7396AD1AE1D2}" destId="{C5CD479F-24D8-4092-9152-A0E6EF993B70}" srcOrd="1" destOrd="0" presId="urn:microsoft.com/office/officeart/2005/8/layout/process1"/>
     <dgm:cxn modelId="{01EF8482-E188-4101-9624-DEB60ECB022A}" type="presOf" srcId="{079FAE3C-BF08-425F-BECA-798B744C0D11}" destId="{92C6CB1E-8AB8-417B-99FC-BDB0633FF67D}" srcOrd="0" destOrd="0" presId="urn:microsoft.com/office/officeart/2005/8/layout/process1"/>
+    <dgm:cxn modelId="{1CD5D484-CC14-4B81-BA9F-BBC3BAA6A6D1}" type="presOf" srcId="{DF33BD62-E60E-4B90-9780-200DB440587E}" destId="{35C9A030-F680-4047-A5AD-E01589EA65AB}" srcOrd="0" destOrd="4" presId="urn:microsoft.com/office/officeart/2005/8/layout/process1"/>
     <dgm:cxn modelId="{B951F189-DCBE-4370-91A7-4D2985A5388C}" type="presOf" srcId="{8D939E49-1DCF-4EA5-8FAD-4C10D1706BBA}" destId="{35C9A030-F680-4047-A5AD-E01589EA65AB}" srcOrd="0" destOrd="0" presId="urn:microsoft.com/office/officeart/2005/8/layout/process1"/>
     <dgm:cxn modelId="{FF98CE97-4217-4FC3-9B86-5BBDA540C0A6}" type="presOf" srcId="{8B4A4F78-DE25-471A-8C80-F5931F735A9D}" destId="{7894FAD1-982C-4135-BFAC-AAC3B729DCE7}" srcOrd="0" destOrd="0" presId="urn:microsoft.com/office/officeart/2005/8/layout/process1"/>
     <dgm:cxn modelId="{6E8C0B99-21F6-469C-A307-83DD79A42450}" type="presOf" srcId="{3BD596F6-11EB-48AD-9E08-8787E5F683F7}" destId="{35C9A030-F680-4047-A5AD-E01589EA65AB}" srcOrd="0" destOrd="1" presId="urn:microsoft.com/office/officeart/2005/8/layout/process1"/>
@@ -2891,12 +1546,15 @@
     <dgm:cxn modelId="{4A5825BA-5664-4E5A-8EB9-F6C7A6474C13}" srcId="{079FAE3C-BF08-425F-BECA-798B744C0D11}" destId="{AD318CD4-0D24-4292-960A-331D4871A296}" srcOrd="1" destOrd="0" parTransId="{5DD6E0D8-1627-48EF-946B-F1C280CE00B7}" sibTransId="{DC3EF715-4F6E-4BEB-9B25-6555509B9B9C}"/>
     <dgm:cxn modelId="{D50FCABB-2625-4041-9D9B-C96FCFBFBACF}" type="presOf" srcId="{CF4E7E4F-DF45-4333-BC11-CA48C662E33A}" destId="{8B60FB5F-05B2-459A-9300-9D95BF839B98}" srcOrd="0" destOrd="1" presId="urn:microsoft.com/office/officeart/2005/8/layout/process1"/>
     <dgm:cxn modelId="{DA735BC0-76E0-474D-853A-9CAFEAD6275A}" srcId="{8D939E49-1DCF-4EA5-8FAD-4C10D1706BBA}" destId="{3BD596F6-11EB-48AD-9E08-8787E5F683F7}" srcOrd="0" destOrd="0" parTransId="{F721625A-BF04-47B9-8FE8-F6319B63F2E9}" sibTransId="{4D514DBE-7EA7-4E0C-82DB-BD5CE9853BC7}"/>
+    <dgm:cxn modelId="{0CDCD4C6-BAB0-4DD0-8EE5-66CB0023FC20}" srcId="{8D939E49-1DCF-4EA5-8FAD-4C10D1706BBA}" destId="{838D8691-B0A1-48CC-A58B-527833995C1E}" srcOrd="1" destOrd="0" parTransId="{E668D923-6533-40AE-B563-8EEA0442ABDC}" sibTransId="{51F688DA-2903-4106-A015-85C94F7750C5}"/>
     <dgm:cxn modelId="{89E7EEC8-6D59-48DE-A3C0-9EED5C714490}" type="presOf" srcId="{24A5978D-6909-40FE-907E-7396AD1AE1D2}" destId="{97535247-3BF9-4E17-BDB4-1A03A64BCCF8}" srcOrd="0" destOrd="0" presId="urn:microsoft.com/office/officeart/2005/8/layout/process1"/>
+    <dgm:cxn modelId="{904DE8D0-79AD-43AF-A308-6508A2974A9C}" srcId="{8D939E49-1DCF-4EA5-8FAD-4C10D1706BBA}" destId="{33DF35EA-74CE-420E-A3C4-4A84E45EB0E6}" srcOrd="4" destOrd="0" parTransId="{F42840B0-A56B-493D-81AD-25EC0BD148C5}" sibTransId="{A0523AAA-F6B8-4F7A-8F2E-687343386272}"/>
     <dgm:cxn modelId="{FDDE30D2-1DF6-4205-AD62-55C99DCBD6A7}" type="presOf" srcId="{6F5E7D44-1557-4D24-B418-71C970AD6BEF}" destId="{8B60FB5F-05B2-459A-9300-9D95BF839B98}" srcOrd="0" destOrd="0" presId="urn:microsoft.com/office/officeart/2005/8/layout/process1"/>
     <dgm:cxn modelId="{B42B22D3-A5F4-462F-8295-0AFA45E9B3DF}" srcId="{33C774CC-5ABC-4DBC-AA95-95A8E9530D0F}" destId="{079FAE3C-BF08-425F-BECA-798B744C0D11}" srcOrd="1" destOrd="0" parTransId="{A29D9133-0987-4FED-9312-D210C92FC2FD}" sibTransId="{4E8D1881-922E-437F-B010-AA1E6A222DFE}"/>
     <dgm:cxn modelId="{2DA59ED4-2DF4-407D-8000-A9FAE5F4F08C}" type="presOf" srcId="{8B4A4F78-DE25-471A-8C80-F5931F735A9D}" destId="{3CBF0380-0755-479F-9DFB-25A252235DAE}" srcOrd="1" destOrd="0" presId="urn:microsoft.com/office/officeart/2005/8/layout/process1"/>
     <dgm:cxn modelId="{CFBA6FDE-69FA-45AD-8199-996CE0013D1F}" type="presOf" srcId="{4F971BCF-6BF9-4240-BD4F-DF7FC6ED3A3C}" destId="{92C6CB1E-8AB8-417B-99FC-BDB0633FF67D}" srcOrd="0" destOrd="3" presId="urn:microsoft.com/office/officeart/2005/8/layout/process1"/>
     <dgm:cxn modelId="{D5D47EDE-44E1-49D9-A863-989628FB031C}" type="presOf" srcId="{4E8D1881-922E-437F-B010-AA1E6A222DFE}" destId="{8F0A802E-4130-4BA7-B156-F1D61C2ED953}" srcOrd="1" destOrd="0" presId="urn:microsoft.com/office/officeart/2005/8/layout/process1"/>
+    <dgm:cxn modelId="{19E925F6-9A1A-41F1-8DC2-6691BB49B535}" type="presOf" srcId="{33DF35EA-74CE-420E-A3C4-4A84E45EB0E6}" destId="{35C9A030-F680-4047-A5AD-E01589EA65AB}" srcOrd="0" destOrd="5" presId="urn:microsoft.com/office/officeart/2005/8/layout/process1"/>
     <dgm:cxn modelId="{C583BF58-51AF-40AA-B853-47C55EF7A119}" type="presParOf" srcId="{98DF7536-9BEC-484E-820A-4149F93A37D7}" destId="{8B60FB5F-05B2-459A-9300-9D95BF839B98}" srcOrd="0" destOrd="0" presId="urn:microsoft.com/office/officeart/2005/8/layout/process1"/>
     <dgm:cxn modelId="{0516B65B-0382-4155-9E38-EFAA6FB25B31}" type="presParOf" srcId="{98DF7536-9BEC-484E-820A-4149F93A37D7}" destId="{C8C2DF9B-2592-4876-8559-E8894F0B09C5}" srcOrd="1" destOrd="0" presId="urn:microsoft.com/office/officeart/2005/8/layout/process1"/>
     <dgm:cxn modelId="{EE5D305E-2F30-499A-9E9F-6BA269C18416}" type="presParOf" srcId="{C8C2DF9B-2592-4876-8559-E8894F0B09C5}" destId="{F8BF7B47-155E-4BC1-9AD2-5A3BBE6D98E3}" srcOrd="0" destOrd="0" presId="urn:microsoft.com/office/officeart/2005/8/layout/process1"/>
@@ -2916,176 +1574,6 @@
   <dgm:extLst>
     <a:ext uri="http://schemas.microsoft.com/office/drawing/2008/diagram">
       <dsp:dataModelExt xmlns:dsp="http://schemas.microsoft.com/office/drawing/2008/diagram" relId="rId7" minVer="http://schemas.openxmlformats.org/drawingml/2006/diagram"/>
-    </a:ext>
-  </dgm:extLst>
-</dgm:dataModel>
-</file>
-
-<file path=ppt/diagrams/data2.xml><?xml version="1.0" encoding="utf-8"?>
-<dgm:dataModel xmlns:dgm="http://schemas.openxmlformats.org/drawingml/2006/diagram" xmlns:a="http://schemas.openxmlformats.org/drawingml/2006/main">
-  <dgm:ptLst>
-    <dgm:pt modelId="{33C774CC-5ABC-4DBC-AA95-95A8E9530D0F}" type="doc">
-      <dgm:prSet loTypeId="urn:microsoft.com/office/officeart/2005/8/layout/process1" loCatId="process" qsTypeId="urn:microsoft.com/office/officeart/2005/8/quickstyle/simple1" qsCatId="simple" csTypeId="urn:microsoft.com/office/officeart/2005/8/colors/accent1_2" csCatId="accent1" phldr="1"/>
-      <dgm:spPr/>
-      <dgm:t>
-        <a:bodyPr/>
-        <a:lstStyle/>
-        <a:p>
-          <a:endParaRPr lang="en-SG"/>
-        </a:p>
-      </dgm:t>
-    </dgm:pt>
-    <dgm:pt modelId="{6F5E7D44-1557-4D24-B418-71C970AD6BEF}">
-      <dgm:prSet/>
-      <dgm:spPr/>
-      <dgm:t>
-        <a:bodyPr/>
-        <a:lstStyle/>
-        <a:p>
-          <a:r>
-            <a:rPr lang="en-SG" b="0" i="0" dirty="0"/>
-            <a:t>Evaluation (QA)</a:t>
-          </a:r>
-          <a:endParaRPr lang="en-SG" dirty="0"/>
-        </a:p>
-      </dgm:t>
-    </dgm:pt>
-    <dgm:pt modelId="{650FB0FD-2931-4FC3-85ED-4A827A98927E}" type="parTrans" cxnId="{F2982640-DDF6-43CD-A2E2-A039D5D679A3}">
-      <dgm:prSet/>
-      <dgm:spPr/>
-      <dgm:t>
-        <a:bodyPr/>
-        <a:lstStyle/>
-        <a:p>
-          <a:endParaRPr lang="en-SG"/>
-        </a:p>
-      </dgm:t>
-    </dgm:pt>
-    <dgm:pt modelId="{E0E4E17F-FE6C-4091-ACB5-7F2D6C4BE1D7}" type="sibTrans" cxnId="{F2982640-DDF6-43CD-A2E2-A039D5D679A3}">
-      <dgm:prSet/>
-      <dgm:spPr/>
-      <dgm:t>
-        <a:bodyPr/>
-        <a:lstStyle/>
-        <a:p>
-          <a:endParaRPr lang="en-SG"/>
-        </a:p>
-      </dgm:t>
-    </dgm:pt>
-    <dgm:pt modelId="{98DF7536-9BEC-484E-820A-4149F93A37D7}" type="pres">
-      <dgm:prSet presAssocID="{33C774CC-5ABC-4DBC-AA95-95A8E9530D0F}" presName="Name0" presStyleCnt="0">
-        <dgm:presLayoutVars>
-          <dgm:dir/>
-          <dgm:resizeHandles val="exact"/>
-        </dgm:presLayoutVars>
-      </dgm:prSet>
-      <dgm:spPr/>
-    </dgm:pt>
-    <dgm:pt modelId="{8B60FB5F-05B2-459A-9300-9D95BF839B98}" type="pres">
-      <dgm:prSet presAssocID="{6F5E7D44-1557-4D24-B418-71C970AD6BEF}" presName="node" presStyleLbl="node1" presStyleIdx="0" presStyleCnt="1" custLinFactNeighborX="-37582" custLinFactNeighborY="5001">
-        <dgm:presLayoutVars>
-          <dgm:bulletEnabled val="1"/>
-        </dgm:presLayoutVars>
-      </dgm:prSet>
-      <dgm:spPr/>
-    </dgm:pt>
-  </dgm:ptLst>
-  <dgm:cxnLst>
-    <dgm:cxn modelId="{5FFACC08-B354-46DD-8D22-26DE856CDE9C}" type="presOf" srcId="{6F5E7D44-1557-4D24-B418-71C970AD6BEF}" destId="{8B60FB5F-05B2-459A-9300-9D95BF839B98}" srcOrd="0" destOrd="0" presId="urn:microsoft.com/office/officeart/2005/8/layout/process1"/>
-    <dgm:cxn modelId="{F2982640-DDF6-43CD-A2E2-A039D5D679A3}" srcId="{33C774CC-5ABC-4DBC-AA95-95A8E9530D0F}" destId="{6F5E7D44-1557-4D24-B418-71C970AD6BEF}" srcOrd="0" destOrd="0" parTransId="{650FB0FD-2931-4FC3-85ED-4A827A98927E}" sibTransId="{E0E4E17F-FE6C-4091-ACB5-7F2D6C4BE1D7}"/>
-    <dgm:cxn modelId="{AA92E759-917C-42D7-8B00-3F890057F8DC}" type="presOf" srcId="{33C774CC-5ABC-4DBC-AA95-95A8E9530D0F}" destId="{98DF7536-9BEC-484E-820A-4149F93A37D7}" srcOrd="0" destOrd="0" presId="urn:microsoft.com/office/officeart/2005/8/layout/process1"/>
-    <dgm:cxn modelId="{36A650F6-3C06-4CDA-BE3F-7BD0AC25E3A1}" type="presParOf" srcId="{98DF7536-9BEC-484E-820A-4149F93A37D7}" destId="{8B60FB5F-05B2-459A-9300-9D95BF839B98}" srcOrd="0" destOrd="0" presId="urn:microsoft.com/office/officeart/2005/8/layout/process1"/>
-  </dgm:cxnLst>
-  <dgm:bg/>
-  <dgm:whole/>
-  <dgm:extLst>
-    <a:ext uri="http://schemas.microsoft.com/office/drawing/2008/diagram">
-      <dsp:dataModelExt xmlns:dsp="http://schemas.microsoft.com/office/drawing/2008/diagram" relId="rId12" minVer="http://schemas.openxmlformats.org/drawingml/2006/diagram"/>
-    </a:ext>
-  </dgm:extLst>
-</dgm:dataModel>
-</file>
-
-<file path=ppt/diagrams/data3.xml><?xml version="1.0" encoding="utf-8"?>
-<dgm:dataModel xmlns:dgm="http://schemas.openxmlformats.org/drawingml/2006/diagram" xmlns:a="http://schemas.openxmlformats.org/drawingml/2006/main">
-  <dgm:ptLst>
-    <dgm:pt modelId="{33C774CC-5ABC-4DBC-AA95-95A8E9530D0F}" type="doc">
-      <dgm:prSet loTypeId="urn:microsoft.com/office/officeart/2005/8/layout/process1" loCatId="process" qsTypeId="urn:microsoft.com/office/officeart/2005/8/quickstyle/simple1" qsCatId="simple" csTypeId="urn:microsoft.com/office/officeart/2005/8/colors/accent1_2" csCatId="accent1" phldr="1"/>
-      <dgm:spPr/>
-      <dgm:t>
-        <a:bodyPr/>
-        <a:lstStyle/>
-        <a:p>
-          <a:endParaRPr lang="en-SG"/>
-        </a:p>
-      </dgm:t>
-    </dgm:pt>
-    <dgm:pt modelId="{6F5E7D44-1557-4D24-B418-71C970AD6BEF}">
-      <dgm:prSet/>
-      <dgm:spPr/>
-      <dgm:t>
-        <a:bodyPr/>
-        <a:lstStyle/>
-        <a:p>
-          <a:r>
-            <a:rPr lang="en-SG" b="0" i="0" dirty="0"/>
-            <a:t>AI Safety Guardrails</a:t>
-          </a:r>
-          <a:endParaRPr lang="en-SG" dirty="0"/>
-        </a:p>
-      </dgm:t>
-    </dgm:pt>
-    <dgm:pt modelId="{650FB0FD-2931-4FC3-85ED-4A827A98927E}" type="parTrans" cxnId="{F2982640-DDF6-43CD-A2E2-A039D5D679A3}">
-      <dgm:prSet/>
-      <dgm:spPr/>
-      <dgm:t>
-        <a:bodyPr/>
-        <a:lstStyle/>
-        <a:p>
-          <a:endParaRPr lang="en-SG"/>
-        </a:p>
-      </dgm:t>
-    </dgm:pt>
-    <dgm:pt modelId="{E0E4E17F-FE6C-4091-ACB5-7F2D6C4BE1D7}" type="sibTrans" cxnId="{F2982640-DDF6-43CD-A2E2-A039D5D679A3}">
-      <dgm:prSet/>
-      <dgm:spPr/>
-      <dgm:t>
-        <a:bodyPr/>
-        <a:lstStyle/>
-        <a:p>
-          <a:endParaRPr lang="en-SG"/>
-        </a:p>
-      </dgm:t>
-    </dgm:pt>
-    <dgm:pt modelId="{98DF7536-9BEC-484E-820A-4149F93A37D7}" type="pres">
-      <dgm:prSet presAssocID="{33C774CC-5ABC-4DBC-AA95-95A8E9530D0F}" presName="Name0" presStyleCnt="0">
-        <dgm:presLayoutVars>
-          <dgm:dir/>
-          <dgm:resizeHandles val="exact"/>
-        </dgm:presLayoutVars>
-      </dgm:prSet>
-      <dgm:spPr/>
-    </dgm:pt>
-    <dgm:pt modelId="{8B60FB5F-05B2-459A-9300-9D95BF839B98}" type="pres">
-      <dgm:prSet presAssocID="{6F5E7D44-1557-4D24-B418-71C970AD6BEF}" presName="node" presStyleLbl="node1" presStyleIdx="0" presStyleCnt="1" custLinFactX="33793" custLinFactNeighborX="100000" custLinFactNeighborY="-1131">
-        <dgm:presLayoutVars>
-          <dgm:bulletEnabled val="1"/>
-        </dgm:presLayoutVars>
-      </dgm:prSet>
-      <dgm:spPr/>
-    </dgm:pt>
-  </dgm:ptLst>
-  <dgm:cxnLst>
-    <dgm:cxn modelId="{5FFACC08-B354-46DD-8D22-26DE856CDE9C}" type="presOf" srcId="{6F5E7D44-1557-4D24-B418-71C970AD6BEF}" destId="{8B60FB5F-05B2-459A-9300-9D95BF839B98}" srcOrd="0" destOrd="0" presId="urn:microsoft.com/office/officeart/2005/8/layout/process1"/>
-    <dgm:cxn modelId="{F2982640-DDF6-43CD-A2E2-A039D5D679A3}" srcId="{33C774CC-5ABC-4DBC-AA95-95A8E9530D0F}" destId="{6F5E7D44-1557-4D24-B418-71C970AD6BEF}" srcOrd="0" destOrd="0" parTransId="{650FB0FD-2931-4FC3-85ED-4A827A98927E}" sibTransId="{E0E4E17F-FE6C-4091-ACB5-7F2D6C4BE1D7}"/>
-    <dgm:cxn modelId="{AA92E759-917C-42D7-8B00-3F890057F8DC}" type="presOf" srcId="{33C774CC-5ABC-4DBC-AA95-95A8E9530D0F}" destId="{98DF7536-9BEC-484E-820A-4149F93A37D7}" srcOrd="0" destOrd="0" presId="urn:microsoft.com/office/officeart/2005/8/layout/process1"/>
-    <dgm:cxn modelId="{36A650F6-3C06-4CDA-BE3F-7BD0AC25E3A1}" type="presParOf" srcId="{98DF7536-9BEC-484E-820A-4149F93A37D7}" destId="{8B60FB5F-05B2-459A-9300-9D95BF839B98}" srcOrd="0" destOrd="0" presId="urn:microsoft.com/office/officeart/2005/8/layout/process1"/>
-  </dgm:cxnLst>
-  <dgm:bg/>
-  <dgm:whole/>
-  <dgm:extLst>
-    <a:ext uri="http://schemas.microsoft.com/office/drawing/2008/diagram">
-      <dsp:dataModelExt xmlns:dsp="http://schemas.microsoft.com/office/drawing/2008/diagram" relId="rId17" minVer="http://schemas.openxmlformats.org/drawingml/2006/diagram"/>
     </a:ext>
   </dgm:extLst>
 </dgm:dataModel>
@@ -3730,6 +2218,78 @@
           </a:r>
           <a:endParaRPr lang="en-SG" sz="1200" b="1" kern="1200" dirty="0"/>
         </a:p>
+        <a:p>
+          <a:pPr marL="114300" lvl="1" indent="-114300" algn="l" defTabSz="533400">
+            <a:lnSpc>
+              <a:spcPct val="90000"/>
+            </a:lnSpc>
+            <a:spcBef>
+              <a:spcPct val="0"/>
+            </a:spcBef>
+            <a:spcAft>
+              <a:spcPct val="15000"/>
+            </a:spcAft>
+            <a:buChar char="•"/>
+          </a:pPr>
+          <a:r>
+            <a:rPr lang="en-SG" sz="1200" b="0" i="0" kern="1200" dirty="0"/>
+            <a:t>Evaluation (QA)</a:t>
+          </a:r>
+          <a:endParaRPr lang="en-SG" sz="1200" b="1" kern="1200" dirty="0"/>
+        </a:p>
+        <a:p>
+          <a:pPr marL="114300" lvl="1" indent="-114300" algn="l" defTabSz="533400">
+            <a:lnSpc>
+              <a:spcPct val="90000"/>
+            </a:lnSpc>
+            <a:spcBef>
+              <a:spcPct val="0"/>
+            </a:spcBef>
+            <a:spcAft>
+              <a:spcPct val="15000"/>
+            </a:spcAft>
+            <a:buChar char="•"/>
+          </a:pPr>
+          <a:r>
+            <a:rPr lang="en-SG" sz="1200" b="0" i="0" kern="1200" dirty="0"/>
+            <a:t>AI Safety Guardrails</a:t>
+          </a:r>
+          <a:endParaRPr lang="en-SG" sz="1200" b="1" kern="1200" dirty="0"/>
+        </a:p>
+        <a:p>
+          <a:pPr marL="114300" lvl="1" indent="-114300" algn="l" defTabSz="533400">
+            <a:lnSpc>
+              <a:spcPct val="90000"/>
+            </a:lnSpc>
+            <a:spcBef>
+              <a:spcPct val="0"/>
+            </a:spcBef>
+            <a:spcAft>
+              <a:spcPct val="15000"/>
+            </a:spcAft>
+            <a:buChar char="•"/>
+          </a:pPr>
+          <a:r>
+            <a:rPr lang="en-SG" sz="1200" b="0" i="0" kern="1200" dirty="0"/>
+            <a:t>MCP Tooling</a:t>
+          </a:r>
+          <a:endParaRPr lang="en-SG" sz="1200" b="1" kern="1200" dirty="0"/>
+        </a:p>
+        <a:p>
+          <a:pPr marL="114300" lvl="1" indent="-114300" algn="l" defTabSz="533400">
+            <a:lnSpc>
+              <a:spcPct val="90000"/>
+            </a:lnSpc>
+            <a:spcBef>
+              <a:spcPct val="0"/>
+            </a:spcBef>
+            <a:spcAft>
+              <a:spcPct val="15000"/>
+            </a:spcAft>
+            <a:buChar char="•"/>
+          </a:pPr>
+          <a:endParaRPr lang="en-SG" sz="1200" b="1" kern="1200" dirty="0"/>
+        </a:p>
       </dsp:txBody>
       <dsp:txXfrm>
         <a:off x="7314261" y="835673"/>
@@ -3889,483 +2449,7 @@
 </dsp:drawing>
 </file>
 
-<file path=ppt/diagrams/drawing2.xml><?xml version="1.0" encoding="utf-8"?>
-<dsp:drawing xmlns:dgm="http://schemas.openxmlformats.org/drawingml/2006/diagram" xmlns:dsp="http://schemas.microsoft.com/office/drawing/2008/diagram" xmlns:a="http://schemas.openxmlformats.org/drawingml/2006/main">
-  <dsp:spTree>
-    <dsp:nvGrpSpPr>
-      <dsp:cNvPr id="0" name=""/>
-      <dsp:cNvGrpSpPr/>
-    </dsp:nvGrpSpPr>
-    <dsp:grpSpPr/>
-    <dsp:sp modelId="{8B60FB5F-05B2-459A-9300-9D95BF839B98}">
-      <dsp:nvSpPr>
-        <dsp:cNvPr id="0" name=""/>
-        <dsp:cNvSpPr/>
-      </dsp:nvSpPr>
-      <dsp:spPr>
-        <a:xfrm>
-          <a:off x="0" y="86695"/>
-          <a:ext cx="1153770" cy="692262"/>
-        </a:xfrm>
-        <a:prstGeom prst="roundRect">
-          <a:avLst>
-            <a:gd name="adj" fmla="val 10000"/>
-          </a:avLst>
-        </a:prstGeom>
-        <a:solidFill>
-          <a:schemeClr val="accent1">
-            <a:hueOff val="0"/>
-            <a:satOff val="0"/>
-            <a:lumOff val="0"/>
-            <a:alphaOff val="0"/>
-          </a:schemeClr>
-        </a:solidFill>
-        <a:ln w="15875" cap="flat" cmpd="sng" algn="ctr">
-          <a:solidFill>
-            <a:schemeClr val="lt1">
-              <a:hueOff val="0"/>
-              <a:satOff val="0"/>
-              <a:lumOff val="0"/>
-              <a:alphaOff val="0"/>
-            </a:schemeClr>
-          </a:solidFill>
-          <a:prstDash val="solid"/>
-        </a:ln>
-        <a:effectLst/>
-      </dsp:spPr>
-      <dsp:style>
-        <a:lnRef idx="2">
-          <a:scrgbClr r="0" g="0" b="0"/>
-        </a:lnRef>
-        <a:fillRef idx="1">
-          <a:scrgbClr r="0" g="0" b="0"/>
-        </a:fillRef>
-        <a:effectRef idx="0">
-          <a:scrgbClr r="0" g="0" b="0"/>
-        </a:effectRef>
-        <a:fontRef idx="minor">
-          <a:schemeClr val="lt1"/>
-        </a:fontRef>
-      </dsp:style>
-      <dsp:txBody>
-        <a:bodyPr spcFirstLastPara="0" vert="horz" wrap="square" lIns="68580" tIns="68580" rIns="68580" bIns="68580" numCol="1" spcCol="1270" anchor="ctr" anchorCtr="0">
-          <a:noAutofit/>
-        </a:bodyPr>
-        <a:lstStyle/>
-        <a:p>
-          <a:pPr marL="0" lvl="0" indent="0" algn="ctr" defTabSz="800100">
-            <a:lnSpc>
-              <a:spcPct val="90000"/>
-            </a:lnSpc>
-            <a:spcBef>
-              <a:spcPct val="0"/>
-            </a:spcBef>
-            <a:spcAft>
-              <a:spcPct val="35000"/>
-            </a:spcAft>
-            <a:buNone/>
-          </a:pPr>
-          <a:r>
-            <a:rPr lang="en-SG" sz="1800" b="0" i="0" kern="1200" dirty="0"/>
-            <a:t>Evaluation (QA)</a:t>
-          </a:r>
-          <a:endParaRPr lang="en-SG" sz="1800" kern="1200" dirty="0"/>
-        </a:p>
-      </dsp:txBody>
-      <dsp:txXfrm>
-        <a:off x="20276" y="106971"/>
-        <a:ext cx="1113218" cy="651710"/>
-      </dsp:txXfrm>
-    </dsp:sp>
-  </dsp:spTree>
-</dsp:drawing>
-</file>
-
-<file path=ppt/diagrams/drawing3.xml><?xml version="1.0" encoding="utf-8"?>
-<dsp:drawing xmlns:dgm="http://schemas.openxmlformats.org/drawingml/2006/diagram" xmlns:dsp="http://schemas.microsoft.com/office/drawing/2008/diagram" xmlns:a="http://schemas.openxmlformats.org/drawingml/2006/main">
-  <dsp:spTree>
-    <dsp:nvGrpSpPr>
-      <dsp:cNvPr id="0" name=""/>
-      <dsp:cNvGrpSpPr/>
-    </dsp:nvGrpSpPr>
-    <dsp:grpSpPr/>
-    <dsp:sp modelId="{8B60FB5F-05B2-459A-9300-9D95BF839B98}">
-      <dsp:nvSpPr>
-        <dsp:cNvPr id="0" name=""/>
-        <dsp:cNvSpPr/>
-      </dsp:nvSpPr>
-      <dsp:spPr>
-        <a:xfrm>
-          <a:off x="0" y="0"/>
-          <a:ext cx="1153770" cy="692262"/>
-        </a:xfrm>
-        <a:prstGeom prst="roundRect">
-          <a:avLst>
-            <a:gd name="adj" fmla="val 10000"/>
-          </a:avLst>
-        </a:prstGeom>
-        <a:solidFill>
-          <a:schemeClr val="accent1">
-            <a:hueOff val="0"/>
-            <a:satOff val="0"/>
-            <a:lumOff val="0"/>
-            <a:alphaOff val="0"/>
-          </a:schemeClr>
-        </a:solidFill>
-        <a:ln w="15875" cap="flat" cmpd="sng" algn="ctr">
-          <a:solidFill>
-            <a:schemeClr val="lt1">
-              <a:hueOff val="0"/>
-              <a:satOff val="0"/>
-              <a:lumOff val="0"/>
-              <a:alphaOff val="0"/>
-            </a:schemeClr>
-          </a:solidFill>
-          <a:prstDash val="solid"/>
-        </a:ln>
-        <a:effectLst/>
-      </dsp:spPr>
-      <dsp:style>
-        <a:lnRef idx="2">
-          <a:scrgbClr r="0" g="0" b="0"/>
-        </a:lnRef>
-        <a:fillRef idx="1">
-          <a:scrgbClr r="0" g="0" b="0"/>
-        </a:fillRef>
-        <a:effectRef idx="0">
-          <a:scrgbClr r="0" g="0" b="0"/>
-        </a:effectRef>
-        <a:fontRef idx="minor">
-          <a:schemeClr val="lt1"/>
-        </a:fontRef>
-      </dsp:style>
-      <dsp:txBody>
-        <a:bodyPr spcFirstLastPara="0" vert="horz" wrap="square" lIns="68580" tIns="68580" rIns="68580" bIns="68580" numCol="1" spcCol="1270" anchor="ctr" anchorCtr="0">
-          <a:noAutofit/>
-        </a:bodyPr>
-        <a:lstStyle/>
-        <a:p>
-          <a:pPr marL="0" lvl="0" indent="0" algn="ctr" defTabSz="800100">
-            <a:lnSpc>
-              <a:spcPct val="90000"/>
-            </a:lnSpc>
-            <a:spcBef>
-              <a:spcPct val="0"/>
-            </a:spcBef>
-            <a:spcAft>
-              <a:spcPct val="35000"/>
-            </a:spcAft>
-            <a:buNone/>
-          </a:pPr>
-          <a:r>
-            <a:rPr lang="en-SG" sz="1800" b="0" i="0" kern="1200" dirty="0"/>
-            <a:t>AI Safety Guardrails</a:t>
-          </a:r>
-          <a:endParaRPr lang="en-SG" sz="1800" kern="1200" dirty="0"/>
-        </a:p>
-      </dsp:txBody>
-      <dsp:txXfrm>
-        <a:off x="20276" y="20276"/>
-        <a:ext cx="1113218" cy="651710"/>
-      </dsp:txXfrm>
-    </dsp:sp>
-  </dsp:spTree>
-</dsp:drawing>
-</file>
-
 <file path=ppt/diagrams/layout1.xml><?xml version="1.0" encoding="utf-8"?>
-<dgm:layoutDef xmlns:dgm="http://schemas.openxmlformats.org/drawingml/2006/diagram" xmlns:a="http://schemas.openxmlformats.org/drawingml/2006/main" uniqueId="urn:microsoft.com/office/officeart/2005/8/layout/process1">
-  <dgm:title val=""/>
-  <dgm:desc val=""/>
-  <dgm:catLst>
-    <dgm:cat type="process" pri="1000"/>
-    <dgm:cat type="convert" pri="15000"/>
-  </dgm:catLst>
-  <dgm:sampData useDef="1">
-    <dgm:dataModel>
-      <dgm:ptLst/>
-      <dgm:bg/>
-      <dgm:whole/>
-    </dgm:dataModel>
-  </dgm:sampData>
-  <dgm:styleData>
-    <dgm:dataModel>
-      <dgm:ptLst>
-        <dgm:pt modelId="0" type="doc"/>
-        <dgm:pt modelId="1"/>
-        <dgm:pt modelId="2"/>
-      </dgm:ptLst>
-      <dgm:cxnLst>
-        <dgm:cxn modelId="3" srcId="0" destId="1" srcOrd="0" destOrd="0"/>
-        <dgm:cxn modelId="4" srcId="0" destId="2" srcOrd="1" destOrd="0"/>
-      </dgm:cxnLst>
-      <dgm:bg/>
-      <dgm:whole/>
-    </dgm:dataModel>
-  </dgm:styleData>
-  <dgm:clrData>
-    <dgm:dataModel>
-      <dgm:ptLst>
-        <dgm:pt modelId="0" type="doc"/>
-        <dgm:pt modelId="1"/>
-        <dgm:pt modelId="2"/>
-        <dgm:pt modelId="3"/>
-        <dgm:pt modelId="4"/>
-      </dgm:ptLst>
-      <dgm:cxnLst>
-        <dgm:cxn modelId="5" srcId="0" destId="1" srcOrd="0" destOrd="0"/>
-        <dgm:cxn modelId="6" srcId="0" destId="2" srcOrd="1" destOrd="0"/>
-        <dgm:cxn modelId="7" srcId="0" destId="3" srcOrd="2" destOrd="0"/>
-        <dgm:cxn modelId="8" srcId="0" destId="4" srcOrd="3" destOrd="0"/>
-      </dgm:cxnLst>
-      <dgm:bg/>
-      <dgm:whole/>
-    </dgm:dataModel>
-  </dgm:clrData>
-  <dgm:layoutNode name="Name0">
-    <dgm:varLst>
-      <dgm:dir/>
-      <dgm:resizeHandles val="exact"/>
-    </dgm:varLst>
-    <dgm:choose name="Name1">
-      <dgm:if name="Name2" func="var" arg="dir" op="equ" val="norm">
-        <dgm:alg type="lin"/>
-      </dgm:if>
-      <dgm:else name="Name3">
-        <dgm:alg type="lin">
-          <dgm:param type="linDir" val="fromR"/>
-        </dgm:alg>
-      </dgm:else>
-    </dgm:choose>
-    <dgm:shape xmlns:r="http://schemas.openxmlformats.org/officeDocument/2006/relationships" r:blip="">
-      <dgm:adjLst/>
-    </dgm:shape>
-    <dgm:presOf/>
-    <dgm:constrLst>
-      <dgm:constr type="w" for="ch" ptType="node" refType="w"/>
-      <dgm:constr type="h" for="ch" ptType="node" op="equ"/>
-      <dgm:constr type="primFontSz" for="ch" ptType="node" op="equ" val="65"/>
-      <dgm:constr type="w" for="ch" ptType="sibTrans" refType="w" refFor="ch" refPtType="node" op="equ" fact="0.4"/>
-      <dgm:constr type="h" for="ch" ptType="sibTrans" op="equ"/>
-      <dgm:constr type="primFontSz" for="des" forName="connectorText" op="equ" val="55"/>
-      <dgm:constr type="primFontSz" for="des" forName="connectorText" refType="primFontSz" refFor="ch" refPtType="node" op="lte" fact="0.8"/>
-    </dgm:constrLst>
-    <dgm:ruleLst/>
-    <dgm:forEach name="nodesForEach" axis="ch" ptType="node">
-      <dgm:layoutNode name="node">
-        <dgm:varLst>
-          <dgm:bulletEnabled val="1"/>
-        </dgm:varLst>
-        <dgm:alg type="tx"/>
-        <dgm:shape xmlns:r="http://schemas.openxmlformats.org/officeDocument/2006/relationships" type="roundRect" r:blip="">
-          <dgm:adjLst>
-            <dgm:adj idx="1" val="0.1"/>
-          </dgm:adjLst>
-        </dgm:shape>
-        <dgm:presOf axis="desOrSelf" ptType="node"/>
-        <dgm:constrLst>
-          <dgm:constr type="h" refType="w" fact="0.6"/>
-          <dgm:constr type="tMarg" refType="primFontSz" fact="0.3"/>
-          <dgm:constr type="bMarg" refType="primFontSz" fact="0.3"/>
-          <dgm:constr type="lMarg" refType="primFontSz" fact="0.3"/>
-          <dgm:constr type="rMarg" refType="primFontSz" fact="0.3"/>
-        </dgm:constrLst>
-        <dgm:ruleLst>
-          <dgm:rule type="primFontSz" val="18" fact="NaN" max="NaN"/>
-          <dgm:rule type="h" val="NaN" fact="1.5" max="NaN"/>
-          <dgm:rule type="primFontSz" val="5" fact="NaN" max="NaN"/>
-          <dgm:rule type="h" val="INF" fact="NaN" max="NaN"/>
-        </dgm:ruleLst>
-      </dgm:layoutNode>
-      <dgm:forEach name="sibTransForEach" axis="followSib" ptType="sibTrans" cnt="1">
-        <dgm:layoutNode name="sibTrans">
-          <dgm:alg type="conn">
-            <dgm:param type="begPts" val="auto"/>
-            <dgm:param type="endPts" val="auto"/>
-          </dgm:alg>
-          <dgm:shape xmlns:r="http://schemas.openxmlformats.org/officeDocument/2006/relationships" type="conn" r:blip="">
-            <dgm:adjLst/>
-          </dgm:shape>
-          <dgm:presOf axis="self"/>
-          <dgm:constrLst>
-            <dgm:constr type="h" refType="w" fact="0.62"/>
-            <dgm:constr type="connDist"/>
-            <dgm:constr type="begPad" refType="connDist" fact="0.25"/>
-            <dgm:constr type="endPad" refType="connDist" fact="0.22"/>
-          </dgm:constrLst>
-          <dgm:ruleLst/>
-          <dgm:layoutNode name="connectorText">
-            <dgm:alg type="tx">
-              <dgm:param type="autoTxRot" val="grav"/>
-            </dgm:alg>
-            <dgm:shape xmlns:r="http://schemas.openxmlformats.org/officeDocument/2006/relationships" type="conn" r:blip="" hideGeom="1">
-              <dgm:adjLst/>
-            </dgm:shape>
-            <dgm:presOf axis="self"/>
-            <dgm:constrLst>
-              <dgm:constr type="lMarg"/>
-              <dgm:constr type="rMarg"/>
-              <dgm:constr type="tMarg"/>
-              <dgm:constr type="bMarg"/>
-            </dgm:constrLst>
-            <dgm:ruleLst>
-              <dgm:rule type="primFontSz" val="5" fact="NaN" max="NaN"/>
-            </dgm:ruleLst>
-          </dgm:layoutNode>
-        </dgm:layoutNode>
-      </dgm:forEach>
-    </dgm:forEach>
-  </dgm:layoutNode>
-</dgm:layoutDef>
-</file>
-
-<file path=ppt/diagrams/layout2.xml><?xml version="1.0" encoding="utf-8"?>
-<dgm:layoutDef xmlns:dgm="http://schemas.openxmlformats.org/drawingml/2006/diagram" xmlns:a="http://schemas.openxmlformats.org/drawingml/2006/main" uniqueId="urn:microsoft.com/office/officeart/2005/8/layout/process1">
-  <dgm:title val=""/>
-  <dgm:desc val=""/>
-  <dgm:catLst>
-    <dgm:cat type="process" pri="1000"/>
-    <dgm:cat type="convert" pri="15000"/>
-  </dgm:catLst>
-  <dgm:sampData useDef="1">
-    <dgm:dataModel>
-      <dgm:ptLst/>
-      <dgm:bg/>
-      <dgm:whole/>
-    </dgm:dataModel>
-  </dgm:sampData>
-  <dgm:styleData>
-    <dgm:dataModel>
-      <dgm:ptLst>
-        <dgm:pt modelId="0" type="doc"/>
-        <dgm:pt modelId="1"/>
-        <dgm:pt modelId="2"/>
-      </dgm:ptLst>
-      <dgm:cxnLst>
-        <dgm:cxn modelId="3" srcId="0" destId="1" srcOrd="0" destOrd="0"/>
-        <dgm:cxn modelId="4" srcId="0" destId="2" srcOrd="1" destOrd="0"/>
-      </dgm:cxnLst>
-      <dgm:bg/>
-      <dgm:whole/>
-    </dgm:dataModel>
-  </dgm:styleData>
-  <dgm:clrData>
-    <dgm:dataModel>
-      <dgm:ptLst>
-        <dgm:pt modelId="0" type="doc"/>
-        <dgm:pt modelId="1"/>
-        <dgm:pt modelId="2"/>
-        <dgm:pt modelId="3"/>
-        <dgm:pt modelId="4"/>
-      </dgm:ptLst>
-      <dgm:cxnLst>
-        <dgm:cxn modelId="5" srcId="0" destId="1" srcOrd="0" destOrd="0"/>
-        <dgm:cxn modelId="6" srcId="0" destId="2" srcOrd="1" destOrd="0"/>
-        <dgm:cxn modelId="7" srcId="0" destId="3" srcOrd="2" destOrd="0"/>
-        <dgm:cxn modelId="8" srcId="0" destId="4" srcOrd="3" destOrd="0"/>
-      </dgm:cxnLst>
-      <dgm:bg/>
-      <dgm:whole/>
-    </dgm:dataModel>
-  </dgm:clrData>
-  <dgm:layoutNode name="Name0">
-    <dgm:varLst>
-      <dgm:dir/>
-      <dgm:resizeHandles val="exact"/>
-    </dgm:varLst>
-    <dgm:choose name="Name1">
-      <dgm:if name="Name2" func="var" arg="dir" op="equ" val="norm">
-        <dgm:alg type="lin"/>
-      </dgm:if>
-      <dgm:else name="Name3">
-        <dgm:alg type="lin">
-          <dgm:param type="linDir" val="fromR"/>
-        </dgm:alg>
-      </dgm:else>
-    </dgm:choose>
-    <dgm:shape xmlns:r="http://schemas.openxmlformats.org/officeDocument/2006/relationships" r:blip="">
-      <dgm:adjLst/>
-    </dgm:shape>
-    <dgm:presOf/>
-    <dgm:constrLst>
-      <dgm:constr type="w" for="ch" ptType="node" refType="w"/>
-      <dgm:constr type="h" for="ch" ptType="node" op="equ"/>
-      <dgm:constr type="primFontSz" for="ch" ptType="node" op="equ" val="65"/>
-      <dgm:constr type="w" for="ch" ptType="sibTrans" refType="w" refFor="ch" refPtType="node" op="equ" fact="0.4"/>
-      <dgm:constr type="h" for="ch" ptType="sibTrans" op="equ"/>
-      <dgm:constr type="primFontSz" for="des" forName="connectorText" op="equ" val="55"/>
-      <dgm:constr type="primFontSz" for="des" forName="connectorText" refType="primFontSz" refFor="ch" refPtType="node" op="lte" fact="0.8"/>
-    </dgm:constrLst>
-    <dgm:ruleLst/>
-    <dgm:forEach name="nodesForEach" axis="ch" ptType="node">
-      <dgm:layoutNode name="node">
-        <dgm:varLst>
-          <dgm:bulletEnabled val="1"/>
-        </dgm:varLst>
-        <dgm:alg type="tx"/>
-        <dgm:shape xmlns:r="http://schemas.openxmlformats.org/officeDocument/2006/relationships" type="roundRect" r:blip="">
-          <dgm:adjLst>
-            <dgm:adj idx="1" val="0.1"/>
-          </dgm:adjLst>
-        </dgm:shape>
-        <dgm:presOf axis="desOrSelf" ptType="node"/>
-        <dgm:constrLst>
-          <dgm:constr type="h" refType="w" fact="0.6"/>
-          <dgm:constr type="tMarg" refType="primFontSz" fact="0.3"/>
-          <dgm:constr type="bMarg" refType="primFontSz" fact="0.3"/>
-          <dgm:constr type="lMarg" refType="primFontSz" fact="0.3"/>
-          <dgm:constr type="rMarg" refType="primFontSz" fact="0.3"/>
-        </dgm:constrLst>
-        <dgm:ruleLst>
-          <dgm:rule type="primFontSz" val="18" fact="NaN" max="NaN"/>
-          <dgm:rule type="h" val="NaN" fact="1.5" max="NaN"/>
-          <dgm:rule type="primFontSz" val="5" fact="NaN" max="NaN"/>
-          <dgm:rule type="h" val="INF" fact="NaN" max="NaN"/>
-        </dgm:ruleLst>
-      </dgm:layoutNode>
-      <dgm:forEach name="sibTransForEach" axis="followSib" ptType="sibTrans" cnt="1">
-        <dgm:layoutNode name="sibTrans">
-          <dgm:alg type="conn">
-            <dgm:param type="begPts" val="auto"/>
-            <dgm:param type="endPts" val="auto"/>
-          </dgm:alg>
-          <dgm:shape xmlns:r="http://schemas.openxmlformats.org/officeDocument/2006/relationships" type="conn" r:blip="">
-            <dgm:adjLst/>
-          </dgm:shape>
-          <dgm:presOf axis="self"/>
-          <dgm:constrLst>
-            <dgm:constr type="h" refType="w" fact="0.62"/>
-            <dgm:constr type="connDist"/>
-            <dgm:constr type="begPad" refType="connDist" fact="0.25"/>
-            <dgm:constr type="endPad" refType="connDist" fact="0.22"/>
-          </dgm:constrLst>
-          <dgm:ruleLst/>
-          <dgm:layoutNode name="connectorText">
-            <dgm:alg type="tx">
-              <dgm:param type="autoTxRot" val="grav"/>
-            </dgm:alg>
-            <dgm:shape xmlns:r="http://schemas.openxmlformats.org/officeDocument/2006/relationships" type="conn" r:blip="" hideGeom="1">
-              <dgm:adjLst/>
-            </dgm:shape>
-            <dgm:presOf axis="self"/>
-            <dgm:constrLst>
-              <dgm:constr type="lMarg"/>
-              <dgm:constr type="rMarg"/>
-              <dgm:constr type="tMarg"/>
-              <dgm:constr type="bMarg"/>
-            </dgm:constrLst>
-            <dgm:ruleLst>
-              <dgm:rule type="primFontSz" val="5" fact="NaN" max="NaN"/>
-            </dgm:ruleLst>
-          </dgm:layoutNode>
-        </dgm:layoutNode>
-      </dgm:forEach>
-    </dgm:forEach>
-  </dgm:layoutNode>
-</dgm:layoutDef>
-</file>
-
-<file path=ppt/diagrams/layout3.xml><?xml version="1.0" encoding="utf-8"?>
 <dgm:layoutDef xmlns:dgm="http://schemas.openxmlformats.org/drawingml/2006/diagram" xmlns:a="http://schemas.openxmlformats.org/drawingml/2006/main" uniqueId="urn:microsoft.com/office/officeart/2005/8/layout/process1">
   <dgm:title val=""/>
   <dgm:desc val=""/>
@@ -5545,2074 +3629,6 @@
 </dgm:styleDef>
 </file>
 
-<file path=ppt/diagrams/quickStyle2.xml><?xml version="1.0" encoding="utf-8"?>
-<dgm:styleDef xmlns:dgm="http://schemas.openxmlformats.org/drawingml/2006/diagram" xmlns:a="http://schemas.openxmlformats.org/drawingml/2006/main" uniqueId="urn:microsoft.com/office/officeart/2005/8/quickstyle/simple1">
-  <dgm:title val=""/>
-  <dgm:desc val=""/>
-  <dgm:catLst>
-    <dgm:cat type="simple" pri="10100"/>
-  </dgm:catLst>
-  <dgm:scene3d>
-    <a:camera prst="orthographicFront"/>
-    <a:lightRig rig="threePt" dir="t"/>
-  </dgm:scene3d>
-  <dgm:styleLbl name="node0">
-    <dgm:scene3d>
-      <a:camera prst="orthographicFront"/>
-      <a:lightRig rig="threePt" dir="t"/>
-    </dgm:scene3d>
-    <dgm:sp3d/>
-    <dgm:txPr/>
-    <dgm:style>
-      <a:lnRef idx="2">
-        <a:scrgbClr r="0" g="0" b="0"/>
-      </a:lnRef>
-      <a:fillRef idx="1">
-        <a:scrgbClr r="0" g="0" b="0"/>
-      </a:fillRef>
-      <a:effectRef idx="0">
-        <a:scrgbClr r="0" g="0" b="0"/>
-      </a:effectRef>
-      <a:fontRef idx="minor">
-        <a:schemeClr val="lt1"/>
-      </a:fontRef>
-    </dgm:style>
-  </dgm:styleLbl>
-  <dgm:styleLbl name="lnNode1">
-    <dgm:scene3d>
-      <a:camera prst="orthographicFront"/>
-      <a:lightRig rig="threePt" dir="t"/>
-    </dgm:scene3d>
-    <dgm:sp3d/>
-    <dgm:txPr/>
-    <dgm:style>
-      <a:lnRef idx="2">
-        <a:scrgbClr r="0" g="0" b="0"/>
-      </a:lnRef>
-      <a:fillRef idx="1">
-        <a:scrgbClr r="0" g="0" b="0"/>
-      </a:fillRef>
-      <a:effectRef idx="0">
-        <a:scrgbClr r="0" g="0" b="0"/>
-      </a:effectRef>
-      <a:fontRef idx="minor">
-        <a:schemeClr val="lt1"/>
-      </a:fontRef>
-    </dgm:style>
-  </dgm:styleLbl>
-  <dgm:styleLbl name="vennNode1">
-    <dgm:scene3d>
-      <a:camera prst="orthographicFront"/>
-      <a:lightRig rig="threePt" dir="t"/>
-    </dgm:scene3d>
-    <dgm:sp3d/>
-    <dgm:txPr/>
-    <dgm:style>
-      <a:lnRef idx="2">
-        <a:scrgbClr r="0" g="0" b="0"/>
-      </a:lnRef>
-      <a:fillRef idx="1">
-        <a:scrgbClr r="0" g="0" b="0"/>
-      </a:fillRef>
-      <a:effectRef idx="0">
-        <a:scrgbClr r="0" g="0" b="0"/>
-      </a:effectRef>
-      <a:fontRef idx="minor">
-        <a:schemeClr val="tx1"/>
-      </a:fontRef>
-    </dgm:style>
-  </dgm:styleLbl>
-  <dgm:styleLbl name="alignNode1">
-    <dgm:scene3d>
-      <a:camera prst="orthographicFront"/>
-      <a:lightRig rig="threePt" dir="t"/>
-    </dgm:scene3d>
-    <dgm:sp3d/>
-    <dgm:txPr/>
-    <dgm:style>
-      <a:lnRef idx="2">
-        <a:scrgbClr r="0" g="0" b="0"/>
-      </a:lnRef>
-      <a:fillRef idx="1">
-        <a:scrgbClr r="0" g="0" b="0"/>
-      </a:fillRef>
-      <a:effectRef idx="0">
-        <a:scrgbClr r="0" g="0" b="0"/>
-      </a:effectRef>
-      <a:fontRef idx="minor">
-        <a:schemeClr val="lt1"/>
-      </a:fontRef>
-    </dgm:style>
-  </dgm:styleLbl>
-  <dgm:styleLbl name="node1">
-    <dgm:scene3d>
-      <a:camera prst="orthographicFront"/>
-      <a:lightRig rig="threePt" dir="t"/>
-    </dgm:scene3d>
-    <dgm:sp3d/>
-    <dgm:txPr/>
-    <dgm:style>
-      <a:lnRef idx="2">
-        <a:scrgbClr r="0" g="0" b="0"/>
-      </a:lnRef>
-      <a:fillRef idx="1">
-        <a:scrgbClr r="0" g="0" b="0"/>
-      </a:fillRef>
-      <a:effectRef idx="0">
-        <a:scrgbClr r="0" g="0" b="0"/>
-      </a:effectRef>
-      <a:fontRef idx="minor">
-        <a:schemeClr val="lt1"/>
-      </a:fontRef>
-    </dgm:style>
-  </dgm:styleLbl>
-  <dgm:styleLbl name="node2">
-    <dgm:scene3d>
-      <a:camera prst="orthographicFront"/>
-      <a:lightRig rig="threePt" dir="t"/>
-    </dgm:scene3d>
-    <dgm:sp3d/>
-    <dgm:txPr/>
-    <dgm:style>
-      <a:lnRef idx="2">
-        <a:scrgbClr r="0" g="0" b="0"/>
-      </a:lnRef>
-      <a:fillRef idx="1">
-        <a:scrgbClr r="0" g="0" b="0"/>
-      </a:fillRef>
-      <a:effectRef idx="0">
-        <a:scrgbClr r="0" g="0" b="0"/>
-      </a:effectRef>
-      <a:fontRef idx="minor">
-        <a:schemeClr val="lt1"/>
-      </a:fontRef>
-    </dgm:style>
-  </dgm:styleLbl>
-  <dgm:styleLbl name="node3">
-    <dgm:scene3d>
-      <a:camera prst="orthographicFront"/>
-      <a:lightRig rig="threePt" dir="t"/>
-    </dgm:scene3d>
-    <dgm:sp3d/>
-    <dgm:txPr/>
-    <dgm:style>
-      <a:lnRef idx="2">
-        <a:scrgbClr r="0" g="0" b="0"/>
-      </a:lnRef>
-      <a:fillRef idx="1">
-        <a:scrgbClr r="0" g="0" b="0"/>
-      </a:fillRef>
-      <a:effectRef idx="0">
-        <a:scrgbClr r="0" g="0" b="0"/>
-      </a:effectRef>
-      <a:fontRef idx="minor">
-        <a:schemeClr val="lt1"/>
-      </a:fontRef>
-    </dgm:style>
-  </dgm:styleLbl>
-  <dgm:styleLbl name="node4">
-    <dgm:scene3d>
-      <a:camera prst="orthographicFront"/>
-      <a:lightRig rig="threePt" dir="t"/>
-    </dgm:scene3d>
-    <dgm:sp3d/>
-    <dgm:txPr/>
-    <dgm:style>
-      <a:lnRef idx="2">
-        <a:scrgbClr r="0" g="0" b="0"/>
-      </a:lnRef>
-      <a:fillRef idx="1">
-        <a:scrgbClr r="0" g="0" b="0"/>
-      </a:fillRef>
-      <a:effectRef idx="0">
-        <a:scrgbClr r="0" g="0" b="0"/>
-      </a:effectRef>
-      <a:fontRef idx="minor">
-        <a:schemeClr val="lt1"/>
-      </a:fontRef>
-    </dgm:style>
-  </dgm:styleLbl>
-  <dgm:styleLbl name="fgImgPlace1">
-    <dgm:scene3d>
-      <a:camera prst="orthographicFront"/>
-      <a:lightRig rig="threePt" dir="t"/>
-    </dgm:scene3d>
-    <dgm:sp3d/>
-    <dgm:txPr/>
-    <dgm:style>
-      <a:lnRef idx="2">
-        <a:scrgbClr r="0" g="0" b="0"/>
-      </a:lnRef>
-      <a:fillRef idx="1">
-        <a:scrgbClr r="0" g="0" b="0"/>
-      </a:fillRef>
-      <a:effectRef idx="0">
-        <a:scrgbClr r="0" g="0" b="0"/>
-      </a:effectRef>
-      <a:fontRef idx="minor"/>
-    </dgm:style>
-  </dgm:styleLbl>
-  <dgm:styleLbl name="alignImgPlace1">
-    <dgm:scene3d>
-      <a:camera prst="orthographicFront"/>
-      <a:lightRig rig="threePt" dir="t"/>
-    </dgm:scene3d>
-    <dgm:sp3d/>
-    <dgm:txPr/>
-    <dgm:style>
-      <a:lnRef idx="2">
-        <a:scrgbClr r="0" g="0" b="0"/>
-      </a:lnRef>
-      <a:fillRef idx="1">
-        <a:scrgbClr r="0" g="0" b="0"/>
-      </a:fillRef>
-      <a:effectRef idx="0">
-        <a:scrgbClr r="0" g="0" b="0"/>
-      </a:effectRef>
-      <a:fontRef idx="minor"/>
-    </dgm:style>
-  </dgm:styleLbl>
-  <dgm:styleLbl name="bgImgPlace1">
-    <dgm:scene3d>
-      <a:camera prst="orthographicFront"/>
-      <a:lightRig rig="threePt" dir="t"/>
-    </dgm:scene3d>
-    <dgm:sp3d/>
-    <dgm:txPr/>
-    <dgm:style>
-      <a:lnRef idx="2">
-        <a:scrgbClr r="0" g="0" b="0"/>
-      </a:lnRef>
-      <a:fillRef idx="1">
-        <a:scrgbClr r="0" g="0" b="0"/>
-      </a:fillRef>
-      <a:effectRef idx="0">
-        <a:scrgbClr r="0" g="0" b="0"/>
-      </a:effectRef>
-      <a:fontRef idx="minor"/>
-    </dgm:style>
-  </dgm:styleLbl>
-  <dgm:styleLbl name="sibTrans2D1">
-    <dgm:scene3d>
-      <a:camera prst="orthographicFront"/>
-      <a:lightRig rig="threePt" dir="t"/>
-    </dgm:scene3d>
-    <dgm:sp3d/>
-    <dgm:txPr/>
-    <dgm:style>
-      <a:lnRef idx="0">
-        <a:scrgbClr r="0" g="0" b="0"/>
-      </a:lnRef>
-      <a:fillRef idx="1">
-        <a:scrgbClr r="0" g="0" b="0"/>
-      </a:fillRef>
-      <a:effectRef idx="0">
-        <a:scrgbClr r="0" g="0" b="0"/>
-      </a:effectRef>
-      <a:fontRef idx="minor">
-        <a:schemeClr val="lt1"/>
-      </a:fontRef>
-    </dgm:style>
-  </dgm:styleLbl>
-  <dgm:styleLbl name="fgSibTrans2D1">
-    <dgm:scene3d>
-      <a:camera prst="orthographicFront"/>
-      <a:lightRig rig="threePt" dir="t"/>
-    </dgm:scene3d>
-    <dgm:sp3d/>
-    <dgm:txPr/>
-    <dgm:style>
-      <a:lnRef idx="0">
-        <a:scrgbClr r="0" g="0" b="0"/>
-      </a:lnRef>
-      <a:fillRef idx="1">
-        <a:scrgbClr r="0" g="0" b="0"/>
-      </a:fillRef>
-      <a:effectRef idx="0">
-        <a:scrgbClr r="0" g="0" b="0"/>
-      </a:effectRef>
-      <a:fontRef idx="minor">
-        <a:schemeClr val="lt1"/>
-      </a:fontRef>
-    </dgm:style>
-  </dgm:styleLbl>
-  <dgm:styleLbl name="bgSibTrans2D1">
-    <dgm:scene3d>
-      <a:camera prst="orthographicFront"/>
-      <a:lightRig rig="threePt" dir="t"/>
-    </dgm:scene3d>
-    <dgm:sp3d/>
-    <dgm:txPr/>
-    <dgm:style>
-      <a:lnRef idx="0">
-        <a:scrgbClr r="0" g="0" b="0"/>
-      </a:lnRef>
-      <a:fillRef idx="1">
-        <a:scrgbClr r="0" g="0" b="0"/>
-      </a:fillRef>
-      <a:effectRef idx="0">
-        <a:scrgbClr r="0" g="0" b="0"/>
-      </a:effectRef>
-      <a:fontRef idx="minor">
-        <a:schemeClr val="lt1"/>
-      </a:fontRef>
-    </dgm:style>
-  </dgm:styleLbl>
-  <dgm:styleLbl name="sibTrans1D1">
-    <dgm:scene3d>
-      <a:camera prst="orthographicFront"/>
-      <a:lightRig rig="threePt" dir="t"/>
-    </dgm:scene3d>
-    <dgm:sp3d/>
-    <dgm:txPr/>
-    <dgm:style>
-      <a:lnRef idx="1">
-        <a:scrgbClr r="0" g="0" b="0"/>
-      </a:lnRef>
-      <a:fillRef idx="0">
-        <a:scrgbClr r="0" g="0" b="0"/>
-      </a:fillRef>
-      <a:effectRef idx="0">
-        <a:scrgbClr r="0" g="0" b="0"/>
-      </a:effectRef>
-      <a:fontRef idx="minor"/>
-    </dgm:style>
-  </dgm:styleLbl>
-  <dgm:styleLbl name="callout">
-    <dgm:scene3d>
-      <a:camera prst="orthographicFront"/>
-      <a:lightRig rig="threePt" dir="t"/>
-    </dgm:scene3d>
-    <dgm:sp3d/>
-    <dgm:txPr/>
-    <dgm:style>
-      <a:lnRef idx="2">
-        <a:scrgbClr r="0" g="0" b="0"/>
-      </a:lnRef>
-      <a:fillRef idx="1">
-        <a:scrgbClr r="0" g="0" b="0"/>
-      </a:fillRef>
-      <a:effectRef idx="0">
-        <a:scrgbClr r="0" g="0" b="0"/>
-      </a:effectRef>
-      <a:fontRef idx="minor"/>
-    </dgm:style>
-  </dgm:styleLbl>
-  <dgm:styleLbl name="asst0">
-    <dgm:scene3d>
-      <a:camera prst="orthographicFront"/>
-      <a:lightRig rig="threePt" dir="t"/>
-    </dgm:scene3d>
-    <dgm:sp3d/>
-    <dgm:txPr/>
-    <dgm:style>
-      <a:lnRef idx="2">
-        <a:scrgbClr r="0" g="0" b="0"/>
-      </a:lnRef>
-      <a:fillRef idx="1">
-        <a:scrgbClr r="0" g="0" b="0"/>
-      </a:fillRef>
-      <a:effectRef idx="0">
-        <a:scrgbClr r="0" g="0" b="0"/>
-      </a:effectRef>
-      <a:fontRef idx="minor">
-        <a:schemeClr val="lt1"/>
-      </a:fontRef>
-    </dgm:style>
-  </dgm:styleLbl>
-  <dgm:styleLbl name="asst1">
-    <dgm:scene3d>
-      <a:camera prst="orthographicFront"/>
-      <a:lightRig rig="threePt" dir="t"/>
-    </dgm:scene3d>
-    <dgm:sp3d/>
-    <dgm:txPr/>
-    <dgm:style>
-      <a:lnRef idx="2">
-        <a:scrgbClr r="0" g="0" b="0"/>
-      </a:lnRef>
-      <a:fillRef idx="1">
-        <a:scrgbClr r="0" g="0" b="0"/>
-      </a:fillRef>
-      <a:effectRef idx="0">
-        <a:scrgbClr r="0" g="0" b="0"/>
-      </a:effectRef>
-      <a:fontRef idx="minor">
-        <a:schemeClr val="lt1"/>
-      </a:fontRef>
-    </dgm:style>
-  </dgm:styleLbl>
-  <dgm:styleLbl name="asst2">
-    <dgm:scene3d>
-      <a:camera prst="orthographicFront"/>
-      <a:lightRig rig="threePt" dir="t"/>
-    </dgm:scene3d>
-    <dgm:sp3d/>
-    <dgm:txPr/>
-    <dgm:style>
-      <a:lnRef idx="2">
-        <a:scrgbClr r="0" g="0" b="0"/>
-      </a:lnRef>
-      <a:fillRef idx="1">
-        <a:scrgbClr r="0" g="0" b="0"/>
-      </a:fillRef>
-      <a:effectRef idx="0">
-        <a:scrgbClr r="0" g="0" b="0"/>
-      </a:effectRef>
-      <a:fontRef idx="minor">
-        <a:schemeClr val="lt1"/>
-      </a:fontRef>
-    </dgm:style>
-  </dgm:styleLbl>
-  <dgm:styleLbl name="asst3">
-    <dgm:scene3d>
-      <a:camera prst="orthographicFront"/>
-      <a:lightRig rig="threePt" dir="t"/>
-    </dgm:scene3d>
-    <dgm:sp3d/>
-    <dgm:txPr/>
-    <dgm:style>
-      <a:lnRef idx="2">
-        <a:scrgbClr r="0" g="0" b="0"/>
-      </a:lnRef>
-      <a:fillRef idx="1">
-        <a:scrgbClr r="0" g="0" b="0"/>
-      </a:fillRef>
-      <a:effectRef idx="0">
-        <a:scrgbClr r="0" g="0" b="0"/>
-      </a:effectRef>
-      <a:fontRef idx="minor">
-        <a:schemeClr val="lt1"/>
-      </a:fontRef>
-    </dgm:style>
-  </dgm:styleLbl>
-  <dgm:styleLbl name="asst4">
-    <dgm:scene3d>
-      <a:camera prst="orthographicFront"/>
-      <a:lightRig rig="threePt" dir="t"/>
-    </dgm:scene3d>
-    <dgm:sp3d/>
-    <dgm:txPr/>
-    <dgm:style>
-      <a:lnRef idx="2">
-        <a:scrgbClr r="0" g="0" b="0"/>
-      </a:lnRef>
-      <a:fillRef idx="1">
-        <a:scrgbClr r="0" g="0" b="0"/>
-      </a:fillRef>
-      <a:effectRef idx="0">
-        <a:scrgbClr r="0" g="0" b="0"/>
-      </a:effectRef>
-      <a:fontRef idx="minor">
-        <a:schemeClr val="lt1"/>
-      </a:fontRef>
-    </dgm:style>
-  </dgm:styleLbl>
-  <dgm:styleLbl name="parChTrans2D1">
-    <dgm:scene3d>
-      <a:camera prst="orthographicFront"/>
-      <a:lightRig rig="threePt" dir="t"/>
-    </dgm:scene3d>
-    <dgm:sp3d/>
-    <dgm:txPr/>
-    <dgm:style>
-      <a:lnRef idx="2">
-        <a:scrgbClr r="0" g="0" b="0"/>
-      </a:lnRef>
-      <a:fillRef idx="1">
-        <a:scrgbClr r="0" g="0" b="0"/>
-      </a:fillRef>
-      <a:effectRef idx="0">
-        <a:scrgbClr r="0" g="0" b="0"/>
-      </a:effectRef>
-      <a:fontRef idx="minor">
-        <a:schemeClr val="lt1"/>
-      </a:fontRef>
-    </dgm:style>
-  </dgm:styleLbl>
-  <dgm:styleLbl name="parChTrans2D2">
-    <dgm:scene3d>
-      <a:camera prst="orthographicFront"/>
-      <a:lightRig rig="threePt" dir="t"/>
-    </dgm:scene3d>
-    <dgm:sp3d/>
-    <dgm:txPr/>
-    <dgm:style>
-      <a:lnRef idx="2">
-        <a:scrgbClr r="0" g="0" b="0"/>
-      </a:lnRef>
-      <a:fillRef idx="1">
-        <a:scrgbClr r="0" g="0" b="0"/>
-      </a:fillRef>
-      <a:effectRef idx="0">
-        <a:scrgbClr r="0" g="0" b="0"/>
-      </a:effectRef>
-      <a:fontRef idx="minor">
-        <a:schemeClr val="lt1"/>
-      </a:fontRef>
-    </dgm:style>
-  </dgm:styleLbl>
-  <dgm:styleLbl name="parChTrans2D3">
-    <dgm:scene3d>
-      <a:camera prst="orthographicFront"/>
-      <a:lightRig rig="threePt" dir="t"/>
-    </dgm:scene3d>
-    <dgm:sp3d/>
-    <dgm:txPr/>
-    <dgm:style>
-      <a:lnRef idx="2">
-        <a:scrgbClr r="0" g="0" b="0"/>
-      </a:lnRef>
-      <a:fillRef idx="1">
-        <a:scrgbClr r="0" g="0" b="0"/>
-      </a:fillRef>
-      <a:effectRef idx="0">
-        <a:scrgbClr r="0" g="0" b="0"/>
-      </a:effectRef>
-      <a:fontRef idx="minor">
-        <a:schemeClr val="lt1"/>
-      </a:fontRef>
-    </dgm:style>
-  </dgm:styleLbl>
-  <dgm:styleLbl name="parChTrans2D4">
-    <dgm:scene3d>
-      <a:camera prst="orthographicFront"/>
-      <a:lightRig rig="threePt" dir="t"/>
-    </dgm:scene3d>
-    <dgm:sp3d/>
-    <dgm:txPr/>
-    <dgm:style>
-      <a:lnRef idx="2">
-        <a:scrgbClr r="0" g="0" b="0"/>
-      </a:lnRef>
-      <a:fillRef idx="1">
-        <a:scrgbClr r="0" g="0" b="0"/>
-      </a:fillRef>
-      <a:effectRef idx="0">
-        <a:scrgbClr r="0" g="0" b="0"/>
-      </a:effectRef>
-      <a:fontRef idx="minor">
-        <a:schemeClr val="lt1"/>
-      </a:fontRef>
-    </dgm:style>
-  </dgm:styleLbl>
-  <dgm:styleLbl name="parChTrans1D1">
-    <dgm:scene3d>
-      <a:camera prst="orthographicFront"/>
-      <a:lightRig rig="threePt" dir="t"/>
-    </dgm:scene3d>
-    <dgm:sp3d/>
-    <dgm:txPr/>
-    <dgm:style>
-      <a:lnRef idx="2">
-        <a:scrgbClr r="0" g="0" b="0"/>
-      </a:lnRef>
-      <a:fillRef idx="0">
-        <a:scrgbClr r="0" g="0" b="0"/>
-      </a:fillRef>
-      <a:effectRef idx="0">
-        <a:scrgbClr r="0" g="0" b="0"/>
-      </a:effectRef>
-      <a:fontRef idx="minor"/>
-    </dgm:style>
-  </dgm:styleLbl>
-  <dgm:styleLbl name="parChTrans1D2">
-    <dgm:scene3d>
-      <a:camera prst="orthographicFront"/>
-      <a:lightRig rig="threePt" dir="t"/>
-    </dgm:scene3d>
-    <dgm:sp3d/>
-    <dgm:txPr/>
-    <dgm:style>
-      <a:lnRef idx="2">
-        <a:scrgbClr r="0" g="0" b="0"/>
-      </a:lnRef>
-      <a:fillRef idx="0">
-        <a:scrgbClr r="0" g="0" b="0"/>
-      </a:fillRef>
-      <a:effectRef idx="0">
-        <a:scrgbClr r="0" g="0" b="0"/>
-      </a:effectRef>
-      <a:fontRef idx="minor"/>
-    </dgm:style>
-  </dgm:styleLbl>
-  <dgm:styleLbl name="parChTrans1D3">
-    <dgm:scene3d>
-      <a:camera prst="orthographicFront"/>
-      <a:lightRig rig="threePt" dir="t"/>
-    </dgm:scene3d>
-    <dgm:sp3d/>
-    <dgm:txPr/>
-    <dgm:style>
-      <a:lnRef idx="2">
-        <a:scrgbClr r="0" g="0" b="0"/>
-      </a:lnRef>
-      <a:fillRef idx="0">
-        <a:scrgbClr r="0" g="0" b="0"/>
-      </a:fillRef>
-      <a:effectRef idx="0">
-        <a:scrgbClr r="0" g="0" b="0"/>
-      </a:effectRef>
-      <a:fontRef idx="minor"/>
-    </dgm:style>
-  </dgm:styleLbl>
-  <dgm:styleLbl name="parChTrans1D4">
-    <dgm:scene3d>
-      <a:camera prst="orthographicFront"/>
-      <a:lightRig rig="threePt" dir="t"/>
-    </dgm:scene3d>
-    <dgm:sp3d/>
-    <dgm:txPr/>
-    <dgm:style>
-      <a:lnRef idx="2">
-        <a:scrgbClr r="0" g="0" b="0"/>
-      </a:lnRef>
-      <a:fillRef idx="0">
-        <a:scrgbClr r="0" g="0" b="0"/>
-      </a:fillRef>
-      <a:effectRef idx="0">
-        <a:scrgbClr r="0" g="0" b="0"/>
-      </a:effectRef>
-      <a:fontRef idx="minor"/>
-    </dgm:style>
-  </dgm:styleLbl>
-  <dgm:styleLbl name="fgAcc1">
-    <dgm:scene3d>
-      <a:camera prst="orthographicFront"/>
-      <a:lightRig rig="threePt" dir="t"/>
-    </dgm:scene3d>
-    <dgm:sp3d/>
-    <dgm:txPr/>
-    <dgm:style>
-      <a:lnRef idx="2">
-        <a:scrgbClr r="0" g="0" b="0"/>
-      </a:lnRef>
-      <a:fillRef idx="1">
-        <a:scrgbClr r="0" g="0" b="0"/>
-      </a:fillRef>
-      <a:effectRef idx="0">
-        <a:scrgbClr r="0" g="0" b="0"/>
-      </a:effectRef>
-      <a:fontRef idx="minor"/>
-    </dgm:style>
-  </dgm:styleLbl>
-  <dgm:styleLbl name="conFgAcc1">
-    <dgm:scene3d>
-      <a:camera prst="orthographicFront"/>
-      <a:lightRig rig="threePt" dir="t"/>
-    </dgm:scene3d>
-    <dgm:sp3d/>
-    <dgm:txPr/>
-    <dgm:style>
-      <a:lnRef idx="2">
-        <a:scrgbClr r="0" g="0" b="0"/>
-      </a:lnRef>
-      <a:fillRef idx="1">
-        <a:scrgbClr r="0" g="0" b="0"/>
-      </a:fillRef>
-      <a:effectRef idx="0">
-        <a:scrgbClr r="0" g="0" b="0"/>
-      </a:effectRef>
-      <a:fontRef idx="minor"/>
-    </dgm:style>
-  </dgm:styleLbl>
-  <dgm:styleLbl name="alignAcc1">
-    <dgm:scene3d>
-      <a:camera prst="orthographicFront"/>
-      <a:lightRig rig="threePt" dir="t"/>
-    </dgm:scene3d>
-    <dgm:sp3d/>
-    <dgm:txPr/>
-    <dgm:style>
-      <a:lnRef idx="2">
-        <a:scrgbClr r="0" g="0" b="0"/>
-      </a:lnRef>
-      <a:fillRef idx="1">
-        <a:scrgbClr r="0" g="0" b="0"/>
-      </a:fillRef>
-      <a:effectRef idx="0">
-        <a:scrgbClr r="0" g="0" b="0"/>
-      </a:effectRef>
-      <a:fontRef idx="minor"/>
-    </dgm:style>
-  </dgm:styleLbl>
-  <dgm:styleLbl name="trAlignAcc1">
-    <dgm:scene3d>
-      <a:camera prst="orthographicFront"/>
-      <a:lightRig rig="threePt" dir="t"/>
-    </dgm:scene3d>
-    <dgm:sp3d/>
-    <dgm:txPr/>
-    <dgm:style>
-      <a:lnRef idx="1">
-        <a:scrgbClr r="0" g="0" b="0"/>
-      </a:lnRef>
-      <a:fillRef idx="1">
-        <a:scrgbClr r="0" g="0" b="0"/>
-      </a:fillRef>
-      <a:effectRef idx="0">
-        <a:scrgbClr r="0" g="0" b="0"/>
-      </a:effectRef>
-      <a:fontRef idx="minor"/>
-    </dgm:style>
-  </dgm:styleLbl>
-  <dgm:styleLbl name="bgAcc1">
-    <dgm:scene3d>
-      <a:camera prst="orthographicFront"/>
-      <a:lightRig rig="threePt" dir="t"/>
-    </dgm:scene3d>
-    <dgm:sp3d/>
-    <dgm:txPr/>
-    <dgm:style>
-      <a:lnRef idx="2">
-        <a:scrgbClr r="0" g="0" b="0"/>
-      </a:lnRef>
-      <a:fillRef idx="1">
-        <a:scrgbClr r="0" g="0" b="0"/>
-      </a:fillRef>
-      <a:effectRef idx="0">
-        <a:scrgbClr r="0" g="0" b="0"/>
-      </a:effectRef>
-      <a:fontRef idx="minor"/>
-    </dgm:style>
-  </dgm:styleLbl>
-  <dgm:styleLbl name="solidFgAcc1">
-    <dgm:scene3d>
-      <a:camera prst="orthographicFront"/>
-      <a:lightRig rig="threePt" dir="t"/>
-    </dgm:scene3d>
-    <dgm:sp3d/>
-    <dgm:txPr/>
-    <dgm:style>
-      <a:lnRef idx="2">
-        <a:scrgbClr r="0" g="0" b="0"/>
-      </a:lnRef>
-      <a:fillRef idx="1">
-        <a:scrgbClr r="0" g="0" b="0"/>
-      </a:fillRef>
-      <a:effectRef idx="0">
-        <a:scrgbClr r="0" g="0" b="0"/>
-      </a:effectRef>
-      <a:fontRef idx="minor"/>
-    </dgm:style>
-  </dgm:styleLbl>
-  <dgm:styleLbl name="solidAlignAcc1">
-    <dgm:scene3d>
-      <a:camera prst="orthographicFront"/>
-      <a:lightRig rig="threePt" dir="t"/>
-    </dgm:scene3d>
-    <dgm:sp3d/>
-    <dgm:txPr/>
-    <dgm:style>
-      <a:lnRef idx="2">
-        <a:scrgbClr r="0" g="0" b="0"/>
-      </a:lnRef>
-      <a:fillRef idx="1">
-        <a:scrgbClr r="0" g="0" b="0"/>
-      </a:fillRef>
-      <a:effectRef idx="0">
-        <a:scrgbClr r="0" g="0" b="0"/>
-      </a:effectRef>
-      <a:fontRef idx="minor"/>
-    </dgm:style>
-  </dgm:styleLbl>
-  <dgm:styleLbl name="solidBgAcc1">
-    <dgm:scene3d>
-      <a:camera prst="orthographicFront"/>
-      <a:lightRig rig="threePt" dir="t"/>
-    </dgm:scene3d>
-    <dgm:sp3d/>
-    <dgm:txPr/>
-    <dgm:style>
-      <a:lnRef idx="2">
-        <a:scrgbClr r="0" g="0" b="0"/>
-      </a:lnRef>
-      <a:fillRef idx="1">
-        <a:scrgbClr r="0" g="0" b="0"/>
-      </a:fillRef>
-      <a:effectRef idx="0">
-        <a:scrgbClr r="0" g="0" b="0"/>
-      </a:effectRef>
-      <a:fontRef idx="minor"/>
-    </dgm:style>
-  </dgm:styleLbl>
-  <dgm:styleLbl name="fgAccFollowNode1">
-    <dgm:scene3d>
-      <a:camera prst="orthographicFront"/>
-      <a:lightRig rig="threePt" dir="t"/>
-    </dgm:scene3d>
-    <dgm:sp3d/>
-    <dgm:txPr/>
-    <dgm:style>
-      <a:lnRef idx="2">
-        <a:scrgbClr r="0" g="0" b="0"/>
-      </a:lnRef>
-      <a:fillRef idx="1">
-        <a:scrgbClr r="0" g="0" b="0"/>
-      </a:fillRef>
-      <a:effectRef idx="0">
-        <a:scrgbClr r="0" g="0" b="0"/>
-      </a:effectRef>
-      <a:fontRef idx="minor"/>
-    </dgm:style>
-  </dgm:styleLbl>
-  <dgm:styleLbl name="alignAccFollowNode1">
-    <dgm:scene3d>
-      <a:camera prst="orthographicFront"/>
-      <a:lightRig rig="threePt" dir="t"/>
-    </dgm:scene3d>
-    <dgm:sp3d/>
-    <dgm:txPr/>
-    <dgm:style>
-      <a:lnRef idx="2">
-        <a:scrgbClr r="0" g="0" b="0"/>
-      </a:lnRef>
-      <a:fillRef idx="1">
-        <a:scrgbClr r="0" g="0" b="0"/>
-      </a:fillRef>
-      <a:effectRef idx="0">
-        <a:scrgbClr r="0" g="0" b="0"/>
-      </a:effectRef>
-      <a:fontRef idx="minor"/>
-    </dgm:style>
-  </dgm:styleLbl>
-  <dgm:styleLbl name="bgAccFollowNode1">
-    <dgm:scene3d>
-      <a:camera prst="orthographicFront"/>
-      <a:lightRig rig="threePt" dir="t"/>
-    </dgm:scene3d>
-    <dgm:sp3d/>
-    <dgm:txPr/>
-    <dgm:style>
-      <a:lnRef idx="2">
-        <a:scrgbClr r="0" g="0" b="0"/>
-      </a:lnRef>
-      <a:fillRef idx="1">
-        <a:scrgbClr r="0" g="0" b="0"/>
-      </a:fillRef>
-      <a:effectRef idx="0">
-        <a:scrgbClr r="0" g="0" b="0"/>
-      </a:effectRef>
-      <a:fontRef idx="minor"/>
-    </dgm:style>
-  </dgm:styleLbl>
-  <dgm:styleLbl name="fgAcc0">
-    <dgm:scene3d>
-      <a:camera prst="orthographicFront"/>
-      <a:lightRig rig="threePt" dir="t"/>
-    </dgm:scene3d>
-    <dgm:sp3d/>
-    <dgm:txPr/>
-    <dgm:style>
-      <a:lnRef idx="2">
-        <a:scrgbClr r="0" g="0" b="0"/>
-      </a:lnRef>
-      <a:fillRef idx="1">
-        <a:scrgbClr r="0" g="0" b="0"/>
-      </a:fillRef>
-      <a:effectRef idx="0">
-        <a:scrgbClr r="0" g="0" b="0"/>
-      </a:effectRef>
-      <a:fontRef idx="minor"/>
-    </dgm:style>
-  </dgm:styleLbl>
-  <dgm:styleLbl name="fgAcc2">
-    <dgm:scene3d>
-      <a:camera prst="orthographicFront"/>
-      <a:lightRig rig="threePt" dir="t"/>
-    </dgm:scene3d>
-    <dgm:sp3d/>
-    <dgm:txPr/>
-    <dgm:style>
-      <a:lnRef idx="2">
-        <a:scrgbClr r="0" g="0" b="0"/>
-      </a:lnRef>
-      <a:fillRef idx="1">
-        <a:scrgbClr r="0" g="0" b="0"/>
-      </a:fillRef>
-      <a:effectRef idx="0">
-        <a:scrgbClr r="0" g="0" b="0"/>
-      </a:effectRef>
-      <a:fontRef idx="minor"/>
-    </dgm:style>
-  </dgm:styleLbl>
-  <dgm:styleLbl name="fgAcc3">
-    <dgm:scene3d>
-      <a:camera prst="orthographicFront"/>
-      <a:lightRig rig="threePt" dir="t"/>
-    </dgm:scene3d>
-    <dgm:sp3d/>
-    <dgm:txPr/>
-    <dgm:style>
-      <a:lnRef idx="2">
-        <a:scrgbClr r="0" g="0" b="0"/>
-      </a:lnRef>
-      <a:fillRef idx="1">
-        <a:scrgbClr r="0" g="0" b="0"/>
-      </a:fillRef>
-      <a:effectRef idx="0">
-        <a:scrgbClr r="0" g="0" b="0"/>
-      </a:effectRef>
-      <a:fontRef idx="minor"/>
-    </dgm:style>
-  </dgm:styleLbl>
-  <dgm:styleLbl name="fgAcc4">
-    <dgm:scene3d>
-      <a:camera prst="orthographicFront"/>
-      <a:lightRig rig="threePt" dir="t"/>
-    </dgm:scene3d>
-    <dgm:sp3d/>
-    <dgm:txPr/>
-    <dgm:style>
-      <a:lnRef idx="2">
-        <a:scrgbClr r="0" g="0" b="0"/>
-      </a:lnRef>
-      <a:fillRef idx="1">
-        <a:scrgbClr r="0" g="0" b="0"/>
-      </a:fillRef>
-      <a:effectRef idx="0">
-        <a:scrgbClr r="0" g="0" b="0"/>
-      </a:effectRef>
-      <a:fontRef idx="minor"/>
-    </dgm:style>
-  </dgm:styleLbl>
-  <dgm:styleLbl name="bgShp">
-    <dgm:scene3d>
-      <a:camera prst="orthographicFront"/>
-      <a:lightRig rig="threePt" dir="t"/>
-    </dgm:scene3d>
-    <dgm:sp3d/>
-    <dgm:txPr/>
-    <dgm:style>
-      <a:lnRef idx="0">
-        <a:scrgbClr r="0" g="0" b="0"/>
-      </a:lnRef>
-      <a:fillRef idx="1">
-        <a:scrgbClr r="0" g="0" b="0"/>
-      </a:fillRef>
-      <a:effectRef idx="0">
-        <a:scrgbClr r="0" g="0" b="0"/>
-      </a:effectRef>
-      <a:fontRef idx="minor"/>
-    </dgm:style>
-  </dgm:styleLbl>
-  <dgm:styleLbl name="dkBgShp">
-    <dgm:scene3d>
-      <a:camera prst="orthographicFront"/>
-      <a:lightRig rig="threePt" dir="t"/>
-    </dgm:scene3d>
-    <dgm:sp3d/>
-    <dgm:txPr/>
-    <dgm:style>
-      <a:lnRef idx="0">
-        <a:scrgbClr r="0" g="0" b="0"/>
-      </a:lnRef>
-      <a:fillRef idx="1">
-        <a:scrgbClr r="0" g="0" b="0"/>
-      </a:fillRef>
-      <a:effectRef idx="0">
-        <a:scrgbClr r="0" g="0" b="0"/>
-      </a:effectRef>
-      <a:fontRef idx="minor"/>
-    </dgm:style>
-  </dgm:styleLbl>
-  <dgm:styleLbl name="trBgShp">
-    <dgm:scene3d>
-      <a:camera prst="orthographicFront"/>
-      <a:lightRig rig="threePt" dir="t"/>
-    </dgm:scene3d>
-    <dgm:sp3d/>
-    <dgm:txPr/>
-    <dgm:style>
-      <a:lnRef idx="0">
-        <a:scrgbClr r="0" g="0" b="0"/>
-      </a:lnRef>
-      <a:fillRef idx="1">
-        <a:scrgbClr r="0" g="0" b="0"/>
-      </a:fillRef>
-      <a:effectRef idx="0">
-        <a:scrgbClr r="0" g="0" b="0"/>
-      </a:effectRef>
-      <a:fontRef idx="minor"/>
-    </dgm:style>
-  </dgm:styleLbl>
-  <dgm:styleLbl name="fgShp">
-    <dgm:scene3d>
-      <a:camera prst="orthographicFront"/>
-      <a:lightRig rig="threePt" dir="t"/>
-    </dgm:scene3d>
-    <dgm:sp3d/>
-    <dgm:txPr/>
-    <dgm:style>
-      <a:lnRef idx="2">
-        <a:scrgbClr r="0" g="0" b="0"/>
-      </a:lnRef>
-      <a:fillRef idx="1">
-        <a:scrgbClr r="0" g="0" b="0"/>
-      </a:fillRef>
-      <a:effectRef idx="0">
-        <a:scrgbClr r="0" g="0" b="0"/>
-      </a:effectRef>
-      <a:fontRef idx="minor"/>
-    </dgm:style>
-  </dgm:styleLbl>
-  <dgm:styleLbl name="revTx">
-    <dgm:scene3d>
-      <a:camera prst="orthographicFront"/>
-      <a:lightRig rig="threePt" dir="t"/>
-    </dgm:scene3d>
-    <dgm:sp3d/>
-    <dgm:txPr/>
-    <dgm:style>
-      <a:lnRef idx="0">
-        <a:scrgbClr r="0" g="0" b="0"/>
-      </a:lnRef>
-      <a:fillRef idx="0">
-        <a:scrgbClr r="0" g="0" b="0"/>
-      </a:fillRef>
-      <a:effectRef idx="0">
-        <a:scrgbClr r="0" g="0" b="0"/>
-      </a:effectRef>
-      <a:fontRef idx="minor"/>
-    </dgm:style>
-  </dgm:styleLbl>
-</dgm:styleDef>
-</file>
-
-<file path=ppt/diagrams/quickStyle3.xml><?xml version="1.0" encoding="utf-8"?>
-<dgm:styleDef xmlns:dgm="http://schemas.openxmlformats.org/drawingml/2006/diagram" xmlns:a="http://schemas.openxmlformats.org/drawingml/2006/main" uniqueId="urn:microsoft.com/office/officeart/2005/8/quickstyle/simple1">
-  <dgm:title val=""/>
-  <dgm:desc val=""/>
-  <dgm:catLst>
-    <dgm:cat type="simple" pri="10100"/>
-  </dgm:catLst>
-  <dgm:scene3d>
-    <a:camera prst="orthographicFront"/>
-    <a:lightRig rig="threePt" dir="t"/>
-  </dgm:scene3d>
-  <dgm:styleLbl name="node0">
-    <dgm:scene3d>
-      <a:camera prst="orthographicFront"/>
-      <a:lightRig rig="threePt" dir="t"/>
-    </dgm:scene3d>
-    <dgm:sp3d/>
-    <dgm:txPr/>
-    <dgm:style>
-      <a:lnRef idx="2">
-        <a:scrgbClr r="0" g="0" b="0"/>
-      </a:lnRef>
-      <a:fillRef idx="1">
-        <a:scrgbClr r="0" g="0" b="0"/>
-      </a:fillRef>
-      <a:effectRef idx="0">
-        <a:scrgbClr r="0" g="0" b="0"/>
-      </a:effectRef>
-      <a:fontRef idx="minor">
-        <a:schemeClr val="lt1"/>
-      </a:fontRef>
-    </dgm:style>
-  </dgm:styleLbl>
-  <dgm:styleLbl name="lnNode1">
-    <dgm:scene3d>
-      <a:camera prst="orthographicFront"/>
-      <a:lightRig rig="threePt" dir="t"/>
-    </dgm:scene3d>
-    <dgm:sp3d/>
-    <dgm:txPr/>
-    <dgm:style>
-      <a:lnRef idx="2">
-        <a:scrgbClr r="0" g="0" b="0"/>
-      </a:lnRef>
-      <a:fillRef idx="1">
-        <a:scrgbClr r="0" g="0" b="0"/>
-      </a:fillRef>
-      <a:effectRef idx="0">
-        <a:scrgbClr r="0" g="0" b="0"/>
-      </a:effectRef>
-      <a:fontRef idx="minor">
-        <a:schemeClr val="lt1"/>
-      </a:fontRef>
-    </dgm:style>
-  </dgm:styleLbl>
-  <dgm:styleLbl name="vennNode1">
-    <dgm:scene3d>
-      <a:camera prst="orthographicFront"/>
-      <a:lightRig rig="threePt" dir="t"/>
-    </dgm:scene3d>
-    <dgm:sp3d/>
-    <dgm:txPr/>
-    <dgm:style>
-      <a:lnRef idx="2">
-        <a:scrgbClr r="0" g="0" b="0"/>
-      </a:lnRef>
-      <a:fillRef idx="1">
-        <a:scrgbClr r="0" g="0" b="0"/>
-      </a:fillRef>
-      <a:effectRef idx="0">
-        <a:scrgbClr r="0" g="0" b="0"/>
-      </a:effectRef>
-      <a:fontRef idx="minor">
-        <a:schemeClr val="tx1"/>
-      </a:fontRef>
-    </dgm:style>
-  </dgm:styleLbl>
-  <dgm:styleLbl name="alignNode1">
-    <dgm:scene3d>
-      <a:camera prst="orthographicFront"/>
-      <a:lightRig rig="threePt" dir="t"/>
-    </dgm:scene3d>
-    <dgm:sp3d/>
-    <dgm:txPr/>
-    <dgm:style>
-      <a:lnRef idx="2">
-        <a:scrgbClr r="0" g="0" b="0"/>
-      </a:lnRef>
-      <a:fillRef idx="1">
-        <a:scrgbClr r="0" g="0" b="0"/>
-      </a:fillRef>
-      <a:effectRef idx="0">
-        <a:scrgbClr r="0" g="0" b="0"/>
-      </a:effectRef>
-      <a:fontRef idx="minor">
-        <a:schemeClr val="lt1"/>
-      </a:fontRef>
-    </dgm:style>
-  </dgm:styleLbl>
-  <dgm:styleLbl name="node1">
-    <dgm:scene3d>
-      <a:camera prst="orthographicFront"/>
-      <a:lightRig rig="threePt" dir="t"/>
-    </dgm:scene3d>
-    <dgm:sp3d/>
-    <dgm:txPr/>
-    <dgm:style>
-      <a:lnRef idx="2">
-        <a:scrgbClr r="0" g="0" b="0"/>
-      </a:lnRef>
-      <a:fillRef idx="1">
-        <a:scrgbClr r="0" g="0" b="0"/>
-      </a:fillRef>
-      <a:effectRef idx="0">
-        <a:scrgbClr r="0" g="0" b="0"/>
-      </a:effectRef>
-      <a:fontRef idx="minor">
-        <a:schemeClr val="lt1"/>
-      </a:fontRef>
-    </dgm:style>
-  </dgm:styleLbl>
-  <dgm:styleLbl name="node2">
-    <dgm:scene3d>
-      <a:camera prst="orthographicFront"/>
-      <a:lightRig rig="threePt" dir="t"/>
-    </dgm:scene3d>
-    <dgm:sp3d/>
-    <dgm:txPr/>
-    <dgm:style>
-      <a:lnRef idx="2">
-        <a:scrgbClr r="0" g="0" b="0"/>
-      </a:lnRef>
-      <a:fillRef idx="1">
-        <a:scrgbClr r="0" g="0" b="0"/>
-      </a:fillRef>
-      <a:effectRef idx="0">
-        <a:scrgbClr r="0" g="0" b="0"/>
-      </a:effectRef>
-      <a:fontRef idx="minor">
-        <a:schemeClr val="lt1"/>
-      </a:fontRef>
-    </dgm:style>
-  </dgm:styleLbl>
-  <dgm:styleLbl name="node3">
-    <dgm:scene3d>
-      <a:camera prst="orthographicFront"/>
-      <a:lightRig rig="threePt" dir="t"/>
-    </dgm:scene3d>
-    <dgm:sp3d/>
-    <dgm:txPr/>
-    <dgm:style>
-      <a:lnRef idx="2">
-        <a:scrgbClr r="0" g="0" b="0"/>
-      </a:lnRef>
-      <a:fillRef idx="1">
-        <a:scrgbClr r="0" g="0" b="0"/>
-      </a:fillRef>
-      <a:effectRef idx="0">
-        <a:scrgbClr r="0" g="0" b="0"/>
-      </a:effectRef>
-      <a:fontRef idx="minor">
-        <a:schemeClr val="lt1"/>
-      </a:fontRef>
-    </dgm:style>
-  </dgm:styleLbl>
-  <dgm:styleLbl name="node4">
-    <dgm:scene3d>
-      <a:camera prst="orthographicFront"/>
-      <a:lightRig rig="threePt" dir="t"/>
-    </dgm:scene3d>
-    <dgm:sp3d/>
-    <dgm:txPr/>
-    <dgm:style>
-      <a:lnRef idx="2">
-        <a:scrgbClr r="0" g="0" b="0"/>
-      </a:lnRef>
-      <a:fillRef idx="1">
-        <a:scrgbClr r="0" g="0" b="0"/>
-      </a:fillRef>
-      <a:effectRef idx="0">
-        <a:scrgbClr r="0" g="0" b="0"/>
-      </a:effectRef>
-      <a:fontRef idx="minor">
-        <a:schemeClr val="lt1"/>
-      </a:fontRef>
-    </dgm:style>
-  </dgm:styleLbl>
-  <dgm:styleLbl name="fgImgPlace1">
-    <dgm:scene3d>
-      <a:camera prst="orthographicFront"/>
-      <a:lightRig rig="threePt" dir="t"/>
-    </dgm:scene3d>
-    <dgm:sp3d/>
-    <dgm:txPr/>
-    <dgm:style>
-      <a:lnRef idx="2">
-        <a:scrgbClr r="0" g="0" b="0"/>
-      </a:lnRef>
-      <a:fillRef idx="1">
-        <a:scrgbClr r="0" g="0" b="0"/>
-      </a:fillRef>
-      <a:effectRef idx="0">
-        <a:scrgbClr r="0" g="0" b="0"/>
-      </a:effectRef>
-      <a:fontRef idx="minor"/>
-    </dgm:style>
-  </dgm:styleLbl>
-  <dgm:styleLbl name="alignImgPlace1">
-    <dgm:scene3d>
-      <a:camera prst="orthographicFront"/>
-      <a:lightRig rig="threePt" dir="t"/>
-    </dgm:scene3d>
-    <dgm:sp3d/>
-    <dgm:txPr/>
-    <dgm:style>
-      <a:lnRef idx="2">
-        <a:scrgbClr r="0" g="0" b="0"/>
-      </a:lnRef>
-      <a:fillRef idx="1">
-        <a:scrgbClr r="0" g="0" b="0"/>
-      </a:fillRef>
-      <a:effectRef idx="0">
-        <a:scrgbClr r="0" g="0" b="0"/>
-      </a:effectRef>
-      <a:fontRef idx="minor"/>
-    </dgm:style>
-  </dgm:styleLbl>
-  <dgm:styleLbl name="bgImgPlace1">
-    <dgm:scene3d>
-      <a:camera prst="orthographicFront"/>
-      <a:lightRig rig="threePt" dir="t"/>
-    </dgm:scene3d>
-    <dgm:sp3d/>
-    <dgm:txPr/>
-    <dgm:style>
-      <a:lnRef idx="2">
-        <a:scrgbClr r="0" g="0" b="0"/>
-      </a:lnRef>
-      <a:fillRef idx="1">
-        <a:scrgbClr r="0" g="0" b="0"/>
-      </a:fillRef>
-      <a:effectRef idx="0">
-        <a:scrgbClr r="0" g="0" b="0"/>
-      </a:effectRef>
-      <a:fontRef idx="minor"/>
-    </dgm:style>
-  </dgm:styleLbl>
-  <dgm:styleLbl name="sibTrans2D1">
-    <dgm:scene3d>
-      <a:camera prst="orthographicFront"/>
-      <a:lightRig rig="threePt" dir="t"/>
-    </dgm:scene3d>
-    <dgm:sp3d/>
-    <dgm:txPr/>
-    <dgm:style>
-      <a:lnRef idx="0">
-        <a:scrgbClr r="0" g="0" b="0"/>
-      </a:lnRef>
-      <a:fillRef idx="1">
-        <a:scrgbClr r="0" g="0" b="0"/>
-      </a:fillRef>
-      <a:effectRef idx="0">
-        <a:scrgbClr r="0" g="0" b="0"/>
-      </a:effectRef>
-      <a:fontRef idx="minor">
-        <a:schemeClr val="lt1"/>
-      </a:fontRef>
-    </dgm:style>
-  </dgm:styleLbl>
-  <dgm:styleLbl name="fgSibTrans2D1">
-    <dgm:scene3d>
-      <a:camera prst="orthographicFront"/>
-      <a:lightRig rig="threePt" dir="t"/>
-    </dgm:scene3d>
-    <dgm:sp3d/>
-    <dgm:txPr/>
-    <dgm:style>
-      <a:lnRef idx="0">
-        <a:scrgbClr r="0" g="0" b="0"/>
-      </a:lnRef>
-      <a:fillRef idx="1">
-        <a:scrgbClr r="0" g="0" b="0"/>
-      </a:fillRef>
-      <a:effectRef idx="0">
-        <a:scrgbClr r="0" g="0" b="0"/>
-      </a:effectRef>
-      <a:fontRef idx="minor">
-        <a:schemeClr val="lt1"/>
-      </a:fontRef>
-    </dgm:style>
-  </dgm:styleLbl>
-  <dgm:styleLbl name="bgSibTrans2D1">
-    <dgm:scene3d>
-      <a:camera prst="orthographicFront"/>
-      <a:lightRig rig="threePt" dir="t"/>
-    </dgm:scene3d>
-    <dgm:sp3d/>
-    <dgm:txPr/>
-    <dgm:style>
-      <a:lnRef idx="0">
-        <a:scrgbClr r="0" g="0" b="0"/>
-      </a:lnRef>
-      <a:fillRef idx="1">
-        <a:scrgbClr r="0" g="0" b="0"/>
-      </a:fillRef>
-      <a:effectRef idx="0">
-        <a:scrgbClr r="0" g="0" b="0"/>
-      </a:effectRef>
-      <a:fontRef idx="minor">
-        <a:schemeClr val="lt1"/>
-      </a:fontRef>
-    </dgm:style>
-  </dgm:styleLbl>
-  <dgm:styleLbl name="sibTrans1D1">
-    <dgm:scene3d>
-      <a:camera prst="orthographicFront"/>
-      <a:lightRig rig="threePt" dir="t"/>
-    </dgm:scene3d>
-    <dgm:sp3d/>
-    <dgm:txPr/>
-    <dgm:style>
-      <a:lnRef idx="1">
-        <a:scrgbClr r="0" g="0" b="0"/>
-      </a:lnRef>
-      <a:fillRef idx="0">
-        <a:scrgbClr r="0" g="0" b="0"/>
-      </a:fillRef>
-      <a:effectRef idx="0">
-        <a:scrgbClr r="0" g="0" b="0"/>
-      </a:effectRef>
-      <a:fontRef idx="minor"/>
-    </dgm:style>
-  </dgm:styleLbl>
-  <dgm:styleLbl name="callout">
-    <dgm:scene3d>
-      <a:camera prst="orthographicFront"/>
-      <a:lightRig rig="threePt" dir="t"/>
-    </dgm:scene3d>
-    <dgm:sp3d/>
-    <dgm:txPr/>
-    <dgm:style>
-      <a:lnRef idx="2">
-        <a:scrgbClr r="0" g="0" b="0"/>
-      </a:lnRef>
-      <a:fillRef idx="1">
-        <a:scrgbClr r="0" g="0" b="0"/>
-      </a:fillRef>
-      <a:effectRef idx="0">
-        <a:scrgbClr r="0" g="0" b="0"/>
-      </a:effectRef>
-      <a:fontRef idx="minor"/>
-    </dgm:style>
-  </dgm:styleLbl>
-  <dgm:styleLbl name="asst0">
-    <dgm:scene3d>
-      <a:camera prst="orthographicFront"/>
-      <a:lightRig rig="threePt" dir="t"/>
-    </dgm:scene3d>
-    <dgm:sp3d/>
-    <dgm:txPr/>
-    <dgm:style>
-      <a:lnRef idx="2">
-        <a:scrgbClr r="0" g="0" b="0"/>
-      </a:lnRef>
-      <a:fillRef idx="1">
-        <a:scrgbClr r="0" g="0" b="0"/>
-      </a:fillRef>
-      <a:effectRef idx="0">
-        <a:scrgbClr r="0" g="0" b="0"/>
-      </a:effectRef>
-      <a:fontRef idx="minor">
-        <a:schemeClr val="lt1"/>
-      </a:fontRef>
-    </dgm:style>
-  </dgm:styleLbl>
-  <dgm:styleLbl name="asst1">
-    <dgm:scene3d>
-      <a:camera prst="orthographicFront"/>
-      <a:lightRig rig="threePt" dir="t"/>
-    </dgm:scene3d>
-    <dgm:sp3d/>
-    <dgm:txPr/>
-    <dgm:style>
-      <a:lnRef idx="2">
-        <a:scrgbClr r="0" g="0" b="0"/>
-      </a:lnRef>
-      <a:fillRef idx="1">
-        <a:scrgbClr r="0" g="0" b="0"/>
-      </a:fillRef>
-      <a:effectRef idx="0">
-        <a:scrgbClr r="0" g="0" b="0"/>
-      </a:effectRef>
-      <a:fontRef idx="minor">
-        <a:schemeClr val="lt1"/>
-      </a:fontRef>
-    </dgm:style>
-  </dgm:styleLbl>
-  <dgm:styleLbl name="asst2">
-    <dgm:scene3d>
-      <a:camera prst="orthographicFront"/>
-      <a:lightRig rig="threePt" dir="t"/>
-    </dgm:scene3d>
-    <dgm:sp3d/>
-    <dgm:txPr/>
-    <dgm:style>
-      <a:lnRef idx="2">
-        <a:scrgbClr r="0" g="0" b="0"/>
-      </a:lnRef>
-      <a:fillRef idx="1">
-        <a:scrgbClr r="0" g="0" b="0"/>
-      </a:fillRef>
-      <a:effectRef idx="0">
-        <a:scrgbClr r="0" g="0" b="0"/>
-      </a:effectRef>
-      <a:fontRef idx="minor">
-        <a:schemeClr val="lt1"/>
-      </a:fontRef>
-    </dgm:style>
-  </dgm:styleLbl>
-  <dgm:styleLbl name="asst3">
-    <dgm:scene3d>
-      <a:camera prst="orthographicFront"/>
-      <a:lightRig rig="threePt" dir="t"/>
-    </dgm:scene3d>
-    <dgm:sp3d/>
-    <dgm:txPr/>
-    <dgm:style>
-      <a:lnRef idx="2">
-        <a:scrgbClr r="0" g="0" b="0"/>
-      </a:lnRef>
-      <a:fillRef idx="1">
-        <a:scrgbClr r="0" g="0" b="0"/>
-      </a:fillRef>
-      <a:effectRef idx="0">
-        <a:scrgbClr r="0" g="0" b="0"/>
-      </a:effectRef>
-      <a:fontRef idx="minor">
-        <a:schemeClr val="lt1"/>
-      </a:fontRef>
-    </dgm:style>
-  </dgm:styleLbl>
-  <dgm:styleLbl name="asst4">
-    <dgm:scene3d>
-      <a:camera prst="orthographicFront"/>
-      <a:lightRig rig="threePt" dir="t"/>
-    </dgm:scene3d>
-    <dgm:sp3d/>
-    <dgm:txPr/>
-    <dgm:style>
-      <a:lnRef idx="2">
-        <a:scrgbClr r="0" g="0" b="0"/>
-      </a:lnRef>
-      <a:fillRef idx="1">
-        <a:scrgbClr r="0" g="0" b="0"/>
-      </a:fillRef>
-      <a:effectRef idx="0">
-        <a:scrgbClr r="0" g="0" b="0"/>
-      </a:effectRef>
-      <a:fontRef idx="minor">
-        <a:schemeClr val="lt1"/>
-      </a:fontRef>
-    </dgm:style>
-  </dgm:styleLbl>
-  <dgm:styleLbl name="parChTrans2D1">
-    <dgm:scene3d>
-      <a:camera prst="orthographicFront"/>
-      <a:lightRig rig="threePt" dir="t"/>
-    </dgm:scene3d>
-    <dgm:sp3d/>
-    <dgm:txPr/>
-    <dgm:style>
-      <a:lnRef idx="2">
-        <a:scrgbClr r="0" g="0" b="0"/>
-      </a:lnRef>
-      <a:fillRef idx="1">
-        <a:scrgbClr r="0" g="0" b="0"/>
-      </a:fillRef>
-      <a:effectRef idx="0">
-        <a:scrgbClr r="0" g="0" b="0"/>
-      </a:effectRef>
-      <a:fontRef idx="minor">
-        <a:schemeClr val="lt1"/>
-      </a:fontRef>
-    </dgm:style>
-  </dgm:styleLbl>
-  <dgm:styleLbl name="parChTrans2D2">
-    <dgm:scene3d>
-      <a:camera prst="orthographicFront"/>
-      <a:lightRig rig="threePt" dir="t"/>
-    </dgm:scene3d>
-    <dgm:sp3d/>
-    <dgm:txPr/>
-    <dgm:style>
-      <a:lnRef idx="2">
-        <a:scrgbClr r="0" g="0" b="0"/>
-      </a:lnRef>
-      <a:fillRef idx="1">
-        <a:scrgbClr r="0" g="0" b="0"/>
-      </a:fillRef>
-      <a:effectRef idx="0">
-        <a:scrgbClr r="0" g="0" b="0"/>
-      </a:effectRef>
-      <a:fontRef idx="minor">
-        <a:schemeClr val="lt1"/>
-      </a:fontRef>
-    </dgm:style>
-  </dgm:styleLbl>
-  <dgm:styleLbl name="parChTrans2D3">
-    <dgm:scene3d>
-      <a:camera prst="orthographicFront"/>
-      <a:lightRig rig="threePt" dir="t"/>
-    </dgm:scene3d>
-    <dgm:sp3d/>
-    <dgm:txPr/>
-    <dgm:style>
-      <a:lnRef idx="2">
-        <a:scrgbClr r="0" g="0" b="0"/>
-      </a:lnRef>
-      <a:fillRef idx="1">
-        <a:scrgbClr r="0" g="0" b="0"/>
-      </a:fillRef>
-      <a:effectRef idx="0">
-        <a:scrgbClr r="0" g="0" b="0"/>
-      </a:effectRef>
-      <a:fontRef idx="minor">
-        <a:schemeClr val="lt1"/>
-      </a:fontRef>
-    </dgm:style>
-  </dgm:styleLbl>
-  <dgm:styleLbl name="parChTrans2D4">
-    <dgm:scene3d>
-      <a:camera prst="orthographicFront"/>
-      <a:lightRig rig="threePt" dir="t"/>
-    </dgm:scene3d>
-    <dgm:sp3d/>
-    <dgm:txPr/>
-    <dgm:style>
-      <a:lnRef idx="2">
-        <a:scrgbClr r="0" g="0" b="0"/>
-      </a:lnRef>
-      <a:fillRef idx="1">
-        <a:scrgbClr r="0" g="0" b="0"/>
-      </a:fillRef>
-      <a:effectRef idx="0">
-        <a:scrgbClr r="0" g="0" b="0"/>
-      </a:effectRef>
-      <a:fontRef idx="minor">
-        <a:schemeClr val="lt1"/>
-      </a:fontRef>
-    </dgm:style>
-  </dgm:styleLbl>
-  <dgm:styleLbl name="parChTrans1D1">
-    <dgm:scene3d>
-      <a:camera prst="orthographicFront"/>
-      <a:lightRig rig="threePt" dir="t"/>
-    </dgm:scene3d>
-    <dgm:sp3d/>
-    <dgm:txPr/>
-    <dgm:style>
-      <a:lnRef idx="2">
-        <a:scrgbClr r="0" g="0" b="0"/>
-      </a:lnRef>
-      <a:fillRef idx="0">
-        <a:scrgbClr r="0" g="0" b="0"/>
-      </a:fillRef>
-      <a:effectRef idx="0">
-        <a:scrgbClr r="0" g="0" b="0"/>
-      </a:effectRef>
-      <a:fontRef idx="minor"/>
-    </dgm:style>
-  </dgm:styleLbl>
-  <dgm:styleLbl name="parChTrans1D2">
-    <dgm:scene3d>
-      <a:camera prst="orthographicFront"/>
-      <a:lightRig rig="threePt" dir="t"/>
-    </dgm:scene3d>
-    <dgm:sp3d/>
-    <dgm:txPr/>
-    <dgm:style>
-      <a:lnRef idx="2">
-        <a:scrgbClr r="0" g="0" b="0"/>
-      </a:lnRef>
-      <a:fillRef idx="0">
-        <a:scrgbClr r="0" g="0" b="0"/>
-      </a:fillRef>
-      <a:effectRef idx="0">
-        <a:scrgbClr r="0" g="0" b="0"/>
-      </a:effectRef>
-      <a:fontRef idx="minor"/>
-    </dgm:style>
-  </dgm:styleLbl>
-  <dgm:styleLbl name="parChTrans1D3">
-    <dgm:scene3d>
-      <a:camera prst="orthographicFront"/>
-      <a:lightRig rig="threePt" dir="t"/>
-    </dgm:scene3d>
-    <dgm:sp3d/>
-    <dgm:txPr/>
-    <dgm:style>
-      <a:lnRef idx="2">
-        <a:scrgbClr r="0" g="0" b="0"/>
-      </a:lnRef>
-      <a:fillRef idx="0">
-        <a:scrgbClr r="0" g="0" b="0"/>
-      </a:fillRef>
-      <a:effectRef idx="0">
-        <a:scrgbClr r="0" g="0" b="0"/>
-      </a:effectRef>
-      <a:fontRef idx="minor"/>
-    </dgm:style>
-  </dgm:styleLbl>
-  <dgm:styleLbl name="parChTrans1D4">
-    <dgm:scene3d>
-      <a:camera prst="orthographicFront"/>
-      <a:lightRig rig="threePt" dir="t"/>
-    </dgm:scene3d>
-    <dgm:sp3d/>
-    <dgm:txPr/>
-    <dgm:style>
-      <a:lnRef idx="2">
-        <a:scrgbClr r="0" g="0" b="0"/>
-      </a:lnRef>
-      <a:fillRef idx="0">
-        <a:scrgbClr r="0" g="0" b="0"/>
-      </a:fillRef>
-      <a:effectRef idx="0">
-        <a:scrgbClr r="0" g="0" b="0"/>
-      </a:effectRef>
-      <a:fontRef idx="minor"/>
-    </dgm:style>
-  </dgm:styleLbl>
-  <dgm:styleLbl name="fgAcc1">
-    <dgm:scene3d>
-      <a:camera prst="orthographicFront"/>
-      <a:lightRig rig="threePt" dir="t"/>
-    </dgm:scene3d>
-    <dgm:sp3d/>
-    <dgm:txPr/>
-    <dgm:style>
-      <a:lnRef idx="2">
-        <a:scrgbClr r="0" g="0" b="0"/>
-      </a:lnRef>
-      <a:fillRef idx="1">
-        <a:scrgbClr r="0" g="0" b="0"/>
-      </a:fillRef>
-      <a:effectRef idx="0">
-        <a:scrgbClr r="0" g="0" b="0"/>
-      </a:effectRef>
-      <a:fontRef idx="minor"/>
-    </dgm:style>
-  </dgm:styleLbl>
-  <dgm:styleLbl name="conFgAcc1">
-    <dgm:scene3d>
-      <a:camera prst="orthographicFront"/>
-      <a:lightRig rig="threePt" dir="t"/>
-    </dgm:scene3d>
-    <dgm:sp3d/>
-    <dgm:txPr/>
-    <dgm:style>
-      <a:lnRef idx="2">
-        <a:scrgbClr r="0" g="0" b="0"/>
-      </a:lnRef>
-      <a:fillRef idx="1">
-        <a:scrgbClr r="0" g="0" b="0"/>
-      </a:fillRef>
-      <a:effectRef idx="0">
-        <a:scrgbClr r="0" g="0" b="0"/>
-      </a:effectRef>
-      <a:fontRef idx="minor"/>
-    </dgm:style>
-  </dgm:styleLbl>
-  <dgm:styleLbl name="alignAcc1">
-    <dgm:scene3d>
-      <a:camera prst="orthographicFront"/>
-      <a:lightRig rig="threePt" dir="t"/>
-    </dgm:scene3d>
-    <dgm:sp3d/>
-    <dgm:txPr/>
-    <dgm:style>
-      <a:lnRef idx="2">
-        <a:scrgbClr r="0" g="0" b="0"/>
-      </a:lnRef>
-      <a:fillRef idx="1">
-        <a:scrgbClr r="0" g="0" b="0"/>
-      </a:fillRef>
-      <a:effectRef idx="0">
-        <a:scrgbClr r="0" g="0" b="0"/>
-      </a:effectRef>
-      <a:fontRef idx="minor"/>
-    </dgm:style>
-  </dgm:styleLbl>
-  <dgm:styleLbl name="trAlignAcc1">
-    <dgm:scene3d>
-      <a:camera prst="orthographicFront"/>
-      <a:lightRig rig="threePt" dir="t"/>
-    </dgm:scene3d>
-    <dgm:sp3d/>
-    <dgm:txPr/>
-    <dgm:style>
-      <a:lnRef idx="1">
-        <a:scrgbClr r="0" g="0" b="0"/>
-      </a:lnRef>
-      <a:fillRef idx="1">
-        <a:scrgbClr r="0" g="0" b="0"/>
-      </a:fillRef>
-      <a:effectRef idx="0">
-        <a:scrgbClr r="0" g="0" b="0"/>
-      </a:effectRef>
-      <a:fontRef idx="minor"/>
-    </dgm:style>
-  </dgm:styleLbl>
-  <dgm:styleLbl name="bgAcc1">
-    <dgm:scene3d>
-      <a:camera prst="orthographicFront"/>
-      <a:lightRig rig="threePt" dir="t"/>
-    </dgm:scene3d>
-    <dgm:sp3d/>
-    <dgm:txPr/>
-    <dgm:style>
-      <a:lnRef idx="2">
-        <a:scrgbClr r="0" g="0" b="0"/>
-      </a:lnRef>
-      <a:fillRef idx="1">
-        <a:scrgbClr r="0" g="0" b="0"/>
-      </a:fillRef>
-      <a:effectRef idx="0">
-        <a:scrgbClr r="0" g="0" b="0"/>
-      </a:effectRef>
-      <a:fontRef idx="minor"/>
-    </dgm:style>
-  </dgm:styleLbl>
-  <dgm:styleLbl name="solidFgAcc1">
-    <dgm:scene3d>
-      <a:camera prst="orthographicFront"/>
-      <a:lightRig rig="threePt" dir="t"/>
-    </dgm:scene3d>
-    <dgm:sp3d/>
-    <dgm:txPr/>
-    <dgm:style>
-      <a:lnRef idx="2">
-        <a:scrgbClr r="0" g="0" b="0"/>
-      </a:lnRef>
-      <a:fillRef idx="1">
-        <a:scrgbClr r="0" g="0" b="0"/>
-      </a:fillRef>
-      <a:effectRef idx="0">
-        <a:scrgbClr r="0" g="0" b="0"/>
-      </a:effectRef>
-      <a:fontRef idx="minor"/>
-    </dgm:style>
-  </dgm:styleLbl>
-  <dgm:styleLbl name="solidAlignAcc1">
-    <dgm:scene3d>
-      <a:camera prst="orthographicFront"/>
-      <a:lightRig rig="threePt" dir="t"/>
-    </dgm:scene3d>
-    <dgm:sp3d/>
-    <dgm:txPr/>
-    <dgm:style>
-      <a:lnRef idx="2">
-        <a:scrgbClr r="0" g="0" b="0"/>
-      </a:lnRef>
-      <a:fillRef idx="1">
-        <a:scrgbClr r="0" g="0" b="0"/>
-      </a:fillRef>
-      <a:effectRef idx="0">
-        <a:scrgbClr r="0" g="0" b="0"/>
-      </a:effectRef>
-      <a:fontRef idx="minor"/>
-    </dgm:style>
-  </dgm:styleLbl>
-  <dgm:styleLbl name="solidBgAcc1">
-    <dgm:scene3d>
-      <a:camera prst="orthographicFront"/>
-      <a:lightRig rig="threePt" dir="t"/>
-    </dgm:scene3d>
-    <dgm:sp3d/>
-    <dgm:txPr/>
-    <dgm:style>
-      <a:lnRef idx="2">
-        <a:scrgbClr r="0" g="0" b="0"/>
-      </a:lnRef>
-      <a:fillRef idx="1">
-        <a:scrgbClr r="0" g="0" b="0"/>
-      </a:fillRef>
-      <a:effectRef idx="0">
-        <a:scrgbClr r="0" g="0" b="0"/>
-      </a:effectRef>
-      <a:fontRef idx="minor"/>
-    </dgm:style>
-  </dgm:styleLbl>
-  <dgm:styleLbl name="fgAccFollowNode1">
-    <dgm:scene3d>
-      <a:camera prst="orthographicFront"/>
-      <a:lightRig rig="threePt" dir="t"/>
-    </dgm:scene3d>
-    <dgm:sp3d/>
-    <dgm:txPr/>
-    <dgm:style>
-      <a:lnRef idx="2">
-        <a:scrgbClr r="0" g="0" b="0"/>
-      </a:lnRef>
-      <a:fillRef idx="1">
-        <a:scrgbClr r="0" g="0" b="0"/>
-      </a:fillRef>
-      <a:effectRef idx="0">
-        <a:scrgbClr r="0" g="0" b="0"/>
-      </a:effectRef>
-      <a:fontRef idx="minor"/>
-    </dgm:style>
-  </dgm:styleLbl>
-  <dgm:styleLbl name="alignAccFollowNode1">
-    <dgm:scene3d>
-      <a:camera prst="orthographicFront"/>
-      <a:lightRig rig="threePt" dir="t"/>
-    </dgm:scene3d>
-    <dgm:sp3d/>
-    <dgm:txPr/>
-    <dgm:style>
-      <a:lnRef idx="2">
-        <a:scrgbClr r="0" g="0" b="0"/>
-      </a:lnRef>
-      <a:fillRef idx="1">
-        <a:scrgbClr r="0" g="0" b="0"/>
-      </a:fillRef>
-      <a:effectRef idx="0">
-        <a:scrgbClr r="0" g="0" b="0"/>
-      </a:effectRef>
-      <a:fontRef idx="minor"/>
-    </dgm:style>
-  </dgm:styleLbl>
-  <dgm:styleLbl name="bgAccFollowNode1">
-    <dgm:scene3d>
-      <a:camera prst="orthographicFront"/>
-      <a:lightRig rig="threePt" dir="t"/>
-    </dgm:scene3d>
-    <dgm:sp3d/>
-    <dgm:txPr/>
-    <dgm:style>
-      <a:lnRef idx="2">
-        <a:scrgbClr r="0" g="0" b="0"/>
-      </a:lnRef>
-      <a:fillRef idx="1">
-        <a:scrgbClr r="0" g="0" b="0"/>
-      </a:fillRef>
-      <a:effectRef idx="0">
-        <a:scrgbClr r="0" g="0" b="0"/>
-      </a:effectRef>
-      <a:fontRef idx="minor"/>
-    </dgm:style>
-  </dgm:styleLbl>
-  <dgm:styleLbl name="fgAcc0">
-    <dgm:scene3d>
-      <a:camera prst="orthographicFront"/>
-      <a:lightRig rig="threePt" dir="t"/>
-    </dgm:scene3d>
-    <dgm:sp3d/>
-    <dgm:txPr/>
-    <dgm:style>
-      <a:lnRef idx="2">
-        <a:scrgbClr r="0" g="0" b="0"/>
-      </a:lnRef>
-      <a:fillRef idx="1">
-        <a:scrgbClr r="0" g="0" b="0"/>
-      </a:fillRef>
-      <a:effectRef idx="0">
-        <a:scrgbClr r="0" g="0" b="0"/>
-      </a:effectRef>
-      <a:fontRef idx="minor"/>
-    </dgm:style>
-  </dgm:styleLbl>
-  <dgm:styleLbl name="fgAcc2">
-    <dgm:scene3d>
-      <a:camera prst="orthographicFront"/>
-      <a:lightRig rig="threePt" dir="t"/>
-    </dgm:scene3d>
-    <dgm:sp3d/>
-    <dgm:txPr/>
-    <dgm:style>
-      <a:lnRef idx="2">
-        <a:scrgbClr r="0" g="0" b="0"/>
-      </a:lnRef>
-      <a:fillRef idx="1">
-        <a:scrgbClr r="0" g="0" b="0"/>
-      </a:fillRef>
-      <a:effectRef idx="0">
-        <a:scrgbClr r="0" g="0" b="0"/>
-      </a:effectRef>
-      <a:fontRef idx="minor"/>
-    </dgm:style>
-  </dgm:styleLbl>
-  <dgm:styleLbl name="fgAcc3">
-    <dgm:scene3d>
-      <a:camera prst="orthographicFront"/>
-      <a:lightRig rig="threePt" dir="t"/>
-    </dgm:scene3d>
-    <dgm:sp3d/>
-    <dgm:txPr/>
-    <dgm:style>
-      <a:lnRef idx="2">
-        <a:scrgbClr r="0" g="0" b="0"/>
-      </a:lnRef>
-      <a:fillRef idx="1">
-        <a:scrgbClr r="0" g="0" b="0"/>
-      </a:fillRef>
-      <a:effectRef idx="0">
-        <a:scrgbClr r="0" g="0" b="0"/>
-      </a:effectRef>
-      <a:fontRef idx="minor"/>
-    </dgm:style>
-  </dgm:styleLbl>
-  <dgm:styleLbl name="fgAcc4">
-    <dgm:scene3d>
-      <a:camera prst="orthographicFront"/>
-      <a:lightRig rig="threePt" dir="t"/>
-    </dgm:scene3d>
-    <dgm:sp3d/>
-    <dgm:txPr/>
-    <dgm:style>
-      <a:lnRef idx="2">
-        <a:scrgbClr r="0" g="0" b="0"/>
-      </a:lnRef>
-      <a:fillRef idx="1">
-        <a:scrgbClr r="0" g="0" b="0"/>
-      </a:fillRef>
-      <a:effectRef idx="0">
-        <a:scrgbClr r="0" g="0" b="0"/>
-      </a:effectRef>
-      <a:fontRef idx="minor"/>
-    </dgm:style>
-  </dgm:styleLbl>
-  <dgm:styleLbl name="bgShp">
-    <dgm:scene3d>
-      <a:camera prst="orthographicFront"/>
-      <a:lightRig rig="threePt" dir="t"/>
-    </dgm:scene3d>
-    <dgm:sp3d/>
-    <dgm:txPr/>
-    <dgm:style>
-      <a:lnRef idx="0">
-        <a:scrgbClr r="0" g="0" b="0"/>
-      </a:lnRef>
-      <a:fillRef idx="1">
-        <a:scrgbClr r="0" g="0" b="0"/>
-      </a:fillRef>
-      <a:effectRef idx="0">
-        <a:scrgbClr r="0" g="0" b="0"/>
-      </a:effectRef>
-      <a:fontRef idx="minor"/>
-    </dgm:style>
-  </dgm:styleLbl>
-  <dgm:styleLbl name="dkBgShp">
-    <dgm:scene3d>
-      <a:camera prst="orthographicFront"/>
-      <a:lightRig rig="threePt" dir="t"/>
-    </dgm:scene3d>
-    <dgm:sp3d/>
-    <dgm:txPr/>
-    <dgm:style>
-      <a:lnRef idx="0">
-        <a:scrgbClr r="0" g="0" b="0"/>
-      </a:lnRef>
-      <a:fillRef idx="1">
-        <a:scrgbClr r="0" g="0" b="0"/>
-      </a:fillRef>
-      <a:effectRef idx="0">
-        <a:scrgbClr r="0" g="0" b="0"/>
-      </a:effectRef>
-      <a:fontRef idx="minor"/>
-    </dgm:style>
-  </dgm:styleLbl>
-  <dgm:styleLbl name="trBgShp">
-    <dgm:scene3d>
-      <a:camera prst="orthographicFront"/>
-      <a:lightRig rig="threePt" dir="t"/>
-    </dgm:scene3d>
-    <dgm:sp3d/>
-    <dgm:txPr/>
-    <dgm:style>
-      <a:lnRef idx="0">
-        <a:scrgbClr r="0" g="0" b="0"/>
-      </a:lnRef>
-      <a:fillRef idx="1">
-        <a:scrgbClr r="0" g="0" b="0"/>
-      </a:fillRef>
-      <a:effectRef idx="0">
-        <a:scrgbClr r="0" g="0" b="0"/>
-      </a:effectRef>
-      <a:fontRef idx="minor"/>
-    </dgm:style>
-  </dgm:styleLbl>
-  <dgm:styleLbl name="fgShp">
-    <dgm:scene3d>
-      <a:camera prst="orthographicFront"/>
-      <a:lightRig rig="threePt" dir="t"/>
-    </dgm:scene3d>
-    <dgm:sp3d/>
-    <dgm:txPr/>
-    <dgm:style>
-      <a:lnRef idx="2">
-        <a:scrgbClr r="0" g="0" b="0"/>
-      </a:lnRef>
-      <a:fillRef idx="1">
-        <a:scrgbClr r="0" g="0" b="0"/>
-      </a:fillRef>
-      <a:effectRef idx="0">
-        <a:scrgbClr r="0" g="0" b="0"/>
-      </a:effectRef>
-      <a:fontRef idx="minor"/>
-    </dgm:style>
-  </dgm:styleLbl>
-  <dgm:styleLbl name="revTx">
-    <dgm:scene3d>
-      <a:camera prst="orthographicFront"/>
-      <a:lightRig rig="threePt" dir="t"/>
-    </dgm:scene3d>
-    <dgm:sp3d/>
-    <dgm:txPr/>
-    <dgm:style>
-      <a:lnRef idx="0">
-        <a:scrgbClr r="0" g="0" b="0"/>
-      </a:lnRef>
-      <a:fillRef idx="0">
-        <a:scrgbClr r="0" g="0" b="0"/>
-      </a:fillRef>
-      <a:effectRef idx="0">
-        <a:scrgbClr r="0" g="0" b="0"/>
-      </a:effectRef>
-      <a:fontRef idx="minor"/>
-    </dgm:style>
-  </dgm:styleLbl>
-</dgm:styleDef>
-</file>
-
 <file path=ppt/notesMasters/notesMaster1.xml><?xml version="1.0" encoding="utf-8"?>
 <p:notesMaster xmlns:a="http://schemas.openxmlformats.org/drawingml/2006/main" xmlns:r="http://schemas.openxmlformats.org/officeDocument/2006/relationships" xmlns:p="http://schemas.openxmlformats.org/presentationml/2006/main">
   <p:cSld>
@@ -7695,7 +3711,7 @@
           <a:p>
             <a:fld id="{FC211DB0-4CAC-4D90-907F-FD24F16BC89C}" type="datetimeFigureOut">
               <a:rPr lang="en-SG" smtClean="0"/>
-              <a:t>3/2/2026</a:t>
+              <a:t>5/2/2026</a:t>
             </a:fld>
             <a:endParaRPr lang="en-SG" dirty="0"/>
           </a:p>
@@ -8003,6 +4019,13 @@
           </p:nvPr>
         </p:nvSpPr>
         <p:spPr/>
+        <p:txBody>
+          <a:bodyPr/>
+          <a:lstStyle/>
+          <a:p>
+            <a:endParaRPr lang="en-SG" dirty="0"/>
+          </a:p>
+        </p:txBody>
       </p:sp>
       <p:sp>
         <p:nvSpPr>
@@ -8099,6 +4122,13 @@
           </p:nvPr>
         </p:nvSpPr>
         <p:spPr/>
+        <p:txBody>
+          <a:bodyPr/>
+          <a:lstStyle/>
+          <a:p>
+            <a:endParaRPr lang="en-SG" dirty="0"/>
+          </a:p>
+        </p:txBody>
       </p:sp>
       <p:sp>
         <p:nvSpPr>
@@ -8385,7 +4415,7 @@
           <a:p>
             <a:fld id="{893A27CD-D406-492E-A632-D285B7EF3DB9}" type="datetimeFigureOut">
               <a:rPr lang="en-SG" smtClean="0"/>
-              <a:t>3/2/2026</a:t>
+              <a:t>5/2/2026</a:t>
             </a:fld>
             <a:endParaRPr lang="en-SG" dirty="0"/>
           </a:p>
@@ -8596,7 +4626,7 @@
           <a:p>
             <a:fld id="{893A27CD-D406-492E-A632-D285B7EF3DB9}" type="datetimeFigureOut">
               <a:rPr lang="en-SG" smtClean="0"/>
-              <a:t>3/2/2026</a:t>
+              <a:t>5/2/2026</a:t>
             </a:fld>
             <a:endParaRPr lang="en-SG" dirty="0"/>
           </a:p>
@@ -8811,7 +4841,7 @@
           <a:p>
             <a:fld id="{893A27CD-D406-492E-A632-D285B7EF3DB9}" type="datetimeFigureOut">
               <a:rPr lang="en-SG" smtClean="0"/>
-              <a:t>3/2/2026</a:t>
+              <a:t>5/2/2026</a:t>
             </a:fld>
             <a:endParaRPr lang="en-SG" dirty="0"/>
           </a:p>
@@ -9012,7 +5042,7 @@
           <a:p>
             <a:fld id="{893A27CD-D406-492E-A632-D285B7EF3DB9}" type="datetimeFigureOut">
               <a:rPr lang="en-SG" smtClean="0"/>
-              <a:t>3/2/2026</a:t>
+              <a:t>5/2/2026</a:t>
             </a:fld>
             <a:endParaRPr lang="en-SG" dirty="0"/>
           </a:p>
@@ -9291,7 +5321,7 @@
           <a:p>
             <a:fld id="{893A27CD-D406-492E-A632-D285B7EF3DB9}" type="datetimeFigureOut">
               <a:rPr lang="en-SG" smtClean="0"/>
-              <a:t>3/2/2026</a:t>
+              <a:t>5/2/2026</a:t>
             </a:fld>
             <a:endParaRPr lang="en-SG" dirty="0"/>
           </a:p>
@@ -9559,7 +5589,7 @@
           <a:p>
             <a:fld id="{893A27CD-D406-492E-A632-D285B7EF3DB9}" type="datetimeFigureOut">
               <a:rPr lang="en-SG" smtClean="0"/>
-              <a:t>3/2/2026</a:t>
+              <a:t>5/2/2026</a:t>
             </a:fld>
             <a:endParaRPr lang="en-SG" dirty="0"/>
           </a:p>
@@ -9975,7 +6005,7 @@
           <a:p>
             <a:fld id="{893A27CD-D406-492E-A632-D285B7EF3DB9}" type="datetimeFigureOut">
               <a:rPr lang="en-SG" smtClean="0"/>
-              <a:t>3/2/2026</a:t>
+              <a:t>5/2/2026</a:t>
             </a:fld>
             <a:endParaRPr lang="en-SG" dirty="0"/>
           </a:p>
@@ -10124,7 +6154,7 @@
           <a:p>
             <a:fld id="{893A27CD-D406-492E-A632-D285B7EF3DB9}" type="datetimeFigureOut">
               <a:rPr lang="en-SG" smtClean="0"/>
-              <a:t>3/2/2026</a:t>
+              <a:t>5/2/2026</a:t>
             </a:fld>
             <a:endParaRPr lang="en-SG" dirty="0"/>
           </a:p>
@@ -10250,7 +6280,7 @@
           <a:p>
             <a:fld id="{893A27CD-D406-492E-A632-D285B7EF3DB9}" type="datetimeFigureOut">
               <a:rPr lang="en-SG" smtClean="0"/>
-              <a:t>3/2/2026</a:t>
+              <a:t>5/2/2026</a:t>
             </a:fld>
             <a:endParaRPr lang="en-SG" dirty="0"/>
           </a:p>
@@ -10501,7 +6531,7 @@
           <a:p>
             <a:fld id="{893A27CD-D406-492E-A632-D285B7EF3DB9}" type="datetimeFigureOut">
               <a:rPr lang="en-SG" smtClean="0"/>
-              <a:t>3/2/2026</a:t>
+              <a:t>5/2/2026</a:t>
             </a:fld>
             <a:endParaRPr lang="en-SG" dirty="0"/>
           </a:p>
@@ -10959,7 +6989,7 @@
           <a:p>
             <a:fld id="{893A27CD-D406-492E-A632-D285B7EF3DB9}" type="datetimeFigureOut">
               <a:rPr lang="en-SG" smtClean="0"/>
-              <a:t>3/2/2026</a:t>
+              <a:t>5/2/2026</a:t>
             </a:fld>
             <a:endParaRPr lang="en-SG" dirty="0"/>
           </a:p>
@@ -11293,7 +7323,7 @@
           <a:p>
             <a:fld id="{893A27CD-D406-492E-A632-D285B7EF3DB9}" type="datetimeFigureOut">
               <a:rPr lang="en-SG" smtClean="0"/>
-              <a:t>3/2/2026</a:t>
+              <a:t>5/2/2026</a:t>
             </a:fld>
             <a:endParaRPr lang="en-SG" dirty="0"/>
           </a:p>
@@ -12024,7 +8054,7 @@
           <p:nvPr>
             <p:extLst>
               <p:ext uri="{D42A27DB-BD31-4B8C-83A1-F6EECF244321}">
-                <p14:modId xmlns:p14="http://schemas.microsoft.com/office/powerpoint/2010/main" val="2073954410"/>
+                <p14:modId xmlns:p14="http://schemas.microsoft.com/office/powerpoint/2010/main" val="4050435161"/>
               </p:ext>
             </p:extLst>
           </p:nvPr>
@@ -12054,7 +8084,7 @@
         <p:spPr>
           <a:xfrm>
             <a:off x="1451579" y="1904789"/>
-            <a:ext cx="10650952" cy="646331"/>
+            <a:ext cx="9603275" cy="646331"/>
           </a:xfrm>
           <a:prstGeom prst="rect">
             <a:avLst/>
@@ -12069,294 +8099,7 @@
           <a:p>
             <a:r>
               <a:rPr lang="en-SG" i="1" dirty="0"/>
-              <a:t>Key Goal: Chatbot with responses grounded with relevant chunks from curated set of publicly available Singapore Budget Statements</a:t>
-            </a:r>
-          </a:p>
-        </p:txBody>
-      </p:sp>
-      <p:graphicFrame>
-        <p:nvGraphicFramePr>
-          <p:cNvPr id="41" name="Content Placeholder 3">
-            <a:extLst>
-              <a:ext uri="{FF2B5EF4-FFF2-40B4-BE49-F238E27FC236}">
-                <a16:creationId xmlns:a16="http://schemas.microsoft.com/office/drawing/2014/main" id="{66B053A7-6C0A-B326-06E5-CE44992BEBBF}"/>
-              </a:ext>
-            </a:extLst>
-          </p:cNvPr>
-          <p:cNvGraphicFramePr>
-            <a:graphicFrameLocks/>
-          </p:cNvGraphicFramePr>
-          <p:nvPr>
-            <p:extLst>
-              <p:ext uri="{D42A27DB-BD31-4B8C-83A1-F6EECF244321}">
-                <p14:modId xmlns:p14="http://schemas.microsoft.com/office/powerpoint/2010/main" val="1442403606"/>
-              </p:ext>
-            </p:extLst>
-          </p:nvPr>
-        </p:nvGraphicFramePr>
-        <p:xfrm>
-          <a:off x="7624916" y="627219"/>
-          <a:ext cx="1153770" cy="796412"/>
-        </p:xfrm>
-        <a:graphic>
-          <a:graphicData uri="http://schemas.openxmlformats.org/drawingml/2006/diagram">
-            <dgm:relIds xmlns:dgm="http://schemas.openxmlformats.org/drawingml/2006/diagram" xmlns:r="http://schemas.openxmlformats.org/officeDocument/2006/relationships" r:dm="rId8" r:lo="rId9" r:qs="rId10" r:cs="rId11"/>
-          </a:graphicData>
-        </a:graphic>
-      </p:graphicFrame>
-      <p:graphicFrame>
-        <p:nvGraphicFramePr>
-          <p:cNvPr id="42" name="Content Placeholder 3">
-            <a:extLst>
-              <a:ext uri="{FF2B5EF4-FFF2-40B4-BE49-F238E27FC236}">
-                <a16:creationId xmlns:a16="http://schemas.microsoft.com/office/drawing/2014/main" id="{CF5D69CB-C075-A7D0-9DEF-56B0B41E8080}"/>
-              </a:ext>
-            </a:extLst>
-          </p:cNvPr>
-          <p:cNvGraphicFramePr>
-            <a:graphicFrameLocks/>
-          </p:cNvGraphicFramePr>
-          <p:nvPr>
-            <p:extLst>
-              <p:ext uri="{D42A27DB-BD31-4B8C-83A1-F6EECF244321}">
-                <p14:modId xmlns:p14="http://schemas.microsoft.com/office/powerpoint/2010/main" val="944598398"/>
-              </p:ext>
-            </p:extLst>
-          </p:nvPr>
-        </p:nvGraphicFramePr>
-        <p:xfrm>
-          <a:off x="8988381" y="715711"/>
-          <a:ext cx="1153770" cy="707920"/>
-        </p:xfrm>
-        <a:graphic>
-          <a:graphicData uri="http://schemas.openxmlformats.org/drawingml/2006/diagram">
-            <dgm:relIds xmlns:dgm="http://schemas.openxmlformats.org/drawingml/2006/diagram" xmlns:r="http://schemas.openxmlformats.org/officeDocument/2006/relationships" r:dm="rId13" r:lo="rId14" r:qs="rId15" r:cs="rId16"/>
-          </a:graphicData>
-        </a:graphic>
-      </p:graphicFrame>
-      <p:grpSp>
-        <p:nvGrpSpPr>
-          <p:cNvPr id="43" name="Group 42">
-            <a:extLst>
-              <a:ext uri="{FF2B5EF4-FFF2-40B4-BE49-F238E27FC236}">
-                <a16:creationId xmlns:a16="http://schemas.microsoft.com/office/drawing/2014/main" id="{C9002E8E-EA65-0853-9A87-0F412A0DB532}"/>
-              </a:ext>
-            </a:extLst>
-          </p:cNvPr>
-          <p:cNvGrpSpPr/>
-          <p:nvPr/>
-        </p:nvGrpSpPr>
-        <p:grpSpPr>
-          <a:xfrm>
-            <a:off x="10477969" y="711705"/>
-            <a:ext cx="1153770" cy="692262"/>
-            <a:chOff x="0" y="0"/>
-            <a:chExt cx="1153770" cy="692262"/>
-          </a:xfrm>
-        </p:grpSpPr>
-        <p:sp>
-          <p:nvSpPr>
-            <p:cNvPr id="44" name="Rectangle: Rounded Corners 43">
-              <a:extLst>
-                <a:ext uri="{FF2B5EF4-FFF2-40B4-BE49-F238E27FC236}">
-                  <a16:creationId xmlns:a16="http://schemas.microsoft.com/office/drawing/2014/main" id="{14FF7498-4B3D-1865-05ED-BDF22C3AA5CD}"/>
-                </a:ext>
-              </a:extLst>
-            </p:cNvPr>
-            <p:cNvSpPr/>
-            <p:nvPr/>
-          </p:nvSpPr>
-          <p:spPr>
-            <a:xfrm>
-              <a:off x="0" y="0"/>
-              <a:ext cx="1153770" cy="692262"/>
-            </a:xfrm>
-            <a:prstGeom prst="roundRect">
-              <a:avLst>
-                <a:gd name="adj" fmla="val 10000"/>
-              </a:avLst>
-            </a:prstGeom>
-          </p:spPr>
-          <p:style>
-            <a:lnRef idx="2">
-              <a:schemeClr val="lt1">
-                <a:hueOff val="0"/>
-                <a:satOff val="0"/>
-                <a:lumOff val="0"/>
-                <a:alphaOff val="0"/>
-              </a:schemeClr>
-            </a:lnRef>
-            <a:fillRef idx="1">
-              <a:schemeClr val="accent1">
-                <a:hueOff val="0"/>
-                <a:satOff val="0"/>
-                <a:lumOff val="0"/>
-                <a:alphaOff val="0"/>
-              </a:schemeClr>
-            </a:fillRef>
-            <a:effectRef idx="0">
-              <a:schemeClr val="accent1">
-                <a:hueOff val="0"/>
-                <a:satOff val="0"/>
-                <a:lumOff val="0"/>
-                <a:alphaOff val="0"/>
-              </a:schemeClr>
-            </a:effectRef>
-            <a:fontRef idx="minor">
-              <a:schemeClr val="lt1"/>
-            </a:fontRef>
-          </p:style>
-          <p:txBody>
-            <a:bodyPr/>
-            <a:lstStyle/>
-            <a:p>
-              <a:endParaRPr lang="en-SG" dirty="0"/>
-            </a:p>
-          </p:txBody>
-        </p:sp>
-        <p:sp>
-          <p:nvSpPr>
-            <p:cNvPr id="45" name="Rectangle: Rounded Corners 4">
-              <a:extLst>
-                <a:ext uri="{FF2B5EF4-FFF2-40B4-BE49-F238E27FC236}">
-                  <a16:creationId xmlns:a16="http://schemas.microsoft.com/office/drawing/2014/main" id="{CF9A7F61-F824-3430-2E04-326B30741E3B}"/>
-                </a:ext>
-              </a:extLst>
-            </p:cNvPr>
-            <p:cNvSpPr txBox="1"/>
-            <p:nvPr/>
-          </p:nvSpPr>
-          <p:spPr>
-            <a:xfrm>
-              <a:off x="20276" y="20276"/>
-              <a:ext cx="1113218" cy="651710"/>
-            </a:xfrm>
-            <a:prstGeom prst="rect">
-              <a:avLst/>
-            </a:prstGeom>
-          </p:spPr>
-          <p:style>
-            <a:lnRef idx="0">
-              <a:scrgbClr r="0" g="0" b="0"/>
-            </a:lnRef>
-            <a:fillRef idx="0">
-              <a:scrgbClr r="0" g="0" b="0"/>
-            </a:fillRef>
-            <a:effectRef idx="0">
-              <a:scrgbClr r="0" g="0" b="0"/>
-            </a:effectRef>
-            <a:fontRef idx="minor">
-              <a:schemeClr val="lt1"/>
-            </a:fontRef>
-          </p:style>
-          <p:txBody>
-            <a:bodyPr spcFirstLastPara="0" vert="horz" wrap="square" lIns="68580" tIns="68580" rIns="68580" bIns="68580" numCol="1" spcCol="1270" anchor="ctr" anchorCtr="0">
-              <a:noAutofit/>
-            </a:bodyPr>
-            <a:lstStyle/>
-            <a:p>
-              <a:pPr marL="0" lvl="0" indent="0" algn="ctr" defTabSz="800100">
-                <a:lnSpc>
-                  <a:spcPct val="90000"/>
-                </a:lnSpc>
-                <a:spcBef>
-                  <a:spcPct val="0"/>
-                </a:spcBef>
-                <a:spcAft>
-                  <a:spcPct val="35000"/>
-                </a:spcAft>
-                <a:buNone/>
-              </a:pPr>
-              <a:r>
-                <a:rPr lang="en-SG" sz="1800" b="0" i="0" kern="1200" dirty="0"/>
-                <a:t>MCP Tooling</a:t>
-              </a:r>
-              <a:endParaRPr lang="en-SG" sz="1800" kern="1200" dirty="0"/>
-            </a:p>
-          </p:txBody>
-        </p:sp>
-      </p:grpSp>
-      <p:sp>
-        <p:nvSpPr>
-          <p:cNvPr id="46" name="Rectangle: Rounded Corners 45">
-            <a:extLst>
-              <a:ext uri="{FF2B5EF4-FFF2-40B4-BE49-F238E27FC236}">
-                <a16:creationId xmlns:a16="http://schemas.microsoft.com/office/drawing/2014/main" id="{9B8496F7-BF95-1772-761C-1761905B1253}"/>
-              </a:ext>
-            </a:extLst>
-          </p:cNvPr>
-          <p:cNvSpPr/>
-          <p:nvPr/>
-        </p:nvSpPr>
-        <p:spPr>
-          <a:xfrm>
-            <a:off x="7089057" y="147669"/>
-            <a:ext cx="4727797" cy="1477328"/>
-          </a:xfrm>
-          <a:prstGeom prst="roundRect">
-            <a:avLst/>
-          </a:prstGeom>
-          <a:noFill/>
-          <a:ln>
-            <a:prstDash val="dash"/>
-          </a:ln>
-        </p:spPr>
-        <p:style>
-          <a:lnRef idx="2">
-            <a:schemeClr val="accent1">
-              <a:shade val="15000"/>
-            </a:schemeClr>
-          </a:lnRef>
-          <a:fillRef idx="1">
-            <a:schemeClr val="accent1"/>
-          </a:fillRef>
-          <a:effectRef idx="0">
-            <a:schemeClr val="accent1"/>
-          </a:effectRef>
-          <a:fontRef idx="minor">
-            <a:schemeClr val="lt1"/>
-          </a:fontRef>
-        </p:style>
-        <p:txBody>
-          <a:bodyPr rtlCol="0" anchor="ctr"/>
-          <a:lstStyle/>
-          <a:p>
-            <a:pPr algn="ctr"/>
-            <a:endParaRPr lang="en-SG" dirty="0"/>
-          </a:p>
-        </p:txBody>
-      </p:sp>
-      <p:sp>
-        <p:nvSpPr>
-          <p:cNvPr id="47" name="TextBox 46">
-            <a:extLst>
-              <a:ext uri="{FF2B5EF4-FFF2-40B4-BE49-F238E27FC236}">
-                <a16:creationId xmlns:a16="http://schemas.microsoft.com/office/drawing/2014/main" id="{3100AFF6-EA6A-A95B-FC52-E0EF2F54361C}"/>
-              </a:ext>
-            </a:extLst>
-          </p:cNvPr>
-          <p:cNvSpPr txBox="1"/>
-          <p:nvPr/>
-        </p:nvSpPr>
-        <p:spPr>
-          <a:xfrm>
-            <a:off x="7329549" y="243018"/>
-            <a:ext cx="1449137" cy="369332"/>
-          </a:xfrm>
-          <a:prstGeom prst="rect">
-            <a:avLst/>
-          </a:prstGeom>
-          <a:noFill/>
-        </p:spPr>
-        <p:txBody>
-          <a:bodyPr wrap="square" rtlCol="0">
-            <a:spAutoFit/>
-          </a:bodyPr>
-          <a:lstStyle/>
-          <a:p>
-            <a:r>
-              <a:rPr lang="en-SG" dirty="0"/>
-              <a:t>Supporting AI</a:t>
+              <a:t>Key Goal:  A single-question Q&amp;A interface (no chat history) grounded in Singapore Budget Statements,  Annex and Budget Round-Up Speeches from FY2016 – FY2025.</a:t>
             </a:r>
           </a:p>
         </p:txBody>
@@ -12886,11 +8629,252 @@
           <a:p>
             <a:r>
               <a:rPr lang="en-SG" sz="1400" i="1" dirty="0">
-                <a:hlinkClick r:id="rId18"/>
+                <a:solidFill>
+                  <a:srgbClr val="0070C0"/>
+                </a:solidFill>
+                <a:hlinkClick r:id="rId8">
+                  <a:extLst>
+                    <a:ext uri="{A12FA001-AC4F-418D-AE19-62706E023703}">
+                      <ahyp:hlinkClr xmlns:ahyp="http://schemas.microsoft.com/office/drawing/2018/hyperlinkcolor" val="tx"/>
+                    </a:ext>
+                  </a:extLst>
+                </a:hlinkClick>
               </a:rPr>
               <a:t>Budget Archives | Ministry of Finance (MOF)</a:t>
             </a:r>
-            <a:endParaRPr lang="en-SG" sz="1400" i="1" dirty="0"/>
+            <a:endParaRPr lang="en-SG" sz="1400" i="1" dirty="0">
+              <a:solidFill>
+                <a:srgbClr val="0070C0"/>
+              </a:solidFill>
+            </a:endParaRPr>
+          </a:p>
+        </p:txBody>
+      </p:sp>
+      <p:grpSp>
+        <p:nvGrpSpPr>
+          <p:cNvPr id="13" name="Group 12">
+            <a:extLst>
+              <a:ext uri="{FF2B5EF4-FFF2-40B4-BE49-F238E27FC236}">
+                <a16:creationId xmlns:a16="http://schemas.microsoft.com/office/drawing/2014/main" id="{845F748F-418A-7132-FE81-A106F8540CF2}"/>
+              </a:ext>
+            </a:extLst>
+          </p:cNvPr>
+          <p:cNvGrpSpPr/>
+          <p:nvPr/>
+        </p:nvGrpSpPr>
+        <p:grpSpPr>
+          <a:xfrm>
+            <a:off x="5305777" y="6053481"/>
+            <a:ext cx="3604445" cy="627331"/>
+            <a:chOff x="0" y="0"/>
+            <a:chExt cx="1153770" cy="692262"/>
+          </a:xfrm>
+        </p:grpSpPr>
+        <p:sp>
+          <p:nvSpPr>
+            <p:cNvPr id="15" name="Rectangle: Rounded Corners 14">
+              <a:extLst>
+                <a:ext uri="{FF2B5EF4-FFF2-40B4-BE49-F238E27FC236}">
+                  <a16:creationId xmlns:a16="http://schemas.microsoft.com/office/drawing/2014/main" id="{A5F57974-6FD7-1EC4-F569-5E4BF1E07CB9}"/>
+                </a:ext>
+              </a:extLst>
+            </p:cNvPr>
+            <p:cNvSpPr/>
+            <p:nvPr/>
+          </p:nvSpPr>
+          <p:spPr>
+            <a:xfrm>
+              <a:off x="0" y="0"/>
+              <a:ext cx="1153770" cy="692262"/>
+            </a:xfrm>
+            <a:prstGeom prst="roundRect">
+              <a:avLst>
+                <a:gd name="adj" fmla="val 10000"/>
+              </a:avLst>
+            </a:prstGeom>
+          </p:spPr>
+          <p:style>
+            <a:lnRef idx="2">
+              <a:schemeClr val="lt1">
+                <a:hueOff val="0"/>
+                <a:satOff val="0"/>
+                <a:lumOff val="0"/>
+                <a:alphaOff val="0"/>
+              </a:schemeClr>
+            </a:lnRef>
+            <a:fillRef idx="1">
+              <a:schemeClr val="accent1">
+                <a:hueOff val="0"/>
+                <a:satOff val="0"/>
+                <a:lumOff val="0"/>
+                <a:alphaOff val="0"/>
+              </a:schemeClr>
+            </a:fillRef>
+            <a:effectRef idx="0">
+              <a:schemeClr val="accent1">
+                <a:hueOff val="0"/>
+                <a:satOff val="0"/>
+                <a:lumOff val="0"/>
+                <a:alphaOff val="0"/>
+              </a:schemeClr>
+            </a:effectRef>
+            <a:fontRef idx="minor">
+              <a:schemeClr val="lt1"/>
+            </a:fontRef>
+          </p:style>
+          <p:txBody>
+            <a:bodyPr/>
+            <a:lstStyle/>
+            <a:p>
+              <a:endParaRPr lang="en-SG" dirty="0"/>
+            </a:p>
+          </p:txBody>
+        </p:sp>
+        <p:sp>
+          <p:nvSpPr>
+            <p:cNvPr id="16" name="Rectangle: Rounded Corners 4">
+              <a:extLst>
+                <a:ext uri="{FF2B5EF4-FFF2-40B4-BE49-F238E27FC236}">
+                  <a16:creationId xmlns:a16="http://schemas.microsoft.com/office/drawing/2014/main" id="{1E46A179-BA8F-52F4-7F84-AC8CBCB1F705}"/>
+                </a:ext>
+              </a:extLst>
+            </p:cNvPr>
+            <p:cNvSpPr txBox="1"/>
+            <p:nvPr/>
+          </p:nvSpPr>
+          <p:spPr>
+            <a:xfrm>
+              <a:off x="20276" y="20276"/>
+              <a:ext cx="1113218" cy="651710"/>
+            </a:xfrm>
+            <a:prstGeom prst="rect">
+              <a:avLst/>
+            </a:prstGeom>
+          </p:spPr>
+          <p:style>
+            <a:lnRef idx="0">
+              <a:scrgbClr r="0" g="0" b="0"/>
+            </a:lnRef>
+            <a:fillRef idx="0">
+              <a:scrgbClr r="0" g="0" b="0"/>
+            </a:fillRef>
+            <a:effectRef idx="0">
+              <a:scrgbClr r="0" g="0" b="0"/>
+            </a:effectRef>
+            <a:fontRef idx="minor">
+              <a:schemeClr val="lt1"/>
+            </a:fontRef>
+          </p:style>
+          <p:txBody>
+            <a:bodyPr spcFirstLastPara="0" vert="horz" wrap="square" lIns="68580" tIns="68580" rIns="68580" bIns="68580" numCol="1" spcCol="1270" anchor="ctr" anchorCtr="0">
+              <a:noAutofit/>
+            </a:bodyPr>
+            <a:lstStyle/>
+            <a:p>
+              <a:pPr marL="0" lvl="0" indent="0" algn="ctr" defTabSz="800100">
+                <a:lnSpc>
+                  <a:spcPct val="90000"/>
+                </a:lnSpc>
+                <a:spcBef>
+                  <a:spcPct val="0"/>
+                </a:spcBef>
+                <a:spcAft>
+                  <a:spcPct val="35000"/>
+                </a:spcAft>
+                <a:buNone/>
+              </a:pPr>
+              <a:r>
+                <a:rPr lang="en-SG" sz="1600" dirty="0"/>
+                <a:t>Frontend – Vercel</a:t>
+              </a:r>
+            </a:p>
+            <a:p>
+              <a:pPr marL="0" lvl="0" indent="0" algn="ctr" defTabSz="800100">
+                <a:lnSpc>
+                  <a:spcPct val="90000"/>
+                </a:lnSpc>
+                <a:spcBef>
+                  <a:spcPct val="0"/>
+                </a:spcBef>
+                <a:spcAft>
+                  <a:spcPct val="35000"/>
+                </a:spcAft>
+                <a:buNone/>
+              </a:pPr>
+              <a:r>
+                <a:rPr lang="en-SG" sz="1600" kern="1200" dirty="0"/>
+                <a:t>Backend – </a:t>
+              </a:r>
+              <a:r>
+                <a:rPr lang="en-SG" sz="1600" kern="1200" dirty="0">
+                  <a:solidFill>
+                    <a:srgbClr val="FF0000"/>
+                  </a:solidFill>
+                </a:rPr>
+                <a:t>Fly.io / Cloud Run / Railway</a:t>
+              </a:r>
+              <a:endParaRPr lang="en-SG" sz="1200" kern="1200" dirty="0">
+                <a:solidFill>
+                  <a:srgbClr val="FF0000"/>
+                </a:solidFill>
+              </a:endParaRPr>
+            </a:p>
+          </p:txBody>
+        </p:sp>
+      </p:grpSp>
+      <p:sp>
+        <p:nvSpPr>
+          <p:cNvPr id="17" name="Rectangle 16">
+            <a:extLst>
+              <a:ext uri="{FF2B5EF4-FFF2-40B4-BE49-F238E27FC236}">
+                <a16:creationId xmlns:a16="http://schemas.microsoft.com/office/drawing/2014/main" id="{3337ACDA-50BB-8E5D-4731-1B52C224CBBA}"/>
+              </a:ext>
+            </a:extLst>
+          </p:cNvPr>
+          <p:cNvSpPr/>
+          <p:nvPr/>
+        </p:nvSpPr>
+        <p:spPr>
+          <a:xfrm>
+            <a:off x="10938933" y="0"/>
+            <a:ext cx="1253067" cy="1049235"/>
+          </a:xfrm>
+          <a:prstGeom prst="rect">
+            <a:avLst/>
+          </a:prstGeom>
+          <a:solidFill>
+            <a:srgbClr val="FFFF00"/>
+          </a:solidFill>
+        </p:spPr>
+        <p:style>
+          <a:lnRef idx="2">
+            <a:schemeClr val="accent1">
+              <a:shade val="15000"/>
+            </a:schemeClr>
+          </a:lnRef>
+          <a:fillRef idx="1">
+            <a:schemeClr val="accent1"/>
+          </a:fillRef>
+          <a:effectRef idx="0">
+            <a:schemeClr val="accent1"/>
+          </a:effectRef>
+          <a:fontRef idx="minor">
+            <a:schemeClr val="lt1"/>
+          </a:fontRef>
+        </p:style>
+        <p:txBody>
+          <a:bodyPr rtlCol="0" anchor="ctr"/>
+          <a:lstStyle/>
+          <a:p>
+            <a:pPr algn="ctr"/>
+            <a:r>
+              <a:rPr lang="en-SG" dirty="0">
+                <a:solidFill>
+                  <a:srgbClr val="FF0000"/>
+                </a:solidFill>
+              </a:rPr>
+              <a:t>Red fonts TBC</a:t>
+            </a:r>
           </a:p>
         </p:txBody>
       </p:sp>
@@ -12971,8 +8955,8 @@
           <p:nvPr/>
         </p:nvGrpSpPr>
         <p:grpSpPr>
-          <a:xfrm rot="18190513">
-            <a:off x="8057562" y="5701070"/>
+          <a:xfrm>
+            <a:off x="8635052" y="2178682"/>
             <a:ext cx="383993" cy="200048"/>
             <a:chOff x="9272692" y="1547728"/>
             <a:chExt cx="370682" cy="433628"/>
@@ -13114,8 +9098,8 @@
         </p:nvGrpSpPr>
         <p:grpSpPr>
           <a:xfrm>
-            <a:off x="6659250" y="6153598"/>
-            <a:ext cx="1607050" cy="627331"/>
+            <a:off x="6006889" y="5850521"/>
+            <a:ext cx="2165164" cy="1052247"/>
             <a:chOff x="0" y="0"/>
             <a:chExt cx="1153770" cy="692262"/>
           </a:xfrm>
@@ -13256,6 +9240,40 @@
                 <a:rPr lang="en-SG" sz="1000" dirty="0"/>
                 <a:t>API + UI</a:t>
               </a:r>
+            </a:p>
+            <a:p>
+              <a:pPr marL="171450" lvl="0" indent="-171450" defTabSz="800100">
+                <a:lnSpc>
+                  <a:spcPct val="90000"/>
+                </a:lnSpc>
+                <a:spcBef>
+                  <a:spcPct val="0"/>
+                </a:spcBef>
+                <a:spcAft>
+                  <a:spcPct val="35000"/>
+                </a:spcAft>
+                <a:buFont typeface="Arial" panose="020B0604020202020204" pitchFamily="34" charset="0"/>
+                <a:buChar char="•"/>
+              </a:pPr>
+              <a:r>
+                <a:rPr lang="en-SG" sz="1000" dirty="0"/>
+                <a:t>Lightweight security guardrails (prompt injection)</a:t>
+              </a:r>
+            </a:p>
+            <a:p>
+              <a:pPr marL="171450" lvl="0" indent="-171450" defTabSz="800100">
+                <a:lnSpc>
+                  <a:spcPct val="90000"/>
+                </a:lnSpc>
+                <a:spcBef>
+                  <a:spcPct val="0"/>
+                </a:spcBef>
+                <a:spcAft>
+                  <a:spcPct val="35000"/>
+                </a:spcAft>
+                <a:buFont typeface="Arial" panose="020B0604020202020204" pitchFamily="34" charset="0"/>
+                <a:buChar char="•"/>
+              </a:pPr>
               <a:endParaRPr lang="en-SG" sz="1000" kern="1200" dirty="0"/>
             </a:p>
           </p:txBody>
@@ -13275,8 +9293,8 @@
         </p:nvGrpSpPr>
         <p:grpSpPr>
           <a:xfrm>
-            <a:off x="8361276" y="4697627"/>
-            <a:ext cx="1902909" cy="819565"/>
+            <a:off x="9245428" y="1863968"/>
+            <a:ext cx="2131700" cy="1473263"/>
             <a:chOff x="0" y="0"/>
             <a:chExt cx="1153770" cy="692262"/>
           </a:xfrm>
@@ -13414,9 +9432,71 @@
                 <a:buChar char="•"/>
               </a:pPr>
               <a:r>
+                <a:rPr lang="en-SG" sz="1000" dirty="0"/>
+                <a:t>Query interpretation</a:t>
+              </a:r>
+            </a:p>
+            <a:p>
+              <a:pPr marL="171450" lvl="0" indent="-171450" defTabSz="800100">
+                <a:lnSpc>
+                  <a:spcPct val="90000"/>
+                </a:lnSpc>
+                <a:spcBef>
+                  <a:spcPct val="0"/>
+                </a:spcBef>
+                <a:spcAft>
+                  <a:spcPct val="35000"/>
+                </a:spcAft>
+                <a:buFont typeface="Arial" panose="020B0604020202020204" pitchFamily="34" charset="0"/>
+                <a:buChar char="•"/>
+              </a:pPr>
+              <a:r>
                 <a:rPr lang="en-SG" sz="1000" kern="1200" dirty="0"/>
-                <a:t>Interpret query and breakdown into sub-queries if applicable</a:t>
+                <a:t>Forward original </a:t>
               </a:r>
+              <a:r>
+                <a:rPr lang="en-SG" sz="1000" dirty="0"/>
+                <a:t>+ revised query</a:t>
+              </a:r>
+            </a:p>
+            <a:p>
+              <a:pPr marL="171450" lvl="0" indent="-171450" defTabSz="800100">
+                <a:lnSpc>
+                  <a:spcPct val="90000"/>
+                </a:lnSpc>
+                <a:spcBef>
+                  <a:spcPct val="0"/>
+                </a:spcBef>
+                <a:spcAft>
+                  <a:spcPct val="35000"/>
+                </a:spcAft>
+                <a:buFont typeface="Arial" panose="020B0604020202020204" pitchFamily="34" charset="0"/>
+                <a:buChar char="•"/>
+              </a:pPr>
+              <a:r>
+                <a:rPr lang="en-SG" sz="1000" kern="1200" dirty="0"/>
+                <a:t>LLM classify if query is coherent</a:t>
+              </a:r>
+            </a:p>
+            <a:p>
+              <a:pPr marL="171450" lvl="0" indent="-171450" defTabSz="800100">
+                <a:lnSpc>
+                  <a:spcPct val="90000"/>
+                </a:lnSpc>
+                <a:spcBef>
+                  <a:spcPct val="0"/>
+                </a:spcBef>
+                <a:spcAft>
+                  <a:spcPct val="35000"/>
+                </a:spcAft>
+                <a:buFont typeface="Arial" panose="020B0604020202020204" pitchFamily="34" charset="0"/>
+                <a:buChar char="•"/>
+              </a:pPr>
+              <a:r>
+                <a:rPr lang="en-SG" sz="1000" dirty="0"/>
+                <a:t>Builds pre-determined fixed plan</a:t>
+              </a:r>
+              <a:endParaRPr lang="en-SG" sz="1000" kern="1200" dirty="0"/>
             </a:p>
           </p:txBody>
         </p:sp>
@@ -13435,8 +9515,8 @@
         </p:nvGrpSpPr>
         <p:grpSpPr>
           <a:xfrm>
-            <a:off x="6493656" y="2117410"/>
-            <a:ext cx="1772644" cy="2040234"/>
+            <a:off x="6634078" y="1881687"/>
+            <a:ext cx="1632221" cy="2040234"/>
             <a:chOff x="0" y="0"/>
             <a:chExt cx="1153770" cy="692262"/>
           </a:xfrm>
@@ -13555,7 +9635,7 @@
               </a:pPr>
               <a:r>
                 <a:rPr lang="en-SG" dirty="0"/>
-                <a:t>Manager AI</a:t>
+                <a:t>Manager</a:t>
               </a:r>
               <a:endParaRPr lang="en-SG" dirty="0">
                 <a:solidFill>
@@ -13578,8 +9658,31 @@
                 <a:buChar char="•"/>
               </a:pPr>
               <a:r>
+                <a:rPr lang="en-SG" sz="1000" dirty="0">
+                  <a:solidFill>
+                    <a:schemeClr val="bg1"/>
+                  </a:solidFill>
+                </a:rPr>
+                <a:t>Orchestrate via states</a:t>
+              </a:r>
+            </a:p>
+            <a:p>
+              <a:pPr marL="171450" lvl="0" indent="-171450" defTabSz="800100">
+                <a:lnSpc>
+                  <a:spcPct val="90000"/>
+                </a:lnSpc>
+                <a:spcBef>
+                  <a:spcPct val="0"/>
+                </a:spcBef>
+                <a:spcAft>
+                  <a:spcPct val="35000"/>
+                </a:spcAft>
+                <a:buFont typeface="Arial" panose="020B0604020202020204" pitchFamily="34" charset="0"/>
+                <a:buChar char="•"/>
+              </a:pPr>
+              <a:r>
                 <a:rPr lang="en-SG" sz="1000" dirty="0"/>
-                <a:t>Control loops via states</a:t>
+                <a:t>Reject incoherent query</a:t>
               </a:r>
             </a:p>
             <a:p>
@@ -13620,25 +9723,6 @@
                 <a:t>Fixed top_k and top_n</a:t>
               </a:r>
             </a:p>
-            <a:p>
-              <a:pPr marL="171450" lvl="0" indent="-171450" defTabSz="800100">
-                <a:lnSpc>
-                  <a:spcPct val="90000"/>
-                </a:lnSpc>
-                <a:spcBef>
-                  <a:spcPct val="0"/>
-                </a:spcBef>
-                <a:spcAft>
-                  <a:spcPct val="35000"/>
-                </a:spcAft>
-                <a:buFont typeface="Arial" panose="020B0604020202020204" pitchFamily="34" charset="0"/>
-                <a:buChar char="•"/>
-              </a:pPr>
-              <a:r>
-                <a:rPr lang="en-SG" sz="1000" dirty="0"/>
-                <a:t>Fixed max_reflection and max_replan</a:t>
-              </a:r>
-            </a:p>
           </p:txBody>
         </p:sp>
       </p:grpSp>
@@ -13655,8 +9739,8 @@
           <p:nvPr/>
         </p:nvGrpSpPr>
         <p:grpSpPr>
-          <a:xfrm rot="13909959">
-            <a:off x="7983138" y="4284616"/>
+          <a:xfrm rot="10800000">
+            <a:off x="8627858" y="2461124"/>
             <a:ext cx="383993" cy="200048"/>
             <a:chOff x="9272692" y="1547728"/>
             <a:chExt cx="370682" cy="433628"/>
@@ -13779,7 +9863,11 @@
                 </a:spcAft>
                 <a:buNone/>
               </a:pPr>
-              <a:endParaRPr lang="en-SG" sz="1300" kern="1200" dirty="0"/>
+              <a:endParaRPr lang="en-SG" sz="1300" kern="1200" dirty="0">
+                <a:solidFill>
+                  <a:schemeClr val="tx1"/>
+                </a:solidFill>
+              </a:endParaRPr>
             </a:p>
           </p:txBody>
         </p:sp>
@@ -13798,7 +9886,7 @@
         </p:nvGrpSpPr>
         <p:grpSpPr>
           <a:xfrm rot="10800000">
-            <a:off x="5325495" y="2855668"/>
+            <a:off x="5304808" y="2554537"/>
             <a:ext cx="878101" cy="236637"/>
             <a:chOff x="9272692" y="1547728"/>
             <a:chExt cx="370682" cy="433628"/>
@@ -14533,7 +10621,7 @@
               </a:pPr>
               <a:r>
                 <a:rPr lang="en-SG" sz="1000" dirty="0"/>
-                <a:t>Critique and score response at least once</a:t>
+                <a:t>Assess evidence coverage, applicability, and confidence</a:t>
               </a:r>
               <a:endParaRPr lang="en-SG" sz="1000" b="1" dirty="0"/>
             </a:p>
@@ -14554,8 +10642,8 @@
         </p:nvSpPr>
         <p:spPr>
           <a:xfrm>
-            <a:off x="1797477" y="2117409"/>
-            <a:ext cx="2307706" cy="341632"/>
+            <a:off x="731523" y="1896855"/>
+            <a:ext cx="3281976" cy="590931"/>
           </a:xfrm>
           <a:prstGeom prst="rect">
             <a:avLst/>
@@ -14582,7 +10670,7 @@
             </a:pPr>
             <a:r>
               <a:rPr lang="en-SG" i="1" dirty="0"/>
-              <a:t>Specialist AIs with tools</a:t>
+              <a:t>Specialist AIs and Tools exposed as local MCP interface</a:t>
             </a:r>
           </a:p>
         </p:txBody>
@@ -14601,8 +10689,8 @@
         </p:nvGrpSpPr>
         <p:grpSpPr>
           <a:xfrm rot="5400000">
-            <a:off x="5955957" y="4996953"/>
-            <a:ext cx="1788561" cy="250602"/>
+            <a:off x="6480440" y="4774560"/>
+            <a:ext cx="1503211" cy="250602"/>
             <a:chOff x="9272692" y="1547728"/>
             <a:chExt cx="370682" cy="433628"/>
           </a:xfrm>
@@ -14729,212 +10817,6 @@
           </p:txBody>
         </p:sp>
       </p:grpSp>
-      <p:grpSp>
-        <p:nvGrpSpPr>
-          <p:cNvPr id="94" name="Group 93">
-            <a:extLst>
-              <a:ext uri="{FF2B5EF4-FFF2-40B4-BE49-F238E27FC236}">
-                <a16:creationId xmlns:a16="http://schemas.microsoft.com/office/drawing/2014/main" id="{B5A8003A-47F4-444F-2595-DB02EA63E77E}"/>
-              </a:ext>
-            </a:extLst>
-          </p:cNvPr>
-          <p:cNvGrpSpPr/>
-          <p:nvPr/>
-        </p:nvGrpSpPr>
-        <p:grpSpPr>
-          <a:xfrm rot="3037808">
-            <a:off x="8283068" y="4274936"/>
-            <a:ext cx="383993" cy="200048"/>
-            <a:chOff x="9272692" y="1547728"/>
-            <a:chExt cx="370682" cy="433628"/>
-          </a:xfrm>
-        </p:grpSpPr>
-        <p:sp>
-          <p:nvSpPr>
-            <p:cNvPr id="95" name="Arrow: Right 94">
-              <a:extLst>
-                <a:ext uri="{FF2B5EF4-FFF2-40B4-BE49-F238E27FC236}">
-                  <a16:creationId xmlns:a16="http://schemas.microsoft.com/office/drawing/2014/main" id="{D354C654-FA0A-B52F-265A-5420F229621D}"/>
-                </a:ext>
-              </a:extLst>
-            </p:cNvPr>
-            <p:cNvSpPr/>
-            <p:nvPr/>
-          </p:nvSpPr>
-          <p:spPr>
-            <a:xfrm>
-              <a:off x="9272692" y="1547728"/>
-              <a:ext cx="370682" cy="433628"/>
-            </a:xfrm>
-            <a:prstGeom prst="rightArrow">
-              <a:avLst>
-                <a:gd name="adj1" fmla="val 60000"/>
-                <a:gd name="adj2" fmla="val 50000"/>
-              </a:avLst>
-            </a:prstGeom>
-          </p:spPr>
-          <p:style>
-            <a:lnRef idx="0">
-              <a:schemeClr val="accent1">
-                <a:tint val="60000"/>
-                <a:hueOff val="0"/>
-                <a:satOff val="0"/>
-                <a:lumOff val="0"/>
-                <a:alphaOff val="0"/>
-              </a:schemeClr>
-            </a:lnRef>
-            <a:fillRef idx="1">
-              <a:schemeClr val="accent1">
-                <a:tint val="60000"/>
-                <a:hueOff val="0"/>
-                <a:satOff val="0"/>
-                <a:lumOff val="0"/>
-                <a:alphaOff val="0"/>
-              </a:schemeClr>
-            </a:fillRef>
-            <a:effectRef idx="0">
-              <a:schemeClr val="accent1">
-                <a:tint val="60000"/>
-                <a:hueOff val="0"/>
-                <a:satOff val="0"/>
-                <a:lumOff val="0"/>
-                <a:alphaOff val="0"/>
-              </a:schemeClr>
-            </a:effectRef>
-            <a:fontRef idx="minor">
-              <a:schemeClr val="lt1"/>
-            </a:fontRef>
-          </p:style>
-          <p:txBody>
-            <a:bodyPr/>
-            <a:lstStyle/>
-            <a:p>
-              <a:endParaRPr lang="en-SG" dirty="0"/>
-            </a:p>
-          </p:txBody>
-        </p:sp>
-        <p:sp>
-          <p:nvSpPr>
-            <p:cNvPr id="96" name="Arrow: Right 4">
-              <a:extLst>
-                <a:ext uri="{FF2B5EF4-FFF2-40B4-BE49-F238E27FC236}">
-                  <a16:creationId xmlns:a16="http://schemas.microsoft.com/office/drawing/2014/main" id="{1B8CF1B1-3C2C-5172-2F89-E8F92C4A49DD}"/>
-                </a:ext>
-              </a:extLst>
-            </p:cNvPr>
-            <p:cNvSpPr txBox="1"/>
-            <p:nvPr/>
-          </p:nvSpPr>
-          <p:spPr>
-            <a:xfrm>
-              <a:off x="9272692" y="1634454"/>
-              <a:ext cx="259477" cy="260176"/>
-            </a:xfrm>
-            <a:prstGeom prst="rect">
-              <a:avLst/>
-            </a:prstGeom>
-          </p:spPr>
-          <p:style>
-            <a:lnRef idx="0">
-              <a:scrgbClr r="0" g="0" b="0"/>
-            </a:lnRef>
-            <a:fillRef idx="0">
-              <a:scrgbClr r="0" g="0" b="0"/>
-            </a:fillRef>
-            <a:effectRef idx="0">
-              <a:scrgbClr r="0" g="0" b="0"/>
-            </a:effectRef>
-            <a:fontRef idx="minor">
-              <a:schemeClr val="lt1"/>
-            </a:fontRef>
-          </p:style>
-          <p:txBody>
-            <a:bodyPr spcFirstLastPara="0" vert="horz" wrap="square" lIns="0" tIns="0" rIns="0" bIns="0" numCol="1" spcCol="1270" anchor="ctr" anchorCtr="0">
-              <a:noAutofit/>
-            </a:bodyPr>
-            <a:lstStyle/>
-            <a:p>
-              <a:pPr marL="0" lvl="0" indent="0" algn="ctr" defTabSz="577850">
-                <a:lnSpc>
-                  <a:spcPct val="90000"/>
-                </a:lnSpc>
-                <a:spcBef>
-                  <a:spcPct val="0"/>
-                </a:spcBef>
-                <a:spcAft>
-                  <a:spcPct val="35000"/>
-                </a:spcAft>
-                <a:buNone/>
-              </a:pPr>
-              <a:endParaRPr lang="en-SG" sz="1300" kern="1200" dirty="0"/>
-            </a:p>
-          </p:txBody>
-        </p:sp>
-      </p:grpSp>
-      <p:sp>
-        <p:nvSpPr>
-          <p:cNvPr id="97" name="TextBox 96">
-            <a:extLst>
-              <a:ext uri="{FF2B5EF4-FFF2-40B4-BE49-F238E27FC236}">
-                <a16:creationId xmlns:a16="http://schemas.microsoft.com/office/drawing/2014/main" id="{EFCD87EA-F8C3-7B51-658F-1ABF65802475}"/>
-              </a:ext>
-            </a:extLst>
-          </p:cNvPr>
-          <p:cNvSpPr txBox="1"/>
-          <p:nvPr/>
-        </p:nvSpPr>
-        <p:spPr>
-          <a:xfrm>
-            <a:off x="10590768" y="4552451"/>
-            <a:ext cx="1404593" cy="1200329"/>
-          </a:xfrm>
-          <a:prstGeom prst="rect">
-            <a:avLst/>
-          </a:prstGeom>
-          <a:noFill/>
-        </p:spPr>
-        <p:txBody>
-          <a:bodyPr wrap="square">
-            <a:spAutoFit/>
-          </a:bodyPr>
-          <a:lstStyle/>
-          <a:p>
-            <a:pPr marL="0" lvl="0" indent="0" defTabSz="800100">
-              <a:lnSpc>
-                <a:spcPct val="90000"/>
-              </a:lnSpc>
-              <a:spcBef>
-                <a:spcPct val="0"/>
-              </a:spcBef>
-              <a:spcAft>
-                <a:spcPct val="35000"/>
-              </a:spcAft>
-              <a:buNone/>
-            </a:pPr>
-            <a:r>
-              <a:rPr lang="en-SG" sz="1400" b="1" i="1" dirty="0"/>
-              <a:t>Replan</a:t>
-            </a:r>
-            <a:br>
-              <a:rPr lang="en-SG" sz="1400" b="1" i="1" dirty="0"/>
-            </a:br>
-            <a:r>
-              <a:rPr lang="en-SG" sz="1100" i="1" dirty="0"/>
-              <a:t>(provide synthesis response and reflection comments in context)</a:t>
-            </a:r>
-            <a:br>
-              <a:rPr lang="en-SG" sz="1100" i="1" dirty="0"/>
-            </a:br>
-            <a:br>
-              <a:rPr lang="en-SG" sz="1100" i="1" dirty="0"/>
-            </a:br>
-            <a:r>
-              <a:rPr lang="en-SG" sz="1100" i="1" dirty="0"/>
-              <a:t>if confidence &lt; confidence_threshold</a:t>
-            </a:r>
-          </a:p>
-        </p:txBody>
-      </p:sp>
       <p:sp>
         <p:nvSpPr>
           <p:cNvPr id="98" name="TextBox 97">
@@ -14949,8 +10831,8 @@
         </p:nvSpPr>
         <p:spPr>
           <a:xfrm>
-            <a:off x="6951926" y="4249368"/>
-            <a:ext cx="1158025" cy="1435778"/>
+            <a:off x="7691575" y="3921920"/>
+            <a:ext cx="1324065" cy="818686"/>
           </a:xfrm>
           <a:prstGeom prst="rect">
             <a:avLst/>
@@ -14995,47 +10877,7 @@
             </a:pPr>
             <a:r>
               <a:rPr lang="en-SG" sz="1100" i="1" dirty="0"/>
-              <a:t>(high confidence)</a:t>
-            </a:r>
-          </a:p>
-          <a:p>
-            <a:pPr marL="0" lvl="0" indent="0" defTabSz="800100">
-              <a:lnSpc>
-                <a:spcPct val="90000"/>
-              </a:lnSpc>
-              <a:spcBef>
-                <a:spcPct val="0"/>
-              </a:spcBef>
-              <a:spcAft>
-                <a:spcPct val="35000"/>
-              </a:spcAft>
-              <a:buNone/>
-            </a:pPr>
-            <a:endParaRPr lang="en-SG" sz="1100" i="1" dirty="0"/>
-          </a:p>
-          <a:p>
-            <a:pPr marL="0" lvl="0" indent="0" defTabSz="800100">
-              <a:lnSpc>
-                <a:spcPct val="90000"/>
-              </a:lnSpc>
-              <a:spcBef>
-                <a:spcPct val="0"/>
-              </a:spcBef>
-              <a:spcAft>
-                <a:spcPct val="35000"/>
-              </a:spcAft>
-              <a:buNone/>
-            </a:pPr>
-            <a:r>
-              <a:rPr lang="en-SG" sz="1400" b="1" i="1" dirty="0"/>
-              <a:t>or Fail</a:t>
-            </a:r>
-            <a:br>
-              <a:rPr lang="en-SG" sz="1400" i="1" dirty="0"/>
-            </a:br>
-            <a:r>
-              <a:rPr lang="en-SG" sz="1100" i="1" dirty="0"/>
-              <a:t>(too many reflections and still low confidence)</a:t>
+              <a:t>(includes response, confidence, clarifying comments)</a:t>
             </a:r>
           </a:p>
         </p:txBody>
@@ -15054,8 +10896,8 @@
         </p:nvSpPr>
         <p:spPr>
           <a:xfrm>
-            <a:off x="8423477" y="5682772"/>
-            <a:ext cx="751848" cy="286232"/>
+            <a:off x="6277901" y="5121084"/>
+            <a:ext cx="707184" cy="286232"/>
           </a:xfrm>
           <a:prstGeom prst="rect">
             <a:avLst/>
@@ -15101,8 +10943,8 @@
         </p:nvSpPr>
         <p:spPr>
           <a:xfrm>
-            <a:off x="5071148" y="4051771"/>
-            <a:ext cx="1790490" cy="1818959"/>
+            <a:off x="5083581" y="4100971"/>
+            <a:ext cx="1710341" cy="1971309"/>
           </a:xfrm>
           <a:prstGeom prst="rect">
             <a:avLst/>
@@ -15215,7 +11057,7 @@
             </a:pPr>
             <a:r>
               <a:rPr lang="en-SG" sz="1100" i="1" dirty="0"/>
-              <a:t>  “confidence_threshold”: 0.8,</a:t>
+              <a:t>   …</a:t>
             </a:r>
           </a:p>
           <a:p>
@@ -15252,7 +11094,7 @@
         </p:nvSpPr>
         <p:spPr>
           <a:xfrm>
-            <a:off x="5136086" y="3424752"/>
+            <a:off x="5136086" y="3582668"/>
             <a:ext cx="1364223" cy="480131"/>
           </a:xfrm>
           <a:prstGeom prst="rect">
@@ -15303,7 +11145,7 @@
         </p:nvGrpSpPr>
         <p:grpSpPr>
           <a:xfrm>
-            <a:off x="5325495" y="3139749"/>
+            <a:off x="5289884" y="2777843"/>
             <a:ext cx="878101" cy="236637"/>
             <a:chOff x="9272692" y="1547728"/>
             <a:chExt cx="370682" cy="433628"/>
@@ -15445,8 +11287,8 @@
         </p:nvSpPr>
         <p:spPr>
           <a:xfrm>
-            <a:off x="8443609" y="1788996"/>
-            <a:ext cx="3759700" cy="2453749"/>
+            <a:off x="8915305" y="3370949"/>
+            <a:ext cx="1236112" cy="1429622"/>
           </a:xfrm>
           <a:prstGeom prst="rect">
             <a:avLst/>
@@ -15473,79 +11315,11 @@
             </a:pPr>
             <a:r>
               <a:rPr lang="en-SG" sz="1100" b="1" i="1" dirty="0"/>
-              <a:t>Example States</a:t>
+              <a:t>Manager States</a:t>
             </a:r>
             <a:br>
               <a:rPr lang="en-SG" sz="1100" b="1" i="1" dirty="0"/>
             </a:br>
-            <a:r>
-              <a:rPr lang="en-SG" sz="1100" i="1" dirty="0"/>
-              <a:t>(states only relevant if diverging branching steps possible)</a:t>
-            </a:r>
-          </a:p>
-          <a:p>
-            <a:pPr lvl="0" defTabSz="800100">
-              <a:lnSpc>
-                <a:spcPct val="90000"/>
-              </a:lnSpc>
-              <a:spcBef>
-                <a:spcPct val="0"/>
-              </a:spcBef>
-              <a:spcAft>
-                <a:spcPct val="35000"/>
-              </a:spcAft>
-            </a:pPr>
-            <a:r>
-              <a:rPr lang="en-SG" sz="1100" i="1" dirty="0"/>
-              <a:t># state = “re-synthesize and reflect” if reason == “style / clarity”</a:t>
-            </a:r>
-          </a:p>
-          <a:p>
-            <a:pPr lvl="0" defTabSz="800100">
-              <a:lnSpc>
-                <a:spcPct val="90000"/>
-              </a:lnSpc>
-              <a:spcBef>
-                <a:spcPct val="0"/>
-              </a:spcBef>
-              <a:spcAft>
-                <a:spcPct val="35000"/>
-              </a:spcAft>
-            </a:pPr>
-            <a:r>
-              <a:rPr lang="en-SG" sz="1100" i="1" dirty="0"/>
-              <a:t># state = “replan” if reason == “low coverage”</a:t>
-            </a:r>
-          </a:p>
-          <a:p>
-            <a:pPr lvl="0" defTabSz="800100">
-              <a:lnSpc>
-                <a:spcPct val="90000"/>
-              </a:lnSpc>
-              <a:spcBef>
-                <a:spcPct val="0"/>
-              </a:spcBef>
-              <a:spcAft>
-                <a:spcPct val="35000"/>
-              </a:spcAft>
-            </a:pPr>
-            <a:r>
-              <a:rPr lang="en-SG" sz="1100" i="1" dirty="0"/>
-              <a:t># num_reflection += 1, only increment at manager AI layer</a:t>
-            </a:r>
-          </a:p>
-          <a:p>
-            <a:pPr lvl="0" defTabSz="800100">
-              <a:lnSpc>
-                <a:spcPct val="90000"/>
-              </a:lnSpc>
-              <a:spcBef>
-                <a:spcPct val="0"/>
-              </a:spcBef>
-              <a:spcAft>
-                <a:spcPct val="35000"/>
-              </a:spcAft>
-            </a:pPr>
             <a:endParaRPr lang="en-SG" sz="1100" i="1" dirty="0"/>
           </a:p>
           <a:p>
@@ -15563,11 +11337,11 @@
             </a:pPr>
             <a:r>
               <a:rPr lang="en-SG" sz="1100" i="1" dirty="0"/>
-              <a:t>{  “states”: [“execute_plan”, “re-synthesize and reflect”, “replan", “success", “fail"],</a:t>
+              <a:t>{  “states”: [“execute_plan”, “re_synthesize and reflect”, “success", “fail"]</a:t>
             </a:r>
           </a:p>
           <a:p>
-            <a:pPr lvl="0" defTabSz="800100">
+            <a:pPr marL="0" lvl="0" indent="0" defTabSz="800100">
               <a:lnSpc>
                 <a:spcPct val="90000"/>
               </a:lnSpc>
@@ -15577,61 +11351,11 @@
               <a:spcAft>
                 <a:spcPct val="35000"/>
               </a:spcAft>
+              <a:buNone/>
             </a:pPr>
             <a:r>
               <a:rPr lang="en-SG" sz="1100" i="1" dirty="0"/>
-              <a:t>  “num_reflection”: 0,</a:t>
-            </a:r>
-          </a:p>
-          <a:p>
-            <a:pPr lvl="0" defTabSz="800100">
-              <a:lnSpc>
-                <a:spcPct val="90000"/>
-              </a:lnSpc>
-              <a:spcBef>
-                <a:spcPct val="0"/>
-              </a:spcBef>
-              <a:spcAft>
-                <a:spcPct val="35000"/>
-              </a:spcAft>
-            </a:pPr>
-            <a:r>
-              <a:rPr lang="en-SG" sz="1100" i="1" dirty="0"/>
-              <a:t>  “max_reflection”: 3,</a:t>
-            </a:r>
-          </a:p>
-          <a:p>
-            <a:pPr lvl="0" defTabSz="800100">
-              <a:lnSpc>
-                <a:spcPct val="90000"/>
-              </a:lnSpc>
-              <a:spcBef>
-                <a:spcPct val="0"/>
-              </a:spcBef>
-              <a:spcAft>
-                <a:spcPct val="35000"/>
-              </a:spcAft>
-            </a:pPr>
-            <a:r>
-              <a:rPr lang="en-SG" sz="1100" i="1" dirty="0"/>
-              <a:t>  “num_replan”: 0,</a:t>
-            </a:r>
-          </a:p>
-          <a:p>
-            <a:pPr lvl="0" defTabSz="800100">
-              <a:lnSpc>
-                <a:spcPct val="90000"/>
-              </a:lnSpc>
-              <a:spcBef>
-                <a:spcPct val="0"/>
-              </a:spcBef>
-              <a:spcAft>
-                <a:spcPct val="35000"/>
-              </a:spcAft>
-            </a:pPr>
-            <a:r>
-              <a:rPr lang="en-SG" sz="1100" i="1" dirty="0"/>
-              <a:t>  “max_replan”: 2  }</a:t>
+              <a:t>}</a:t>
             </a:r>
           </a:p>
         </p:txBody>
@@ -15685,8 +11409,8 @@
         </p:nvSpPr>
         <p:spPr>
           <a:xfrm>
-            <a:off x="0" y="2623358"/>
-            <a:ext cx="1688459" cy="3215496"/>
+            <a:off x="9270" y="2841988"/>
+            <a:ext cx="1688459" cy="2910797"/>
           </a:xfrm>
           <a:prstGeom prst="rect">
             <a:avLst/>
@@ -15731,7 +11455,7 @@
             </a:pPr>
             <a:r>
               <a:rPr lang="en-SG" sz="1100" i="1" dirty="0"/>
-              <a:t>Possible reasons = [“style / clarity”, “low coverage”]</a:t>
+              <a:t>Possible reasons = [ “low_coverage”,”ok”]</a:t>
             </a:r>
           </a:p>
           <a:p>
@@ -15749,7 +11473,7 @@
             </a:pPr>
             <a:r>
               <a:rPr lang="en-SG" sz="1100" i="1" dirty="0"/>
-              <a:t># LLM as judge for to determine reason and confidence; no need reason if confidence &gt;= confidence threshold</a:t>
+              <a:t># LLM as judge for to determine reason and confidence</a:t>
             </a:r>
           </a:p>
           <a:p>
@@ -15817,7 +11541,7 @@
             </a:pPr>
             <a:r>
               <a:rPr lang="en-SG" sz="1100" i="1" dirty="0"/>
-              <a:t>  “reason”: “style / clarity”,</a:t>
+              <a:t>  “reason”: “low_coverage”,</a:t>
             </a:r>
           </a:p>
           <a:p>
@@ -15870,6 +11594,654 @@
             <a:r>
               <a:rPr lang="en-SG" sz="1100" i="1" dirty="0"/>
               <a:t>}</a:t>
+            </a:r>
+          </a:p>
+        </p:txBody>
+      </p:sp>
+      <p:sp>
+        <p:nvSpPr>
+          <p:cNvPr id="17" name="TextBox 16">
+            <a:extLst>
+              <a:ext uri="{FF2B5EF4-FFF2-40B4-BE49-F238E27FC236}">
+                <a16:creationId xmlns:a16="http://schemas.microsoft.com/office/drawing/2014/main" id="{43E5BA77-46D6-8308-7A92-40C0B7EB590B}"/>
+              </a:ext>
+            </a:extLst>
+          </p:cNvPr>
+          <p:cNvSpPr txBox="1"/>
+          <p:nvPr/>
+        </p:nvSpPr>
+        <p:spPr>
+          <a:xfrm>
+            <a:off x="4329588" y="1952624"/>
+            <a:ext cx="2267031" cy="477054"/>
+          </a:xfrm>
+          <a:prstGeom prst="rect">
+            <a:avLst/>
+          </a:prstGeom>
+          <a:noFill/>
+        </p:spPr>
+        <p:txBody>
+          <a:bodyPr wrap="square" rtlCol="0">
+            <a:spAutoFit/>
+          </a:bodyPr>
+          <a:lstStyle/>
+          <a:p>
+            <a:r>
+              <a:rPr lang="en-SG" sz="1400" b="1" i="1" dirty="0"/>
+              <a:t>Input / Output Guardrails</a:t>
+            </a:r>
+            <a:br>
+              <a:rPr lang="en-SG" sz="1100" i="1" dirty="0"/>
+            </a:br>
+            <a:r>
+              <a:rPr lang="en-SG" sz="1100" i="1" dirty="0"/>
+              <a:t>(Specialists, Manager)</a:t>
+            </a:r>
+          </a:p>
+        </p:txBody>
+      </p:sp>
+      <p:sp>
+        <p:nvSpPr>
+          <p:cNvPr id="10" name="TextBox 9">
+            <a:extLst>
+              <a:ext uri="{FF2B5EF4-FFF2-40B4-BE49-F238E27FC236}">
+                <a16:creationId xmlns:a16="http://schemas.microsoft.com/office/drawing/2014/main" id="{E23462E0-5DCD-B12D-DE47-C3B057C2B698}"/>
+              </a:ext>
+            </a:extLst>
+          </p:cNvPr>
+          <p:cNvSpPr txBox="1"/>
+          <p:nvPr/>
+        </p:nvSpPr>
+        <p:spPr>
+          <a:xfrm>
+            <a:off x="7698971" y="4854426"/>
+            <a:ext cx="1571807" cy="954877"/>
+          </a:xfrm>
+          <a:prstGeom prst="rect">
+            <a:avLst/>
+          </a:prstGeom>
+          <a:noFill/>
+        </p:spPr>
+        <p:txBody>
+          <a:bodyPr wrap="square">
+            <a:spAutoFit/>
+          </a:bodyPr>
+          <a:lstStyle/>
+          <a:p>
+            <a:pPr marL="0" lvl="0" indent="0" defTabSz="800100">
+              <a:lnSpc>
+                <a:spcPct val="90000"/>
+              </a:lnSpc>
+              <a:spcBef>
+                <a:spcPct val="0"/>
+              </a:spcBef>
+              <a:spcAft>
+                <a:spcPct val="35000"/>
+              </a:spcAft>
+              <a:buNone/>
+            </a:pPr>
+            <a:r>
+              <a:rPr lang="en-SG" sz="1400" b="1" i="1" dirty="0"/>
+              <a:t>or Fail (defensive)</a:t>
+            </a:r>
+            <a:br>
+              <a:rPr lang="en-SG" sz="1400" i="1" dirty="0"/>
+            </a:br>
+            <a:r>
+              <a:rPr lang="en-SG" sz="1100" i="1" dirty="0"/>
+              <a:t>(incoherent_query, guardrail_block,</a:t>
+            </a:r>
+          </a:p>
+          <a:p>
+            <a:pPr lvl="0" defTabSz="800100">
+              <a:lnSpc>
+                <a:spcPct val="90000"/>
+              </a:lnSpc>
+              <a:spcBef>
+                <a:spcPct val="0"/>
+              </a:spcBef>
+              <a:spcAft>
+                <a:spcPct val="35000"/>
+              </a:spcAft>
+            </a:pPr>
+            <a:r>
+              <a:rPr lang="en-SG" sz="1100" i="1" dirty="0"/>
+              <a:t>max_cycles_exceeded, unknown_state …)</a:t>
+            </a:r>
+          </a:p>
+        </p:txBody>
+      </p:sp>
+      <p:sp>
+        <p:nvSpPr>
+          <p:cNvPr id="18" name="TextBox 17">
+            <a:extLst>
+              <a:ext uri="{FF2B5EF4-FFF2-40B4-BE49-F238E27FC236}">
+                <a16:creationId xmlns:a16="http://schemas.microsoft.com/office/drawing/2014/main" id="{EB68DAE3-31CB-3A43-8F81-1248FCCC321F}"/>
+              </a:ext>
+            </a:extLst>
+          </p:cNvPr>
+          <p:cNvSpPr txBox="1"/>
+          <p:nvPr/>
+        </p:nvSpPr>
+        <p:spPr>
+          <a:xfrm>
+            <a:off x="10051081" y="3400390"/>
+            <a:ext cx="2313088" cy="2182905"/>
+          </a:xfrm>
+          <a:prstGeom prst="rect">
+            <a:avLst/>
+          </a:prstGeom>
+          <a:noFill/>
+        </p:spPr>
+        <p:txBody>
+          <a:bodyPr wrap="square">
+            <a:spAutoFit/>
+          </a:bodyPr>
+          <a:lstStyle/>
+          <a:p>
+            <a:pPr marL="0" lvl="0" indent="0" defTabSz="800100">
+              <a:lnSpc>
+                <a:spcPct val="90000"/>
+              </a:lnSpc>
+              <a:spcBef>
+                <a:spcPct val="0"/>
+              </a:spcBef>
+              <a:spcAft>
+                <a:spcPct val="35000"/>
+              </a:spcAft>
+              <a:buNone/>
+            </a:pPr>
+            <a:r>
+              <a:rPr lang="en-SG" sz="1100" b="1" i="1" dirty="0"/>
+              <a:t>Deterministic steps with states</a:t>
+            </a:r>
+            <a:br>
+              <a:rPr lang="en-SG" sz="1100" b="1" i="1" dirty="0"/>
+            </a:br>
+            <a:endParaRPr lang="en-SG" sz="1100" i="1" dirty="0"/>
+          </a:p>
+          <a:p>
+            <a:pPr marL="0" lvl="0" indent="0" defTabSz="800100">
+              <a:lnSpc>
+                <a:spcPct val="90000"/>
+              </a:lnSpc>
+              <a:spcBef>
+                <a:spcPct val="0"/>
+              </a:spcBef>
+              <a:spcAft>
+                <a:spcPct val="35000"/>
+              </a:spcAft>
+              <a:buNone/>
+            </a:pPr>
+            <a:r>
+              <a:rPr lang="en-SG" sz="1100" i="1" dirty="0"/>
+              <a:t>{  # furst oass</a:t>
+            </a:r>
+          </a:p>
+          <a:p>
+            <a:pPr lvl="0" defTabSz="800100">
+              <a:lnSpc>
+                <a:spcPct val="90000"/>
+              </a:lnSpc>
+              <a:spcBef>
+                <a:spcPct val="0"/>
+              </a:spcBef>
+              <a:spcAft>
+                <a:spcPct val="35000"/>
+              </a:spcAft>
+            </a:pPr>
+            <a:r>
+              <a:rPr lang="en-SG" sz="1100" i="1" dirty="0"/>
+              <a:t>  “execute_plan”: [“retrieve”, “rerank”, “synthesize”, “reflect”],</a:t>
+            </a:r>
+          </a:p>
+          <a:p>
+            <a:pPr lvl="0" defTabSz="800100">
+              <a:lnSpc>
+                <a:spcPct val="90000"/>
+              </a:lnSpc>
+              <a:spcBef>
+                <a:spcPct val="0"/>
+              </a:spcBef>
+              <a:spcAft>
+                <a:spcPct val="35000"/>
+              </a:spcAft>
+            </a:pPr>
+            <a:endParaRPr lang="en-SG" sz="1100" i="1" dirty="0"/>
+          </a:p>
+          <a:p>
+            <a:pPr lvl="0" defTabSz="800100">
+              <a:lnSpc>
+                <a:spcPct val="90000"/>
+              </a:lnSpc>
+              <a:spcBef>
+                <a:spcPct val="0"/>
+              </a:spcBef>
+              <a:spcAft>
+                <a:spcPct val="35000"/>
+              </a:spcAft>
+            </a:pPr>
+            <a:r>
+              <a:rPr lang="en-SG" sz="1100" i="1" dirty="0"/>
+              <a:t>  # quality pass</a:t>
+            </a:r>
+          </a:p>
+          <a:p>
+            <a:pPr lvl="0" defTabSz="800100">
+              <a:lnSpc>
+                <a:spcPct val="90000"/>
+              </a:lnSpc>
+              <a:spcBef>
+                <a:spcPct val="0"/>
+              </a:spcBef>
+              <a:spcAft>
+                <a:spcPct val="35000"/>
+              </a:spcAft>
+            </a:pPr>
+            <a:r>
+              <a:rPr lang="en-SG" sz="1100" i="1" dirty="0"/>
+              <a:t>  “re_synthesize and reflect”: [“re-synthesize (with prior feedback)”,</a:t>
+            </a:r>
+          </a:p>
+          <a:p>
+            <a:pPr lvl="0" defTabSz="800100">
+              <a:lnSpc>
+                <a:spcPct val="90000"/>
+              </a:lnSpc>
+              <a:spcBef>
+                <a:spcPct val="0"/>
+              </a:spcBef>
+              <a:spcAft>
+                <a:spcPct val="35000"/>
+              </a:spcAft>
+            </a:pPr>
+            <a:r>
+              <a:rPr lang="en-SG" sz="1100" i="1" dirty="0"/>
+              <a:t>“reflect”]</a:t>
+            </a:r>
+          </a:p>
+          <a:p>
+            <a:pPr marL="0" lvl="0" indent="0" defTabSz="800100">
+              <a:lnSpc>
+                <a:spcPct val="90000"/>
+              </a:lnSpc>
+              <a:spcBef>
+                <a:spcPct val="0"/>
+              </a:spcBef>
+              <a:spcAft>
+                <a:spcPct val="35000"/>
+              </a:spcAft>
+              <a:buNone/>
+            </a:pPr>
+            <a:r>
+              <a:rPr lang="en-SG" sz="1100" i="1" dirty="0"/>
+              <a:t>}</a:t>
+            </a:r>
+          </a:p>
+        </p:txBody>
+      </p:sp>
+      <p:grpSp>
+        <p:nvGrpSpPr>
+          <p:cNvPr id="19" name="Group 18">
+            <a:extLst>
+              <a:ext uri="{FF2B5EF4-FFF2-40B4-BE49-F238E27FC236}">
+                <a16:creationId xmlns:a16="http://schemas.microsoft.com/office/drawing/2014/main" id="{153E9D57-4CA5-68CE-DD14-9D6B6283ACF9}"/>
+              </a:ext>
+            </a:extLst>
+          </p:cNvPr>
+          <p:cNvGrpSpPr/>
+          <p:nvPr/>
+        </p:nvGrpSpPr>
+        <p:grpSpPr>
+          <a:xfrm rot="16200000">
+            <a:off x="6204778" y="4763981"/>
+            <a:ext cx="1503211" cy="250602"/>
+            <a:chOff x="9272692" y="1547728"/>
+            <a:chExt cx="370682" cy="433628"/>
+          </a:xfrm>
+        </p:grpSpPr>
+        <p:sp>
+          <p:nvSpPr>
+            <p:cNvPr id="20" name="Arrow: Right 19">
+              <a:extLst>
+                <a:ext uri="{FF2B5EF4-FFF2-40B4-BE49-F238E27FC236}">
+                  <a16:creationId xmlns:a16="http://schemas.microsoft.com/office/drawing/2014/main" id="{7E4533F2-DB46-C289-F345-6B5D40E73EEE}"/>
+                </a:ext>
+              </a:extLst>
+            </p:cNvPr>
+            <p:cNvSpPr/>
+            <p:nvPr/>
+          </p:nvSpPr>
+          <p:spPr>
+            <a:xfrm>
+              <a:off x="9272692" y="1547728"/>
+              <a:ext cx="370682" cy="433628"/>
+            </a:xfrm>
+            <a:prstGeom prst="rightArrow">
+              <a:avLst>
+                <a:gd name="adj1" fmla="val 60000"/>
+                <a:gd name="adj2" fmla="val 50000"/>
+              </a:avLst>
+            </a:prstGeom>
+          </p:spPr>
+          <p:style>
+            <a:lnRef idx="0">
+              <a:schemeClr val="accent1">
+                <a:tint val="60000"/>
+                <a:hueOff val="0"/>
+                <a:satOff val="0"/>
+                <a:lumOff val="0"/>
+                <a:alphaOff val="0"/>
+              </a:schemeClr>
+            </a:lnRef>
+            <a:fillRef idx="1">
+              <a:schemeClr val="accent1">
+                <a:tint val="60000"/>
+                <a:hueOff val="0"/>
+                <a:satOff val="0"/>
+                <a:lumOff val="0"/>
+                <a:alphaOff val="0"/>
+              </a:schemeClr>
+            </a:fillRef>
+            <a:effectRef idx="0">
+              <a:schemeClr val="accent1">
+                <a:tint val="60000"/>
+                <a:hueOff val="0"/>
+                <a:satOff val="0"/>
+                <a:lumOff val="0"/>
+                <a:alphaOff val="0"/>
+              </a:schemeClr>
+            </a:effectRef>
+            <a:fontRef idx="minor">
+              <a:schemeClr val="lt1"/>
+            </a:fontRef>
+          </p:style>
+          <p:txBody>
+            <a:bodyPr/>
+            <a:lstStyle/>
+            <a:p>
+              <a:endParaRPr lang="en-SG" dirty="0"/>
+            </a:p>
+          </p:txBody>
+        </p:sp>
+        <p:sp>
+          <p:nvSpPr>
+            <p:cNvPr id="24" name="Arrow: Right 4">
+              <a:extLst>
+                <a:ext uri="{FF2B5EF4-FFF2-40B4-BE49-F238E27FC236}">
+                  <a16:creationId xmlns:a16="http://schemas.microsoft.com/office/drawing/2014/main" id="{2CA80236-F093-7F12-AE10-1184EDB059A5}"/>
+                </a:ext>
+              </a:extLst>
+            </p:cNvPr>
+            <p:cNvSpPr txBox="1"/>
+            <p:nvPr/>
+          </p:nvSpPr>
+          <p:spPr>
+            <a:xfrm>
+              <a:off x="9272692" y="1634454"/>
+              <a:ext cx="259477" cy="260176"/>
+            </a:xfrm>
+            <a:prstGeom prst="rect">
+              <a:avLst/>
+            </a:prstGeom>
+          </p:spPr>
+          <p:style>
+            <a:lnRef idx="0">
+              <a:scrgbClr r="0" g="0" b="0"/>
+            </a:lnRef>
+            <a:fillRef idx="0">
+              <a:scrgbClr r="0" g="0" b="0"/>
+            </a:fillRef>
+            <a:effectRef idx="0">
+              <a:scrgbClr r="0" g="0" b="0"/>
+            </a:effectRef>
+            <a:fontRef idx="minor">
+              <a:schemeClr val="lt1"/>
+            </a:fontRef>
+          </p:style>
+          <p:txBody>
+            <a:bodyPr spcFirstLastPara="0" vert="horz" wrap="square" lIns="0" tIns="0" rIns="0" bIns="0" numCol="1" spcCol="1270" anchor="ctr" anchorCtr="0">
+              <a:noAutofit/>
+            </a:bodyPr>
+            <a:lstStyle/>
+            <a:p>
+              <a:pPr marL="0" lvl="0" indent="0" algn="ctr" defTabSz="577850">
+                <a:lnSpc>
+                  <a:spcPct val="90000"/>
+                </a:lnSpc>
+                <a:spcBef>
+                  <a:spcPct val="0"/>
+                </a:spcBef>
+                <a:spcAft>
+                  <a:spcPct val="35000"/>
+                </a:spcAft>
+                <a:buNone/>
+              </a:pPr>
+              <a:endParaRPr lang="en-SG" sz="1300" kern="1200" dirty="0"/>
+            </a:p>
+          </p:txBody>
+        </p:sp>
+      </p:grpSp>
+      <p:sp>
+        <p:nvSpPr>
+          <p:cNvPr id="25" name="Flowchart: Connector 24">
+            <a:extLst>
+              <a:ext uri="{FF2B5EF4-FFF2-40B4-BE49-F238E27FC236}">
+                <a16:creationId xmlns:a16="http://schemas.microsoft.com/office/drawing/2014/main" id="{5323C58B-1605-649D-5677-C6ED87FDC8C1}"/>
+              </a:ext>
+            </a:extLst>
+          </p:cNvPr>
+          <p:cNvSpPr/>
+          <p:nvPr/>
+        </p:nvSpPr>
+        <p:spPr>
+          <a:xfrm>
+            <a:off x="6451911" y="5407316"/>
+            <a:ext cx="341581" cy="233572"/>
+          </a:xfrm>
+          <a:prstGeom prst="flowChartConnector">
+            <a:avLst/>
+          </a:prstGeom>
+          <a:solidFill>
+            <a:srgbClr val="FFC000"/>
+          </a:solidFill>
+        </p:spPr>
+        <p:style>
+          <a:lnRef idx="2">
+            <a:schemeClr val="accent1">
+              <a:shade val="15000"/>
+            </a:schemeClr>
+          </a:lnRef>
+          <a:fillRef idx="1">
+            <a:schemeClr val="accent1"/>
+          </a:fillRef>
+          <a:effectRef idx="0">
+            <a:schemeClr val="accent1"/>
+          </a:effectRef>
+          <a:fontRef idx="minor">
+            <a:schemeClr val="lt1"/>
+          </a:fontRef>
+        </p:style>
+        <p:txBody>
+          <a:bodyPr rtlCol="0" anchor="ctr"/>
+          <a:lstStyle/>
+          <a:p>
+            <a:pPr algn="ctr"/>
+            <a:r>
+              <a:rPr lang="en-SG" sz="1200" dirty="0">
+                <a:solidFill>
+                  <a:schemeClr val="tx1"/>
+                </a:solidFill>
+              </a:rPr>
+              <a:t>1</a:t>
+            </a:r>
+          </a:p>
+        </p:txBody>
+      </p:sp>
+      <p:sp>
+        <p:nvSpPr>
+          <p:cNvPr id="26" name="Flowchart: Connector 25">
+            <a:extLst>
+              <a:ext uri="{FF2B5EF4-FFF2-40B4-BE49-F238E27FC236}">
+                <a16:creationId xmlns:a16="http://schemas.microsoft.com/office/drawing/2014/main" id="{7F48CA32-E56A-D01A-5C9C-BC013D7E177A}"/>
+              </a:ext>
+            </a:extLst>
+          </p:cNvPr>
+          <p:cNvSpPr/>
+          <p:nvPr/>
+        </p:nvSpPr>
+        <p:spPr>
+          <a:xfrm>
+            <a:off x="8285091" y="2283425"/>
+            <a:ext cx="341581" cy="233572"/>
+          </a:xfrm>
+          <a:prstGeom prst="flowChartConnector">
+            <a:avLst/>
+          </a:prstGeom>
+          <a:solidFill>
+            <a:srgbClr val="FFC000"/>
+          </a:solidFill>
+        </p:spPr>
+        <p:style>
+          <a:lnRef idx="2">
+            <a:schemeClr val="accent1">
+              <a:shade val="15000"/>
+            </a:schemeClr>
+          </a:lnRef>
+          <a:fillRef idx="1">
+            <a:schemeClr val="accent1"/>
+          </a:fillRef>
+          <a:effectRef idx="0">
+            <a:schemeClr val="accent1"/>
+          </a:effectRef>
+          <a:fontRef idx="minor">
+            <a:schemeClr val="lt1"/>
+          </a:fontRef>
+        </p:style>
+        <p:txBody>
+          <a:bodyPr rtlCol="0" anchor="ctr"/>
+          <a:lstStyle/>
+          <a:p>
+            <a:pPr algn="ctr"/>
+            <a:r>
+              <a:rPr lang="en-SG" sz="1200" dirty="0">
+                <a:solidFill>
+                  <a:schemeClr val="tx1"/>
+                </a:solidFill>
+              </a:rPr>
+              <a:t>2</a:t>
+            </a:r>
+          </a:p>
+        </p:txBody>
+      </p:sp>
+      <p:sp>
+        <p:nvSpPr>
+          <p:cNvPr id="28" name="Flowchart: Connector 27">
+            <a:extLst>
+              <a:ext uri="{FF2B5EF4-FFF2-40B4-BE49-F238E27FC236}">
+                <a16:creationId xmlns:a16="http://schemas.microsoft.com/office/drawing/2014/main" id="{665216FE-39CF-1A56-70BD-1C961579F31B}"/>
+              </a:ext>
+            </a:extLst>
+          </p:cNvPr>
+          <p:cNvSpPr/>
+          <p:nvPr/>
+        </p:nvSpPr>
+        <p:spPr>
+          <a:xfrm>
+            <a:off x="6233374" y="2677353"/>
+            <a:ext cx="341581" cy="233572"/>
+          </a:xfrm>
+          <a:prstGeom prst="flowChartConnector">
+            <a:avLst/>
+          </a:prstGeom>
+          <a:solidFill>
+            <a:srgbClr val="FFC000"/>
+          </a:solidFill>
+        </p:spPr>
+        <p:style>
+          <a:lnRef idx="2">
+            <a:schemeClr val="accent1">
+              <a:shade val="15000"/>
+            </a:schemeClr>
+          </a:lnRef>
+          <a:fillRef idx="1">
+            <a:schemeClr val="accent1"/>
+          </a:fillRef>
+          <a:effectRef idx="0">
+            <a:schemeClr val="accent1"/>
+          </a:effectRef>
+          <a:fontRef idx="minor">
+            <a:schemeClr val="lt1"/>
+          </a:fontRef>
+        </p:style>
+        <p:txBody>
+          <a:bodyPr rtlCol="0" anchor="ctr"/>
+          <a:lstStyle/>
+          <a:p>
+            <a:pPr algn="ctr"/>
+            <a:r>
+              <a:rPr lang="en-SG" sz="1200" dirty="0">
+                <a:solidFill>
+                  <a:schemeClr val="tx1"/>
+                </a:solidFill>
+              </a:rPr>
+              <a:t>3</a:t>
+            </a:r>
+          </a:p>
+        </p:txBody>
+      </p:sp>
+      <p:sp>
+        <p:nvSpPr>
+          <p:cNvPr id="30" name="Flowchart: Connector 29">
+            <a:extLst>
+              <a:ext uri="{FF2B5EF4-FFF2-40B4-BE49-F238E27FC236}">
+                <a16:creationId xmlns:a16="http://schemas.microsoft.com/office/drawing/2014/main" id="{A677A806-DFA6-24FA-4CA9-27CD0E893455}"/>
+              </a:ext>
+            </a:extLst>
+          </p:cNvPr>
+          <p:cNvSpPr/>
+          <p:nvPr/>
+        </p:nvSpPr>
+        <p:spPr>
+          <a:xfrm>
+            <a:off x="7394507" y="4053720"/>
+            <a:ext cx="341581" cy="233572"/>
+          </a:xfrm>
+          <a:prstGeom prst="flowChartConnector">
+            <a:avLst/>
+          </a:prstGeom>
+          <a:solidFill>
+            <a:srgbClr val="FFC000"/>
+          </a:solidFill>
+        </p:spPr>
+        <p:style>
+          <a:lnRef idx="2">
+            <a:schemeClr val="accent1">
+              <a:shade val="15000"/>
+            </a:schemeClr>
+          </a:lnRef>
+          <a:fillRef idx="1">
+            <a:schemeClr val="accent1"/>
+          </a:fillRef>
+          <a:effectRef idx="0">
+            <a:schemeClr val="accent1"/>
+          </a:effectRef>
+          <a:fontRef idx="minor">
+            <a:schemeClr val="lt1"/>
+          </a:fontRef>
+        </p:style>
+        <p:txBody>
+          <a:bodyPr rtlCol="0" anchor="ctr"/>
+          <a:lstStyle/>
+          <a:p>
+            <a:pPr algn="ctr"/>
+            <a:r>
+              <a:rPr lang="en-SG" sz="1200" dirty="0">
+                <a:solidFill>
+                  <a:schemeClr val="tx1"/>
+                </a:solidFill>
+              </a:rPr>
+              <a:t>4</a:t>
             </a:r>
           </a:p>
         </p:txBody>

--- a/docs/system_architecture.pptx
+++ b/docs/system_architecture.pptx
@@ -5,12 +5,13 @@
     <p:sldMasterId id="2147483660" r:id="rId1"/>
   </p:sldMasterIdLst>
   <p:notesMasterIdLst>
-    <p:notesMasterId r:id="rId5"/>
+    <p:notesMasterId r:id="rId6"/>
   </p:notesMasterIdLst>
   <p:sldIdLst>
     <p:sldId id="260" r:id="rId2"/>
     <p:sldId id="258" r:id="rId3"/>
     <p:sldId id="259" r:id="rId4"/>
+    <p:sldId id="261" r:id="rId5"/>
   </p:sldIdLst>
   <p:sldSz cx="12192000" cy="6858000"/>
   <p:notesSz cx="6858000" cy="9144000"/>
@@ -3711,7 +3712,7 @@
           <a:p>
             <a:fld id="{FC211DB0-4CAC-4D90-907F-FD24F16BC89C}" type="datetimeFigureOut">
               <a:rPr lang="en-SG" smtClean="0"/>
-              <a:t>5/2/2026</a:t>
+              <a:t>9/2/2026</a:t>
             </a:fld>
             <a:endParaRPr lang="en-SG" dirty="0"/>
           </a:p>
@@ -4276,6 +4277,121 @@
 </p:notes>
 </file>
 
+<file path=ppt/notesSlides/notesSlide4.xml><?xml version="1.0" encoding="utf-8"?>
+<p:notes xmlns:a="http://schemas.openxmlformats.org/drawingml/2006/main" xmlns:r="http://schemas.openxmlformats.org/officeDocument/2006/relationships" xmlns:p="http://schemas.openxmlformats.org/presentationml/2006/main">
+  <p:cSld>
+    <p:spTree>
+      <p:nvGrpSpPr>
+        <p:cNvPr id="1" name="">
+          <a:extLst>
+            <a:ext uri="{FF2B5EF4-FFF2-40B4-BE49-F238E27FC236}">
+              <a16:creationId xmlns:a16="http://schemas.microsoft.com/office/drawing/2014/main" id="{7CED1C44-BE08-3592-69BD-55C8DBB2C5FA}"/>
+            </a:ext>
+          </a:extLst>
+        </p:cNvPr>
+        <p:cNvGrpSpPr/>
+        <p:nvPr/>
+      </p:nvGrpSpPr>
+      <p:grpSpPr>
+        <a:xfrm>
+          <a:off x="0" y="0"/>
+          <a:ext cx="0" cy="0"/>
+          <a:chOff x="0" y="0"/>
+          <a:chExt cx="0" cy="0"/>
+        </a:xfrm>
+      </p:grpSpPr>
+      <p:sp>
+        <p:nvSpPr>
+          <p:cNvPr id="2" name="Slide Image Placeholder 1">
+            <a:extLst>
+              <a:ext uri="{FF2B5EF4-FFF2-40B4-BE49-F238E27FC236}">
+                <a16:creationId xmlns:a16="http://schemas.microsoft.com/office/drawing/2014/main" id="{366F6EF5-6308-9B3A-3E67-30BE6B274988}"/>
+              </a:ext>
+            </a:extLst>
+          </p:cNvPr>
+          <p:cNvSpPr>
+            <a:spLocks noGrp="1" noRot="1" noChangeAspect="1"/>
+          </p:cNvSpPr>
+          <p:nvPr>
+            <p:ph type="sldImg"/>
+          </p:nvPr>
+        </p:nvSpPr>
+        <p:spPr/>
+        <p:txBody>
+          <a:bodyPr/>
+          <a:lstStyle/>
+          <a:p>
+            <a:endParaRPr lang="en-SG" dirty="0"/>
+          </a:p>
+        </p:txBody>
+      </p:sp>
+      <p:sp>
+        <p:nvSpPr>
+          <p:cNvPr id="3" name="Notes Placeholder 2">
+            <a:extLst>
+              <a:ext uri="{FF2B5EF4-FFF2-40B4-BE49-F238E27FC236}">
+                <a16:creationId xmlns:a16="http://schemas.microsoft.com/office/drawing/2014/main" id="{0DF14D86-4043-BFAF-275F-7B48B97941EF}"/>
+              </a:ext>
+            </a:extLst>
+          </p:cNvPr>
+          <p:cNvSpPr>
+            <a:spLocks noGrp="1"/>
+          </p:cNvSpPr>
+          <p:nvPr>
+            <p:ph type="body" idx="1"/>
+          </p:nvPr>
+        </p:nvSpPr>
+        <p:spPr/>
+        <p:txBody>
+          <a:bodyPr/>
+          <a:lstStyle/>
+          <a:p>
+            <a:endParaRPr lang="en-SG" dirty="0"/>
+          </a:p>
+        </p:txBody>
+      </p:sp>
+      <p:sp>
+        <p:nvSpPr>
+          <p:cNvPr id="4" name="Slide Number Placeholder 3">
+            <a:extLst>
+              <a:ext uri="{FF2B5EF4-FFF2-40B4-BE49-F238E27FC236}">
+                <a16:creationId xmlns:a16="http://schemas.microsoft.com/office/drawing/2014/main" id="{D43C869E-B087-F74F-73E4-572087618DDD}"/>
+              </a:ext>
+            </a:extLst>
+          </p:cNvPr>
+          <p:cNvSpPr>
+            <a:spLocks noGrp="1"/>
+          </p:cNvSpPr>
+          <p:nvPr>
+            <p:ph type="sldNum" sz="quarter" idx="5"/>
+          </p:nvPr>
+        </p:nvSpPr>
+        <p:spPr/>
+        <p:txBody>
+          <a:bodyPr/>
+          <a:lstStyle/>
+          <a:p>
+            <a:fld id="{09A4FB01-E6F3-460D-8523-1D01053AD545}" type="slidenum">
+              <a:rPr lang="en-SG" smtClean="0"/>
+              <a:t>4</a:t>
+            </a:fld>
+            <a:endParaRPr lang="en-SG" dirty="0"/>
+          </a:p>
+        </p:txBody>
+      </p:sp>
+    </p:spTree>
+    <p:extLst>
+      <p:ext uri="{BB962C8B-B14F-4D97-AF65-F5344CB8AC3E}">
+        <p14:creationId xmlns:p14="http://schemas.microsoft.com/office/powerpoint/2010/main" val="143118201"/>
+      </p:ext>
+    </p:extLst>
+  </p:cSld>
+  <p:clrMapOvr>
+    <a:masterClrMapping/>
+  </p:clrMapOvr>
+</p:notes>
+</file>
+
 <file path=ppt/slideLayouts/slideLayout1.xml><?xml version="1.0" encoding="utf-8"?>
 <p:sldLayout xmlns:a="http://schemas.openxmlformats.org/drawingml/2006/main" xmlns:r="http://schemas.openxmlformats.org/officeDocument/2006/relationships" xmlns:p="http://schemas.openxmlformats.org/presentationml/2006/main" type="title" preserve="1">
   <p:cSld name="Title Slide">
@@ -4415,7 +4531,7 @@
           <a:p>
             <a:fld id="{893A27CD-D406-492E-A632-D285B7EF3DB9}" type="datetimeFigureOut">
               <a:rPr lang="en-SG" smtClean="0"/>
-              <a:t>5/2/2026</a:t>
+              <a:t>9/2/2026</a:t>
             </a:fld>
             <a:endParaRPr lang="en-SG" dirty="0"/>
           </a:p>
@@ -4626,7 +4742,7 @@
           <a:p>
             <a:fld id="{893A27CD-D406-492E-A632-D285B7EF3DB9}" type="datetimeFigureOut">
               <a:rPr lang="en-SG" smtClean="0"/>
-              <a:t>5/2/2026</a:t>
+              <a:t>9/2/2026</a:t>
             </a:fld>
             <a:endParaRPr lang="en-SG" dirty="0"/>
           </a:p>
@@ -4841,7 +4957,7 @@
           <a:p>
             <a:fld id="{893A27CD-D406-492E-A632-D285B7EF3DB9}" type="datetimeFigureOut">
               <a:rPr lang="en-SG" smtClean="0"/>
-              <a:t>5/2/2026</a:t>
+              <a:t>9/2/2026</a:t>
             </a:fld>
             <a:endParaRPr lang="en-SG" dirty="0"/>
           </a:p>
@@ -5042,7 +5158,7 @@
           <a:p>
             <a:fld id="{893A27CD-D406-492E-A632-D285B7EF3DB9}" type="datetimeFigureOut">
               <a:rPr lang="en-SG" smtClean="0"/>
-              <a:t>5/2/2026</a:t>
+              <a:t>9/2/2026</a:t>
             </a:fld>
             <a:endParaRPr lang="en-SG" dirty="0"/>
           </a:p>
@@ -5321,7 +5437,7 @@
           <a:p>
             <a:fld id="{893A27CD-D406-492E-A632-D285B7EF3DB9}" type="datetimeFigureOut">
               <a:rPr lang="en-SG" smtClean="0"/>
-              <a:t>5/2/2026</a:t>
+              <a:t>9/2/2026</a:t>
             </a:fld>
             <a:endParaRPr lang="en-SG" dirty="0"/>
           </a:p>
@@ -5589,7 +5705,7 @@
           <a:p>
             <a:fld id="{893A27CD-D406-492E-A632-D285B7EF3DB9}" type="datetimeFigureOut">
               <a:rPr lang="en-SG" smtClean="0"/>
-              <a:t>5/2/2026</a:t>
+              <a:t>9/2/2026</a:t>
             </a:fld>
             <a:endParaRPr lang="en-SG" dirty="0"/>
           </a:p>
@@ -6005,7 +6121,7 @@
           <a:p>
             <a:fld id="{893A27CD-D406-492E-A632-D285B7EF3DB9}" type="datetimeFigureOut">
               <a:rPr lang="en-SG" smtClean="0"/>
-              <a:t>5/2/2026</a:t>
+              <a:t>9/2/2026</a:t>
             </a:fld>
             <a:endParaRPr lang="en-SG" dirty="0"/>
           </a:p>
@@ -6154,7 +6270,7 @@
           <a:p>
             <a:fld id="{893A27CD-D406-492E-A632-D285B7EF3DB9}" type="datetimeFigureOut">
               <a:rPr lang="en-SG" smtClean="0"/>
-              <a:t>5/2/2026</a:t>
+              <a:t>9/2/2026</a:t>
             </a:fld>
             <a:endParaRPr lang="en-SG" dirty="0"/>
           </a:p>
@@ -6280,7 +6396,7 @@
           <a:p>
             <a:fld id="{893A27CD-D406-492E-A632-D285B7EF3DB9}" type="datetimeFigureOut">
               <a:rPr lang="en-SG" smtClean="0"/>
-              <a:t>5/2/2026</a:t>
+              <a:t>9/2/2026</a:t>
             </a:fld>
             <a:endParaRPr lang="en-SG" dirty="0"/>
           </a:p>
@@ -6531,7 +6647,7 @@
           <a:p>
             <a:fld id="{893A27CD-D406-492E-A632-D285B7EF3DB9}" type="datetimeFigureOut">
               <a:rPr lang="en-SG" smtClean="0"/>
-              <a:t>5/2/2026</a:t>
+              <a:t>9/2/2026</a:t>
             </a:fld>
             <a:endParaRPr lang="en-SG" dirty="0"/>
           </a:p>
@@ -6989,7 +7105,7 @@
           <a:p>
             <a:fld id="{893A27CD-D406-492E-A632-D285B7EF3DB9}" type="datetimeFigureOut">
               <a:rPr lang="en-SG" smtClean="0"/>
-              <a:t>5/2/2026</a:t>
+              <a:t>9/2/2026</a:t>
             </a:fld>
             <a:endParaRPr lang="en-SG" dirty="0"/>
           </a:p>
@@ -7323,7 +7439,7 @@
           <a:p>
             <a:fld id="{893A27CD-D406-492E-A632-D285B7EF3DB9}" type="datetimeFigureOut">
               <a:rPr lang="en-SG" smtClean="0"/>
-              <a:t>5/2/2026</a:t>
+              <a:t>9/2/2026</a:t>
             </a:fld>
             <a:endParaRPr lang="en-SG" dirty="0"/>
           </a:p>
@@ -8956,7 +9072,7 @@
         </p:nvGrpSpPr>
         <p:grpSpPr>
           <a:xfrm>
-            <a:off x="8635052" y="2178682"/>
+            <a:off x="9082353" y="2178682"/>
             <a:ext cx="383993" cy="200048"/>
             <a:chOff x="9272692" y="1547728"/>
             <a:chExt cx="370682" cy="433628"/>
@@ -9098,8 +9214,8 @@
         </p:nvGrpSpPr>
         <p:grpSpPr>
           <a:xfrm>
-            <a:off x="6006889" y="5850521"/>
-            <a:ext cx="2165164" cy="1052247"/>
+            <a:off x="6726060" y="5804487"/>
+            <a:ext cx="3118062" cy="941210"/>
             <a:chOff x="0" y="0"/>
             <a:chExt cx="1153770" cy="692262"/>
           </a:xfrm>
@@ -9293,8 +9409,8 @@
         </p:nvGrpSpPr>
         <p:grpSpPr>
           <a:xfrm>
-            <a:off x="9245428" y="1863968"/>
-            <a:ext cx="2131700" cy="1473263"/>
+            <a:off x="9591675" y="1863968"/>
+            <a:ext cx="2457449" cy="1473263"/>
             <a:chOff x="0" y="0"/>
             <a:chExt cx="1153770" cy="692262"/>
           </a:xfrm>
@@ -9433,7 +9549,45 @@
               </a:pPr>
               <a:r>
                 <a:rPr lang="en-SG" sz="1000" dirty="0"/>
-                <a:t>Query interpretation</a:t>
+                <a:t>Revise query for clarity</a:t>
+              </a:r>
+            </a:p>
+            <a:p>
+              <a:pPr marL="171450" lvl="0" indent="-171450" defTabSz="800100">
+                <a:lnSpc>
+                  <a:spcPct val="90000"/>
+                </a:lnSpc>
+                <a:spcBef>
+                  <a:spcPct val="0"/>
+                </a:spcBef>
+                <a:spcAft>
+                  <a:spcPct val="35000"/>
+                </a:spcAft>
+                <a:buFont typeface="Arial" panose="020B0604020202020204" pitchFamily="34" charset="0"/>
+                <a:buChar char="•"/>
+              </a:pPr>
+              <a:r>
+                <a:rPr lang="en-SG" sz="1000" dirty="0"/>
+                <a:t>Assess coherence (classify + reason)</a:t>
+              </a:r>
+            </a:p>
+            <a:p>
+              <a:pPr marL="171450" lvl="0" indent="-171450" defTabSz="800100">
+                <a:lnSpc>
+                  <a:spcPct val="90000"/>
+                </a:lnSpc>
+                <a:spcBef>
+                  <a:spcPct val="0"/>
+                </a:spcBef>
+                <a:spcAft>
+                  <a:spcPct val="35000"/>
+                </a:spcAft>
+                <a:buFont typeface="Arial" panose="020B0604020202020204" pitchFamily="34" charset="0"/>
+                <a:buChar char="•"/>
+              </a:pPr>
+              <a:r>
+                <a:rPr lang="en-SG" sz="1000" dirty="0"/>
+                <a:t>Forward year intent (explicit / none)</a:t>
               </a:r>
             </a:p>
             <a:p>
@@ -9474,27 +9628,8 @@
                 <a:buChar char="•"/>
               </a:pPr>
               <a:r>
-                <a:rPr lang="en-SG" sz="1000" kern="1200" dirty="0"/>
-                <a:t>LLM classify if query is coherent</a:t>
-              </a:r>
-            </a:p>
-            <a:p>
-              <a:pPr marL="171450" lvl="0" indent="-171450" defTabSz="800100">
-                <a:lnSpc>
-                  <a:spcPct val="90000"/>
-                </a:lnSpc>
-                <a:spcBef>
-                  <a:spcPct val="0"/>
-                </a:spcBef>
-                <a:spcAft>
-                  <a:spcPct val="35000"/>
-                </a:spcAft>
-                <a:buFont typeface="Arial" panose="020B0604020202020204" pitchFamily="34" charset="0"/>
-                <a:buChar char="•"/>
-              </a:pPr>
-              <a:r>
                 <a:rPr lang="en-SG" sz="1000" dirty="0"/>
-                <a:t>Builds pre-determined fixed plan</a:t>
+                <a:t>Forward plan steps (non-LLM)</a:t>
               </a:r>
               <a:endParaRPr lang="en-SG" sz="1000" kern="1200" dirty="0"/>
             </a:p>
@@ -9515,7 +9650,7 @@
         </p:nvGrpSpPr>
         <p:grpSpPr>
           <a:xfrm>
-            <a:off x="6634078" y="1881687"/>
+            <a:off x="6960416" y="1881687"/>
             <a:ext cx="1632221" cy="2040234"/>
             <a:chOff x="0" y="0"/>
             <a:chExt cx="1153770" cy="692262"/>
@@ -9740,7 +9875,7 @@
         </p:nvGrpSpPr>
         <p:grpSpPr>
           <a:xfrm rot="10800000">
-            <a:off x="8627858" y="2461124"/>
+            <a:off x="9075159" y="2461124"/>
             <a:ext cx="383993" cy="200048"/>
             <a:chOff x="9272692" y="1547728"/>
             <a:chExt cx="370682" cy="433628"/>
@@ -9886,7 +10021,7 @@
         </p:nvGrpSpPr>
         <p:grpSpPr>
           <a:xfrm rot="10800000">
-            <a:off x="5304808" y="2554537"/>
+            <a:off x="5588614" y="2554537"/>
             <a:ext cx="878101" cy="236637"/>
             <a:chOff x="9272692" y="1547728"/>
             <a:chExt cx="370682" cy="433628"/>
@@ -10029,7 +10164,7 @@
         <p:spPr>
           <a:xfrm>
             <a:off x="1641992" y="2532320"/>
-            <a:ext cx="3437522" cy="3361231"/>
+            <a:ext cx="3437522" cy="3521161"/>
           </a:xfrm>
           <a:prstGeom prst="roundRect">
             <a:avLst/>
@@ -10079,7 +10214,7 @@
         <p:grpSpPr>
           <a:xfrm>
             <a:off x="1862855" y="2678879"/>
-            <a:ext cx="2953787" cy="720679"/>
+            <a:ext cx="2953787" cy="965586"/>
             <a:chOff x="0" y="0"/>
             <a:chExt cx="1153770" cy="692262"/>
           </a:xfrm>
@@ -10198,7 +10333,7 @@
               </a:pPr>
               <a:r>
                 <a:rPr lang="en-SG" sz="1000" dirty="0"/>
-                <a:t>Hybrid retrieval (dense + sparse) and return top_k candidates from each list</a:t>
+                <a:t>Hybrid retrieval merged score (dense + sparse) + tiered recency boost and return top_k candidates from each list</a:t>
               </a:r>
               <a:endParaRPr lang="en-SG" sz="1000" b="1" dirty="0"/>
             </a:p>
@@ -10219,7 +10354,7 @@
         </p:nvGrpSpPr>
         <p:grpSpPr>
           <a:xfrm>
-            <a:off x="1863986" y="3451728"/>
+            <a:off x="1863986" y="3717464"/>
             <a:ext cx="2953787" cy="871177"/>
             <a:chOff x="0" y="0"/>
             <a:chExt cx="1153770" cy="692262"/>
@@ -10339,7 +10474,7 @@
               </a:pPr>
               <a:r>
                 <a:rPr lang="en-SG" sz="1000" dirty="0"/>
-                <a:t>Re-ranking retrieval (cross-encoder transformers) and return shorter top_n from combined lists</a:t>
+                <a:t>Re-ranking retrieval (cross-encoder transformers) + tiered recency boost and return shorter top_n from combined lists</a:t>
               </a:r>
               <a:endParaRPr lang="en-SG" sz="1000" b="1" dirty="0"/>
             </a:p>
@@ -10360,7 +10495,7 @@
         </p:nvGrpSpPr>
         <p:grpSpPr>
           <a:xfrm>
-            <a:off x="1862855" y="4344014"/>
+            <a:off x="1862855" y="4609750"/>
             <a:ext cx="2953787" cy="590273"/>
             <a:chOff x="0" y="0"/>
             <a:chExt cx="1153770" cy="692262"/>
@@ -10501,7 +10636,7 @@
         </p:nvGrpSpPr>
         <p:grpSpPr>
           <a:xfrm>
-            <a:off x="1862855" y="5032801"/>
+            <a:off x="1862855" y="5298537"/>
             <a:ext cx="2939765" cy="666672"/>
             <a:chOff x="0" y="0"/>
             <a:chExt cx="1153770" cy="692262"/>
@@ -10689,7 +10824,7 @@
         </p:nvGrpSpPr>
         <p:grpSpPr>
           <a:xfrm rot="5400000">
-            <a:off x="6480440" y="4774560"/>
+            <a:off x="6973126" y="4774560"/>
             <a:ext cx="1503211" cy="250602"/>
             <a:chOff x="9272692" y="1547728"/>
             <a:chExt cx="370682" cy="433628"/>
@@ -10831,7 +10966,7 @@
         </p:nvSpPr>
         <p:spPr>
           <a:xfrm>
-            <a:off x="7691575" y="3921920"/>
+            <a:off x="8184261" y="3921920"/>
             <a:ext cx="1324065" cy="818686"/>
           </a:xfrm>
           <a:prstGeom prst="rect">
@@ -10896,7 +11031,7 @@
         </p:nvSpPr>
         <p:spPr>
           <a:xfrm>
-            <a:off x="6277901" y="5121084"/>
+            <a:off x="6770587" y="5121084"/>
             <a:ext cx="707184" cy="286232"/>
           </a:xfrm>
           <a:prstGeom prst="rect">
@@ -10943,8 +11078,8 @@
         </p:nvSpPr>
         <p:spPr>
           <a:xfrm>
-            <a:off x="5083581" y="4100971"/>
-            <a:ext cx="1710341" cy="1971309"/>
+            <a:off x="5227569" y="3801375"/>
+            <a:ext cx="1657668" cy="1912062"/>
           </a:xfrm>
           <a:prstGeom prst="rect">
             <a:avLst/>
@@ -10956,6 +11091,91 @@
             <a:spAutoFit/>
           </a:bodyPr>
           <a:lstStyle/>
+          <a:p>
+            <a:pPr lvl="0" defTabSz="800100">
+              <a:lnSpc>
+                <a:spcPct val="90000"/>
+              </a:lnSpc>
+              <a:spcBef>
+                <a:spcPct val="0"/>
+              </a:spcBef>
+              <a:spcAft>
+                <a:spcPct val="35000"/>
+              </a:spcAft>
+            </a:pPr>
+            <a:r>
+              <a:rPr lang="en-SG" sz="1100" b="1" i="1" dirty="0"/>
+              <a:t>Deterministic plan steps for state “execute_plan”</a:t>
+            </a:r>
+          </a:p>
+          <a:p>
+            <a:pPr lvl="0" defTabSz="800100">
+              <a:lnSpc>
+                <a:spcPct val="90000"/>
+              </a:lnSpc>
+              <a:spcBef>
+                <a:spcPct val="0"/>
+              </a:spcBef>
+              <a:spcAft>
+                <a:spcPct val="35000"/>
+              </a:spcAft>
+            </a:pPr>
+            <a:r>
+              <a:rPr lang="en-SG" sz="1100" i="1" dirty="0"/>
+              <a:t>{</a:t>
+            </a:r>
+          </a:p>
+          <a:p>
+            <a:pPr lvl="0" defTabSz="800100">
+              <a:lnSpc>
+                <a:spcPct val="90000"/>
+              </a:lnSpc>
+              <a:spcBef>
+                <a:spcPct val="0"/>
+              </a:spcBef>
+              <a:spcAft>
+                <a:spcPct val="35000"/>
+              </a:spcAft>
+            </a:pPr>
+            <a:r>
+              <a:rPr lang="en-SG" sz="1100" i="1" dirty="0"/>
+              <a:t>  “steps”: ["retrieve", "rerank", "synthesize”, “reflect”],</a:t>
+            </a:r>
+          </a:p>
+          <a:p>
+            <a:pPr lvl="0" defTabSz="800100">
+              <a:lnSpc>
+                <a:spcPct val="90000"/>
+              </a:lnSpc>
+              <a:spcBef>
+                <a:spcPct val="0"/>
+              </a:spcBef>
+              <a:spcAft>
+                <a:spcPct val="35000"/>
+              </a:spcAft>
+            </a:pPr>
+            <a:r>
+              <a:rPr lang="en-SG" sz="1100" i="1" dirty="0"/>
+              <a:t>  “top_k”: …,</a:t>
+            </a:r>
+          </a:p>
+          <a:p>
+            <a:pPr lvl="0" defTabSz="800100">
+              <a:lnSpc>
+                <a:spcPct val="90000"/>
+              </a:lnSpc>
+              <a:spcBef>
+                <a:spcPct val="0"/>
+              </a:spcBef>
+              <a:spcAft>
+                <a:spcPct val="35000"/>
+              </a:spcAft>
+            </a:pPr>
+            <a:r>
+              <a:rPr lang="en-SG" sz="1100" i="1" dirty="0"/>
+              <a:t>  “top_n”: …</a:t>
+            </a:r>
+          </a:p>
           <a:p>
             <a:pPr marL="0" lvl="0" indent="0" defTabSz="800100">
               <a:lnSpc>
@@ -10970,163 +11190,8 @@
               <a:buNone/>
             </a:pPr>
             <a:r>
-              <a:rPr lang="en-SG" sz="1100" b="1" i="1" dirty="0"/>
-              <a:t>Example Plan</a:t>
-            </a:r>
-          </a:p>
-          <a:p>
-            <a:pPr marL="0" lvl="0" indent="0" defTabSz="800100">
-              <a:lnSpc>
-                <a:spcPct val="90000"/>
-              </a:lnSpc>
-              <a:spcBef>
-                <a:spcPct val="0"/>
-              </a:spcBef>
-              <a:spcAft>
-                <a:spcPct val="35000"/>
-              </a:spcAft>
-              <a:buNone/>
-            </a:pPr>
-            <a:r>
-              <a:rPr lang="en-SG" sz="1100" i="1" dirty="0"/>
-              <a:t>{</a:t>
-            </a:r>
-          </a:p>
-          <a:p>
-            <a:pPr lvl="0" defTabSz="800100">
-              <a:lnSpc>
-                <a:spcPct val="90000"/>
-              </a:lnSpc>
-              <a:spcBef>
-                <a:spcPct val="0"/>
-              </a:spcBef>
-              <a:spcAft>
-                <a:spcPct val="35000"/>
-              </a:spcAft>
-            </a:pPr>
-            <a:r>
-              <a:rPr lang="en-SG" sz="1100" i="1" dirty="0"/>
-              <a:t>  “steps”: ["retrieve", "rerank", "synthesize and reflection”, “re-synthesize and reflect”],</a:t>
-            </a:r>
-          </a:p>
-          <a:p>
-            <a:pPr lvl="0" defTabSz="800100">
-              <a:lnSpc>
-                <a:spcPct val="90000"/>
-              </a:lnSpc>
-              <a:spcBef>
-                <a:spcPct val="0"/>
-              </a:spcBef>
-              <a:spcAft>
-                <a:spcPct val="35000"/>
-              </a:spcAft>
-            </a:pPr>
-            <a:r>
-              <a:rPr lang="en-SG" sz="1100" i="1" dirty="0"/>
-              <a:t>  “top_k”: 50,</a:t>
-            </a:r>
-          </a:p>
-          <a:p>
-            <a:pPr lvl="0" defTabSz="800100">
-              <a:lnSpc>
-                <a:spcPct val="90000"/>
-              </a:lnSpc>
-              <a:spcBef>
-                <a:spcPct val="0"/>
-              </a:spcBef>
-              <a:spcAft>
-                <a:spcPct val="35000"/>
-              </a:spcAft>
-            </a:pPr>
-            <a:r>
-              <a:rPr lang="en-SG" sz="1100" i="1" dirty="0"/>
-              <a:t>  “top_n”: 10,</a:t>
-            </a:r>
-          </a:p>
-          <a:p>
-            <a:pPr lvl="0" defTabSz="800100">
-              <a:lnSpc>
-                <a:spcPct val="90000"/>
-              </a:lnSpc>
-              <a:spcBef>
-                <a:spcPct val="0"/>
-              </a:spcBef>
-              <a:spcAft>
-                <a:spcPct val="35000"/>
-              </a:spcAft>
-            </a:pPr>
-            <a:r>
-              <a:rPr lang="en-SG" sz="1100" i="1" dirty="0"/>
-              <a:t>   …</a:t>
-            </a:r>
-          </a:p>
-          <a:p>
-            <a:pPr marL="0" lvl="0" indent="0" defTabSz="800100">
-              <a:lnSpc>
-                <a:spcPct val="90000"/>
-              </a:lnSpc>
-              <a:spcBef>
-                <a:spcPct val="0"/>
-              </a:spcBef>
-              <a:spcAft>
-                <a:spcPct val="35000"/>
-              </a:spcAft>
-              <a:buNone/>
-            </a:pPr>
-            <a:r>
               <a:rPr lang="en-SG" sz="1100" i="1" dirty="0"/>
               <a:t>}</a:t>
-            </a:r>
-          </a:p>
-        </p:txBody>
-      </p:sp>
-      <p:sp>
-        <p:nvSpPr>
-          <p:cNvPr id="107" name="TextBox 106">
-            <a:extLst>
-              <a:ext uri="{FF2B5EF4-FFF2-40B4-BE49-F238E27FC236}">
-                <a16:creationId xmlns:a16="http://schemas.microsoft.com/office/drawing/2014/main" id="{1BFDD59B-3984-E618-9AC0-7F773132E405}"/>
-              </a:ext>
-            </a:extLst>
-          </p:cNvPr>
-          <p:cNvSpPr txBox="1"/>
-          <p:nvPr/>
-        </p:nvSpPr>
-        <p:spPr>
-          <a:xfrm>
-            <a:off x="5136086" y="3582668"/>
-            <a:ext cx="1364223" cy="480131"/>
-          </a:xfrm>
-          <a:prstGeom prst="rect">
-            <a:avLst/>
-          </a:prstGeom>
-          <a:noFill/>
-        </p:spPr>
-        <p:txBody>
-          <a:bodyPr wrap="square">
-            <a:spAutoFit/>
-          </a:bodyPr>
-          <a:lstStyle/>
-          <a:p>
-            <a:pPr marL="0" lvl="0" indent="0" defTabSz="800100">
-              <a:lnSpc>
-                <a:spcPct val="90000"/>
-              </a:lnSpc>
-              <a:spcBef>
-                <a:spcPct val="0"/>
-              </a:spcBef>
-              <a:spcAft>
-                <a:spcPct val="35000"/>
-              </a:spcAft>
-              <a:buNone/>
-            </a:pPr>
-            <a:r>
-              <a:rPr lang="en-SG" sz="1400" b="1" i="1" dirty="0"/>
-              <a:t>Execute plan </a:t>
-            </a:r>
-            <a:r>
-              <a:rPr lang="en-SG" sz="1400" i="1" dirty="0"/>
-              <a:t>steps in sequence</a:t>
             </a:r>
           </a:p>
         </p:txBody>
@@ -11145,7 +11210,7 @@
         </p:nvGrpSpPr>
         <p:grpSpPr>
           <a:xfrm>
-            <a:off x="5289884" y="2777843"/>
+            <a:off x="5573690" y="2777843"/>
             <a:ext cx="878101" cy="236637"/>
             <a:chOff x="9272692" y="1547728"/>
             <a:chExt cx="370682" cy="433628"/>
@@ -11287,8 +11352,8 @@
         </p:nvSpPr>
         <p:spPr>
           <a:xfrm>
-            <a:off x="8915305" y="3370949"/>
-            <a:ext cx="1236112" cy="1429622"/>
+            <a:off x="5270497" y="3048478"/>
+            <a:ext cx="1632221" cy="701731"/>
           </a:xfrm>
           <a:prstGeom prst="rect">
             <a:avLst/>
@@ -11320,42 +11385,9 @@
             <a:br>
               <a:rPr lang="en-SG" sz="1100" b="1" i="1" dirty="0"/>
             </a:br>
-            <a:endParaRPr lang="en-SG" sz="1100" i="1" dirty="0"/>
-          </a:p>
-          <a:p>
-            <a:pPr marL="0" lvl="0" indent="0" defTabSz="800100">
-              <a:lnSpc>
-                <a:spcPct val="90000"/>
-              </a:lnSpc>
-              <a:spcBef>
-                <a:spcPct val="0"/>
-              </a:spcBef>
-              <a:spcAft>
-                <a:spcPct val="35000"/>
-              </a:spcAft>
-              <a:buNone/>
-            </a:pPr>
             <a:r>
               <a:rPr lang="en-SG" sz="1100" i="1" dirty="0"/>
-              <a:t>{  “states”: [“execute_plan”, “re_synthesize and reflect”, “success", “fail"]</a:t>
-            </a:r>
-          </a:p>
-          <a:p>
-            <a:pPr marL="0" lvl="0" indent="0" defTabSz="800100">
-              <a:lnSpc>
-                <a:spcPct val="90000"/>
-              </a:lnSpc>
-              <a:spcBef>
-                <a:spcPct val="0"/>
-              </a:spcBef>
-              <a:spcAft>
-                <a:spcPct val="35000"/>
-              </a:spcAft>
-              <a:buNone/>
-            </a:pPr>
-            <a:r>
-              <a:rPr lang="en-SG" sz="1100" i="1" dirty="0"/>
-              <a:t>}</a:t>
+              <a:t>{  “states”: [“execute_plan”, “success", “fail"] }</a:t>
             </a:r>
           </a:p>
         </p:txBody>
@@ -11654,8 +11686,8 @@
         </p:nvSpPr>
         <p:spPr>
           <a:xfrm>
-            <a:off x="7698971" y="4854426"/>
-            <a:ext cx="1571807" cy="954877"/>
+            <a:off x="8191657" y="4854426"/>
+            <a:ext cx="1571807" cy="802527"/>
           </a:xfrm>
           <a:prstGeom prst="rect">
             <a:avLst/>
@@ -11706,176 +11738,7 @@
             </a:pPr>
             <a:r>
               <a:rPr lang="en-SG" sz="1100" i="1" dirty="0"/>
-              <a:t>max_cycles_exceeded, unknown_state …)</a:t>
-            </a:r>
-          </a:p>
-        </p:txBody>
-      </p:sp>
-      <p:sp>
-        <p:nvSpPr>
-          <p:cNvPr id="18" name="TextBox 17">
-            <a:extLst>
-              <a:ext uri="{FF2B5EF4-FFF2-40B4-BE49-F238E27FC236}">
-                <a16:creationId xmlns:a16="http://schemas.microsoft.com/office/drawing/2014/main" id="{EB68DAE3-31CB-3A43-8F81-1248FCCC321F}"/>
-              </a:ext>
-            </a:extLst>
-          </p:cNvPr>
-          <p:cNvSpPr txBox="1"/>
-          <p:nvPr/>
-        </p:nvSpPr>
-        <p:spPr>
-          <a:xfrm>
-            <a:off x="10051081" y="3400390"/>
-            <a:ext cx="2313088" cy="2182905"/>
-          </a:xfrm>
-          <a:prstGeom prst="rect">
-            <a:avLst/>
-          </a:prstGeom>
-          <a:noFill/>
-        </p:spPr>
-        <p:txBody>
-          <a:bodyPr wrap="square">
-            <a:spAutoFit/>
-          </a:bodyPr>
-          <a:lstStyle/>
-          <a:p>
-            <a:pPr marL="0" lvl="0" indent="0" defTabSz="800100">
-              <a:lnSpc>
-                <a:spcPct val="90000"/>
-              </a:lnSpc>
-              <a:spcBef>
-                <a:spcPct val="0"/>
-              </a:spcBef>
-              <a:spcAft>
-                <a:spcPct val="35000"/>
-              </a:spcAft>
-              <a:buNone/>
-            </a:pPr>
-            <a:r>
-              <a:rPr lang="en-SG" sz="1100" b="1" i="1" dirty="0"/>
-              <a:t>Deterministic steps with states</a:t>
-            </a:r>
-            <a:br>
-              <a:rPr lang="en-SG" sz="1100" b="1" i="1" dirty="0"/>
-            </a:br>
-            <a:endParaRPr lang="en-SG" sz="1100" i="1" dirty="0"/>
-          </a:p>
-          <a:p>
-            <a:pPr marL="0" lvl="0" indent="0" defTabSz="800100">
-              <a:lnSpc>
-                <a:spcPct val="90000"/>
-              </a:lnSpc>
-              <a:spcBef>
-                <a:spcPct val="0"/>
-              </a:spcBef>
-              <a:spcAft>
-                <a:spcPct val="35000"/>
-              </a:spcAft>
-              <a:buNone/>
-            </a:pPr>
-            <a:r>
-              <a:rPr lang="en-SG" sz="1100" i="1" dirty="0"/>
-              <a:t>{  # furst oass</a:t>
-            </a:r>
-          </a:p>
-          <a:p>
-            <a:pPr lvl="0" defTabSz="800100">
-              <a:lnSpc>
-                <a:spcPct val="90000"/>
-              </a:lnSpc>
-              <a:spcBef>
-                <a:spcPct val="0"/>
-              </a:spcBef>
-              <a:spcAft>
-                <a:spcPct val="35000"/>
-              </a:spcAft>
-            </a:pPr>
-            <a:r>
-              <a:rPr lang="en-SG" sz="1100" i="1" dirty="0"/>
-              <a:t>  “execute_plan”: [“retrieve”, “rerank”, “synthesize”, “reflect”],</a:t>
-            </a:r>
-          </a:p>
-          <a:p>
-            <a:pPr lvl="0" defTabSz="800100">
-              <a:lnSpc>
-                <a:spcPct val="90000"/>
-              </a:lnSpc>
-              <a:spcBef>
-                <a:spcPct val="0"/>
-              </a:spcBef>
-              <a:spcAft>
-                <a:spcPct val="35000"/>
-              </a:spcAft>
-            </a:pPr>
-            <a:endParaRPr lang="en-SG" sz="1100" i="1" dirty="0"/>
-          </a:p>
-          <a:p>
-            <a:pPr lvl="0" defTabSz="800100">
-              <a:lnSpc>
-                <a:spcPct val="90000"/>
-              </a:lnSpc>
-              <a:spcBef>
-                <a:spcPct val="0"/>
-              </a:spcBef>
-              <a:spcAft>
-                <a:spcPct val="35000"/>
-              </a:spcAft>
-            </a:pPr>
-            <a:r>
-              <a:rPr lang="en-SG" sz="1100" i="1" dirty="0"/>
-              <a:t>  # quality pass</a:t>
-            </a:r>
-          </a:p>
-          <a:p>
-            <a:pPr lvl="0" defTabSz="800100">
-              <a:lnSpc>
-                <a:spcPct val="90000"/>
-              </a:lnSpc>
-              <a:spcBef>
-                <a:spcPct val="0"/>
-              </a:spcBef>
-              <a:spcAft>
-                <a:spcPct val="35000"/>
-              </a:spcAft>
-            </a:pPr>
-            <a:r>
-              <a:rPr lang="en-SG" sz="1100" i="1" dirty="0"/>
-              <a:t>  “re_synthesize and reflect”: [“re-synthesize (with prior feedback)”,</a:t>
-            </a:r>
-          </a:p>
-          <a:p>
-            <a:pPr lvl="0" defTabSz="800100">
-              <a:lnSpc>
-                <a:spcPct val="90000"/>
-              </a:lnSpc>
-              <a:spcBef>
-                <a:spcPct val="0"/>
-              </a:spcBef>
-              <a:spcAft>
-                <a:spcPct val="35000"/>
-              </a:spcAft>
-            </a:pPr>
-            <a:r>
-              <a:rPr lang="en-SG" sz="1100" i="1" dirty="0"/>
-              <a:t>“reflect”]</a:t>
-            </a:r>
-          </a:p>
-          <a:p>
-            <a:pPr marL="0" lvl="0" indent="0" defTabSz="800100">
-              <a:lnSpc>
-                <a:spcPct val="90000"/>
-              </a:lnSpc>
-              <a:spcBef>
-                <a:spcPct val="0"/>
-              </a:spcBef>
-              <a:spcAft>
-                <a:spcPct val="35000"/>
-              </a:spcAft>
-              <a:buNone/>
-            </a:pPr>
-            <a:r>
-              <a:rPr lang="en-SG" sz="1100" i="1" dirty="0"/>
-              <a:t>}</a:t>
+              <a:t>unknown_state …)</a:t>
             </a:r>
           </a:p>
         </p:txBody>
@@ -11894,7 +11757,7 @@
         </p:nvGrpSpPr>
         <p:grpSpPr>
           <a:xfrm rot="16200000">
-            <a:off x="6204778" y="4763981"/>
+            <a:off x="6697464" y="4763981"/>
             <a:ext cx="1503211" cy="250602"/>
             <a:chOff x="9272692" y="1547728"/>
             <a:chExt cx="370682" cy="433628"/>
@@ -12036,7 +11899,7 @@
         </p:nvSpPr>
         <p:spPr>
           <a:xfrm>
-            <a:off x="6451911" y="5407316"/>
+            <a:off x="6944597" y="5407316"/>
             <a:ext cx="341581" cy="233572"/>
           </a:xfrm>
           <a:prstGeom prst="flowChartConnector">
@@ -12092,7 +11955,7 @@
         </p:nvSpPr>
         <p:spPr>
           <a:xfrm>
-            <a:off x="8285091" y="2283425"/>
+            <a:off x="8732392" y="2283425"/>
             <a:ext cx="341581" cy="233572"/>
           </a:xfrm>
           <a:prstGeom prst="flowChartConnector">
@@ -12148,7 +12011,7 @@
         </p:nvSpPr>
         <p:spPr>
           <a:xfrm>
-            <a:off x="6233374" y="2677353"/>
+            <a:off x="6517180" y="2677353"/>
             <a:ext cx="341581" cy="233572"/>
           </a:xfrm>
           <a:prstGeom prst="flowChartConnector">
@@ -12204,7 +12067,7 @@
         </p:nvSpPr>
         <p:spPr>
           <a:xfrm>
-            <a:off x="7394507" y="4053720"/>
+            <a:off x="7887193" y="4053720"/>
             <a:ext cx="341581" cy="233572"/>
           </a:xfrm>
           <a:prstGeom prst="flowChartConnector">
@@ -12250,6 +12113,534 @@
     <p:extLst>
       <p:ext uri="{BB962C8B-B14F-4D97-AF65-F5344CB8AC3E}">
         <p14:creationId xmlns:p14="http://schemas.microsoft.com/office/powerpoint/2010/main" val="2542888934"/>
+      </p:ext>
+    </p:extLst>
+  </p:cSld>
+  <p:clrMapOvr>
+    <a:masterClrMapping/>
+  </p:clrMapOvr>
+</p:sld>
+</file>
+
+<file path=ppt/slides/slide4.xml><?xml version="1.0" encoding="utf-8"?>
+<p:sld xmlns:a="http://schemas.openxmlformats.org/drawingml/2006/main" xmlns:r="http://schemas.openxmlformats.org/officeDocument/2006/relationships" xmlns:p="http://schemas.openxmlformats.org/presentationml/2006/main">
+  <p:cSld>
+    <p:spTree>
+      <p:nvGrpSpPr>
+        <p:cNvPr id="1" name="">
+          <a:extLst>
+            <a:ext uri="{FF2B5EF4-FFF2-40B4-BE49-F238E27FC236}">
+              <a16:creationId xmlns:a16="http://schemas.microsoft.com/office/drawing/2014/main" id="{971C759E-F857-2A8A-F8A4-B3A7D0134121}"/>
+            </a:ext>
+          </a:extLst>
+        </p:cNvPr>
+        <p:cNvGrpSpPr/>
+        <p:nvPr/>
+      </p:nvGrpSpPr>
+      <p:grpSpPr>
+        <a:xfrm>
+          <a:off x="0" y="0"/>
+          <a:ext cx="0" cy="0"/>
+          <a:chOff x="0" y="0"/>
+          <a:chExt cx="0" cy="0"/>
+        </a:xfrm>
+      </p:grpSpPr>
+      <p:sp>
+        <p:nvSpPr>
+          <p:cNvPr id="2" name="Title 1">
+            <a:extLst>
+              <a:ext uri="{FF2B5EF4-FFF2-40B4-BE49-F238E27FC236}">
+                <a16:creationId xmlns:a16="http://schemas.microsoft.com/office/drawing/2014/main" id="{CF326FE4-12B7-A0B5-AE37-7D82181532D8}"/>
+              </a:ext>
+            </a:extLst>
+          </p:cNvPr>
+          <p:cNvSpPr>
+            <a:spLocks noGrp="1"/>
+          </p:cNvSpPr>
+          <p:nvPr>
+            <p:ph type="title"/>
+          </p:nvPr>
+        </p:nvSpPr>
+        <p:spPr/>
+        <p:txBody>
+          <a:bodyPr/>
+          <a:lstStyle/>
+          <a:p>
+            <a:r>
+              <a:rPr lang="en-SG" dirty="0"/>
+              <a:t>System Architecture</a:t>
+            </a:r>
+          </a:p>
+        </p:txBody>
+      </p:sp>
+      <p:sp>
+        <p:nvSpPr>
+          <p:cNvPr id="112" name="TextBox 111">
+            <a:extLst>
+              <a:ext uri="{FF2B5EF4-FFF2-40B4-BE49-F238E27FC236}">
+                <a16:creationId xmlns:a16="http://schemas.microsoft.com/office/drawing/2014/main" id="{97A5608C-5B79-B70F-37AB-29B3CC0326E5}"/>
+              </a:ext>
+            </a:extLst>
+          </p:cNvPr>
+          <p:cNvSpPr txBox="1"/>
+          <p:nvPr/>
+        </p:nvSpPr>
+        <p:spPr>
+          <a:xfrm>
+            <a:off x="1451579" y="1469398"/>
+            <a:ext cx="4329878" cy="369332"/>
+          </a:xfrm>
+          <a:prstGeom prst="rect">
+            <a:avLst/>
+          </a:prstGeom>
+          <a:noFill/>
+        </p:spPr>
+        <p:txBody>
+          <a:bodyPr wrap="square" rtlCol="0">
+            <a:spAutoFit/>
+          </a:bodyPr>
+          <a:lstStyle/>
+          <a:p>
+            <a:r>
+              <a:rPr lang="en-SG" dirty="0"/>
+              <a:t>RAG Scoring Algorithm</a:t>
+            </a:r>
+          </a:p>
+        </p:txBody>
+      </p:sp>
+      <p:sp>
+        <p:nvSpPr>
+          <p:cNvPr id="9" name="Rectangle 8">
+            <a:extLst>
+              <a:ext uri="{FF2B5EF4-FFF2-40B4-BE49-F238E27FC236}">
+                <a16:creationId xmlns:a16="http://schemas.microsoft.com/office/drawing/2014/main" id="{57223B41-FF33-C214-F5A9-DA4E7CF9BF28}"/>
+              </a:ext>
+            </a:extLst>
+          </p:cNvPr>
+          <p:cNvSpPr/>
+          <p:nvPr/>
+        </p:nvSpPr>
+        <p:spPr>
+          <a:xfrm>
+            <a:off x="10938933" y="0"/>
+            <a:ext cx="1253067" cy="1049235"/>
+          </a:xfrm>
+          <a:prstGeom prst="rect">
+            <a:avLst/>
+          </a:prstGeom>
+          <a:solidFill>
+            <a:srgbClr val="FFFF00"/>
+          </a:solidFill>
+        </p:spPr>
+        <p:style>
+          <a:lnRef idx="2">
+            <a:schemeClr val="accent1">
+              <a:shade val="15000"/>
+            </a:schemeClr>
+          </a:lnRef>
+          <a:fillRef idx="1">
+            <a:schemeClr val="accent1"/>
+          </a:fillRef>
+          <a:effectRef idx="0">
+            <a:schemeClr val="accent1"/>
+          </a:effectRef>
+          <a:fontRef idx="minor">
+            <a:schemeClr val="lt1"/>
+          </a:fontRef>
+        </p:style>
+        <p:txBody>
+          <a:bodyPr rtlCol="0" anchor="ctr"/>
+          <a:lstStyle/>
+          <a:p>
+            <a:pPr algn="ctr"/>
+            <a:r>
+              <a:rPr lang="en-SG" sz="1400" dirty="0">
+                <a:solidFill>
+                  <a:srgbClr val="FF0000"/>
+                </a:solidFill>
+              </a:rPr>
+              <a:t>To update scoring tier-based recency boost</a:t>
+            </a:r>
+          </a:p>
+        </p:txBody>
+      </p:sp>
+      <p:sp>
+        <p:nvSpPr>
+          <p:cNvPr id="11" name="Rectangle 10">
+            <a:extLst>
+              <a:ext uri="{FF2B5EF4-FFF2-40B4-BE49-F238E27FC236}">
+                <a16:creationId xmlns:a16="http://schemas.microsoft.com/office/drawing/2014/main" id="{238C9308-CA7F-C1F7-4199-A64285DFD968}"/>
+              </a:ext>
+            </a:extLst>
+          </p:cNvPr>
+          <p:cNvSpPr/>
+          <p:nvPr/>
+        </p:nvSpPr>
+        <p:spPr>
+          <a:xfrm>
+            <a:off x="8920632" y="145983"/>
+            <a:ext cx="1762309" cy="1049235"/>
+          </a:xfrm>
+          <a:prstGeom prst="rect">
+            <a:avLst/>
+          </a:prstGeom>
+          <a:solidFill>
+            <a:srgbClr val="FFFF00"/>
+          </a:solidFill>
+        </p:spPr>
+        <p:style>
+          <a:lnRef idx="2">
+            <a:schemeClr val="accent1">
+              <a:shade val="15000"/>
+            </a:schemeClr>
+          </a:lnRef>
+          <a:fillRef idx="1">
+            <a:schemeClr val="accent1"/>
+          </a:fillRef>
+          <a:effectRef idx="0">
+            <a:schemeClr val="accent1"/>
+          </a:effectRef>
+          <a:fontRef idx="minor">
+            <a:schemeClr val="lt1"/>
+          </a:fontRef>
+        </p:style>
+        <p:txBody>
+          <a:bodyPr rtlCol="0" anchor="ctr"/>
+          <a:lstStyle/>
+          <a:p>
+            <a:pPr algn="ctr"/>
+            <a:r>
+              <a:rPr lang="en-SG" sz="1400" dirty="0">
+                <a:solidFill>
+                  <a:srgbClr val="FF0000"/>
+                </a:solidFill>
+              </a:rPr>
+              <a:t>Consider add 1 slide on scoring algorithm based on scoring.md</a:t>
+            </a:r>
+          </a:p>
+        </p:txBody>
+      </p:sp>
+      <p:sp>
+        <p:nvSpPr>
+          <p:cNvPr id="14" name="TextBox 13">
+            <a:extLst>
+              <a:ext uri="{FF2B5EF4-FFF2-40B4-BE49-F238E27FC236}">
+                <a16:creationId xmlns:a16="http://schemas.microsoft.com/office/drawing/2014/main" id="{ABB07CA1-E503-3353-826C-7F79398D9DC9}"/>
+              </a:ext>
+            </a:extLst>
+          </p:cNvPr>
+          <p:cNvSpPr txBox="1"/>
+          <p:nvPr/>
+        </p:nvSpPr>
+        <p:spPr>
+          <a:xfrm>
+            <a:off x="1451579" y="2045391"/>
+            <a:ext cx="3551108" cy="2308324"/>
+          </a:xfrm>
+          <a:prstGeom prst="rect">
+            <a:avLst/>
+          </a:prstGeom>
+          <a:noFill/>
+        </p:spPr>
+        <p:txBody>
+          <a:bodyPr wrap="square">
+            <a:spAutoFit/>
+          </a:bodyPr>
+          <a:lstStyle/>
+          <a:p>
+            <a:r>
+              <a:rPr lang="en-SG" dirty="0"/>
+              <a:t>Retrieval</a:t>
+            </a:r>
+          </a:p>
+          <a:p>
+            <a:pPr marL="285750" indent="-285750">
+              <a:buFont typeface="Wingdings" panose="05000000000000000000" pitchFamily="2" charset="2"/>
+              <a:buChar char="Ø"/>
+            </a:pPr>
+            <a:r>
+              <a:rPr lang="en-SG" dirty="0"/>
+              <a:t>Get </a:t>
+            </a:r>
+            <a:r>
+              <a:rPr lang="en-SG" dirty="0" err="1"/>
+              <a:t>top_k</a:t>
+            </a:r>
+            <a:r>
+              <a:rPr lang="en-SG" dirty="0"/>
+              <a:t> from each list before merging</a:t>
+            </a:r>
+          </a:p>
+          <a:p>
+            <a:pPr marL="285750" indent="-285750">
+              <a:buFont typeface="Wingdings" panose="05000000000000000000" pitchFamily="2" charset="2"/>
+              <a:buChar char="Ø"/>
+            </a:pPr>
+            <a:r>
+              <a:rPr lang="en-SG" dirty="0"/>
+              <a:t>Reciprocal Rank Fusion (RRF) + Tiered recency boost</a:t>
+            </a:r>
+          </a:p>
+          <a:p>
+            <a:pPr marL="742950" lvl="1" indent="-285750">
+              <a:buFont typeface="Wingdings" panose="05000000000000000000" pitchFamily="2" charset="2"/>
+              <a:buChar char="Ø"/>
+            </a:pPr>
+            <a:r>
+              <a:rPr lang="en-SG" dirty="0"/>
+              <a:t>Two ranked lists</a:t>
+            </a:r>
+          </a:p>
+          <a:p>
+            <a:pPr marL="1200150" lvl="2" indent="-285750">
+              <a:buFont typeface="Wingdings" panose="05000000000000000000" pitchFamily="2" charset="2"/>
+              <a:buChar char="Ø"/>
+            </a:pPr>
+            <a:r>
+              <a:rPr lang="en-SG" dirty="0"/>
+              <a:t>dense_vector search</a:t>
+            </a:r>
+          </a:p>
+          <a:p>
+            <a:pPr marL="1200150" lvl="2" indent="-285750">
+              <a:buFont typeface="Wingdings" panose="05000000000000000000" pitchFamily="2" charset="2"/>
+              <a:buChar char="Ø"/>
+            </a:pPr>
+            <a:r>
+              <a:rPr lang="en-SG" dirty="0"/>
+              <a:t>Sparse/BM25 search</a:t>
+            </a:r>
+          </a:p>
+        </p:txBody>
+      </p:sp>
+      <p:sp>
+        <p:nvSpPr>
+          <p:cNvPr id="27" name="TextBox 26">
+            <a:extLst>
+              <a:ext uri="{FF2B5EF4-FFF2-40B4-BE49-F238E27FC236}">
+                <a16:creationId xmlns:a16="http://schemas.microsoft.com/office/drawing/2014/main" id="{9D90EC47-D8AD-718E-CA31-BB2581371739}"/>
+              </a:ext>
+            </a:extLst>
+          </p:cNvPr>
+          <p:cNvSpPr txBox="1"/>
+          <p:nvPr/>
+        </p:nvSpPr>
+        <p:spPr>
+          <a:xfrm>
+            <a:off x="6454901" y="2045391"/>
+            <a:ext cx="4484032" cy="923330"/>
+          </a:xfrm>
+          <a:prstGeom prst="rect">
+            <a:avLst/>
+          </a:prstGeom>
+          <a:noFill/>
+        </p:spPr>
+        <p:txBody>
+          <a:bodyPr wrap="square">
+            <a:spAutoFit/>
+          </a:bodyPr>
+          <a:lstStyle/>
+          <a:p>
+            <a:r>
+              <a:rPr lang="en-SG" dirty="0"/>
+              <a:t>Re-ranking</a:t>
+            </a:r>
+          </a:p>
+          <a:p>
+            <a:pPr marL="285750" indent="-285750">
+              <a:buFont typeface="Wingdings" panose="05000000000000000000" pitchFamily="2" charset="2"/>
+              <a:buChar char="Ø"/>
+            </a:pPr>
+            <a:r>
+              <a:rPr lang="en-SG" dirty="0"/>
+              <a:t>Re-rank merged list with cross-encoder transformer + tiered recency boost</a:t>
+            </a:r>
+          </a:p>
+        </p:txBody>
+      </p:sp>
+      <p:sp>
+        <p:nvSpPr>
+          <p:cNvPr id="31" name="TextBox 30">
+            <a:extLst>
+              <a:ext uri="{FF2B5EF4-FFF2-40B4-BE49-F238E27FC236}">
+                <a16:creationId xmlns:a16="http://schemas.microsoft.com/office/drawing/2014/main" id="{5C7DB90E-7027-E0DE-996E-AE611B00081B}"/>
+              </a:ext>
+            </a:extLst>
+          </p:cNvPr>
+          <p:cNvSpPr txBox="1"/>
+          <p:nvPr/>
+        </p:nvSpPr>
+        <p:spPr>
+          <a:xfrm>
+            <a:off x="638175" y="4649939"/>
+            <a:ext cx="4924425" cy="738664"/>
+          </a:xfrm>
+          <a:prstGeom prst="rect">
+            <a:avLst/>
+          </a:prstGeom>
+          <a:noFill/>
+        </p:spPr>
+        <p:txBody>
+          <a:bodyPr wrap="square">
+            <a:spAutoFit/>
+          </a:bodyPr>
+          <a:lstStyle/>
+          <a:p>
+            <a:r>
+              <a:rPr lang="en-SG" sz="1400" i="1" dirty="0"/>
+              <a:t>score_rrf = sum(1 / (k + rank))</a:t>
+            </a:r>
+          </a:p>
+          <a:p>
+            <a:r>
+              <a:rPr lang="en-SG" sz="1400" i="1" dirty="0" err="1"/>
+              <a:t>boost_tier</a:t>
+            </a:r>
+            <a:r>
+              <a:rPr lang="en-SG" sz="1400" i="1" dirty="0"/>
+              <a:t> = (window - (</a:t>
+            </a:r>
+            <a:r>
+              <a:rPr lang="en-SG" sz="1400" i="1" dirty="0" err="1"/>
+              <a:t>current_year</a:t>
+            </a:r>
+            <a:r>
+              <a:rPr lang="en-SG" sz="1400" i="1" dirty="0"/>
+              <a:t> - </a:t>
+            </a:r>
+            <a:r>
+              <a:rPr lang="en-SG" sz="1400" i="1" dirty="0" err="1"/>
+              <a:t>fy</a:t>
+            </a:r>
+            <a:r>
+              <a:rPr lang="en-SG" sz="1400" i="1" dirty="0"/>
+              <a:t>)) / window</a:t>
+            </a:r>
+          </a:p>
+          <a:p>
+            <a:r>
+              <a:rPr lang="en-SG" sz="1400" i="1" dirty="0"/>
+              <a:t>score_rrf = score_rrf + </a:t>
+            </a:r>
+            <a:r>
+              <a:rPr lang="en-SG" sz="1400" i="1" dirty="0" err="1"/>
+              <a:t>retrieve_recency_boost</a:t>
+            </a:r>
+            <a:r>
+              <a:rPr lang="en-SG" sz="1400" i="1" dirty="0"/>
+              <a:t> * </a:t>
+            </a:r>
+            <a:r>
+              <a:rPr lang="en-SG" sz="1400" i="1" dirty="0" err="1"/>
+              <a:t>boost_tier</a:t>
+            </a:r>
+            <a:endParaRPr lang="en-SG" sz="1400" i="1" dirty="0"/>
+          </a:p>
+        </p:txBody>
+      </p:sp>
+      <p:sp>
+        <p:nvSpPr>
+          <p:cNvPr id="32" name="TextBox 31">
+            <a:extLst>
+              <a:ext uri="{FF2B5EF4-FFF2-40B4-BE49-F238E27FC236}">
+                <a16:creationId xmlns:a16="http://schemas.microsoft.com/office/drawing/2014/main" id="{66185B77-498E-A08D-71E4-B988F1BEEA43}"/>
+              </a:ext>
+            </a:extLst>
+          </p:cNvPr>
+          <p:cNvSpPr txBox="1"/>
+          <p:nvPr/>
+        </p:nvSpPr>
+        <p:spPr>
+          <a:xfrm>
+            <a:off x="6096000" y="4491037"/>
+            <a:ext cx="5986992" cy="738664"/>
+          </a:xfrm>
+          <a:prstGeom prst="rect">
+            <a:avLst/>
+          </a:prstGeom>
+          <a:noFill/>
+        </p:spPr>
+        <p:txBody>
+          <a:bodyPr wrap="square">
+            <a:spAutoFit/>
+          </a:bodyPr>
+          <a:lstStyle/>
+          <a:p>
+            <a:r>
+              <a:rPr lang="en-SG" sz="1400" i="1" dirty="0" err="1"/>
+              <a:t>score_ce</a:t>
+            </a:r>
+            <a:r>
+              <a:rPr lang="en-SG" sz="1400" i="1" dirty="0"/>
+              <a:t> = </a:t>
+            </a:r>
+            <a:r>
+              <a:rPr lang="en-SG" sz="1400" i="1" dirty="0" err="1"/>
+              <a:t>cross_encoder.predict</a:t>
+            </a:r>
+            <a:r>
+              <a:rPr lang="en-SG" sz="1400" i="1" dirty="0"/>
+              <a:t>(query, </a:t>
+            </a:r>
+            <a:r>
+              <a:rPr lang="en-SG" sz="1400" i="1" dirty="0" err="1"/>
+              <a:t>hit.text</a:t>
+            </a:r>
+            <a:r>
+              <a:rPr lang="en-SG" sz="1400" i="1" dirty="0"/>
+              <a:t>)</a:t>
+            </a:r>
+          </a:p>
+          <a:p>
+            <a:r>
+              <a:rPr lang="en-SG" sz="1400" i="1" dirty="0" err="1"/>
+              <a:t>score_norm</a:t>
+            </a:r>
+            <a:r>
+              <a:rPr lang="en-SG" sz="1400" i="1" dirty="0"/>
+              <a:t> = (</a:t>
+            </a:r>
+            <a:r>
+              <a:rPr lang="en-SG" sz="1400" i="1" dirty="0" err="1"/>
+              <a:t>score_ce</a:t>
+            </a:r>
+            <a:r>
+              <a:rPr lang="en-SG" sz="1400" i="1" dirty="0"/>
+              <a:t> - min) / (max - min)</a:t>
+            </a:r>
+          </a:p>
+          <a:p>
+            <a:r>
+              <a:rPr lang="en-SG" sz="1400" i="1" dirty="0" err="1"/>
+              <a:t>score_final</a:t>
+            </a:r>
+            <a:r>
+              <a:rPr lang="en-SG" sz="1400" i="1" dirty="0"/>
+              <a:t> = </a:t>
+            </a:r>
+            <a:r>
+              <a:rPr lang="en-SG" sz="1400" i="1" dirty="0" err="1"/>
+              <a:t>score_norm</a:t>
+            </a:r>
+            <a:r>
+              <a:rPr lang="en-SG" sz="1400" i="1" dirty="0"/>
+              <a:t> + </a:t>
+            </a:r>
+            <a:r>
+              <a:rPr lang="en-SG" sz="1400" i="1" dirty="0" err="1"/>
+              <a:t>rerank_recency_boost</a:t>
+            </a:r>
+            <a:r>
+              <a:rPr lang="en-SG" sz="1400" i="1" dirty="0"/>
+              <a:t> (if hit is in recent window)</a:t>
+            </a:r>
+          </a:p>
+        </p:txBody>
+      </p:sp>
+    </p:spTree>
+    <p:extLst>
+      <p:ext uri="{BB962C8B-B14F-4D97-AF65-F5344CB8AC3E}">
+        <p14:creationId xmlns:p14="http://schemas.microsoft.com/office/powerpoint/2010/main" val="8661333"/>
       </p:ext>
     </p:extLst>
   </p:cSld>

--- a/docs/system_architecture.pptx
+++ b/docs/system_architecture.pptx
@@ -5,13 +5,14 @@
     <p:sldMasterId id="2147483660" r:id="rId1"/>
   </p:sldMasterIdLst>
   <p:notesMasterIdLst>
-    <p:notesMasterId r:id="rId6"/>
+    <p:notesMasterId r:id="rId7"/>
   </p:notesMasterIdLst>
   <p:sldIdLst>
     <p:sldId id="260" r:id="rId2"/>
     <p:sldId id="258" r:id="rId3"/>
     <p:sldId id="259" r:id="rId4"/>
-    <p:sldId id="261" r:id="rId5"/>
+    <p:sldId id="262" r:id="rId5"/>
+    <p:sldId id="261" r:id="rId6"/>
   </p:sldIdLst>
   <p:sldSz cx="12192000" cy="6858000"/>
   <p:notesSz cx="6858000" cy="9144000"/>
@@ -111,6 +112,23 @@
     </a:lvl9pPr>
   </p:defaultTextStyle>
   <p:extLst>
+    <p:ext uri="{521415D9-36F7-43E2-AB2F-B90AF26B5E84}">
+      <p14:sectionLst xmlns:p14="http://schemas.microsoft.com/office/powerpoint/2010/main">
+        <p14:section name="Default Section" id="{FC54DA0C-8B6E-4887-85F2-7BA7E28D98A6}">
+          <p14:sldIdLst>
+            <p14:sldId id="260"/>
+            <p14:sldId id="258"/>
+            <p14:sldId id="259"/>
+          </p14:sldIdLst>
+        </p14:section>
+        <p14:section name="Key Algorithm" id="{FC6F502C-BCB0-4E8E-B6F1-A2E6C8A60000}">
+          <p14:sldIdLst>
+            <p14:sldId id="262"/>
+            <p14:sldId id="261"/>
+          </p14:sldIdLst>
+        </p14:section>
+      </p14:sectionLst>
+    </p:ext>
     <p:ext uri="{EFAFB233-063F-42B5-8137-9DF3F51BA10A}">
       <p15:sldGuideLst xmlns:p15="http://schemas.microsoft.com/office/powerpoint/2012/main"/>
     </p:ext>
@@ -1186,7 +1204,7 @@
         <a:p>
           <a:r>
             <a:rPr lang="en-SG" sz="1200" dirty="0"/>
-            <a:t>Dense semantic embedding + Sparse lexical retrieval (BM25)</a:t>
+            <a:t>Dense semantic embedding + Sparse lexical retrieval (BM25-style)</a:t>
           </a:r>
         </a:p>
       </dgm:t>
@@ -1879,7 +1897,7 @@
           </a:pPr>
           <a:r>
             <a:rPr lang="en-SG" sz="1200" kern="1200" dirty="0"/>
-            <a:t>Dense semantic embedding + Sparse lexical retrieval (BM25)</a:t>
+            <a:t>Dense semantic embedding + Sparse lexical retrieval (BM25-style)</a:t>
           </a:r>
         </a:p>
       </dsp:txBody>
@@ -3712,7 +3730,7 @@
           <a:p>
             <a:fld id="{FC211DB0-4CAC-4D90-907F-FD24F16BC89C}" type="datetimeFigureOut">
               <a:rPr lang="en-SG" smtClean="0"/>
-              <a:t>9/2/2026</a:t>
+              <a:t>10/2/2026</a:t>
             </a:fld>
             <a:endParaRPr lang="en-SG" dirty="0"/>
           </a:p>
@@ -4285,6 +4303,121 @@
         <p:cNvPr id="1" name="">
           <a:extLst>
             <a:ext uri="{FF2B5EF4-FFF2-40B4-BE49-F238E27FC236}">
+              <a16:creationId xmlns:a16="http://schemas.microsoft.com/office/drawing/2014/main" id="{1F76F63F-D9BD-DE22-D67B-0C691B04FFEC}"/>
+            </a:ext>
+          </a:extLst>
+        </p:cNvPr>
+        <p:cNvGrpSpPr/>
+        <p:nvPr/>
+      </p:nvGrpSpPr>
+      <p:grpSpPr>
+        <a:xfrm>
+          <a:off x="0" y="0"/>
+          <a:ext cx="0" cy="0"/>
+          <a:chOff x="0" y="0"/>
+          <a:chExt cx="0" cy="0"/>
+        </a:xfrm>
+      </p:grpSpPr>
+      <p:sp>
+        <p:nvSpPr>
+          <p:cNvPr id="2" name="Slide Image Placeholder 1">
+            <a:extLst>
+              <a:ext uri="{FF2B5EF4-FFF2-40B4-BE49-F238E27FC236}">
+                <a16:creationId xmlns:a16="http://schemas.microsoft.com/office/drawing/2014/main" id="{F87F160B-16EB-F0C5-675E-FA8CE35FD1A4}"/>
+              </a:ext>
+            </a:extLst>
+          </p:cNvPr>
+          <p:cNvSpPr>
+            <a:spLocks noGrp="1" noRot="1" noChangeAspect="1"/>
+          </p:cNvSpPr>
+          <p:nvPr>
+            <p:ph type="sldImg"/>
+          </p:nvPr>
+        </p:nvSpPr>
+        <p:spPr/>
+        <p:txBody>
+          <a:bodyPr/>
+          <a:lstStyle/>
+          <a:p>
+            <a:endParaRPr lang="en-SG" dirty="0"/>
+          </a:p>
+        </p:txBody>
+      </p:sp>
+      <p:sp>
+        <p:nvSpPr>
+          <p:cNvPr id="3" name="Notes Placeholder 2">
+            <a:extLst>
+              <a:ext uri="{FF2B5EF4-FFF2-40B4-BE49-F238E27FC236}">
+                <a16:creationId xmlns:a16="http://schemas.microsoft.com/office/drawing/2014/main" id="{F7A67F33-9429-5FB5-7107-9951A2C7397D}"/>
+              </a:ext>
+            </a:extLst>
+          </p:cNvPr>
+          <p:cNvSpPr>
+            <a:spLocks noGrp="1"/>
+          </p:cNvSpPr>
+          <p:nvPr>
+            <p:ph type="body" idx="1"/>
+          </p:nvPr>
+        </p:nvSpPr>
+        <p:spPr/>
+        <p:txBody>
+          <a:bodyPr/>
+          <a:lstStyle/>
+          <a:p>
+            <a:endParaRPr lang="en-SG" dirty="0"/>
+          </a:p>
+        </p:txBody>
+      </p:sp>
+      <p:sp>
+        <p:nvSpPr>
+          <p:cNvPr id="4" name="Slide Number Placeholder 3">
+            <a:extLst>
+              <a:ext uri="{FF2B5EF4-FFF2-40B4-BE49-F238E27FC236}">
+                <a16:creationId xmlns:a16="http://schemas.microsoft.com/office/drawing/2014/main" id="{E1AFE0A6-4298-748E-FC4B-60CA848C1EBF}"/>
+              </a:ext>
+            </a:extLst>
+          </p:cNvPr>
+          <p:cNvSpPr>
+            <a:spLocks noGrp="1"/>
+          </p:cNvSpPr>
+          <p:nvPr>
+            <p:ph type="sldNum" sz="quarter" idx="5"/>
+          </p:nvPr>
+        </p:nvSpPr>
+        <p:spPr/>
+        <p:txBody>
+          <a:bodyPr/>
+          <a:lstStyle/>
+          <a:p>
+            <a:fld id="{09A4FB01-E6F3-460D-8523-1D01053AD545}" type="slidenum">
+              <a:rPr lang="en-SG" smtClean="0"/>
+              <a:t>4</a:t>
+            </a:fld>
+            <a:endParaRPr lang="en-SG" dirty="0"/>
+          </a:p>
+        </p:txBody>
+      </p:sp>
+    </p:spTree>
+    <p:extLst>
+      <p:ext uri="{BB962C8B-B14F-4D97-AF65-F5344CB8AC3E}">
+        <p14:creationId xmlns:p14="http://schemas.microsoft.com/office/powerpoint/2010/main" val="406816133"/>
+      </p:ext>
+    </p:extLst>
+  </p:cSld>
+  <p:clrMapOvr>
+    <a:masterClrMapping/>
+  </p:clrMapOvr>
+</p:notes>
+</file>
+
+<file path=ppt/notesSlides/notesSlide5.xml><?xml version="1.0" encoding="utf-8"?>
+<p:notes xmlns:a="http://schemas.openxmlformats.org/drawingml/2006/main" xmlns:r="http://schemas.openxmlformats.org/officeDocument/2006/relationships" xmlns:p="http://schemas.openxmlformats.org/presentationml/2006/main">
+  <p:cSld>
+    <p:spTree>
+      <p:nvGrpSpPr>
+        <p:cNvPr id="1" name="">
+          <a:extLst>
+            <a:ext uri="{FF2B5EF4-FFF2-40B4-BE49-F238E27FC236}">
               <a16:creationId xmlns:a16="http://schemas.microsoft.com/office/drawing/2014/main" id="{7CED1C44-BE08-3592-69BD-55C8DBB2C5FA}"/>
             </a:ext>
           </a:extLst>
@@ -4373,7 +4506,7 @@
           <a:p>
             <a:fld id="{09A4FB01-E6F3-460D-8523-1D01053AD545}" type="slidenum">
               <a:rPr lang="en-SG" smtClean="0"/>
-              <a:t>4</a:t>
+              <a:t>5</a:t>
             </a:fld>
             <a:endParaRPr lang="en-SG" dirty="0"/>
           </a:p>
@@ -4531,7 +4664,7 @@
           <a:p>
             <a:fld id="{893A27CD-D406-492E-A632-D285B7EF3DB9}" type="datetimeFigureOut">
               <a:rPr lang="en-SG" smtClean="0"/>
-              <a:t>9/2/2026</a:t>
+              <a:t>10/2/2026</a:t>
             </a:fld>
             <a:endParaRPr lang="en-SG" dirty="0"/>
           </a:p>
@@ -4742,7 +4875,7 @@
           <a:p>
             <a:fld id="{893A27CD-D406-492E-A632-D285B7EF3DB9}" type="datetimeFigureOut">
               <a:rPr lang="en-SG" smtClean="0"/>
-              <a:t>9/2/2026</a:t>
+              <a:t>10/2/2026</a:t>
             </a:fld>
             <a:endParaRPr lang="en-SG" dirty="0"/>
           </a:p>
@@ -4957,7 +5090,7 @@
           <a:p>
             <a:fld id="{893A27CD-D406-492E-A632-D285B7EF3DB9}" type="datetimeFigureOut">
               <a:rPr lang="en-SG" smtClean="0"/>
-              <a:t>9/2/2026</a:t>
+              <a:t>10/2/2026</a:t>
             </a:fld>
             <a:endParaRPr lang="en-SG" dirty="0"/>
           </a:p>
@@ -5158,7 +5291,7 @@
           <a:p>
             <a:fld id="{893A27CD-D406-492E-A632-D285B7EF3DB9}" type="datetimeFigureOut">
               <a:rPr lang="en-SG" smtClean="0"/>
-              <a:t>9/2/2026</a:t>
+              <a:t>10/2/2026</a:t>
             </a:fld>
             <a:endParaRPr lang="en-SG" dirty="0"/>
           </a:p>
@@ -5437,7 +5570,7 @@
           <a:p>
             <a:fld id="{893A27CD-D406-492E-A632-D285B7EF3DB9}" type="datetimeFigureOut">
               <a:rPr lang="en-SG" smtClean="0"/>
-              <a:t>9/2/2026</a:t>
+              <a:t>10/2/2026</a:t>
             </a:fld>
             <a:endParaRPr lang="en-SG" dirty="0"/>
           </a:p>
@@ -5705,7 +5838,7 @@
           <a:p>
             <a:fld id="{893A27CD-D406-492E-A632-D285B7EF3DB9}" type="datetimeFigureOut">
               <a:rPr lang="en-SG" smtClean="0"/>
-              <a:t>9/2/2026</a:t>
+              <a:t>10/2/2026</a:t>
             </a:fld>
             <a:endParaRPr lang="en-SG" dirty="0"/>
           </a:p>
@@ -6121,7 +6254,7 @@
           <a:p>
             <a:fld id="{893A27CD-D406-492E-A632-D285B7EF3DB9}" type="datetimeFigureOut">
               <a:rPr lang="en-SG" smtClean="0"/>
-              <a:t>9/2/2026</a:t>
+              <a:t>10/2/2026</a:t>
             </a:fld>
             <a:endParaRPr lang="en-SG" dirty="0"/>
           </a:p>
@@ -6270,7 +6403,7 @@
           <a:p>
             <a:fld id="{893A27CD-D406-492E-A632-D285B7EF3DB9}" type="datetimeFigureOut">
               <a:rPr lang="en-SG" smtClean="0"/>
-              <a:t>9/2/2026</a:t>
+              <a:t>10/2/2026</a:t>
             </a:fld>
             <a:endParaRPr lang="en-SG" dirty="0"/>
           </a:p>
@@ -6396,7 +6529,7 @@
           <a:p>
             <a:fld id="{893A27CD-D406-492E-A632-D285B7EF3DB9}" type="datetimeFigureOut">
               <a:rPr lang="en-SG" smtClean="0"/>
-              <a:t>9/2/2026</a:t>
+              <a:t>10/2/2026</a:t>
             </a:fld>
             <a:endParaRPr lang="en-SG" dirty="0"/>
           </a:p>
@@ -6647,7 +6780,7 @@
           <a:p>
             <a:fld id="{893A27CD-D406-492E-A632-D285B7EF3DB9}" type="datetimeFigureOut">
               <a:rPr lang="en-SG" smtClean="0"/>
-              <a:t>9/2/2026</a:t>
+              <a:t>10/2/2026</a:t>
             </a:fld>
             <a:endParaRPr lang="en-SG" dirty="0"/>
           </a:p>
@@ -7105,7 +7238,7 @@
           <a:p>
             <a:fld id="{893A27CD-D406-492E-A632-D285B7EF3DB9}" type="datetimeFigureOut">
               <a:rPr lang="en-SG" smtClean="0"/>
-              <a:t>9/2/2026</a:t>
+              <a:t>10/2/2026</a:t>
             </a:fld>
             <a:endParaRPr lang="en-SG" dirty="0"/>
           </a:p>
@@ -7439,7 +7572,7 @@
           <a:p>
             <a:fld id="{893A27CD-D406-492E-A632-D285B7EF3DB9}" type="datetimeFigureOut">
               <a:rPr lang="en-SG" smtClean="0"/>
-              <a:t>9/2/2026</a:t>
+              <a:t>10/2/2026</a:t>
             </a:fld>
             <a:endParaRPr lang="en-SG" dirty="0"/>
           </a:p>
@@ -8170,7 +8303,7 @@
           <p:nvPr>
             <p:extLst>
               <p:ext uri="{D42A27DB-BD31-4B8C-83A1-F6EECF244321}">
-                <p14:modId xmlns:p14="http://schemas.microsoft.com/office/powerpoint/2010/main" val="4050435161"/>
+                <p14:modId xmlns:p14="http://schemas.microsoft.com/office/powerpoint/2010/main" val="209407742"/>
               </p:ext>
             </p:extLst>
           </p:nvPr>
@@ -12130,6 +12263,582 @@
         <p:cNvPr id="1" name="">
           <a:extLst>
             <a:ext uri="{FF2B5EF4-FFF2-40B4-BE49-F238E27FC236}">
+              <a16:creationId xmlns:a16="http://schemas.microsoft.com/office/drawing/2014/main" id="{23ACA510-FE56-1FCC-3426-F549BE9489EB}"/>
+            </a:ext>
+          </a:extLst>
+        </p:cNvPr>
+        <p:cNvGrpSpPr/>
+        <p:nvPr/>
+      </p:nvGrpSpPr>
+      <p:grpSpPr>
+        <a:xfrm>
+          <a:off x="0" y="0"/>
+          <a:ext cx="0" cy="0"/>
+          <a:chOff x="0" y="0"/>
+          <a:chExt cx="0" cy="0"/>
+        </a:xfrm>
+      </p:grpSpPr>
+      <p:sp>
+        <p:nvSpPr>
+          <p:cNvPr id="2" name="Title 1">
+            <a:extLst>
+              <a:ext uri="{FF2B5EF4-FFF2-40B4-BE49-F238E27FC236}">
+                <a16:creationId xmlns:a16="http://schemas.microsoft.com/office/drawing/2014/main" id="{62076918-BDA9-9384-774A-97EF8C3A5297}"/>
+              </a:ext>
+            </a:extLst>
+          </p:cNvPr>
+          <p:cNvSpPr>
+            <a:spLocks noGrp="1"/>
+          </p:cNvSpPr>
+          <p:nvPr>
+            <p:ph type="title"/>
+          </p:nvPr>
+        </p:nvSpPr>
+        <p:spPr/>
+        <p:txBody>
+          <a:bodyPr/>
+          <a:lstStyle/>
+          <a:p>
+            <a:r>
+              <a:rPr lang="en-SG" dirty="0"/>
+              <a:t>System Architecture</a:t>
+            </a:r>
+          </a:p>
+        </p:txBody>
+      </p:sp>
+      <p:sp>
+        <p:nvSpPr>
+          <p:cNvPr id="112" name="TextBox 111">
+            <a:extLst>
+              <a:ext uri="{FF2B5EF4-FFF2-40B4-BE49-F238E27FC236}">
+                <a16:creationId xmlns:a16="http://schemas.microsoft.com/office/drawing/2014/main" id="{25B7D740-0C6B-7A4E-6947-D4082878E098}"/>
+              </a:ext>
+            </a:extLst>
+          </p:cNvPr>
+          <p:cNvSpPr txBox="1"/>
+          <p:nvPr/>
+        </p:nvSpPr>
+        <p:spPr>
+          <a:xfrm>
+            <a:off x="1451579" y="1469398"/>
+            <a:ext cx="8463946" cy="369332"/>
+          </a:xfrm>
+          <a:prstGeom prst="rect">
+            <a:avLst/>
+          </a:prstGeom>
+          <a:noFill/>
+        </p:spPr>
+        <p:txBody>
+          <a:bodyPr wrap="square" rtlCol="0">
+            <a:spAutoFit/>
+          </a:bodyPr>
+          <a:lstStyle/>
+          <a:p>
+            <a:r>
+              <a:rPr lang="en-SG" dirty="0"/>
+              <a:t>Hybrid Retrieval: Semantic Understanding + Keyword Grounding</a:t>
+            </a:r>
+          </a:p>
+        </p:txBody>
+      </p:sp>
+      <p:sp>
+        <p:nvSpPr>
+          <p:cNvPr id="14" name="TextBox 13">
+            <a:extLst>
+              <a:ext uri="{FF2B5EF4-FFF2-40B4-BE49-F238E27FC236}">
+                <a16:creationId xmlns:a16="http://schemas.microsoft.com/office/drawing/2014/main" id="{E1461253-D18C-ABFA-A0DB-41FCDA60BACA}"/>
+              </a:ext>
+            </a:extLst>
+          </p:cNvPr>
+          <p:cNvSpPr txBox="1"/>
+          <p:nvPr/>
+        </p:nvSpPr>
+        <p:spPr>
+          <a:xfrm>
+            <a:off x="228600" y="1904867"/>
+            <a:ext cx="3676650" cy="3600986"/>
+          </a:xfrm>
+          <a:prstGeom prst="rect">
+            <a:avLst/>
+          </a:prstGeom>
+          <a:solidFill>
+            <a:schemeClr val="accent6">
+              <a:lumMod val="40000"/>
+              <a:lumOff val="60000"/>
+            </a:schemeClr>
+          </a:solidFill>
+        </p:spPr>
+        <p:txBody>
+          <a:bodyPr wrap="square">
+            <a:spAutoFit/>
+          </a:bodyPr>
+          <a:lstStyle/>
+          <a:p>
+            <a:r>
+              <a:rPr lang="en-SG" sz="1200" b="1" dirty="0"/>
+              <a:t>Dense semantic embedding</a:t>
+            </a:r>
+          </a:p>
+          <a:p>
+            <a:pPr marL="285750" indent="-285750">
+              <a:buFont typeface="Wingdings" panose="05000000000000000000" pitchFamily="2" charset="2"/>
+              <a:buChar char="Ø"/>
+            </a:pPr>
+            <a:r>
+              <a:rPr lang="en-SG" sz="1200" b="1" dirty="0"/>
+              <a:t>Purpose:</a:t>
+            </a:r>
+            <a:r>
+              <a:rPr lang="en-SG" sz="1200" dirty="0"/>
+              <a:t> Natural language understanding for encoding and retrieval</a:t>
+            </a:r>
+          </a:p>
+          <a:p>
+            <a:pPr marL="285750" indent="-285750">
+              <a:buFont typeface="Wingdings" panose="05000000000000000000" pitchFamily="2" charset="2"/>
+              <a:buChar char="Ø"/>
+            </a:pPr>
+            <a:endParaRPr lang="en-SG" sz="1200" dirty="0"/>
+          </a:p>
+          <a:p>
+            <a:pPr marL="285750" indent="-285750">
+              <a:buFont typeface="Wingdings" panose="05000000000000000000" pitchFamily="2" charset="2"/>
+              <a:buChar char="Ø"/>
+            </a:pPr>
+            <a:r>
+              <a:rPr lang="en-SG" sz="1200" b="1" dirty="0"/>
+              <a:t>Model choice:</a:t>
+            </a:r>
+            <a:r>
+              <a:rPr lang="en-SG" sz="1200" dirty="0"/>
+              <a:t> </a:t>
+            </a:r>
+            <a:r>
+              <a:rPr lang="en-SG" sz="1200" i="1" dirty="0"/>
+              <a:t>SentenceTransformer </a:t>
+            </a:r>
+            <a:r>
+              <a:rPr lang="en-SG" sz="1200" dirty="0"/>
+              <a:t>python library</a:t>
+            </a:r>
+            <a:endParaRPr lang="en-SG" sz="1200" i="1" dirty="0"/>
+          </a:p>
+          <a:p>
+            <a:pPr marL="285750" indent="-285750">
+              <a:buFont typeface="Wingdings" panose="05000000000000000000" pitchFamily="2" charset="2"/>
+              <a:buChar char="Ø"/>
+            </a:pPr>
+            <a:endParaRPr lang="en-SG" sz="1200" dirty="0"/>
+          </a:p>
+          <a:p>
+            <a:pPr marL="285750" indent="-285750">
+              <a:buFont typeface="Wingdings" panose="05000000000000000000" pitchFamily="2" charset="2"/>
+              <a:buChar char="Ø"/>
+            </a:pPr>
+            <a:r>
+              <a:rPr lang="en-SG" sz="1200" b="1" dirty="0"/>
+              <a:t>How:</a:t>
+            </a:r>
+          </a:p>
+          <a:p>
+            <a:pPr marL="742950" lvl="1" indent="-285750">
+              <a:buFont typeface="Wingdings" panose="05000000000000000000" pitchFamily="2" charset="2"/>
+              <a:buChar char="Ø"/>
+            </a:pPr>
+            <a:r>
+              <a:rPr lang="en-SG" sz="1200" b="1" dirty="0"/>
+              <a:t>Offline encoding:</a:t>
+            </a:r>
+            <a:r>
+              <a:rPr lang="en-SG" sz="1200" dirty="0"/>
+              <a:t> dense vector embedding into Vector DB</a:t>
+            </a:r>
+          </a:p>
+          <a:p>
+            <a:pPr marL="742950" lvl="1" indent="-285750">
+              <a:buFont typeface="Wingdings" panose="05000000000000000000" pitchFamily="2" charset="2"/>
+              <a:buChar char="Ø"/>
+            </a:pPr>
+            <a:r>
+              <a:rPr lang="en-SG" sz="1200" b="1" dirty="0"/>
+              <a:t>Online</a:t>
+            </a:r>
+            <a:r>
+              <a:rPr lang="en-SG" sz="1200" dirty="0"/>
+              <a:t> </a:t>
+            </a:r>
+            <a:r>
+              <a:rPr lang="en-SG" sz="1200" b="1" dirty="0"/>
+              <a:t>retrieval: </a:t>
+            </a:r>
+            <a:r>
+              <a:rPr lang="en-SG" sz="1200" dirty="0"/>
+              <a:t>relevant document chunks based on similarity with one-shot query (cosine similarity: dense dot-product on normalized vectors; directional interpretation)</a:t>
+            </a:r>
+          </a:p>
+          <a:p>
+            <a:pPr marL="742950" lvl="1" indent="-285750">
+              <a:buFont typeface="Wingdings" panose="05000000000000000000" pitchFamily="2" charset="2"/>
+              <a:buChar char="Ø"/>
+            </a:pPr>
+            <a:endParaRPr lang="en-SG" sz="1200" dirty="0"/>
+          </a:p>
+          <a:p>
+            <a:pPr lvl="1"/>
+            <a:endParaRPr lang="en-SG" sz="1200" dirty="0"/>
+          </a:p>
+          <a:p>
+            <a:pPr marL="742950" lvl="1" indent="-285750">
+              <a:buFont typeface="Wingdings" panose="05000000000000000000" pitchFamily="2" charset="2"/>
+              <a:buChar char="Ø"/>
+            </a:pPr>
+            <a:endParaRPr lang="en-SG" sz="1200" dirty="0"/>
+          </a:p>
+          <a:p>
+            <a:pPr marL="742950" lvl="1" indent="-285750">
+              <a:buFont typeface="Wingdings" panose="05000000000000000000" pitchFamily="2" charset="2"/>
+              <a:buChar char="Ø"/>
+            </a:pPr>
+            <a:endParaRPr lang="en-SG" sz="1200" dirty="0"/>
+          </a:p>
+          <a:p>
+            <a:pPr marL="742950" lvl="1" indent="-285750">
+              <a:buFont typeface="Wingdings" panose="05000000000000000000" pitchFamily="2" charset="2"/>
+              <a:buChar char="Ø"/>
+            </a:pPr>
+            <a:endParaRPr lang="en-SG" sz="1200" dirty="0"/>
+          </a:p>
+        </p:txBody>
+      </p:sp>
+      <p:sp>
+        <p:nvSpPr>
+          <p:cNvPr id="27" name="TextBox 26">
+            <a:extLst>
+              <a:ext uri="{FF2B5EF4-FFF2-40B4-BE49-F238E27FC236}">
+                <a16:creationId xmlns:a16="http://schemas.microsoft.com/office/drawing/2014/main" id="{951840A5-A14E-0B5B-F216-9E182E2BDD60}"/>
+              </a:ext>
+            </a:extLst>
+          </p:cNvPr>
+          <p:cNvSpPr txBox="1"/>
+          <p:nvPr/>
+        </p:nvSpPr>
+        <p:spPr>
+          <a:xfrm>
+            <a:off x="3905250" y="1904867"/>
+            <a:ext cx="5435848" cy="3600986"/>
+          </a:xfrm>
+          <a:prstGeom prst="rect">
+            <a:avLst/>
+          </a:prstGeom>
+          <a:solidFill>
+            <a:schemeClr val="accent6">
+              <a:lumMod val="20000"/>
+              <a:lumOff val="80000"/>
+            </a:schemeClr>
+          </a:solidFill>
+        </p:spPr>
+        <p:txBody>
+          <a:bodyPr wrap="square">
+            <a:spAutoFit/>
+          </a:bodyPr>
+          <a:lstStyle/>
+          <a:p>
+            <a:r>
+              <a:rPr lang="en-SG" sz="1200" b="1" dirty="0"/>
+              <a:t>Sparse lexical retrieval (BM25-style; Not True BM25)</a:t>
+            </a:r>
+          </a:p>
+          <a:p>
+            <a:pPr marL="285750" indent="-285750">
+              <a:buFont typeface="Wingdings" panose="05000000000000000000" pitchFamily="2" charset="2"/>
+              <a:buChar char="Ø"/>
+            </a:pPr>
+            <a:r>
+              <a:rPr lang="en-SG" sz="1200" b="1" dirty="0"/>
+              <a:t>Purpose: </a:t>
+            </a:r>
+            <a:r>
+              <a:rPr lang="en-SG" sz="1200" dirty="0"/>
+              <a:t>Keyword grounding in encoding and retrieval</a:t>
+            </a:r>
+          </a:p>
+          <a:p>
+            <a:endParaRPr lang="en-SG" sz="1200" dirty="0"/>
+          </a:p>
+          <a:p>
+            <a:pPr marL="285750" indent="-285750">
+              <a:buFont typeface="Wingdings" panose="05000000000000000000" pitchFamily="2" charset="2"/>
+              <a:buChar char="Ø"/>
+            </a:pPr>
+            <a:r>
+              <a:rPr lang="en-SG" sz="1200" b="1" dirty="0"/>
+              <a:t>Key design choice and why:</a:t>
+            </a:r>
+          </a:p>
+          <a:p>
+            <a:pPr marL="742950" lvl="1" indent="-285750">
+              <a:buFont typeface="Wingdings" panose="05000000000000000000" pitchFamily="2" charset="2"/>
+              <a:buChar char="Ø"/>
+            </a:pPr>
+            <a:r>
+              <a:rPr lang="en-SG" sz="1200" b="1" dirty="0"/>
+              <a:t>Offline document encoding (why BM25-style):  </a:t>
+            </a:r>
+            <a:r>
+              <a:rPr lang="en-SG" sz="1200" dirty="0"/>
+              <a:t>Addresses repeated terms (TF saturation) and uneven chunk sizes (document length normalization)</a:t>
+            </a:r>
+          </a:p>
+          <a:p>
+            <a:pPr marL="742950" lvl="1" indent="-285750">
+              <a:buFont typeface="Wingdings" panose="05000000000000000000" pitchFamily="2" charset="2"/>
+              <a:buChar char="Ø"/>
+            </a:pPr>
+            <a:r>
+              <a:rPr lang="en-SG" sz="1200" b="1" dirty="0"/>
+              <a:t>Online query encoding (TF-IDF):  </a:t>
+            </a:r>
+            <a:r>
+              <a:rPr lang="en-SG" sz="1200" dirty="0"/>
+              <a:t>Preserve intent signals from query (no extra weights unlike document encoding)</a:t>
+            </a:r>
+          </a:p>
+          <a:p>
+            <a:pPr marL="742950" lvl="1" indent="-285750">
+              <a:buFont typeface="Wingdings" panose="05000000000000000000" pitchFamily="2" charset="2"/>
+              <a:buChar char="Ø"/>
+            </a:pPr>
+            <a:r>
+              <a:rPr lang="en-SG" sz="1200" b="1" dirty="0"/>
+              <a:t>Online retrieval: </a:t>
+            </a:r>
+            <a:r>
+              <a:rPr lang="en-SG" sz="1200" dirty="0"/>
+              <a:t>relevant document chunks based on similarity with one-shot query (sparse dot-product; vectors not normalized; weighted-overlap magnitude interpretation)</a:t>
+            </a:r>
+          </a:p>
+          <a:p>
+            <a:pPr marL="742950" lvl="1" indent="-285750">
+              <a:buFont typeface="Wingdings" panose="05000000000000000000" pitchFamily="2" charset="2"/>
+              <a:buChar char="Ø"/>
+            </a:pPr>
+            <a:r>
+              <a:rPr lang="en-SG" sz="1200" b="1" dirty="0"/>
+              <a:t>Why not True BM25: </a:t>
+            </a:r>
+            <a:r>
+              <a:rPr lang="en-SG" sz="1200" dirty="0"/>
+              <a:t>In textbook BM25, document and query weights are computed for full score refresh at query time. In this implementation, we pre-compute document weights and load into vector DB to approximate BM25-style for a practical implementation.</a:t>
+            </a:r>
+          </a:p>
+          <a:p>
+            <a:pPr marL="742950" lvl="1" indent="-285750">
+              <a:buFont typeface="Wingdings" panose="05000000000000000000" pitchFamily="2" charset="2"/>
+              <a:buChar char="Ø"/>
+            </a:pPr>
+            <a:endParaRPr lang="en-SG" sz="1200" dirty="0"/>
+          </a:p>
+          <a:p>
+            <a:pPr marL="285750" indent="-285750">
+              <a:buFont typeface="Wingdings" panose="05000000000000000000" pitchFamily="2" charset="2"/>
+              <a:buChar char="Ø"/>
+            </a:pPr>
+            <a:r>
+              <a:rPr lang="en-SG" sz="1200" dirty="0"/>
+              <a:t>Refer </a:t>
+            </a:r>
+            <a:r>
+              <a:rPr lang="en-SG" sz="1200" i="1" dirty="0">
+                <a:solidFill>
+                  <a:srgbClr val="0070C0"/>
+                </a:solidFill>
+              </a:rPr>
+              <a:t>docs/vector_db/math.md</a:t>
+            </a:r>
+            <a:r>
+              <a:rPr lang="en-SG" sz="1200" i="1" dirty="0"/>
+              <a:t> </a:t>
+            </a:r>
+            <a:r>
+              <a:rPr lang="en-SG" sz="1200" dirty="0"/>
+              <a:t>for key formulas and details</a:t>
+            </a:r>
+          </a:p>
+          <a:p>
+            <a:r>
+              <a:rPr lang="en-SG" sz="1200" i="1" dirty="0">
+                <a:hlinkClick r:id="rId3"/>
+              </a:rPr>
+              <a:t>Reference:  What is BM25 (Best Matching 25) Algorithm – </a:t>
+            </a:r>
+            <a:r>
+              <a:rPr lang="en-SG" sz="1200" i="1" dirty="0" err="1">
+                <a:hlinkClick r:id="rId3"/>
+              </a:rPr>
+              <a:t>GeeksforGeeks</a:t>
+            </a:r>
+            <a:endParaRPr lang="en-SG" sz="1200" dirty="0"/>
+          </a:p>
+        </p:txBody>
+      </p:sp>
+      <p:sp>
+        <p:nvSpPr>
+          <p:cNvPr id="6" name="TextBox 5">
+            <a:extLst>
+              <a:ext uri="{FF2B5EF4-FFF2-40B4-BE49-F238E27FC236}">
+                <a16:creationId xmlns:a16="http://schemas.microsoft.com/office/drawing/2014/main" id="{2B7C61AE-A819-EBAD-8964-3217C70AD38C}"/>
+              </a:ext>
+            </a:extLst>
+          </p:cNvPr>
+          <p:cNvSpPr txBox="1"/>
+          <p:nvPr/>
+        </p:nvSpPr>
+        <p:spPr>
+          <a:xfrm>
+            <a:off x="9341098" y="1904867"/>
+            <a:ext cx="2622301" cy="3600986"/>
+          </a:xfrm>
+          <a:prstGeom prst="rect">
+            <a:avLst/>
+          </a:prstGeom>
+          <a:solidFill>
+            <a:schemeClr val="accent6">
+              <a:lumMod val="40000"/>
+              <a:lumOff val="60000"/>
+            </a:schemeClr>
+          </a:solidFill>
+        </p:spPr>
+        <p:txBody>
+          <a:bodyPr wrap="square">
+            <a:spAutoFit/>
+          </a:bodyPr>
+          <a:lstStyle/>
+          <a:p>
+            <a:r>
+              <a:rPr lang="en-SG" sz="1200" b="1" dirty="0"/>
+              <a:t>RAG Scoring Algorithm (downstream)</a:t>
+            </a:r>
+          </a:p>
+          <a:p>
+            <a:pPr marL="285750" indent="-285750">
+              <a:buFont typeface="Wingdings" panose="05000000000000000000" pitchFamily="2" charset="2"/>
+              <a:buChar char="Ø"/>
+            </a:pPr>
+            <a:r>
+              <a:rPr lang="en-SG" sz="1200" dirty="0"/>
+              <a:t>Further downstream scoring using the 2 components (dense + sparse) is further  described in separate slide</a:t>
+            </a:r>
+          </a:p>
+          <a:p>
+            <a:pPr marL="285750" indent="-285750">
+              <a:buFont typeface="Wingdings" panose="05000000000000000000" pitchFamily="2" charset="2"/>
+              <a:buChar char="Ø"/>
+            </a:pPr>
+            <a:endParaRPr lang="en-SG" sz="1200" dirty="0"/>
+          </a:p>
+          <a:p>
+            <a:pPr marL="285750" indent="-285750">
+              <a:buFont typeface="Wingdings" panose="05000000000000000000" pitchFamily="2" charset="2"/>
+              <a:buChar char="Ø"/>
+            </a:pPr>
+            <a:endParaRPr lang="en-SG" sz="1200" dirty="0"/>
+          </a:p>
+          <a:p>
+            <a:pPr marL="285750" indent="-285750">
+              <a:buFont typeface="Wingdings" panose="05000000000000000000" pitchFamily="2" charset="2"/>
+              <a:buChar char="Ø"/>
+            </a:pPr>
+            <a:endParaRPr lang="en-SG" sz="1200" dirty="0"/>
+          </a:p>
+          <a:p>
+            <a:pPr marL="285750" indent="-285750">
+              <a:buFont typeface="Wingdings" panose="05000000000000000000" pitchFamily="2" charset="2"/>
+              <a:buChar char="Ø"/>
+            </a:pPr>
+            <a:endParaRPr lang="en-SG" sz="1200" dirty="0"/>
+          </a:p>
+          <a:p>
+            <a:pPr marL="285750" indent="-285750">
+              <a:buFont typeface="Wingdings" panose="05000000000000000000" pitchFamily="2" charset="2"/>
+              <a:buChar char="Ø"/>
+            </a:pPr>
+            <a:endParaRPr lang="en-SG" sz="1200" dirty="0"/>
+          </a:p>
+          <a:p>
+            <a:pPr marL="285750" indent="-285750">
+              <a:buFont typeface="Wingdings" panose="05000000000000000000" pitchFamily="2" charset="2"/>
+              <a:buChar char="Ø"/>
+            </a:pPr>
+            <a:endParaRPr lang="en-SG" sz="1200" dirty="0"/>
+          </a:p>
+          <a:p>
+            <a:pPr marL="285750" indent="-285750">
+              <a:buFont typeface="Wingdings" panose="05000000000000000000" pitchFamily="2" charset="2"/>
+              <a:buChar char="Ø"/>
+            </a:pPr>
+            <a:endParaRPr lang="en-SG" sz="1200" dirty="0"/>
+          </a:p>
+          <a:p>
+            <a:pPr marL="285750" indent="-285750">
+              <a:buFont typeface="Wingdings" panose="05000000000000000000" pitchFamily="2" charset="2"/>
+              <a:buChar char="Ø"/>
+            </a:pPr>
+            <a:endParaRPr lang="en-SG" sz="1200" dirty="0"/>
+          </a:p>
+          <a:p>
+            <a:pPr marL="285750" indent="-285750">
+              <a:buFont typeface="Wingdings" panose="05000000000000000000" pitchFamily="2" charset="2"/>
+              <a:buChar char="Ø"/>
+            </a:pPr>
+            <a:endParaRPr lang="en-SG" sz="1200" dirty="0"/>
+          </a:p>
+          <a:p>
+            <a:pPr marL="285750" indent="-285750">
+              <a:buFont typeface="Wingdings" panose="05000000000000000000" pitchFamily="2" charset="2"/>
+              <a:buChar char="Ø"/>
+            </a:pPr>
+            <a:endParaRPr lang="en-SG" sz="1200" dirty="0"/>
+          </a:p>
+          <a:p>
+            <a:endParaRPr lang="en-SG" sz="1200" dirty="0"/>
+          </a:p>
+          <a:p>
+            <a:pPr marL="285750" indent="-285750">
+              <a:buFont typeface="Wingdings" panose="05000000000000000000" pitchFamily="2" charset="2"/>
+              <a:buChar char="Ø"/>
+            </a:pPr>
+            <a:endParaRPr lang="en-SG" sz="1200" dirty="0"/>
+          </a:p>
+          <a:p>
+            <a:pPr marL="285750" indent="-285750">
+              <a:buFont typeface="Wingdings" panose="05000000000000000000" pitchFamily="2" charset="2"/>
+              <a:buChar char="Ø"/>
+            </a:pPr>
+            <a:endParaRPr lang="en-SG" sz="1200" dirty="0"/>
+          </a:p>
+        </p:txBody>
+      </p:sp>
+    </p:spTree>
+    <p:extLst>
+      <p:ext uri="{BB962C8B-B14F-4D97-AF65-F5344CB8AC3E}">
+        <p14:creationId xmlns:p14="http://schemas.microsoft.com/office/powerpoint/2010/main" val="674919487"/>
+      </p:ext>
+    </p:extLst>
+  </p:cSld>
+  <p:clrMapOvr>
+    <a:masterClrMapping/>
+  </p:clrMapOvr>
+</p:sld>
+</file>
+
+<file path=ppt/slides/slide5.xml><?xml version="1.0" encoding="utf-8"?>
+<p:sld xmlns:a="http://schemas.openxmlformats.org/drawingml/2006/main" xmlns:r="http://schemas.openxmlformats.org/officeDocument/2006/relationships" xmlns:p="http://schemas.openxmlformats.org/presentationml/2006/main">
+  <p:cSld>
+    <p:spTree>
+      <p:nvGrpSpPr>
+        <p:cNvPr id="1" name="">
+          <a:extLst>
+            <a:ext uri="{FF2B5EF4-FFF2-40B4-BE49-F238E27FC236}">
               <a16:creationId xmlns:a16="http://schemas.microsoft.com/office/drawing/2014/main" id="{971C759E-F857-2A8A-F8A4-B3A7D0134121}"/>
             </a:ext>
           </a:extLst>
@@ -12210,118 +12919,6 @@
       </p:sp>
       <p:sp>
         <p:nvSpPr>
-          <p:cNvPr id="9" name="Rectangle 8">
-            <a:extLst>
-              <a:ext uri="{FF2B5EF4-FFF2-40B4-BE49-F238E27FC236}">
-                <a16:creationId xmlns:a16="http://schemas.microsoft.com/office/drawing/2014/main" id="{57223B41-FF33-C214-F5A9-DA4E7CF9BF28}"/>
-              </a:ext>
-            </a:extLst>
-          </p:cNvPr>
-          <p:cNvSpPr/>
-          <p:nvPr/>
-        </p:nvSpPr>
-        <p:spPr>
-          <a:xfrm>
-            <a:off x="10938933" y="0"/>
-            <a:ext cx="1253067" cy="1049235"/>
-          </a:xfrm>
-          <a:prstGeom prst="rect">
-            <a:avLst/>
-          </a:prstGeom>
-          <a:solidFill>
-            <a:srgbClr val="FFFF00"/>
-          </a:solidFill>
-        </p:spPr>
-        <p:style>
-          <a:lnRef idx="2">
-            <a:schemeClr val="accent1">
-              <a:shade val="15000"/>
-            </a:schemeClr>
-          </a:lnRef>
-          <a:fillRef idx="1">
-            <a:schemeClr val="accent1"/>
-          </a:fillRef>
-          <a:effectRef idx="0">
-            <a:schemeClr val="accent1"/>
-          </a:effectRef>
-          <a:fontRef idx="minor">
-            <a:schemeClr val="lt1"/>
-          </a:fontRef>
-        </p:style>
-        <p:txBody>
-          <a:bodyPr rtlCol="0" anchor="ctr"/>
-          <a:lstStyle/>
-          <a:p>
-            <a:pPr algn="ctr"/>
-            <a:r>
-              <a:rPr lang="en-SG" sz="1400" dirty="0">
-                <a:solidFill>
-                  <a:srgbClr val="FF0000"/>
-                </a:solidFill>
-              </a:rPr>
-              <a:t>To update scoring tier-based recency boost</a:t>
-            </a:r>
-          </a:p>
-        </p:txBody>
-      </p:sp>
-      <p:sp>
-        <p:nvSpPr>
-          <p:cNvPr id="11" name="Rectangle 10">
-            <a:extLst>
-              <a:ext uri="{FF2B5EF4-FFF2-40B4-BE49-F238E27FC236}">
-                <a16:creationId xmlns:a16="http://schemas.microsoft.com/office/drawing/2014/main" id="{238C9308-CA7F-C1F7-4199-A64285DFD968}"/>
-              </a:ext>
-            </a:extLst>
-          </p:cNvPr>
-          <p:cNvSpPr/>
-          <p:nvPr/>
-        </p:nvSpPr>
-        <p:spPr>
-          <a:xfrm>
-            <a:off x="8920632" y="145983"/>
-            <a:ext cx="1762309" cy="1049235"/>
-          </a:xfrm>
-          <a:prstGeom prst="rect">
-            <a:avLst/>
-          </a:prstGeom>
-          <a:solidFill>
-            <a:srgbClr val="FFFF00"/>
-          </a:solidFill>
-        </p:spPr>
-        <p:style>
-          <a:lnRef idx="2">
-            <a:schemeClr val="accent1">
-              <a:shade val="15000"/>
-            </a:schemeClr>
-          </a:lnRef>
-          <a:fillRef idx="1">
-            <a:schemeClr val="accent1"/>
-          </a:fillRef>
-          <a:effectRef idx="0">
-            <a:schemeClr val="accent1"/>
-          </a:effectRef>
-          <a:fontRef idx="minor">
-            <a:schemeClr val="lt1"/>
-          </a:fontRef>
-        </p:style>
-        <p:txBody>
-          <a:bodyPr rtlCol="0" anchor="ctr"/>
-          <a:lstStyle/>
-          <a:p>
-            <a:pPr algn="ctr"/>
-            <a:r>
-              <a:rPr lang="en-SG" sz="1400" dirty="0">
-                <a:solidFill>
-                  <a:srgbClr val="FF0000"/>
-                </a:solidFill>
-              </a:rPr>
-              <a:t>Consider add 1 slide on scoring algorithm based on scoring.md</a:t>
-            </a:r>
-          </a:p>
-        </p:txBody>
-      </p:sp>
-      <p:sp>
-        <p:nvSpPr>
           <p:cNvPr id="14" name="TextBox 13">
             <a:extLst>
               <a:ext uri="{FF2B5EF4-FFF2-40B4-BE49-F238E27FC236}">
@@ -12334,8 +12931,8 @@
         </p:nvSpPr>
         <p:spPr>
           <a:xfrm>
-            <a:off x="1451579" y="2045391"/>
-            <a:ext cx="3551108" cy="2308324"/>
+            <a:off x="150581" y="1841889"/>
+            <a:ext cx="3503553" cy="1569660"/>
           </a:xfrm>
           <a:prstGeom prst="rect">
             <a:avLst/>
@@ -12349,8 +12946,8 @@
           <a:lstStyle/>
           <a:p>
             <a:r>
-              <a:rPr lang="en-SG" dirty="0"/>
-              <a:t>Retrieval</a:t>
+              <a:rPr lang="en-SG" sz="1600" b="1" dirty="0"/>
+              <a:t>Retrieval from separate ranked list</a:t>
             </a:r>
           </a:p>
           <a:p>
@@ -12359,26 +12956,20 @@
               <a:buChar char="Ø"/>
             </a:pPr>
             <a:r>
-              <a:rPr lang="en-SG" dirty="0"/>
-              <a:t>Get </a:t>
-            </a:r>
-            <a:r>
-              <a:rPr lang="en-SG" dirty="0" err="1"/>
+              <a:rPr lang="en-SG" sz="1600" dirty="0"/>
+              <a:t>Keep </a:t>
+            </a:r>
+            <a:r>
+              <a:rPr lang="en-SG" sz="1600" i="1" dirty="0"/>
               <a:t>top_k</a:t>
             </a:r>
             <a:r>
-              <a:rPr lang="en-SG" dirty="0"/>
-              <a:t> from each list before merging</a:t>
-            </a:r>
-          </a:p>
-          <a:p>
-            <a:pPr marL="285750" indent="-285750">
-              <a:buFont typeface="Wingdings" panose="05000000000000000000" pitchFamily="2" charset="2"/>
-              <a:buChar char="Ø"/>
-            </a:pPr>
-            <a:r>
-              <a:rPr lang="en-SG" dirty="0"/>
-              <a:t>Reciprocal Rank Fusion (RRF) + Tiered recency boost</a:t>
+              <a:rPr lang="en-SG" sz="1600" dirty="0"/>
+              <a:t> from each ranked list </a:t>
+            </a:r>
+            <a:r>
+              <a:rPr lang="en-SG" sz="1600" i="1" dirty="0"/>
+              <a:t>(Total = 2*top_k)</a:t>
             </a:r>
           </a:p>
           <a:p>
@@ -12387,28 +12978,18 @@
               <a:buChar char="Ø"/>
             </a:pPr>
             <a:r>
-              <a:rPr lang="en-SG" dirty="0"/>
-              <a:t>Two ranked lists</a:t>
-            </a:r>
-          </a:p>
-          <a:p>
-            <a:pPr marL="1200150" lvl="2" indent="-285750">
+              <a:rPr lang="en-SG" sz="1600" dirty="0"/>
+              <a:t>Dense search (semantic)</a:t>
+            </a:r>
+          </a:p>
+          <a:p>
+            <a:pPr marL="742950" lvl="1" indent="-285750">
               <a:buFont typeface="Wingdings" panose="05000000000000000000" pitchFamily="2" charset="2"/>
               <a:buChar char="Ø"/>
             </a:pPr>
             <a:r>
-              <a:rPr lang="en-SG" dirty="0"/>
-              <a:t>dense_vector search</a:t>
-            </a:r>
-          </a:p>
-          <a:p>
-            <a:pPr marL="1200150" lvl="2" indent="-285750">
-              <a:buFont typeface="Wingdings" panose="05000000000000000000" pitchFamily="2" charset="2"/>
-              <a:buChar char="Ø"/>
-            </a:pPr>
-            <a:r>
-              <a:rPr lang="en-SG" dirty="0"/>
-              <a:t>Sparse/BM25 search</a:t>
+              <a:rPr lang="en-SG" sz="1600" dirty="0"/>
+              <a:t>Sparse search (BM25-style, lexical)</a:t>
             </a:r>
           </a:p>
         </p:txBody>
@@ -12427,8 +13008,8 @@
         </p:nvSpPr>
         <p:spPr>
           <a:xfrm>
-            <a:off x="6454901" y="2045391"/>
-            <a:ext cx="4484032" cy="923330"/>
+            <a:off x="7896224" y="1853754"/>
+            <a:ext cx="4058601" cy="1846659"/>
           </a:xfrm>
           <a:prstGeom prst="rect">
             <a:avLst/>
@@ -12442,8 +13023,8 @@
           <a:lstStyle/>
           <a:p>
             <a:r>
-              <a:rPr lang="en-SG" dirty="0"/>
-              <a:t>Re-ranking</a:t>
+              <a:rPr lang="en-SG" sz="1600" b="1" dirty="0"/>
+              <a:t>Re-ranking after merged</a:t>
             </a:r>
           </a:p>
           <a:p>
@@ -12452,8 +13033,43 @@
               <a:buChar char="Ø"/>
             </a:pPr>
             <a:r>
-              <a:rPr lang="en-SG" dirty="0"/>
-              <a:t>Re-rank merged list with cross-encoder transformer + tiered recency boost</a:t>
+              <a:rPr lang="en-SG" sz="1600" dirty="0"/>
+              <a:t>Re-rank merged list with cross-encoder transformer</a:t>
+            </a:r>
+          </a:p>
+          <a:p>
+            <a:pPr marL="285750" indent="-285750">
+              <a:buFont typeface="Wingdings" panose="05000000000000000000" pitchFamily="2" charset="2"/>
+              <a:buChar char="Ø"/>
+            </a:pPr>
+            <a:r>
+              <a:rPr lang="en-SG" sz="1600" dirty="0"/>
+              <a:t>Normalize score</a:t>
+            </a:r>
+            <a:endParaRPr lang="en-SG" sz="1600" i="1" dirty="0"/>
+          </a:p>
+          <a:p>
+            <a:pPr marL="285750" indent="-285750">
+              <a:buFont typeface="Wingdings" panose="05000000000000000000" pitchFamily="2" charset="2"/>
+              <a:buChar char="Ø"/>
+            </a:pPr>
+            <a:r>
+              <a:rPr lang="en-SG" sz="1600" dirty="0"/>
+              <a:t>Tiered recency boost (multiplicative), consistent on normalized score</a:t>
+            </a:r>
+          </a:p>
+          <a:p>
+            <a:pPr marL="285750" indent="-285750">
+              <a:buFont typeface="Wingdings" panose="05000000000000000000" pitchFamily="2" charset="2"/>
+              <a:buChar char="Ø"/>
+            </a:pPr>
+            <a:r>
+              <a:rPr lang="en-SG" sz="1600" dirty="0"/>
+              <a:t>Keep </a:t>
+            </a:r>
+            <a:r>
+              <a:rPr lang="en-SG" sz="1600" i="1" dirty="0"/>
+              <a:t>rerank_candidate_limit</a:t>
             </a:r>
           </a:p>
         </p:txBody>
@@ -12472,13 +13088,18 @@
         </p:nvSpPr>
         <p:spPr>
           <a:xfrm>
-            <a:off x="638175" y="4649939"/>
-            <a:ext cx="4924425" cy="738664"/>
+            <a:off x="3616518" y="3626338"/>
+            <a:ext cx="3832032" cy="769441"/>
           </a:xfrm>
           <a:prstGeom prst="rect">
             <a:avLst/>
           </a:prstGeom>
-          <a:noFill/>
+          <a:solidFill>
+            <a:schemeClr val="accent6">
+              <a:lumMod val="20000"/>
+              <a:lumOff val="80000"/>
+            </a:schemeClr>
+          </a:solidFill>
         </p:spPr>
         <p:txBody>
           <a:bodyPr wrap="square">
@@ -12487,54 +13108,37 @@
           <a:lstStyle/>
           <a:p>
             <a:r>
-              <a:rPr lang="en-SG" sz="1400" i="1" dirty="0"/>
+              <a:rPr lang="en-SG" sz="1100" b="1" i="1" dirty="0"/>
+              <a:t>Key Formulas:</a:t>
+            </a:r>
+            <a:endParaRPr lang="en-SG" sz="1100" i="1" dirty="0"/>
+          </a:p>
+          <a:p>
+            <a:r>
+              <a:rPr lang="en-SG" sz="1100" i="1" dirty="0"/>
               <a:t>score_rrf = sum(1 / (k + rank))</a:t>
             </a:r>
           </a:p>
           <a:p>
-            <a:r>
-              <a:rPr lang="en-SG" sz="1400" i="1" dirty="0" err="1"/>
+            <a:endParaRPr lang="en-SG" sz="1100" i="1" dirty="0"/>
+          </a:p>
+          <a:p>
+            <a:r>
+              <a:rPr lang="en-SG" sz="1100" i="1" dirty="0"/>
+              <a:t>score_rrf = score_rrf * (1 + retrieve_recency_boost * </a:t>
+            </a:r>
+            <a:r>
+              <a:rPr lang="en-SG" sz="1100" b="1" i="1" dirty="0">
+                <a:solidFill>
+                  <a:srgbClr val="0070C0"/>
+                </a:solidFill>
+              </a:rPr>
               <a:t>boost_tier</a:t>
             </a:r>
             <a:r>
-              <a:rPr lang="en-SG" sz="1400" i="1" dirty="0"/>
-              <a:t> = (window - (</a:t>
-            </a:r>
-            <a:r>
-              <a:rPr lang="en-SG" sz="1400" i="1" dirty="0" err="1"/>
-              <a:t>current_year</a:t>
-            </a:r>
-            <a:r>
-              <a:rPr lang="en-SG" sz="1400" i="1" dirty="0"/>
-              <a:t> - </a:t>
-            </a:r>
-            <a:r>
-              <a:rPr lang="en-SG" sz="1400" i="1" dirty="0" err="1"/>
-              <a:t>fy</a:t>
-            </a:r>
-            <a:r>
-              <a:rPr lang="en-SG" sz="1400" i="1" dirty="0"/>
-              <a:t>)) / window</a:t>
-            </a:r>
-          </a:p>
-          <a:p>
-            <a:r>
-              <a:rPr lang="en-SG" sz="1400" i="1" dirty="0"/>
-              <a:t>score_rrf = score_rrf + </a:t>
-            </a:r>
-            <a:r>
-              <a:rPr lang="en-SG" sz="1400" i="1" dirty="0" err="1"/>
-              <a:t>retrieve_recency_boost</a:t>
-            </a:r>
-            <a:r>
-              <a:rPr lang="en-SG" sz="1400" i="1" dirty="0"/>
-              <a:t> * </a:t>
-            </a:r>
-            <a:r>
-              <a:rPr lang="en-SG" sz="1400" i="1" dirty="0" err="1"/>
-              <a:t>boost_tier</a:t>
-            </a:r>
-            <a:endParaRPr lang="en-SG" sz="1400" i="1" dirty="0"/>
+              <a:rPr lang="en-SG" sz="1100" i="1" dirty="0"/>
+              <a:t>)</a:t>
+            </a:r>
           </a:p>
         </p:txBody>
       </p:sp>
@@ -12552,8 +13156,225 @@
         </p:nvSpPr>
         <p:spPr>
           <a:xfrm>
-            <a:off x="6096000" y="4491037"/>
-            <a:ext cx="5986992" cy="738664"/>
+            <a:off x="7766326" y="3615638"/>
+            <a:ext cx="4311373" cy="1277273"/>
+          </a:xfrm>
+          <a:prstGeom prst="rect">
+            <a:avLst/>
+          </a:prstGeom>
+          <a:solidFill>
+            <a:schemeClr val="accent6">
+              <a:lumMod val="20000"/>
+              <a:lumOff val="80000"/>
+            </a:schemeClr>
+          </a:solidFill>
+        </p:spPr>
+        <p:txBody>
+          <a:bodyPr wrap="square">
+            <a:spAutoFit/>
+          </a:bodyPr>
+          <a:lstStyle/>
+          <a:p>
+            <a:r>
+              <a:rPr lang="en-SG" sz="1100" b="1" i="1" dirty="0"/>
+              <a:t>Key Formulas:</a:t>
+            </a:r>
+            <a:endParaRPr lang="en-SG" sz="1100" i="1" dirty="0"/>
+          </a:p>
+          <a:p>
+            <a:r>
+              <a:rPr lang="en-SG" sz="1100" i="1" dirty="0"/>
+              <a:t>score_ce = cross_encoder.predict(query, hit.text)</a:t>
+            </a:r>
+          </a:p>
+          <a:p>
+            <a:endParaRPr lang="en-SG" sz="1100" i="1" dirty="0"/>
+          </a:p>
+          <a:p>
+            <a:r>
+              <a:rPr lang="en-SG" sz="1100" i="1" dirty="0"/>
+              <a:t>score_norm = (score_ce - min) / (max - min)</a:t>
+            </a:r>
+          </a:p>
+          <a:p>
+            <a:endParaRPr lang="en-SG" sz="1100" i="1" dirty="0"/>
+          </a:p>
+          <a:p>
+            <a:r>
+              <a:rPr lang="en-SG" sz="1100" i="1" dirty="0"/>
+              <a:t>score_final = score_norm * (1 + rerank_recency_boost * </a:t>
+            </a:r>
+            <a:r>
+              <a:rPr lang="en-SG" sz="1100" b="1" i="1" dirty="0">
+                <a:solidFill>
+                  <a:srgbClr val="0070C0"/>
+                </a:solidFill>
+              </a:rPr>
+              <a:t>boost_tier</a:t>
+            </a:r>
+            <a:r>
+              <a:rPr lang="en-SG" sz="1100" i="1" dirty="0"/>
+              <a:t>)     (if hit is in recent window)</a:t>
+            </a:r>
+          </a:p>
+        </p:txBody>
+      </p:sp>
+      <p:sp>
+        <p:nvSpPr>
+          <p:cNvPr id="34" name="TextBox 33">
+            <a:extLst>
+              <a:ext uri="{FF2B5EF4-FFF2-40B4-BE49-F238E27FC236}">
+                <a16:creationId xmlns:a16="http://schemas.microsoft.com/office/drawing/2014/main" id="{3F0FCB23-BA9B-E25C-CB7D-724B342406BA}"/>
+              </a:ext>
+            </a:extLst>
+          </p:cNvPr>
+          <p:cNvSpPr txBox="1"/>
+          <p:nvPr/>
+        </p:nvSpPr>
+        <p:spPr>
+          <a:xfrm>
+            <a:off x="3616516" y="4395779"/>
+            <a:ext cx="3852703" cy="1277273"/>
+          </a:xfrm>
+          <a:prstGeom prst="rect">
+            <a:avLst/>
+          </a:prstGeom>
+          <a:solidFill>
+            <a:schemeClr val="accent6">
+              <a:lumMod val="40000"/>
+              <a:lumOff val="60000"/>
+            </a:schemeClr>
+          </a:solidFill>
+        </p:spPr>
+        <p:txBody>
+          <a:bodyPr wrap="square">
+            <a:spAutoFit/>
+          </a:bodyPr>
+          <a:lstStyle/>
+          <a:p>
+            <a:r>
+              <a:rPr lang="en-SG" sz="1400" b="1" i="1" dirty="0"/>
+              <a:t>Illustrative Example – RRF (w recency boost) </a:t>
+            </a:r>
+          </a:p>
+          <a:p>
+            <a:r>
+              <a:rPr lang="en-SG" sz="1050" i="1" dirty="0"/>
+              <a:t>Dense rank = 3 → 1/(60+3) = 0.0159</a:t>
+            </a:r>
+          </a:p>
+          <a:p>
+            <a:r>
+              <a:rPr lang="en-SG" sz="1050" i="1" dirty="0"/>
+              <a:t>Sparse rank = 9 → 1/(60+9) = 0.0145</a:t>
+            </a:r>
+          </a:p>
+          <a:p>
+            <a:r>
+              <a:rPr lang="en-SG" sz="1050" i="1" dirty="0"/>
+              <a:t>Merged RRF score = 0.0159 + 0.0145 = 0.0304</a:t>
+            </a:r>
+          </a:p>
+          <a:p>
+            <a:endParaRPr lang="en-SG" sz="1050" i="1" dirty="0"/>
+          </a:p>
+          <a:p>
+            <a:r>
+              <a:rPr lang="en-SG" sz="1050" i="1" dirty="0"/>
+              <a:t>If FY2025 with boost_tier=1.0 and retrieve_recency_boost=0.80: </a:t>
+            </a:r>
+          </a:p>
+          <a:p>
+            <a:r>
+              <a:rPr lang="en-SG" sz="1050" b="1" i="1" dirty="0"/>
+              <a:t>score_rrf = 0.0304 * (1 + 0.80) = 0.0547</a:t>
+            </a:r>
+          </a:p>
+        </p:txBody>
+      </p:sp>
+      <p:sp>
+        <p:nvSpPr>
+          <p:cNvPr id="38" name="TextBox 37">
+            <a:extLst>
+              <a:ext uri="{FF2B5EF4-FFF2-40B4-BE49-F238E27FC236}">
+                <a16:creationId xmlns:a16="http://schemas.microsoft.com/office/drawing/2014/main" id="{20F3FFC3-0E20-CFEA-D386-7DDED5FA112D}"/>
+              </a:ext>
+            </a:extLst>
+          </p:cNvPr>
+          <p:cNvSpPr txBox="1"/>
+          <p:nvPr/>
+        </p:nvSpPr>
+        <p:spPr>
+          <a:xfrm>
+            <a:off x="7766326" y="4892911"/>
+            <a:ext cx="4311373" cy="1115690"/>
+          </a:xfrm>
+          <a:prstGeom prst="rect">
+            <a:avLst/>
+          </a:prstGeom>
+          <a:solidFill>
+            <a:schemeClr val="accent6">
+              <a:lumMod val="40000"/>
+              <a:lumOff val="60000"/>
+            </a:schemeClr>
+          </a:solidFill>
+        </p:spPr>
+        <p:txBody>
+          <a:bodyPr wrap="square">
+            <a:spAutoFit/>
+          </a:bodyPr>
+          <a:lstStyle/>
+          <a:p>
+            <a:r>
+              <a:rPr lang="en-SG" sz="1400" b="1" i="1" dirty="0"/>
+              <a:t>Illustrative Example – Re-ranking (w recency boost)</a:t>
+            </a:r>
+          </a:p>
+          <a:p>
+            <a:r>
+              <a:rPr lang="en-SG" sz="1050" i="1" dirty="0"/>
+              <a:t>Raw cross-encoder scores for a query: min= -2.0, max= 3.0</a:t>
+            </a:r>
+          </a:p>
+          <a:p>
+            <a:r>
+              <a:rPr lang="en-SG" sz="1050" i="1" dirty="0"/>
+              <a:t>A hit with score=1.0 → score_norm = (1 - (-2)) / (3 - (-2)) = 0.6</a:t>
+            </a:r>
+          </a:p>
+          <a:p>
+            <a:endParaRPr lang="en-SG" sz="1050" i="1" dirty="0"/>
+          </a:p>
+          <a:p>
+            <a:r>
+              <a:rPr lang="en-SG" sz="1050" i="1" dirty="0"/>
+              <a:t>If FY2025 and boost_tier=1.0 with boost=0.80: </a:t>
+            </a:r>
+          </a:p>
+          <a:p>
+            <a:r>
+              <a:rPr lang="en-SG" sz="1050" b="1" i="1" dirty="0"/>
+              <a:t>score_final = 0.6 * (1 + 0.80) = 1.08</a:t>
+            </a:r>
+          </a:p>
+        </p:txBody>
+      </p:sp>
+      <p:sp>
+        <p:nvSpPr>
+          <p:cNvPr id="39" name="TextBox 38">
+            <a:extLst>
+              <a:ext uri="{FF2B5EF4-FFF2-40B4-BE49-F238E27FC236}">
+                <a16:creationId xmlns:a16="http://schemas.microsoft.com/office/drawing/2014/main" id="{8A528881-0ADD-DDB8-B326-DAA96FFFC21D}"/>
+              </a:ext>
+            </a:extLst>
+          </p:cNvPr>
+          <p:cNvSpPr txBox="1"/>
+          <p:nvPr/>
+        </p:nvSpPr>
+        <p:spPr>
+          <a:xfrm>
+            <a:off x="3792815" y="1853754"/>
+            <a:ext cx="3390900" cy="1815882"/>
           </a:xfrm>
           <a:prstGeom prst="rect">
             <a:avLst/>
@@ -12567,72 +13388,185 @@
           <a:lstStyle/>
           <a:p>
             <a:r>
-              <a:rPr lang="en-SG" sz="1400" i="1" dirty="0" err="1"/>
-              <a:t>score_ce</a:t>
-            </a:r>
-            <a:r>
-              <a:rPr lang="en-SG" sz="1400" i="1" dirty="0"/>
-              <a:t> = </a:t>
-            </a:r>
-            <a:r>
-              <a:rPr lang="en-SG" sz="1400" i="1" dirty="0" err="1"/>
-              <a:t>cross_encoder.predict</a:t>
-            </a:r>
-            <a:r>
-              <a:rPr lang="en-SG" sz="1400" i="1" dirty="0"/>
-              <a:t>(query, </a:t>
-            </a:r>
-            <a:r>
-              <a:rPr lang="en-SG" sz="1400" i="1" dirty="0" err="1"/>
-              <a:t>hit.text</a:t>
-            </a:r>
-            <a:r>
-              <a:rPr lang="en-SG" sz="1400" i="1" dirty="0"/>
-              <a:t>)</a:t>
-            </a:r>
-          </a:p>
-          <a:p>
-            <a:r>
-              <a:rPr lang="en-SG" sz="1400" i="1" dirty="0" err="1"/>
-              <a:t>score_norm</a:t>
-            </a:r>
-            <a:r>
-              <a:rPr lang="en-SG" sz="1400" i="1" dirty="0"/>
-              <a:t> = (</a:t>
-            </a:r>
-            <a:r>
-              <a:rPr lang="en-SG" sz="1400" i="1" dirty="0" err="1"/>
-              <a:t>score_ce</a:t>
-            </a:r>
-            <a:r>
-              <a:rPr lang="en-SG" sz="1400" i="1" dirty="0"/>
-              <a:t> - min) / (max - min)</a:t>
-            </a:r>
-          </a:p>
-          <a:p>
-            <a:r>
-              <a:rPr lang="en-SG" sz="1400" i="1" dirty="0" err="1"/>
-              <a:t>score_final</a:t>
-            </a:r>
-            <a:r>
-              <a:rPr lang="en-SG" sz="1400" i="1" dirty="0"/>
-              <a:t> = </a:t>
-            </a:r>
-            <a:r>
-              <a:rPr lang="en-SG" sz="1400" i="1" dirty="0" err="1"/>
-              <a:t>score_norm</a:t>
-            </a:r>
-            <a:r>
-              <a:rPr lang="en-SG" sz="1400" i="1" dirty="0"/>
-              <a:t> + </a:t>
-            </a:r>
-            <a:r>
-              <a:rPr lang="en-SG" sz="1400" i="1" dirty="0" err="1"/>
-              <a:t>rerank_recency_boost</a:t>
-            </a:r>
-            <a:r>
-              <a:rPr lang="en-SG" sz="1400" i="1" dirty="0"/>
-              <a:t> (if hit is in recent window)</a:t>
+              <a:rPr lang="en-SG" sz="1600" b="1" dirty="0"/>
+              <a:t>Retrieval-merge with Reciprocal Rank Fusion (RRF)</a:t>
+            </a:r>
+          </a:p>
+          <a:p>
+            <a:pPr marL="285750" indent="-285750">
+              <a:buFont typeface="Wingdings" panose="05000000000000000000" pitchFamily="2" charset="2"/>
+              <a:buChar char="Ø"/>
+            </a:pPr>
+            <a:r>
+              <a:rPr lang="en-SG" sz="1600" dirty="0"/>
+              <a:t>Apply RRF to merge the lists</a:t>
+            </a:r>
+          </a:p>
+          <a:p>
+            <a:pPr marL="285750" indent="-285750">
+              <a:buFont typeface="Wingdings" panose="05000000000000000000" pitchFamily="2" charset="2"/>
+              <a:buChar char="Ø"/>
+            </a:pPr>
+            <a:r>
+              <a:rPr lang="en-SG" sz="1600" dirty="0"/>
+              <a:t>Tiered recency boost (multiplicative), consistent on RRF scores (bounded rank-based)</a:t>
+            </a:r>
+          </a:p>
+          <a:p>
+            <a:pPr marL="285750" indent="-285750">
+              <a:buFont typeface="Wingdings" panose="05000000000000000000" pitchFamily="2" charset="2"/>
+              <a:buChar char="Ø"/>
+            </a:pPr>
+            <a:r>
+              <a:rPr lang="en-SG" sz="1600" dirty="0"/>
+              <a:t>Keep </a:t>
+            </a:r>
+            <a:r>
+              <a:rPr lang="en-SG" sz="1600" i="1" dirty="0"/>
+              <a:t>top_n</a:t>
+            </a:r>
+            <a:endParaRPr lang="en-SG" sz="1600" dirty="0"/>
+          </a:p>
+        </p:txBody>
+      </p:sp>
+      <p:sp>
+        <p:nvSpPr>
+          <p:cNvPr id="40" name="TextBox 39">
+            <a:extLst>
+              <a:ext uri="{FF2B5EF4-FFF2-40B4-BE49-F238E27FC236}">
+                <a16:creationId xmlns:a16="http://schemas.microsoft.com/office/drawing/2014/main" id="{6EB3541F-6034-A520-50F6-27798B5FCEDE}"/>
+              </a:ext>
+            </a:extLst>
+          </p:cNvPr>
+          <p:cNvSpPr txBox="1"/>
+          <p:nvPr/>
+        </p:nvSpPr>
+        <p:spPr>
+          <a:xfrm>
+            <a:off x="284668" y="4259028"/>
+            <a:ext cx="2975912" cy="1654299"/>
+          </a:xfrm>
+          <a:prstGeom prst="rect">
+            <a:avLst/>
+          </a:prstGeom>
+          <a:solidFill>
+            <a:schemeClr val="accent6">
+              <a:lumMod val="40000"/>
+              <a:lumOff val="60000"/>
+            </a:schemeClr>
+          </a:solidFill>
+        </p:spPr>
+        <p:txBody>
+          <a:bodyPr wrap="square">
+            <a:spAutoFit/>
+          </a:bodyPr>
+          <a:lstStyle/>
+          <a:p>
+            <a:r>
+              <a:rPr lang="en-SG" sz="1400" b="1" i="1" dirty="0"/>
+              <a:t>Illustrative Example - </a:t>
+            </a:r>
+            <a:r>
+              <a:rPr lang="en-SG" sz="1400" b="1" i="1" dirty="0">
+                <a:solidFill>
+                  <a:srgbClr val="0070C0"/>
+                </a:solidFill>
+              </a:rPr>
+              <a:t>Boost Tier</a:t>
+            </a:r>
+          </a:p>
+          <a:p>
+            <a:endParaRPr lang="en-SG" sz="1400" i="1" dirty="0"/>
+          </a:p>
+          <a:p>
+            <a:r>
+              <a:rPr lang="en-SG" sz="1050" b="1" i="1" dirty="0"/>
+              <a:t>Example (window = 5, base boost = 0.80, latest FY = 2025, delta = latest FY – doc FY):</a:t>
+            </a:r>
+          </a:p>
+          <a:p>
+            <a:r>
+              <a:rPr lang="en-SG" sz="1050" i="1" dirty="0"/>
+              <a:t>FY2025: delta=0 → tier=1.0 → boost=0.80</a:t>
+            </a:r>
+          </a:p>
+          <a:p>
+            <a:r>
+              <a:rPr lang="en-SG" sz="1050" i="1" dirty="0"/>
+              <a:t>FY2024: delta=1 → tier=0.8 → boost=0.64</a:t>
+            </a:r>
+          </a:p>
+          <a:p>
+            <a:r>
+              <a:rPr lang="en-SG" sz="1050" i="1" dirty="0"/>
+              <a:t>FY2023: delta=2 → tier=0.6 → boost=0.48</a:t>
+            </a:r>
+          </a:p>
+          <a:p>
+            <a:r>
+              <a:rPr lang="en-SG" sz="1050" i="1" dirty="0"/>
+              <a:t>FY2022: delta=3 → tier=0.4 → boost=0.32</a:t>
+            </a:r>
+          </a:p>
+          <a:p>
+            <a:r>
+              <a:rPr lang="en-SG" sz="1050" i="1" dirty="0"/>
+              <a:t>FY2021: delta=4 → tier=0.2 → boost=0.16</a:t>
+            </a:r>
+          </a:p>
+        </p:txBody>
+      </p:sp>
+      <p:sp>
+        <p:nvSpPr>
+          <p:cNvPr id="41" name="TextBox 40">
+            <a:extLst>
+              <a:ext uri="{FF2B5EF4-FFF2-40B4-BE49-F238E27FC236}">
+                <a16:creationId xmlns:a16="http://schemas.microsoft.com/office/drawing/2014/main" id="{388449DB-549E-6DA7-B91F-FB70F39842F5}"/>
+              </a:ext>
+            </a:extLst>
+          </p:cNvPr>
+          <p:cNvSpPr txBox="1"/>
+          <p:nvPr/>
+        </p:nvSpPr>
+        <p:spPr>
+          <a:xfrm>
+            <a:off x="284668" y="3641969"/>
+            <a:ext cx="2975913" cy="600164"/>
+          </a:xfrm>
+          <a:prstGeom prst="rect">
+            <a:avLst/>
+          </a:prstGeom>
+          <a:solidFill>
+            <a:schemeClr val="accent6">
+              <a:lumMod val="20000"/>
+              <a:lumOff val="80000"/>
+            </a:schemeClr>
+          </a:solidFill>
+        </p:spPr>
+        <p:txBody>
+          <a:bodyPr wrap="square">
+            <a:spAutoFit/>
+          </a:bodyPr>
+          <a:lstStyle/>
+          <a:p>
+            <a:r>
+              <a:rPr lang="en-SG" sz="1100" b="1" i="1" dirty="0"/>
+              <a:t>Key Formulas:</a:t>
+            </a:r>
+            <a:endParaRPr lang="en-SG" sz="1100" i="1" dirty="0"/>
+          </a:p>
+          <a:p>
+            <a:r>
+              <a:rPr lang="en-SG" sz="1100" b="1" i="1" dirty="0">
+                <a:solidFill>
+                  <a:srgbClr val="0070C0"/>
+                </a:solidFill>
+              </a:rPr>
+              <a:t>boost_tier </a:t>
+            </a:r>
+            <a:r>
+              <a:rPr lang="en-SG" sz="1100" i="1" dirty="0"/>
+              <a:t>= (window - (latest_year – doc_fy)) / window</a:t>
             </a:r>
           </a:p>
         </p:txBody>

--- a/docs/system_architecture.pptx
+++ b/docs/system_architecture.pptx
@@ -9034,7 +9034,7 @@
               </a:pPr>
               <a:r>
                 <a:rPr lang="en-SG" sz="1600" dirty="0"/>
-                <a:t>Frontend – Vercel</a:t>
+                <a:t>Frontend – Vercel (html / css / js)</a:t>
               </a:r>
             </a:p>
             <a:p>
@@ -9060,7 +9060,7 @@
                     <a:srgbClr val="FF0000"/>
                   </a:solidFill>
                 </a:rPr>
-                <a:t>Fly.io / Cloud Run / Railway</a:t>
+                <a:t>Cloud Run (FastAPI)</a:t>
               </a:r>
               <a:endParaRPr lang="en-SG" sz="1200" kern="1200" dirty="0">
                 <a:solidFill>
@@ -12669,13 +12669,7 @@
               <a:rPr lang="en-SG" sz="1200" i="1" dirty="0">
                 <a:hlinkClick r:id="rId3"/>
               </a:rPr>
-              <a:t>Reference:  What is BM25 (Best Matching 25) Algorithm – </a:t>
-            </a:r>
-            <a:r>
-              <a:rPr lang="en-SG" sz="1200" i="1" dirty="0" err="1">
-                <a:hlinkClick r:id="rId3"/>
-              </a:rPr>
-              <a:t>GeeksforGeeks</a:t>
+              <a:t>Reference:  What is BM25 (Best Matching 25) Algorithm – GeeksforGeeks</a:t>
             </a:r>
             <a:endParaRPr lang="en-SG" sz="1200" dirty="0"/>
           </a:p>
@@ -12726,7 +12720,7 @@
             </a:pPr>
             <a:r>
               <a:rPr lang="en-SG" sz="1200" dirty="0"/>
-              <a:t>Further downstream scoring using the 2 components (dense + sparse) is further  described in separate slide</a:t>
+              <a:t>Further downstream scoring using the 2 components (dense + sparse) is further described in separate slide</a:t>
             </a:r>
           </a:p>
           <a:p>

--- a/docs/system_architecture.pptx
+++ b/docs/system_architecture.pptx
@@ -3730,7 +3730,7 @@
           <a:p>
             <a:fld id="{FC211DB0-4CAC-4D90-907F-FD24F16BC89C}" type="datetimeFigureOut">
               <a:rPr lang="en-SG" smtClean="0"/>
-              <a:t>10/2/2026</a:t>
+              <a:t>11/2/2026</a:t>
             </a:fld>
             <a:endParaRPr lang="en-SG" dirty="0"/>
           </a:p>
@@ -4664,7 +4664,7 @@
           <a:p>
             <a:fld id="{893A27CD-D406-492E-A632-D285B7EF3DB9}" type="datetimeFigureOut">
               <a:rPr lang="en-SG" smtClean="0"/>
-              <a:t>10/2/2026</a:t>
+              <a:t>11/2/2026</a:t>
             </a:fld>
             <a:endParaRPr lang="en-SG" dirty="0"/>
           </a:p>
@@ -4875,7 +4875,7 @@
           <a:p>
             <a:fld id="{893A27CD-D406-492E-A632-D285B7EF3DB9}" type="datetimeFigureOut">
               <a:rPr lang="en-SG" smtClean="0"/>
-              <a:t>10/2/2026</a:t>
+              <a:t>11/2/2026</a:t>
             </a:fld>
             <a:endParaRPr lang="en-SG" dirty="0"/>
           </a:p>
@@ -5090,7 +5090,7 @@
           <a:p>
             <a:fld id="{893A27CD-D406-492E-A632-D285B7EF3DB9}" type="datetimeFigureOut">
               <a:rPr lang="en-SG" smtClean="0"/>
-              <a:t>10/2/2026</a:t>
+              <a:t>11/2/2026</a:t>
             </a:fld>
             <a:endParaRPr lang="en-SG" dirty="0"/>
           </a:p>
@@ -5291,7 +5291,7 @@
           <a:p>
             <a:fld id="{893A27CD-D406-492E-A632-D285B7EF3DB9}" type="datetimeFigureOut">
               <a:rPr lang="en-SG" smtClean="0"/>
-              <a:t>10/2/2026</a:t>
+              <a:t>11/2/2026</a:t>
             </a:fld>
             <a:endParaRPr lang="en-SG" dirty="0"/>
           </a:p>
@@ -5570,7 +5570,7 @@
           <a:p>
             <a:fld id="{893A27CD-D406-492E-A632-D285B7EF3DB9}" type="datetimeFigureOut">
               <a:rPr lang="en-SG" smtClean="0"/>
-              <a:t>10/2/2026</a:t>
+              <a:t>11/2/2026</a:t>
             </a:fld>
             <a:endParaRPr lang="en-SG" dirty="0"/>
           </a:p>
@@ -5838,7 +5838,7 @@
           <a:p>
             <a:fld id="{893A27CD-D406-492E-A632-D285B7EF3DB9}" type="datetimeFigureOut">
               <a:rPr lang="en-SG" smtClean="0"/>
-              <a:t>10/2/2026</a:t>
+              <a:t>11/2/2026</a:t>
             </a:fld>
             <a:endParaRPr lang="en-SG" dirty="0"/>
           </a:p>
@@ -6254,7 +6254,7 @@
           <a:p>
             <a:fld id="{893A27CD-D406-492E-A632-D285B7EF3DB9}" type="datetimeFigureOut">
               <a:rPr lang="en-SG" smtClean="0"/>
-              <a:t>10/2/2026</a:t>
+              <a:t>11/2/2026</a:t>
             </a:fld>
             <a:endParaRPr lang="en-SG" dirty="0"/>
           </a:p>
@@ -6403,7 +6403,7 @@
           <a:p>
             <a:fld id="{893A27CD-D406-492E-A632-D285B7EF3DB9}" type="datetimeFigureOut">
               <a:rPr lang="en-SG" smtClean="0"/>
-              <a:t>10/2/2026</a:t>
+              <a:t>11/2/2026</a:t>
             </a:fld>
             <a:endParaRPr lang="en-SG" dirty="0"/>
           </a:p>
@@ -6529,7 +6529,7 @@
           <a:p>
             <a:fld id="{893A27CD-D406-492E-A632-D285B7EF3DB9}" type="datetimeFigureOut">
               <a:rPr lang="en-SG" smtClean="0"/>
-              <a:t>10/2/2026</a:t>
+              <a:t>11/2/2026</a:t>
             </a:fld>
             <a:endParaRPr lang="en-SG" dirty="0"/>
           </a:p>
@@ -6780,7 +6780,7 @@
           <a:p>
             <a:fld id="{893A27CD-D406-492E-A632-D285B7EF3DB9}" type="datetimeFigureOut">
               <a:rPr lang="en-SG" smtClean="0"/>
-              <a:t>10/2/2026</a:t>
+              <a:t>11/2/2026</a:t>
             </a:fld>
             <a:endParaRPr lang="en-SG" dirty="0"/>
           </a:p>
@@ -7238,7 +7238,7 @@
           <a:p>
             <a:fld id="{893A27CD-D406-492E-A632-D285B7EF3DB9}" type="datetimeFigureOut">
               <a:rPr lang="en-SG" smtClean="0"/>
-              <a:t>10/2/2026</a:t>
+              <a:t>11/2/2026</a:t>
             </a:fld>
             <a:endParaRPr lang="en-SG" dirty="0"/>
           </a:p>
@@ -7572,7 +7572,7 @@
           <a:p>
             <a:fld id="{893A27CD-D406-492E-A632-D285B7EF3DB9}" type="datetimeFigureOut">
               <a:rPr lang="en-SG" smtClean="0"/>
-              <a:t>10/2/2026</a:t>
+              <a:t>11/2/2026</a:t>
             </a:fld>
             <a:endParaRPr lang="en-SG" dirty="0"/>
           </a:p>
@@ -8913,8 +8913,8 @@
         </p:nvGrpSpPr>
         <p:grpSpPr>
           <a:xfrm>
-            <a:off x="5305777" y="6053481"/>
-            <a:ext cx="3604445" cy="627331"/>
+            <a:off x="6257925" y="6071855"/>
+            <a:ext cx="2935236" cy="627331"/>
             <a:chOff x="0" y="0"/>
             <a:chExt cx="1153770" cy="692262"/>
           </a:xfrm>
@@ -8994,7 +8994,7 @@
           <p:spPr>
             <a:xfrm>
               <a:off x="20276" y="20276"/>
-              <a:ext cx="1113218" cy="651710"/>
+              <a:ext cx="1113218" cy="651711"/>
             </a:xfrm>
             <a:prstGeom prst="rect">
               <a:avLst/>
@@ -9033,8 +9033,12 @@
                 <a:buNone/>
               </a:pPr>
               <a:r>
-                <a:rPr lang="en-SG" sz="1600" dirty="0"/>
-                <a:t>Frontend – Vercel (html / css / js)</a:t>
+                <a:rPr lang="en-SG" sz="1600" kern="1200" dirty="0">
+                  <a:solidFill>
+                    <a:schemeClr val="bg1"/>
+                  </a:solidFill>
+                </a:rPr>
+                <a:t>Host App on Google Cloud Run</a:t>
               </a:r>
             </a:p>
             <a:p>
@@ -9051,82 +9055,38 @@
                 <a:buNone/>
               </a:pPr>
               <a:r>
-                <a:rPr lang="en-SG" sz="1600" kern="1200" dirty="0"/>
-                <a:t>Backend – </a:t>
+                <a:rPr lang="en-SG" sz="1600" kern="1200" dirty="0">
+                  <a:solidFill>
+                    <a:schemeClr val="bg1"/>
+                  </a:solidFill>
+                </a:rPr>
+                <a:t>(</a:t>
+              </a:r>
+              <a:r>
+                <a:rPr lang="en-SG" sz="1600" dirty="0">
+                  <a:solidFill>
+                    <a:schemeClr val="bg1"/>
+                  </a:solidFill>
+                </a:rPr>
+                <a:t>Deploy with Docker</a:t>
               </a:r>
               <a:r>
                 <a:rPr lang="en-SG" sz="1600" kern="1200" dirty="0">
                   <a:solidFill>
-                    <a:srgbClr val="FF0000"/>
+                    <a:schemeClr val="bg1"/>
                   </a:solidFill>
                 </a:rPr>
-                <a:t>Cloud Run (FastAPI)</a:t>
+                <a:t>)</a:t>
               </a:r>
               <a:endParaRPr lang="en-SG" sz="1200" kern="1200" dirty="0">
                 <a:solidFill>
-                  <a:srgbClr val="FF0000"/>
+                  <a:schemeClr val="bg1"/>
                 </a:solidFill>
               </a:endParaRPr>
             </a:p>
           </p:txBody>
         </p:sp>
       </p:grpSp>
-      <p:sp>
-        <p:nvSpPr>
-          <p:cNvPr id="17" name="Rectangle 16">
-            <a:extLst>
-              <a:ext uri="{FF2B5EF4-FFF2-40B4-BE49-F238E27FC236}">
-                <a16:creationId xmlns:a16="http://schemas.microsoft.com/office/drawing/2014/main" id="{3337ACDA-50BB-8E5D-4731-1B52C224CBBA}"/>
-              </a:ext>
-            </a:extLst>
-          </p:cNvPr>
-          <p:cNvSpPr/>
-          <p:nvPr/>
-        </p:nvSpPr>
-        <p:spPr>
-          <a:xfrm>
-            <a:off x="10938933" y="0"/>
-            <a:ext cx="1253067" cy="1049235"/>
-          </a:xfrm>
-          <a:prstGeom prst="rect">
-            <a:avLst/>
-          </a:prstGeom>
-          <a:solidFill>
-            <a:srgbClr val="FFFF00"/>
-          </a:solidFill>
-        </p:spPr>
-        <p:style>
-          <a:lnRef idx="2">
-            <a:schemeClr val="accent1">
-              <a:shade val="15000"/>
-            </a:schemeClr>
-          </a:lnRef>
-          <a:fillRef idx="1">
-            <a:schemeClr val="accent1"/>
-          </a:fillRef>
-          <a:effectRef idx="0">
-            <a:schemeClr val="accent1"/>
-          </a:effectRef>
-          <a:fontRef idx="minor">
-            <a:schemeClr val="lt1"/>
-          </a:fontRef>
-        </p:style>
-        <p:txBody>
-          <a:bodyPr rtlCol="0" anchor="ctr"/>
-          <a:lstStyle/>
-          <a:p>
-            <a:pPr algn="ctr"/>
-            <a:r>
-              <a:rPr lang="en-SG" dirty="0">
-                <a:solidFill>
-                  <a:srgbClr val="FF0000"/>
-                </a:solidFill>
-              </a:rPr>
-              <a:t>Red fonts TBC</a:t>
-            </a:r>
-          </a:p>
-        </p:txBody>
-      </p:sp>
     </p:spTree>
     <p:extLst>
       <p:ext uri="{BB962C8B-B14F-4D97-AF65-F5344CB8AC3E}">
@@ -9523,6 +9483,10 @@
                 <a:buFont typeface="Arial" panose="020B0604020202020204" pitchFamily="34" charset="0"/>
                 <a:buChar char="•"/>
               </a:pPr>
+              <a:r>
+                <a:rPr lang="en-SG" sz="1000" dirty="0"/>
+                <a:t>User can specify filter FY on UI (All or Multi-Select)</a:t>
+              </a:r>
               <a:endParaRPr lang="en-SG" sz="1000" kern="1200" dirty="0"/>
             </a:p>
           </p:txBody>
@@ -9702,25 +9666,6 @@
               <a:r>
                 <a:rPr lang="en-SG" sz="1000" dirty="0"/>
                 <a:t>Assess coherence (classify + reason)</a:t>
-              </a:r>
-            </a:p>
-            <a:p>
-              <a:pPr marL="171450" lvl="0" indent="-171450" defTabSz="800100">
-                <a:lnSpc>
-                  <a:spcPct val="90000"/>
-                </a:lnSpc>
-                <a:spcBef>
-                  <a:spcPct val="0"/>
-                </a:spcBef>
-                <a:spcAft>
-                  <a:spcPct val="35000"/>
-                </a:spcAft>
-                <a:buFont typeface="Arial" panose="020B0604020202020204" pitchFamily="34" charset="0"/>
-                <a:buChar char="•"/>
-              </a:pPr>
-              <a:r>
-                <a:rPr lang="en-SG" sz="1000" dirty="0"/>
-                <a:t>Forward year intent (explicit / none)</a:t>
               </a:r>
             </a:p>
             <a:p>
@@ -10154,7 +10099,7 @@
         </p:nvGrpSpPr>
         <p:grpSpPr>
           <a:xfrm rot="10800000">
-            <a:off x="5588614" y="2554537"/>
+            <a:off x="5467870" y="2588842"/>
             <a:ext cx="878101" cy="236637"/>
             <a:chOff x="9272692" y="1547728"/>
             <a:chExt cx="370682" cy="433628"/>
@@ -10910,8 +10855,8 @@
         </p:nvSpPr>
         <p:spPr>
           <a:xfrm>
-            <a:off x="731523" y="1896855"/>
-            <a:ext cx="3281976" cy="590931"/>
+            <a:off x="142876" y="1896855"/>
+            <a:ext cx="4077612" cy="590931"/>
           </a:xfrm>
           <a:prstGeom prst="rect">
             <a:avLst/>
@@ -10938,7 +10883,7 @@
             </a:pPr>
             <a:r>
               <a:rPr lang="en-SG" i="1" dirty="0"/>
-              <a:t>Specialist AIs and Tools exposed as local MCP interface</a:t>
+              <a:t>Specialist AIs and Tools exposed as local MCP interface for potential project extensions</a:t>
             </a:r>
           </a:p>
         </p:txBody>
@@ -11211,7 +11156,7 @@
         </p:nvSpPr>
         <p:spPr>
           <a:xfrm>
-            <a:off x="5227569" y="3801375"/>
+            <a:off x="5191131" y="4068946"/>
             <a:ext cx="1657668" cy="1912062"/>
           </a:xfrm>
           <a:prstGeom prst="rect">
@@ -11343,7 +11288,7 @@
         </p:nvGrpSpPr>
         <p:grpSpPr>
           <a:xfrm>
-            <a:off x="5573690" y="2777843"/>
+            <a:off x="5452946" y="2812148"/>
             <a:ext cx="878101" cy="236637"/>
             <a:chOff x="9272692" y="1547728"/>
             <a:chExt cx="370682" cy="433628"/>
@@ -11485,8 +11430,8 @@
         </p:nvSpPr>
         <p:spPr>
           <a:xfrm>
-            <a:off x="5270497" y="3048478"/>
-            <a:ext cx="1632221" cy="701731"/>
+            <a:off x="5194578" y="3429903"/>
+            <a:ext cx="1794521" cy="549381"/>
           </a:xfrm>
           <a:prstGeom prst="rect">
             <a:avLst/>
@@ -11513,14 +11458,14 @@
             </a:pPr>
             <a:r>
               <a:rPr lang="en-SG" sz="1100" b="1" i="1" dirty="0"/>
-              <a:t>Manager States</a:t>
+              <a:t>Manager States History</a:t>
             </a:r>
             <a:br>
               <a:rPr lang="en-SG" sz="1100" b="1" i="1" dirty="0"/>
             </a:br>
             <a:r>
               <a:rPr lang="en-SG" sz="1100" i="1" dirty="0"/>
-              <a:t>{  “states”: [“execute_plan”, “success", “fail"] }</a:t>
+              <a:t>{ “states”: [“execute_plan”, “success | fail"] }</a:t>
             </a:r>
           </a:p>
         </p:txBody>
@@ -11759,48 +11704,6 @@
             <a:r>
               <a:rPr lang="en-SG" sz="1100" i="1" dirty="0"/>
               <a:t>}</a:t>
-            </a:r>
-          </a:p>
-        </p:txBody>
-      </p:sp>
-      <p:sp>
-        <p:nvSpPr>
-          <p:cNvPr id="17" name="TextBox 16">
-            <a:extLst>
-              <a:ext uri="{FF2B5EF4-FFF2-40B4-BE49-F238E27FC236}">
-                <a16:creationId xmlns:a16="http://schemas.microsoft.com/office/drawing/2014/main" id="{43E5BA77-46D6-8308-7A92-40C0B7EB590B}"/>
-              </a:ext>
-            </a:extLst>
-          </p:cNvPr>
-          <p:cNvSpPr txBox="1"/>
-          <p:nvPr/>
-        </p:nvSpPr>
-        <p:spPr>
-          <a:xfrm>
-            <a:off x="4329588" y="1952624"/>
-            <a:ext cx="2267031" cy="477054"/>
-          </a:xfrm>
-          <a:prstGeom prst="rect">
-            <a:avLst/>
-          </a:prstGeom>
-          <a:noFill/>
-        </p:spPr>
-        <p:txBody>
-          <a:bodyPr wrap="square" rtlCol="0">
-            <a:spAutoFit/>
-          </a:bodyPr>
-          <a:lstStyle/>
-          <a:p>
-            <a:r>
-              <a:rPr lang="en-SG" sz="1400" b="1" i="1" dirty="0"/>
-              <a:t>Input / Output Guardrails</a:t>
-            </a:r>
-            <a:br>
-              <a:rPr lang="en-SG" sz="1100" i="1" dirty="0"/>
-            </a:br>
-            <a:r>
-              <a:rPr lang="en-SG" sz="1100" i="1" dirty="0"/>
-              <a:t>(Specialists, Manager)</a:t>
             </a:r>
           </a:p>
         </p:txBody>
@@ -12144,7 +12047,7 @@
         </p:nvSpPr>
         <p:spPr>
           <a:xfrm>
-            <a:off x="6517180" y="2677353"/>
+            <a:off x="6396436" y="2711658"/>
             <a:ext cx="341581" cy="233572"/>
           </a:xfrm>
           <a:prstGeom prst="flowChartConnector">
@@ -12238,6 +12141,124 @@
                 </a:solidFill>
               </a:rPr>
               <a:t>4</a:t>
+            </a:r>
+          </a:p>
+        </p:txBody>
+      </p:sp>
+      <p:sp>
+        <p:nvSpPr>
+          <p:cNvPr id="9" name="TextBox 8">
+            <a:extLst>
+              <a:ext uri="{FF2B5EF4-FFF2-40B4-BE49-F238E27FC236}">
+                <a16:creationId xmlns:a16="http://schemas.microsoft.com/office/drawing/2014/main" id="{F10B3D9A-5A5D-45AA-427C-ED7AD5D96E45}"/>
+              </a:ext>
+            </a:extLst>
+          </p:cNvPr>
+          <p:cNvSpPr txBox="1"/>
+          <p:nvPr/>
+        </p:nvSpPr>
+        <p:spPr>
+          <a:xfrm>
+            <a:off x="4447612" y="1846254"/>
+            <a:ext cx="2373049" cy="477054"/>
+          </a:xfrm>
+          <a:prstGeom prst="rect">
+            <a:avLst/>
+          </a:prstGeom>
+          <a:noFill/>
+        </p:spPr>
+        <p:txBody>
+          <a:bodyPr wrap="square" rtlCol="0">
+            <a:spAutoFit/>
+          </a:bodyPr>
+          <a:lstStyle/>
+          <a:p>
+            <a:r>
+              <a:rPr lang="en-SG" sz="1400" b="1" i="1" dirty="0"/>
+              <a:t>Input / Output Guardrails</a:t>
+            </a:r>
+            <a:br>
+              <a:rPr lang="en-SG" sz="1100" i="1" dirty="0"/>
+            </a:br>
+            <a:r>
+              <a:rPr lang="en-SG" sz="1100" i="1" dirty="0"/>
+              <a:t>(Specialists, Manager)</a:t>
+            </a:r>
+          </a:p>
+        </p:txBody>
+      </p:sp>
+      <p:sp>
+        <p:nvSpPr>
+          <p:cNvPr id="11" name="TextBox 10">
+            <a:extLst>
+              <a:ext uri="{FF2B5EF4-FFF2-40B4-BE49-F238E27FC236}">
+                <a16:creationId xmlns:a16="http://schemas.microsoft.com/office/drawing/2014/main" id="{566B57B7-D5BC-5A5E-D45E-8D48516E2D0B}"/>
+              </a:ext>
+            </a:extLst>
+          </p:cNvPr>
+          <p:cNvSpPr txBox="1"/>
+          <p:nvPr/>
+        </p:nvSpPr>
+        <p:spPr>
+          <a:xfrm>
+            <a:off x="8592637" y="82260"/>
+            <a:ext cx="3547695" cy="760978"/>
+          </a:xfrm>
+          <a:prstGeom prst="rect">
+            <a:avLst/>
+          </a:prstGeom>
+          <a:noFill/>
+        </p:spPr>
+        <p:txBody>
+          <a:bodyPr wrap="square">
+            <a:spAutoFit/>
+          </a:bodyPr>
+          <a:lstStyle/>
+          <a:p>
+            <a:pPr marL="0" lvl="0" indent="0" defTabSz="800100">
+              <a:lnSpc>
+                <a:spcPct val="90000"/>
+              </a:lnSpc>
+              <a:spcBef>
+                <a:spcPct val="0"/>
+              </a:spcBef>
+              <a:spcAft>
+                <a:spcPct val="35000"/>
+              </a:spcAft>
+              <a:buNone/>
+            </a:pPr>
+            <a:r>
+              <a:rPr lang="en-SG" sz="1100" b="1" i="1" dirty="0"/>
+              <a:t>Note:</a:t>
+            </a:r>
+          </a:p>
+          <a:p>
+            <a:pPr lvl="0" defTabSz="800100">
+              <a:lnSpc>
+                <a:spcPct val="90000"/>
+              </a:lnSpc>
+              <a:spcBef>
+                <a:spcPct val="0"/>
+              </a:spcBef>
+              <a:spcAft>
+                <a:spcPct val="35000"/>
+              </a:spcAft>
+            </a:pPr>
+            <a:r>
+              <a:rPr lang="en-SG" sz="1100" b="1" i="1" dirty="0"/>
+              <a:t>“Manager States”</a:t>
+            </a:r>
+            <a:r>
+              <a:rPr lang="en-SG" sz="1100" i="1" dirty="0"/>
+              <a:t> and </a:t>
+            </a:r>
+            <a:r>
+              <a:rPr lang="en-SG" sz="1100" b="1" i="1" dirty="0"/>
+              <a:t>“Plan Steps” </a:t>
+            </a:r>
+            <a:r>
+              <a:rPr lang="en-SG" sz="1100" i="1" dirty="0"/>
+              <a:t>are separated to allow experiments with different states and plans configurations, while the current control flow is the default.</a:t>
             </a:r>
           </a:p>
         </p:txBody>

--- a/docs/system_architecture.pptx
+++ b/docs/system_architecture.pptx
@@ -3730,7 +3730,7 @@
           <a:p>
             <a:fld id="{FC211DB0-4CAC-4D90-907F-FD24F16BC89C}" type="datetimeFigureOut">
               <a:rPr lang="en-SG" smtClean="0"/>
-              <a:t>11/2/2026</a:t>
+              <a:t>12/2/2026</a:t>
             </a:fld>
             <a:endParaRPr lang="en-SG" dirty="0"/>
           </a:p>
@@ -4664,7 +4664,7 @@
           <a:p>
             <a:fld id="{893A27CD-D406-492E-A632-D285B7EF3DB9}" type="datetimeFigureOut">
               <a:rPr lang="en-SG" smtClean="0"/>
-              <a:t>11/2/2026</a:t>
+              <a:t>12/2/2026</a:t>
             </a:fld>
             <a:endParaRPr lang="en-SG" dirty="0"/>
           </a:p>
@@ -4875,7 +4875,7 @@
           <a:p>
             <a:fld id="{893A27CD-D406-492E-A632-D285B7EF3DB9}" type="datetimeFigureOut">
               <a:rPr lang="en-SG" smtClean="0"/>
-              <a:t>11/2/2026</a:t>
+              <a:t>12/2/2026</a:t>
             </a:fld>
             <a:endParaRPr lang="en-SG" dirty="0"/>
           </a:p>
@@ -5090,7 +5090,7 @@
           <a:p>
             <a:fld id="{893A27CD-D406-492E-A632-D285B7EF3DB9}" type="datetimeFigureOut">
               <a:rPr lang="en-SG" smtClean="0"/>
-              <a:t>11/2/2026</a:t>
+              <a:t>12/2/2026</a:t>
             </a:fld>
             <a:endParaRPr lang="en-SG" dirty="0"/>
           </a:p>
@@ -5291,7 +5291,7 @@
           <a:p>
             <a:fld id="{893A27CD-D406-492E-A632-D285B7EF3DB9}" type="datetimeFigureOut">
               <a:rPr lang="en-SG" smtClean="0"/>
-              <a:t>11/2/2026</a:t>
+              <a:t>12/2/2026</a:t>
             </a:fld>
             <a:endParaRPr lang="en-SG" dirty="0"/>
           </a:p>
@@ -5570,7 +5570,7 @@
           <a:p>
             <a:fld id="{893A27CD-D406-492E-A632-D285B7EF3DB9}" type="datetimeFigureOut">
               <a:rPr lang="en-SG" smtClean="0"/>
-              <a:t>11/2/2026</a:t>
+              <a:t>12/2/2026</a:t>
             </a:fld>
             <a:endParaRPr lang="en-SG" dirty="0"/>
           </a:p>
@@ -5838,7 +5838,7 @@
           <a:p>
             <a:fld id="{893A27CD-D406-492E-A632-D285B7EF3DB9}" type="datetimeFigureOut">
               <a:rPr lang="en-SG" smtClean="0"/>
-              <a:t>11/2/2026</a:t>
+              <a:t>12/2/2026</a:t>
             </a:fld>
             <a:endParaRPr lang="en-SG" dirty="0"/>
           </a:p>
@@ -6254,7 +6254,7 @@
           <a:p>
             <a:fld id="{893A27CD-D406-492E-A632-D285B7EF3DB9}" type="datetimeFigureOut">
               <a:rPr lang="en-SG" smtClean="0"/>
-              <a:t>11/2/2026</a:t>
+              <a:t>12/2/2026</a:t>
             </a:fld>
             <a:endParaRPr lang="en-SG" dirty="0"/>
           </a:p>
@@ -6403,7 +6403,7 @@
           <a:p>
             <a:fld id="{893A27CD-D406-492E-A632-D285B7EF3DB9}" type="datetimeFigureOut">
               <a:rPr lang="en-SG" smtClean="0"/>
-              <a:t>11/2/2026</a:t>
+              <a:t>12/2/2026</a:t>
             </a:fld>
             <a:endParaRPr lang="en-SG" dirty="0"/>
           </a:p>
@@ -6529,7 +6529,7 @@
           <a:p>
             <a:fld id="{893A27CD-D406-492E-A632-D285B7EF3DB9}" type="datetimeFigureOut">
               <a:rPr lang="en-SG" smtClean="0"/>
-              <a:t>11/2/2026</a:t>
+              <a:t>12/2/2026</a:t>
             </a:fld>
             <a:endParaRPr lang="en-SG" dirty="0"/>
           </a:p>
@@ -6780,7 +6780,7 @@
           <a:p>
             <a:fld id="{893A27CD-D406-492E-A632-D285B7EF3DB9}" type="datetimeFigureOut">
               <a:rPr lang="en-SG" smtClean="0"/>
-              <a:t>11/2/2026</a:t>
+              <a:t>12/2/2026</a:t>
             </a:fld>
             <a:endParaRPr lang="en-SG" dirty="0"/>
           </a:p>
@@ -7238,7 +7238,7 @@
           <a:p>
             <a:fld id="{893A27CD-D406-492E-A632-D285B7EF3DB9}" type="datetimeFigureOut">
               <a:rPr lang="en-SG" smtClean="0"/>
-              <a:t>11/2/2026</a:t>
+              <a:t>12/2/2026</a:t>
             </a:fld>
             <a:endParaRPr lang="en-SG" dirty="0"/>
           </a:p>
@@ -7572,7 +7572,7 @@
           <a:p>
             <a:fld id="{893A27CD-D406-492E-A632-D285B7EF3DB9}" type="datetimeFigureOut">
               <a:rPr lang="en-SG" smtClean="0"/>
-              <a:t>11/2/2026</a:t>
+              <a:t>12/2/2026</a:t>
             </a:fld>
             <a:endParaRPr lang="en-SG" dirty="0"/>
           </a:p>
@@ -8142,7 +8142,7 @@
         <p:spPr>
           <a:xfrm>
             <a:off x="1382842" y="2045391"/>
-            <a:ext cx="9603275" cy="3416320"/>
+            <a:ext cx="9603275" cy="3693319"/>
           </a:xfrm>
           <a:prstGeom prst="rect">
             <a:avLst/>
@@ -8157,7 +8157,7 @@
           <a:p>
             <a:r>
               <a:rPr lang="en-SG" dirty="0"/>
-              <a:t>This system focuses on interpreting narrative content from publicly available Singapore Budget documents after normalization to text. </a:t>
+              <a:t>This system focuses on answering one-shot queries by retrieving, summarize and cite from publicly available Singapore Budget documents after normalization to text. </a:t>
             </a:r>
           </a:p>
           <a:p>
@@ -8184,7 +8184,7 @@
           <a:p>
             <a:r>
               <a:rPr lang="en-SG" dirty="0"/>
-              <a:t>Potential extensions could incorporate structured extraction and numerical reasoning, but are intentionally excluded here to isolate and evaluate RAG-LLM grounding and agentic control behaviours.</a:t>
+              <a:t>Potential extensions could incorporate structured extraction (e.g. to build Financials datasets), more focus on reasoning and analysis (numerical, narrative) covering policy and financial, but are intentionally excluded here to isolate and evaluate RAG-LLM grounding and agentic control behaviours.</a:t>
             </a:r>
           </a:p>
         </p:txBody>
@@ -10099,7 +10099,7 @@
         </p:nvGrpSpPr>
         <p:grpSpPr>
           <a:xfrm rot="10800000">
-            <a:off x="5467870" y="2588842"/>
+            <a:off x="5448457" y="2588842"/>
             <a:ext cx="878101" cy="236637"/>
             <a:chOff x="9272692" y="1547728"/>
             <a:chExt cx="370682" cy="433628"/>
@@ -10855,8 +10855,8 @@
         </p:nvSpPr>
         <p:spPr>
           <a:xfrm>
-            <a:off x="142876" y="1896855"/>
-            <a:ext cx="4077612" cy="590931"/>
+            <a:off x="118577" y="1951778"/>
+            <a:ext cx="4486131" cy="480131"/>
           </a:xfrm>
           <a:prstGeom prst="rect">
             <a:avLst/>
@@ -10882,8 +10882,8 @@
               <a:buNone/>
             </a:pPr>
             <a:r>
-              <a:rPr lang="en-SG" i="1" dirty="0"/>
-              <a:t>Specialist AIs and Tools exposed as local MCP interface for potential project extensions</a:t>
+              <a:rPr lang="en-SG" sz="1400" i="1" dirty="0"/>
+              <a:t>Specialist AIs and Tools exposed as a local MCP-style interface to standardize structure and keep traces visually consistent.</a:t>
             </a:r>
           </a:p>
         </p:txBody>
@@ -11044,8 +11044,8 @@
         </p:nvSpPr>
         <p:spPr>
           <a:xfrm>
-            <a:off x="8184261" y="3921920"/>
-            <a:ext cx="1324065" cy="818686"/>
+            <a:off x="8195758" y="4130763"/>
+            <a:ext cx="1859905" cy="666336"/>
           </a:xfrm>
           <a:prstGeom prst="rect">
             <a:avLst/>
@@ -11156,8 +11156,8 @@
         </p:nvSpPr>
         <p:spPr>
           <a:xfrm>
-            <a:off x="5191131" y="4068946"/>
-            <a:ext cx="1657668" cy="1912062"/>
+            <a:off x="8581702" y="1259702"/>
+            <a:ext cx="3467421" cy="456279"/>
           </a:xfrm>
           <a:prstGeom prst="rect">
             <a:avLst/>
@@ -11200,76 +11200,7 @@
             </a:pPr>
             <a:r>
               <a:rPr lang="en-SG" sz="1100" i="1" dirty="0"/>
-              <a:t>{</a:t>
-            </a:r>
-          </a:p>
-          <a:p>
-            <a:pPr lvl="0" defTabSz="800100">
-              <a:lnSpc>
-                <a:spcPct val="90000"/>
-              </a:lnSpc>
-              <a:spcBef>
-                <a:spcPct val="0"/>
-              </a:spcBef>
-              <a:spcAft>
-                <a:spcPct val="35000"/>
-              </a:spcAft>
-            </a:pPr>
-            <a:r>
-              <a:rPr lang="en-SG" sz="1100" i="1" dirty="0"/>
-              <a:t>  “steps”: ["retrieve", "rerank", "synthesize”, “reflect”],</a:t>
-            </a:r>
-          </a:p>
-          <a:p>
-            <a:pPr lvl="0" defTabSz="800100">
-              <a:lnSpc>
-                <a:spcPct val="90000"/>
-              </a:lnSpc>
-              <a:spcBef>
-                <a:spcPct val="0"/>
-              </a:spcBef>
-              <a:spcAft>
-                <a:spcPct val="35000"/>
-              </a:spcAft>
-            </a:pPr>
-            <a:r>
-              <a:rPr lang="en-SG" sz="1100" i="1" dirty="0"/>
-              <a:t>  “top_k”: …,</a:t>
-            </a:r>
-          </a:p>
-          <a:p>
-            <a:pPr lvl="0" defTabSz="800100">
-              <a:lnSpc>
-                <a:spcPct val="90000"/>
-              </a:lnSpc>
-              <a:spcBef>
-                <a:spcPct val="0"/>
-              </a:spcBef>
-              <a:spcAft>
-                <a:spcPct val="35000"/>
-              </a:spcAft>
-            </a:pPr>
-            <a:r>
-              <a:rPr lang="en-SG" sz="1100" i="1" dirty="0"/>
-              <a:t>  “top_n”: …</a:t>
-            </a:r>
-          </a:p>
-          <a:p>
-            <a:pPr marL="0" lvl="0" indent="0" defTabSz="800100">
-              <a:lnSpc>
-                <a:spcPct val="90000"/>
-              </a:lnSpc>
-              <a:spcBef>
-                <a:spcPct val="0"/>
-              </a:spcBef>
-              <a:spcAft>
-                <a:spcPct val="35000"/>
-              </a:spcAft>
-              <a:buNone/>
-            </a:pPr>
-            <a:r>
-              <a:rPr lang="en-SG" sz="1100" i="1" dirty="0"/>
-              <a:t>}</a:t>
+              <a:t>["retrieve", "rerank", "synthesize”, “reflect”]</a:t>
             </a:r>
           </a:p>
         </p:txBody>
@@ -11430,8 +11361,8 @@
         </p:nvSpPr>
         <p:spPr>
           <a:xfrm>
-            <a:off x="5194578" y="3429903"/>
-            <a:ext cx="1794521" cy="549381"/>
+            <a:off x="8596352" y="886389"/>
+            <a:ext cx="1990645" cy="397032"/>
           </a:xfrm>
           <a:prstGeom prst="rect">
             <a:avLst/>
@@ -11465,7 +11396,7 @@
             </a:br>
             <a:r>
               <a:rPr lang="en-SG" sz="1100" i="1" dirty="0"/>
-              <a:t>{ “states”: [“execute_plan”, “success | fail"] }</a:t>
+              <a:t>[“execute_plan”, “success | fail"]</a:t>
             </a:r>
           </a:p>
         </p:txBody>
@@ -11520,7 +11451,7 @@
         <p:spPr>
           <a:xfrm>
             <a:off x="9270" y="2841988"/>
-            <a:ext cx="1688459" cy="2910797"/>
+            <a:ext cx="1688459" cy="1759712"/>
           </a:xfrm>
           <a:prstGeom prst="rect">
             <a:avLst/>
@@ -11547,11 +11478,11 @@
             </a:pPr>
             <a:r>
               <a:rPr lang="en-SG" sz="1100" b="1" i="1" dirty="0"/>
-              <a:t>Example Reflection options</a:t>
-            </a:r>
-          </a:p>
-          <a:p>
-            <a:pPr marL="0" lvl="0" indent="0" defTabSz="800100">
+              <a:t>Evaluation Approach</a:t>
+            </a:r>
+          </a:p>
+          <a:p>
+            <a:pPr marL="228600" lvl="0" indent="-228600" defTabSz="800100">
               <a:lnSpc>
                 <a:spcPct val="90000"/>
               </a:lnSpc>
@@ -11561,15 +11492,15 @@
               <a:spcAft>
                 <a:spcPct val="35000"/>
               </a:spcAft>
-              <a:buNone/>
+              <a:buAutoNum type="arabicPeriod"/>
             </a:pPr>
             <a:r>
-              <a:rPr lang="en-SG" sz="1100" i="1" dirty="0"/>
-              <a:t>Possible reasons = [ “low_coverage”,”ok”]</a:t>
-            </a:r>
-          </a:p>
-          <a:p>
-            <a:pPr marL="0" lvl="0" indent="0" defTabSz="800100">
+              <a:rPr lang="en-SG" sz="1100" b="1" i="1" dirty="0"/>
+              <a:t>LLM-as-judge</a:t>
+            </a:r>
+          </a:p>
+          <a:p>
+            <a:pPr marL="685800" lvl="1" indent="-228600" defTabSz="800100">
               <a:lnSpc>
                 <a:spcPct val="90000"/>
               </a:lnSpc>
@@ -11579,15 +11510,16 @@
               <a:spcAft>
                 <a:spcPct val="35000"/>
               </a:spcAft>
-              <a:buNone/>
+              <a:buFont typeface="+mj-lt"/>
+              <a:buAutoNum type="arabicPeriod"/>
             </a:pPr>
             <a:r>
               <a:rPr lang="en-SG" sz="1100" i="1" dirty="0"/>
-              <a:t># LLM as judge for to determine reason and confidence</a:t>
-            </a:r>
-          </a:p>
-          <a:p>
-            <a:pPr marL="0" lvl="0" indent="0" defTabSz="800100">
+              <a:t>Confidence score</a:t>
+            </a:r>
+          </a:p>
+          <a:p>
+            <a:pPr marL="685800" lvl="1" indent="-228600" defTabSz="800100">
               <a:lnSpc>
                 <a:spcPct val="90000"/>
               </a:lnSpc>
@@ -11597,12 +11529,16 @@
               <a:spcAft>
                 <a:spcPct val="35000"/>
               </a:spcAft>
-              <a:buNone/>
+              <a:buFont typeface="+mj-lt"/>
+              <a:buAutoNum type="arabicPeriod"/>
             </a:pPr>
-            <a:endParaRPr lang="en-SG" sz="1100" i="1" dirty="0"/>
-          </a:p>
-          <a:p>
-            <a:pPr lvl="0" defTabSz="800100">
+            <a:r>
+              <a:rPr lang="en-SG" sz="1100" i="1" dirty="0"/>
+              <a:t>Comments on Relevance</a:t>
+            </a:r>
+          </a:p>
+          <a:p>
+            <a:pPr marL="685800" lvl="1" indent="-228600" defTabSz="800100">
               <a:lnSpc>
                 <a:spcPct val="90000"/>
               </a:lnSpc>
@@ -11612,15 +11548,16 @@
               <a:spcAft>
                 <a:spcPct val="35000"/>
               </a:spcAft>
+              <a:buFont typeface="+mj-lt"/>
+              <a:buAutoNum type="arabicPeriod"/>
             </a:pPr>
             <a:r>
-              <a:rPr lang="en-SG" sz="1100" b="1" i="1" dirty="0"/>
-              <a:t>Example Reflection output</a:t>
-            </a:r>
-            <a:endParaRPr lang="en-SG" sz="1100" i="1" dirty="0"/>
-          </a:p>
-          <a:p>
-            <a:pPr marL="0" lvl="0" indent="0" defTabSz="800100">
+              <a:rPr lang="en-SG" sz="1100" i="1" dirty="0"/>
+              <a:t>Comments on Evidence</a:t>
+            </a:r>
+          </a:p>
+          <a:p>
+            <a:pPr marL="228600" indent="-228600" defTabSz="800100">
               <a:lnSpc>
                 <a:spcPct val="90000"/>
               </a:lnSpc>
@@ -11630,80 +11567,12 @@
               <a:spcAft>
                 <a:spcPct val="35000"/>
               </a:spcAft>
-              <a:buNone/>
+              <a:buFont typeface="+mj-lt"/>
+              <a:buAutoNum type="arabicPeriod"/>
             </a:pPr>
             <a:r>
-              <a:rPr lang="en-SG" sz="1100" i="1" dirty="0"/>
-              <a:t>{</a:t>
-            </a:r>
-          </a:p>
-          <a:p>
-            <a:pPr lvl="0" defTabSz="800100">
-              <a:lnSpc>
-                <a:spcPct val="90000"/>
-              </a:lnSpc>
-              <a:spcBef>
-                <a:spcPct val="0"/>
-              </a:spcBef>
-              <a:spcAft>
-                <a:spcPct val="35000"/>
-              </a:spcAft>
-            </a:pPr>
-            <a:r>
-              <a:rPr lang="en-SG" sz="1100" i="1" dirty="0"/>
-              <a:t>  “reason”: “low_coverage”,</a:t>
-            </a:r>
-          </a:p>
-          <a:p>
-            <a:pPr lvl="0" defTabSz="800100">
-              <a:lnSpc>
-                <a:spcPct val="90000"/>
-              </a:lnSpc>
-              <a:spcBef>
-                <a:spcPct val="0"/>
-              </a:spcBef>
-              <a:spcAft>
-                <a:spcPct val="35000"/>
-              </a:spcAft>
-            </a:pPr>
-            <a:r>
-              <a:rPr lang="en-SG" sz="1100" i="1" dirty="0"/>
-              <a:t>  “confidence”: 0.2,</a:t>
-            </a:r>
-          </a:p>
-          <a:p>
-            <a:pPr lvl="0" defTabSz="800100">
-              <a:lnSpc>
-                <a:spcPct val="90000"/>
-              </a:lnSpc>
-              <a:spcBef>
-                <a:spcPct val="0"/>
-              </a:spcBef>
-              <a:spcAft>
-                <a:spcPct val="35000"/>
-              </a:spcAft>
-            </a:pPr>
-            <a:r>
-              <a:rPr lang="en-SG" sz="1100" i="1" dirty="0"/>
-              <a:t>  “reflection_comments”: …</a:t>
-            </a:r>
-          </a:p>
-          <a:p>
-            <a:pPr marL="0" lvl="0" indent="0" defTabSz="800100">
-              <a:lnSpc>
-                <a:spcPct val="90000"/>
-              </a:lnSpc>
-              <a:spcBef>
-                <a:spcPct val="0"/>
-              </a:spcBef>
-              <a:spcAft>
-                <a:spcPct val="35000"/>
-              </a:spcAft>
-              <a:buNone/>
-            </a:pPr>
-            <a:r>
-              <a:rPr lang="en-SG" sz="1100" i="1" dirty="0"/>
-              <a:t>}</a:t>
+              <a:rPr lang="en-SG" sz="1100" b="1" i="1" dirty="0"/>
+              <a:t>Human-in-the-loop</a:t>
             </a:r>
           </a:p>
         </p:txBody>
@@ -11723,7 +11592,7 @@
         <p:spPr>
           <a:xfrm>
             <a:off x="8191657" y="4854426"/>
-            <a:ext cx="1571807" cy="802527"/>
+            <a:ext cx="1571807" cy="590931"/>
           </a:xfrm>
           <a:prstGeom prst="rect">
             <a:avLst/>
@@ -11757,24 +11626,7 @@
             </a:br>
             <a:r>
               <a:rPr lang="en-SG" sz="1100" i="1" dirty="0"/>
-              <a:t>(incoherent_query, guardrail_block,</a:t>
-            </a:r>
-          </a:p>
-          <a:p>
-            <a:pPr lvl="0" defTabSz="800100">
-              <a:lnSpc>
-                <a:spcPct val="90000"/>
-              </a:lnSpc>
-              <a:spcBef>
-                <a:spcPct val="0"/>
-              </a:spcBef>
-              <a:spcAft>
-                <a:spcPct val="35000"/>
-              </a:spcAft>
-            </a:pPr>
-            <a:r>
-              <a:rPr lang="en-SG" sz="1100" i="1" dirty="0"/>
-              <a:t>unknown_state …)</a:t>
+              <a:t>(incoherent_query, guardrail_block …)</a:t>
             </a:r>
           </a:p>
         </p:txBody>
@@ -12159,8 +12011,8 @@
         </p:nvSpPr>
         <p:spPr>
           <a:xfrm>
-            <a:off x="4447612" y="1846254"/>
-            <a:ext cx="2373049" cy="477054"/>
+            <a:off x="4744463" y="1942218"/>
+            <a:ext cx="2187268" cy="477054"/>
           </a:xfrm>
           <a:prstGeom prst="rect">
             <a:avLst/>
@@ -12259,6 +12111,62 @@
             <a:r>
               <a:rPr lang="en-SG" sz="1100" i="1" dirty="0"/>
               <a:t>are separated to allow experiments with different states and plans configurations, while the current control flow is the default.</a:t>
+            </a:r>
+          </a:p>
+        </p:txBody>
+      </p:sp>
+      <p:sp>
+        <p:nvSpPr>
+          <p:cNvPr id="12" name="Flowchart: Connector 11">
+            <a:extLst>
+              <a:ext uri="{FF2B5EF4-FFF2-40B4-BE49-F238E27FC236}">
+                <a16:creationId xmlns:a16="http://schemas.microsoft.com/office/drawing/2014/main" id="{BC480591-C1E5-AC7D-7D5B-F0D0D1E7F4F2}"/>
+              </a:ext>
+            </a:extLst>
+          </p:cNvPr>
+          <p:cNvSpPr/>
+          <p:nvPr/>
+        </p:nvSpPr>
+        <p:spPr>
+          <a:xfrm>
+            <a:off x="8222371" y="328793"/>
+            <a:ext cx="341581" cy="233572"/>
+          </a:xfrm>
+          <a:prstGeom prst="flowChartConnector">
+            <a:avLst/>
+          </a:prstGeom>
+          <a:solidFill>
+            <a:srgbClr val="FFC000"/>
+          </a:solidFill>
+        </p:spPr>
+        <p:style>
+          <a:lnRef idx="2">
+            <a:schemeClr val="accent1">
+              <a:shade val="15000"/>
+            </a:schemeClr>
+          </a:lnRef>
+          <a:fillRef idx="1">
+            <a:schemeClr val="accent1"/>
+          </a:fillRef>
+          <a:effectRef idx="0">
+            <a:schemeClr val="accent1"/>
+          </a:effectRef>
+          <a:fontRef idx="minor">
+            <a:schemeClr val="lt1"/>
+          </a:fontRef>
+        </p:style>
+        <p:txBody>
+          <a:bodyPr rtlCol="0" anchor="ctr"/>
+          <a:lstStyle/>
+          <a:p>
+            <a:pPr algn="ctr"/>
+            <a:r>
+              <a:rPr lang="en-SG" sz="1200" dirty="0">
+                <a:solidFill>
+                  <a:schemeClr val="tx1"/>
+                </a:solidFill>
+              </a:rPr>
+              <a:t>3</a:t>
             </a:r>
           </a:p>
         </p:txBody>
